--- a/proj1/presentation/pres.pptx
+++ b/proj1/presentation/pres.pptx
@@ -5,7 +5,7 @@
     <p:sldMasterId id="2147483672" r:id="rId1"/>
   </p:sldMasterIdLst>
   <p:notesMasterIdLst>
-    <p:notesMasterId r:id="rId33"/>
+    <p:notesMasterId r:id="rId34"/>
   </p:notesMasterIdLst>
   <p:sldIdLst>
     <p:sldId id="256" r:id="rId2"/>
@@ -30,15 +30,16 @@
     <p:sldId id="270" r:id="rId21"/>
     <p:sldId id="272" r:id="rId22"/>
     <p:sldId id="277" r:id="rId23"/>
-    <p:sldId id="285" r:id="rId24"/>
-    <p:sldId id="278" r:id="rId25"/>
-    <p:sldId id="283" r:id="rId26"/>
-    <p:sldId id="282" r:id="rId27"/>
-    <p:sldId id="279" r:id="rId28"/>
-    <p:sldId id="280" r:id="rId29"/>
-    <p:sldId id="281" r:id="rId30"/>
-    <p:sldId id="284" r:id="rId31"/>
-    <p:sldId id="286" r:id="rId32"/>
+    <p:sldId id="287" r:id="rId24"/>
+    <p:sldId id="285" r:id="rId25"/>
+    <p:sldId id="278" r:id="rId26"/>
+    <p:sldId id="283" r:id="rId27"/>
+    <p:sldId id="282" r:id="rId28"/>
+    <p:sldId id="279" r:id="rId29"/>
+    <p:sldId id="280" r:id="rId30"/>
+    <p:sldId id="281" r:id="rId31"/>
+    <p:sldId id="284" r:id="rId32"/>
+    <p:sldId id="286" r:id="rId33"/>
   </p:sldIdLst>
   <p:sldSz cx="12192000" cy="6858000"/>
   <p:notesSz cx="6858000" cy="9144000"/>
@@ -150,2076 +151,7 @@
 </file>
 
 <file path=ppt/charts/chart1.xml><?xml version="1.0" encoding="utf-8"?>
-<c:chartSpace xmlns:c="http://schemas.openxmlformats.org/drawingml/2006/chart" xmlns:a="http://schemas.openxmlformats.org/drawingml/2006/main" xmlns:r="http://schemas.openxmlformats.org/officeDocument/2006/relationships" xmlns:c16r2="http://schemas.microsoft.com/office/drawing/2015/06/chart">
-  <c:date1904 val="0"/>
-  <c:lang val="en-US"/>
-  <c:roundedCorners val="0"/>
-  <mc:AlternateContent xmlns:mc="http://schemas.openxmlformats.org/markup-compatibility/2006">
-    <mc:Choice xmlns:c14="http://schemas.microsoft.com/office/drawing/2007/8/2/chart" Requires="c14">
-      <c14:style val="103"/>
-    </mc:Choice>
-    <mc:Fallback>
-      <c:style val="3"/>
-    </mc:Fallback>
-  </mc:AlternateContent>
-  <c:chart>
-    <c:title>
-      <c:tx>
-        <c:rich>
-          <a:bodyPr rot="0" spcFirstLastPara="1" vertOverflow="ellipsis" vert="horz" wrap="square" anchor="ctr" anchorCtr="1"/>
-          <a:lstStyle/>
-          <a:p>
-            <a:pPr>
-              <a:defRPr sz="2400" b="0" i="0" u="none" strike="noStrike" kern="1200" spc="0" baseline="0">
-                <a:solidFill>
-                  <a:schemeClr val="tx1">
-                    <a:lumMod val="65000"/>
-                    <a:lumOff val="35000"/>
-                  </a:schemeClr>
-                </a:solidFill>
-                <a:latin typeface="+mn-lt"/>
-                <a:ea typeface="+mn-ea"/>
-                <a:cs typeface="+mn-cs"/>
-              </a:defRPr>
-            </a:pPr>
-            <a:r>
-              <a:rPr lang="en-US" sz="2000" dirty="0"/>
-              <a:t>Accuracy</a:t>
-            </a:r>
-            <a:r>
-              <a:rPr lang="en-US" sz="2000" baseline="0" dirty="0"/>
-              <a:t> of 1-NN vs 7-NN Using Our K-NN Classifier on the </a:t>
-            </a:r>
-            <a:r>
-              <a:rPr lang="en-US" sz="2000" b="0" i="0" u="none" strike="noStrike" baseline="0" dirty="0">
-                <a:effectLst/>
-              </a:rPr>
-              <a:t>🌸</a:t>
-            </a:r>
-            <a:r>
-              <a:rPr lang="en-US" sz="2000" b="0" i="0" u="none" strike="noStrike" baseline="0" dirty="0"/>
-              <a:t> </a:t>
-            </a:r>
-            <a:r>
-              <a:rPr lang="en-US" sz="2000" baseline="0" dirty="0"/>
-              <a:t>Dataset</a:t>
-            </a:r>
-            <a:endParaRPr lang="en-US" sz="2000" dirty="0"/>
-          </a:p>
-        </c:rich>
-      </c:tx>
-      <c:layout>
-        <c:manualLayout>
-          <c:xMode val="edge"/>
-          <c:yMode val="edge"/>
-          <c:x val="0.14820377331457299"/>
-          <c:y val="2.42716349543818E-2"/>
-        </c:manualLayout>
-      </c:layout>
-      <c:overlay val="0"/>
-      <c:spPr>
-        <a:noFill/>
-        <a:ln>
-          <a:noFill/>
-        </a:ln>
-        <a:effectLst/>
-      </c:spPr>
-      <c:txPr>
-        <a:bodyPr rot="0" spcFirstLastPara="1" vertOverflow="ellipsis" vert="horz" wrap="square" anchor="ctr" anchorCtr="1"/>
-        <a:lstStyle/>
-        <a:p>
-          <a:pPr>
-            <a:defRPr sz="2400" b="0" i="0" u="none" strike="noStrike" kern="1200" spc="0" baseline="0">
-              <a:solidFill>
-                <a:schemeClr val="tx1">
-                  <a:lumMod val="65000"/>
-                  <a:lumOff val="35000"/>
-                </a:schemeClr>
-              </a:solidFill>
-              <a:latin typeface="+mn-lt"/>
-              <a:ea typeface="+mn-ea"/>
-              <a:cs typeface="+mn-cs"/>
-            </a:defRPr>
-          </a:pPr>
-          <a:endParaRPr lang="en-US"/>
-        </a:p>
-      </c:txPr>
-    </c:title>
-    <c:autoTitleDeleted val="0"/>
-    <c:plotArea>
-      <c:layout/>
-      <c:scatterChart>
-        <c:scatterStyle val="smoothMarker"/>
-        <c:varyColors val="0"/>
-        <c:ser>
-          <c:idx val="1"/>
-          <c:order val="0"/>
-          <c:tx>
-            <c:v>7-NN</c:v>
-          </c:tx>
-          <c:spPr>
-            <a:ln w="28575" cap="rnd">
-              <a:solidFill>
-                <a:schemeClr val="accent1"/>
-              </a:solidFill>
-              <a:round/>
-            </a:ln>
-            <a:effectLst/>
-          </c:spPr>
-          <c:marker>
-            <c:symbol val="none"/>
-          </c:marker>
-          <c:xVal>
-            <c:numRef>
-              <c:f>Sheet1!$A$3:$J$3</c:f>
-              <c:numCache>
-                <c:formatCode>General</c:formatCode>
-                <c:ptCount val="10"/>
-                <c:pt idx="0">
-                  <c:v>0</c:v>
-                </c:pt>
-                <c:pt idx="1">
-                  <c:v>2</c:v>
-                </c:pt>
-                <c:pt idx="2">
-                  <c:v>4</c:v>
-                </c:pt>
-                <c:pt idx="3">
-                  <c:v>6</c:v>
-                </c:pt>
-                <c:pt idx="4">
-                  <c:v>8</c:v>
-                </c:pt>
-                <c:pt idx="5">
-                  <c:v>10</c:v>
-                </c:pt>
-                <c:pt idx="6">
-                  <c:v>12</c:v>
-                </c:pt>
-                <c:pt idx="7">
-                  <c:v>14</c:v>
-                </c:pt>
-                <c:pt idx="8">
-                  <c:v>16</c:v>
-                </c:pt>
-                <c:pt idx="9">
-                  <c:v>18</c:v>
-                </c:pt>
-              </c:numCache>
-            </c:numRef>
-          </c:xVal>
-          <c:yVal>
-            <c:numRef>
-              <c:f>Sheet1!$A$6:$J$6</c:f>
-              <c:numCache>
-                <c:formatCode>General</c:formatCode>
-                <c:ptCount val="10"/>
-                <c:pt idx="0">
-                  <c:v>95.720350083546194</c:v>
-                </c:pt>
-                <c:pt idx="1">
-                  <c:v>75.890768063592304</c:v>
-                </c:pt>
-                <c:pt idx="2">
-                  <c:v>49.944161597993201</c:v>
-                </c:pt>
-                <c:pt idx="3">
-                  <c:v>37.533332038665797</c:v>
-                </c:pt>
-                <c:pt idx="4">
-                  <c:v>38.746728184092397</c:v>
-                </c:pt>
-                <c:pt idx="5">
-                  <c:v>37.126867166917698</c:v>
-                </c:pt>
-                <c:pt idx="6">
-                  <c:v>42.8950525882044</c:v>
-                </c:pt>
-                <c:pt idx="7">
-                  <c:v>32.687256719635798</c:v>
-                </c:pt>
-                <c:pt idx="8">
-                  <c:v>30.0088846476567</c:v>
-                </c:pt>
-                <c:pt idx="9">
-                  <c:v>32.582419588105303</c:v>
-                </c:pt>
-              </c:numCache>
-            </c:numRef>
-          </c:yVal>
-          <c:smooth val="1"/>
-          <c:extLst>
-            <c:ext xmlns:c16="http://schemas.microsoft.com/office/drawing/2014/chart" uri="{C3380CC4-5D6E-409C-BE32-E72D297353CC}">
-              <c16:uniqueId val="{00000000-A378-4843-9F43-A5F7B841CE4A}"/>
-            </c:ext>
-          </c:extLst>
-        </c:ser>
-        <c:ser>
-          <c:idx val="2"/>
-          <c:order val="1"/>
-          <c:tx>
-            <c:v>1-NN</c:v>
-          </c:tx>
-          <c:spPr>
-            <a:ln w="38100" cap="rnd">
-              <a:solidFill>
-                <a:schemeClr val="bg2">
-                  <a:lumMod val="50000"/>
-                </a:schemeClr>
-              </a:solidFill>
-              <a:round/>
-            </a:ln>
-            <a:effectLst/>
-          </c:spPr>
-          <c:marker>
-            <c:symbol val="none"/>
-          </c:marker>
-          <c:xVal>
-            <c:numRef>
-              <c:f>Sheet1!$A$3:$J$3</c:f>
-              <c:numCache>
-                <c:formatCode>General</c:formatCode>
-                <c:ptCount val="10"/>
-                <c:pt idx="0">
-                  <c:v>0</c:v>
-                </c:pt>
-                <c:pt idx="1">
-                  <c:v>2</c:v>
-                </c:pt>
-                <c:pt idx="2">
-                  <c:v>4</c:v>
-                </c:pt>
-                <c:pt idx="3">
-                  <c:v>6</c:v>
-                </c:pt>
-                <c:pt idx="4">
-                  <c:v>8</c:v>
-                </c:pt>
-                <c:pt idx="5">
-                  <c:v>10</c:v>
-                </c:pt>
-                <c:pt idx="6">
-                  <c:v>12</c:v>
-                </c:pt>
-                <c:pt idx="7">
-                  <c:v>14</c:v>
-                </c:pt>
-                <c:pt idx="8">
-                  <c:v>16</c:v>
-                </c:pt>
-                <c:pt idx="9">
-                  <c:v>18</c:v>
-                </c:pt>
-              </c:numCache>
-            </c:numRef>
-          </c:xVal>
-          <c:yVal>
-            <c:numRef>
-              <c:f>Sheet1!$A$4:$J$4</c:f>
-              <c:numCache>
-                <c:formatCode>General</c:formatCode>
-                <c:ptCount val="10"/>
-                <c:pt idx="0">
-                  <c:v>95.564177952547396</c:v>
-                </c:pt>
-                <c:pt idx="1">
-                  <c:v>78.128024874436207</c:v>
-                </c:pt>
-                <c:pt idx="2">
-                  <c:v>55.641810442959198</c:v>
-                </c:pt>
-                <c:pt idx="3">
-                  <c:v>40.420796559868101</c:v>
-                </c:pt>
-                <c:pt idx="4">
-                  <c:v>40.783469567358601</c:v>
-                </c:pt>
-                <c:pt idx="5">
-                  <c:v>39.4703715841231</c:v>
-                </c:pt>
-                <c:pt idx="6">
-                  <c:v>28.989934019975099</c:v>
-                </c:pt>
-                <c:pt idx="7">
-                  <c:v>35.432998752631299</c:v>
-                </c:pt>
-                <c:pt idx="8">
-                  <c:v>29.830295305145999</c:v>
-                </c:pt>
-                <c:pt idx="9">
-                  <c:v>31.8963075445477</c:v>
-                </c:pt>
-              </c:numCache>
-            </c:numRef>
-          </c:yVal>
-          <c:smooth val="1"/>
-          <c:extLst>
-            <c:ext xmlns:c16="http://schemas.microsoft.com/office/drawing/2014/chart" uri="{C3380CC4-5D6E-409C-BE32-E72D297353CC}">
-              <c16:uniqueId val="{00000001-A378-4843-9F43-A5F7B841CE4A}"/>
-            </c:ext>
-          </c:extLst>
-        </c:ser>
-        <c:dLbls>
-          <c:showLegendKey val="0"/>
-          <c:showVal val="0"/>
-          <c:showCatName val="0"/>
-          <c:showSerName val="0"/>
-          <c:showPercent val="0"/>
-          <c:showBubbleSize val="0"/>
-        </c:dLbls>
-        <c:axId val="-2029098592"/>
-        <c:axId val="-2029263312"/>
-      </c:scatterChart>
-      <c:valAx>
-        <c:axId val="-2029098592"/>
-        <c:scaling>
-          <c:orientation val="minMax"/>
-          <c:max val="18"/>
-        </c:scaling>
-        <c:delete val="0"/>
-        <c:axPos val="b"/>
-        <c:title>
-          <c:tx>
-            <c:rich>
-              <a:bodyPr rot="0" spcFirstLastPara="1" vertOverflow="ellipsis" vert="horz" wrap="square" anchor="ctr" anchorCtr="1"/>
-              <a:lstStyle/>
-              <a:p>
-                <a:pPr>
-                  <a:defRPr sz="1000" b="0" i="0" u="none" strike="noStrike" kern="1200" baseline="0">
-                    <a:solidFill>
-                      <a:schemeClr val="tx1">
-                        <a:lumMod val="65000"/>
-                        <a:lumOff val="35000"/>
-                      </a:schemeClr>
-                    </a:solidFill>
-                    <a:latin typeface="+mn-lt"/>
-                    <a:ea typeface="+mn-ea"/>
-                    <a:cs typeface="+mn-cs"/>
-                  </a:defRPr>
-                </a:pPr>
-                <a:r>
-                  <a:rPr lang="en-US"/>
-                  <a:t>Irrelevant</a:t>
-                </a:r>
-                <a:r>
-                  <a:rPr lang="en-US" baseline="0"/>
-                  <a:t> Attributes</a:t>
-                </a:r>
-                <a:endParaRPr lang="en-US"/>
-              </a:p>
-            </c:rich>
-          </c:tx>
-          <c:overlay val="0"/>
-          <c:spPr>
-            <a:noFill/>
-            <a:ln>
-              <a:noFill/>
-            </a:ln>
-            <a:effectLst/>
-          </c:spPr>
-          <c:txPr>
-            <a:bodyPr rot="0" spcFirstLastPara="1" vertOverflow="ellipsis" vert="horz" wrap="square" anchor="ctr" anchorCtr="1"/>
-            <a:lstStyle/>
-            <a:p>
-              <a:pPr>
-                <a:defRPr sz="1000" b="0" i="0" u="none" strike="noStrike" kern="1200" baseline="0">
-                  <a:solidFill>
-                    <a:schemeClr val="tx1">
-                      <a:lumMod val="65000"/>
-                      <a:lumOff val="35000"/>
-                    </a:schemeClr>
-                  </a:solidFill>
-                  <a:latin typeface="+mn-lt"/>
-                  <a:ea typeface="+mn-ea"/>
-                  <a:cs typeface="+mn-cs"/>
-                </a:defRPr>
-              </a:pPr>
-              <a:endParaRPr lang="en-US"/>
-            </a:p>
-          </c:txPr>
-        </c:title>
-        <c:numFmt formatCode="General" sourceLinked="1"/>
-        <c:majorTickMark val="none"/>
-        <c:minorTickMark val="none"/>
-        <c:tickLblPos val="nextTo"/>
-        <c:spPr>
-          <a:noFill/>
-          <a:ln w="9525" cap="flat" cmpd="sng" algn="ctr">
-            <a:solidFill>
-              <a:schemeClr val="tx1">
-                <a:lumMod val="15000"/>
-                <a:lumOff val="85000"/>
-              </a:schemeClr>
-            </a:solidFill>
-            <a:round/>
-          </a:ln>
-          <a:effectLst/>
-        </c:spPr>
-        <c:txPr>
-          <a:bodyPr rot="-60000000" spcFirstLastPara="1" vertOverflow="ellipsis" vert="horz" wrap="square" anchor="ctr" anchorCtr="1"/>
-          <a:lstStyle/>
-          <a:p>
-            <a:pPr>
-              <a:defRPr sz="900" b="0" i="0" u="none" strike="noStrike" kern="1200" baseline="0">
-                <a:solidFill>
-                  <a:schemeClr val="tx1">
-                    <a:lumMod val="65000"/>
-                    <a:lumOff val="35000"/>
-                  </a:schemeClr>
-                </a:solidFill>
-                <a:latin typeface="+mn-lt"/>
-                <a:ea typeface="+mn-ea"/>
-                <a:cs typeface="+mn-cs"/>
-              </a:defRPr>
-            </a:pPr>
-            <a:endParaRPr lang="en-US"/>
-          </a:p>
-        </c:txPr>
-        <c:crossAx val="-2029263312"/>
-        <c:crosses val="autoZero"/>
-        <c:crossBetween val="midCat"/>
-      </c:valAx>
-      <c:valAx>
-        <c:axId val="-2029263312"/>
-        <c:scaling>
-          <c:orientation val="minMax"/>
-          <c:max val="100"/>
-        </c:scaling>
-        <c:delete val="0"/>
-        <c:axPos val="l"/>
-        <c:majorGridlines>
-          <c:spPr>
-            <a:ln w="9525" cap="flat" cmpd="sng" algn="ctr">
-              <a:solidFill>
-                <a:schemeClr val="tx1">
-                  <a:lumMod val="15000"/>
-                  <a:lumOff val="85000"/>
-                </a:schemeClr>
-              </a:solidFill>
-              <a:round/>
-            </a:ln>
-            <a:effectLst/>
-          </c:spPr>
-        </c:majorGridlines>
-        <c:title>
-          <c:tx>
-            <c:rich>
-              <a:bodyPr rot="-5400000" spcFirstLastPara="1" vertOverflow="ellipsis" vert="horz" wrap="square" anchor="ctr" anchorCtr="1"/>
-              <a:lstStyle/>
-              <a:p>
-                <a:pPr>
-                  <a:defRPr sz="1000" b="0" i="0" u="none" strike="noStrike" kern="1200" baseline="0">
-                    <a:solidFill>
-                      <a:schemeClr val="tx1">
-                        <a:lumMod val="65000"/>
-                        <a:lumOff val="35000"/>
-                      </a:schemeClr>
-                    </a:solidFill>
-                    <a:latin typeface="+mn-lt"/>
-                    <a:ea typeface="+mn-ea"/>
-                    <a:cs typeface="+mn-cs"/>
-                  </a:defRPr>
-                </a:pPr>
-                <a:r>
-                  <a:rPr lang="en-US"/>
-                  <a:t>Accuracy</a:t>
-                </a:r>
-                <a:r>
-                  <a:rPr lang="en-US" baseline="0"/>
-                  <a:t> Rate</a:t>
-                </a:r>
-                <a:endParaRPr lang="en-US"/>
-              </a:p>
-            </c:rich>
-          </c:tx>
-          <c:overlay val="0"/>
-          <c:spPr>
-            <a:noFill/>
-            <a:ln>
-              <a:noFill/>
-            </a:ln>
-            <a:effectLst/>
-          </c:spPr>
-          <c:txPr>
-            <a:bodyPr rot="-5400000" spcFirstLastPara="1" vertOverflow="ellipsis" vert="horz" wrap="square" anchor="ctr" anchorCtr="1"/>
-            <a:lstStyle/>
-            <a:p>
-              <a:pPr>
-                <a:defRPr sz="1000" b="0" i="0" u="none" strike="noStrike" kern="1200" baseline="0">
-                  <a:solidFill>
-                    <a:schemeClr val="tx1">
-                      <a:lumMod val="65000"/>
-                      <a:lumOff val="35000"/>
-                    </a:schemeClr>
-                  </a:solidFill>
-                  <a:latin typeface="+mn-lt"/>
-                  <a:ea typeface="+mn-ea"/>
-                  <a:cs typeface="+mn-cs"/>
-                </a:defRPr>
-              </a:pPr>
-              <a:endParaRPr lang="en-US"/>
-            </a:p>
-          </c:txPr>
-        </c:title>
-        <c:numFmt formatCode="General" sourceLinked="1"/>
-        <c:majorTickMark val="none"/>
-        <c:minorTickMark val="none"/>
-        <c:tickLblPos val="nextTo"/>
-        <c:spPr>
-          <a:noFill/>
-          <a:ln>
-            <a:noFill/>
-          </a:ln>
-          <a:effectLst/>
-        </c:spPr>
-        <c:txPr>
-          <a:bodyPr rot="-60000000" spcFirstLastPara="1" vertOverflow="ellipsis" vert="horz" wrap="square" anchor="ctr" anchorCtr="1"/>
-          <a:lstStyle/>
-          <a:p>
-            <a:pPr>
-              <a:defRPr sz="900" b="0" i="0" u="none" strike="noStrike" kern="1200" baseline="0">
-                <a:solidFill>
-                  <a:schemeClr val="tx1">
-                    <a:lumMod val="65000"/>
-                    <a:lumOff val="35000"/>
-                  </a:schemeClr>
-                </a:solidFill>
-                <a:latin typeface="+mn-lt"/>
-                <a:ea typeface="+mn-ea"/>
-                <a:cs typeface="+mn-cs"/>
-              </a:defRPr>
-            </a:pPr>
-            <a:endParaRPr lang="en-US"/>
-          </a:p>
-        </c:txPr>
-        <c:crossAx val="-2029098592"/>
-        <c:crosses val="autoZero"/>
-        <c:crossBetween val="midCat"/>
-      </c:valAx>
-      <c:spPr>
-        <a:noFill/>
-        <a:ln>
-          <a:noFill/>
-        </a:ln>
-        <a:effectLst/>
-      </c:spPr>
-    </c:plotArea>
-    <c:legend>
-      <c:legendPos val="b"/>
-      <c:overlay val="0"/>
-      <c:spPr>
-        <a:noFill/>
-        <a:ln>
-          <a:noFill/>
-        </a:ln>
-        <a:effectLst/>
-      </c:spPr>
-      <c:txPr>
-        <a:bodyPr rot="0" spcFirstLastPara="1" vertOverflow="ellipsis" vert="horz" wrap="square" anchor="ctr" anchorCtr="1"/>
-        <a:lstStyle/>
-        <a:p>
-          <a:pPr>
-            <a:defRPr sz="900" b="0" i="0" u="none" strike="noStrike" kern="1200" baseline="0">
-              <a:solidFill>
-                <a:schemeClr val="tx1">
-                  <a:lumMod val="65000"/>
-                  <a:lumOff val="35000"/>
-                </a:schemeClr>
-              </a:solidFill>
-              <a:latin typeface="+mn-lt"/>
-              <a:ea typeface="+mn-ea"/>
-              <a:cs typeface="+mn-cs"/>
-            </a:defRPr>
-          </a:pPr>
-          <a:endParaRPr lang="en-US"/>
-        </a:p>
-      </c:txPr>
-    </c:legend>
-    <c:plotVisOnly val="1"/>
-    <c:dispBlanksAs val="gap"/>
-    <c:showDLblsOverMax val="0"/>
-  </c:chart>
-  <c:spPr>
-    <a:noFill/>
-    <a:ln>
-      <a:noFill/>
-    </a:ln>
-    <a:effectLst/>
-  </c:spPr>
-  <c:txPr>
-    <a:bodyPr/>
-    <a:lstStyle/>
-    <a:p>
-      <a:pPr>
-        <a:defRPr/>
-      </a:pPr>
-      <a:endParaRPr lang="en-US"/>
-    </a:p>
-  </c:txPr>
-  <c:externalData r:id="rId3">
-    <c:autoUpdate val="0"/>
-  </c:externalData>
-</c:chartSpace>
-</file>
-
-<file path=ppt/charts/chart2.xml><?xml version="1.0" encoding="utf-8"?>
-<c:chartSpace xmlns:c="http://schemas.openxmlformats.org/drawingml/2006/chart" xmlns:a="http://schemas.openxmlformats.org/drawingml/2006/main" xmlns:r="http://schemas.openxmlformats.org/officeDocument/2006/relationships" xmlns:c16r2="http://schemas.microsoft.com/office/drawing/2015/06/chart">
-  <c:date1904 val="0"/>
-  <c:lang val="en-US"/>
-  <c:roundedCorners val="0"/>
-  <mc:AlternateContent xmlns:mc="http://schemas.openxmlformats.org/markup-compatibility/2006">
-    <mc:Choice xmlns:c14="http://schemas.microsoft.com/office/drawing/2007/8/2/chart" Requires="c14">
-      <c14:style val="103"/>
-    </mc:Choice>
-    <mc:Fallback>
-      <c:style val="3"/>
-    </mc:Fallback>
-  </mc:AlternateContent>
-  <c:chart>
-    <c:title>
-      <c:tx>
-        <c:rich>
-          <a:bodyPr rot="0" spcFirstLastPara="1" vertOverflow="ellipsis" vert="horz" wrap="square" anchor="ctr" anchorCtr="1"/>
-          <a:lstStyle/>
-          <a:p>
-            <a:pPr>
-              <a:defRPr sz="1400" b="0" i="0" u="none" strike="noStrike" kern="1200" spc="0" baseline="0">
-                <a:solidFill>
-                  <a:schemeClr val="tx1">
-                    <a:lumMod val="65000"/>
-                    <a:lumOff val="35000"/>
-                  </a:schemeClr>
-                </a:solidFill>
-                <a:latin typeface="+mn-lt"/>
-                <a:ea typeface="+mn-ea"/>
-                <a:cs typeface="+mn-cs"/>
-              </a:defRPr>
-            </a:pPr>
-            <a:r>
-              <a:rPr lang="en-US" sz="2400" b="0" i="0" baseline="0" dirty="0">
-                <a:effectLst/>
-              </a:rPr>
-              <a:t>Accuracy of Our K-NN Classifier on the </a:t>
-            </a:r>
-            <a:r>
-              <a:rPr lang="en-US" sz="1800" b="0" i="0" u="none" strike="noStrike" baseline="0" dirty="0">
-                <a:effectLst/>
-              </a:rPr>
-              <a:t>🌸 </a:t>
-            </a:r>
-            <a:r>
-              <a:rPr lang="en-US" sz="2400" b="0" i="0" baseline="0" dirty="0">
-                <a:effectLst/>
-              </a:rPr>
-              <a:t>Dataset </a:t>
-            </a:r>
-            <a:r>
-              <a:rPr lang="en-US" sz="1800" b="0" i="0" baseline="0" dirty="0">
-                <a:solidFill>
-                  <a:schemeClr val="accent5"/>
-                </a:solidFill>
-                <a:effectLst/>
-              </a:rPr>
-              <a:t>(many </a:t>
-            </a:r>
-            <a:r>
-              <a:rPr lang="en-US" sz="1800" b="0" i="1" baseline="0" dirty="0">
-                <a:solidFill>
-                  <a:schemeClr val="accent5"/>
-                </a:solidFill>
-                <a:effectLst/>
-              </a:rPr>
-              <a:t>k</a:t>
-            </a:r>
-            <a:r>
-              <a:rPr lang="en-US" sz="1800" b="0" i="0" baseline="0" dirty="0">
-                <a:solidFill>
-                  <a:schemeClr val="accent5"/>
-                </a:solidFill>
-                <a:effectLst/>
-              </a:rPr>
-              <a:t>)</a:t>
-            </a:r>
-            <a:endParaRPr lang="en-US" sz="1400" dirty="0">
-              <a:solidFill>
-                <a:schemeClr val="accent5"/>
-              </a:solidFill>
-              <a:effectLst/>
-            </a:endParaRPr>
-          </a:p>
-        </c:rich>
-      </c:tx>
-      <c:overlay val="0"/>
-      <c:spPr>
-        <a:noFill/>
-        <a:ln>
-          <a:noFill/>
-        </a:ln>
-        <a:effectLst/>
-      </c:spPr>
-      <c:txPr>
-        <a:bodyPr rot="0" spcFirstLastPara="1" vertOverflow="ellipsis" vert="horz" wrap="square" anchor="ctr" anchorCtr="1"/>
-        <a:lstStyle/>
-        <a:p>
-          <a:pPr>
-            <a:defRPr sz="1400" b="0" i="0" u="none" strike="noStrike" kern="1200" spc="0" baseline="0">
-              <a:solidFill>
-                <a:schemeClr val="tx1">
-                  <a:lumMod val="65000"/>
-                  <a:lumOff val="35000"/>
-                </a:schemeClr>
-              </a:solidFill>
-              <a:latin typeface="+mn-lt"/>
-              <a:ea typeface="+mn-ea"/>
-              <a:cs typeface="+mn-cs"/>
-            </a:defRPr>
-          </a:pPr>
-          <a:endParaRPr lang="en-US"/>
-        </a:p>
-      </c:txPr>
-    </c:title>
-    <c:autoTitleDeleted val="0"/>
-    <c:plotArea>
-      <c:layout/>
-      <c:scatterChart>
-        <c:scatterStyle val="smoothMarker"/>
-        <c:varyColors val="0"/>
-        <c:ser>
-          <c:idx val="0"/>
-          <c:order val="0"/>
-          <c:tx>
-            <c:v>1-NN</c:v>
-          </c:tx>
-          <c:spPr>
-            <a:ln w="41275" cap="rnd">
-              <a:solidFill>
-                <a:schemeClr val="bg2">
-                  <a:lumMod val="50000"/>
-                </a:schemeClr>
-              </a:solidFill>
-              <a:round/>
-            </a:ln>
-            <a:effectLst/>
-          </c:spPr>
-          <c:marker>
-            <c:symbol val="none"/>
-          </c:marker>
-          <c:xVal>
-            <c:numRef>
-              <c:f>Sheet1!$A$3:$J$3</c:f>
-              <c:numCache>
-                <c:formatCode>General</c:formatCode>
-                <c:ptCount val="10"/>
-                <c:pt idx="0">
-                  <c:v>0</c:v>
-                </c:pt>
-                <c:pt idx="1">
-                  <c:v>2</c:v>
-                </c:pt>
-                <c:pt idx="2">
-                  <c:v>4</c:v>
-                </c:pt>
-                <c:pt idx="3">
-                  <c:v>6</c:v>
-                </c:pt>
-                <c:pt idx="4">
-                  <c:v>8</c:v>
-                </c:pt>
-                <c:pt idx="5">
-                  <c:v>10</c:v>
-                </c:pt>
-                <c:pt idx="6">
-                  <c:v>12</c:v>
-                </c:pt>
-                <c:pt idx="7">
-                  <c:v>14</c:v>
-                </c:pt>
-                <c:pt idx="8">
-                  <c:v>16</c:v>
-                </c:pt>
-                <c:pt idx="9">
-                  <c:v>18</c:v>
-                </c:pt>
-              </c:numCache>
-            </c:numRef>
-          </c:xVal>
-          <c:yVal>
-            <c:numRef>
-              <c:f>Sheet1!$A$4:$J$4</c:f>
-              <c:numCache>
-                <c:formatCode>General</c:formatCode>
-                <c:ptCount val="10"/>
-                <c:pt idx="0">
-                  <c:v>95.564177952547396</c:v>
-                </c:pt>
-                <c:pt idx="1">
-                  <c:v>78.128024874436207</c:v>
-                </c:pt>
-                <c:pt idx="2">
-                  <c:v>55.641810442959198</c:v>
-                </c:pt>
-                <c:pt idx="3">
-                  <c:v>40.420796559868101</c:v>
-                </c:pt>
-                <c:pt idx="4">
-                  <c:v>40.783469567358601</c:v>
-                </c:pt>
-                <c:pt idx="5">
-                  <c:v>39.4703715841231</c:v>
-                </c:pt>
-                <c:pt idx="6">
-                  <c:v>28.989934019975099</c:v>
-                </c:pt>
-                <c:pt idx="7">
-                  <c:v>35.432998752631299</c:v>
-                </c:pt>
-                <c:pt idx="8">
-                  <c:v>29.830295305145999</c:v>
-                </c:pt>
-                <c:pt idx="9">
-                  <c:v>31.8963075445477</c:v>
-                </c:pt>
-              </c:numCache>
-            </c:numRef>
-          </c:yVal>
-          <c:smooth val="1"/>
-          <c:extLst>
-            <c:ext xmlns:c16="http://schemas.microsoft.com/office/drawing/2014/chart" uri="{C3380CC4-5D6E-409C-BE32-E72D297353CC}">
-              <c16:uniqueId val="{00000000-9ACF-4391-813B-B7089DA1C558}"/>
-            </c:ext>
-          </c:extLst>
-        </c:ser>
-        <c:ser>
-          <c:idx val="1"/>
-          <c:order val="1"/>
-          <c:tx>
-            <c:v>4-NN</c:v>
-          </c:tx>
-          <c:spPr>
-            <a:ln w="44450" cap="rnd">
-              <a:solidFill>
-                <a:srgbClr val="FF05FF">
-                  <a:alpha val="42000"/>
-                </a:srgbClr>
-              </a:solidFill>
-              <a:prstDash val="sysDot"/>
-              <a:round/>
-            </a:ln>
-            <a:effectLst/>
-          </c:spPr>
-          <c:marker>
-            <c:symbol val="none"/>
-          </c:marker>
-          <c:xVal>
-            <c:numRef>
-              <c:f>Sheet1!$A$3:$J$3</c:f>
-              <c:numCache>
-                <c:formatCode>General</c:formatCode>
-                <c:ptCount val="10"/>
-                <c:pt idx="0">
-                  <c:v>0</c:v>
-                </c:pt>
-                <c:pt idx="1">
-                  <c:v>2</c:v>
-                </c:pt>
-                <c:pt idx="2">
-                  <c:v>4</c:v>
-                </c:pt>
-                <c:pt idx="3">
-                  <c:v>6</c:v>
-                </c:pt>
-                <c:pt idx="4">
-                  <c:v>8</c:v>
-                </c:pt>
-                <c:pt idx="5">
-                  <c:v>10</c:v>
-                </c:pt>
-                <c:pt idx="6">
-                  <c:v>12</c:v>
-                </c:pt>
-                <c:pt idx="7">
-                  <c:v>14</c:v>
-                </c:pt>
-                <c:pt idx="8">
-                  <c:v>16</c:v>
-                </c:pt>
-                <c:pt idx="9">
-                  <c:v>18</c:v>
-                </c:pt>
-              </c:numCache>
-            </c:numRef>
-          </c:xVal>
-          <c:yVal>
-            <c:numRef>
-              <c:f>Sheet1!$A$5:$J$5</c:f>
-              <c:numCache>
-                <c:formatCode>General</c:formatCode>
-                <c:ptCount val="10"/>
-                <c:pt idx="0">
-                  <c:v>95.932490502561805</c:v>
-                </c:pt>
-                <c:pt idx="1">
-                  <c:v>71.277563620416203</c:v>
-                </c:pt>
-                <c:pt idx="2">
-                  <c:v>52.428002159786701</c:v>
-                </c:pt>
-                <c:pt idx="3">
-                  <c:v>44.753923678335802</c:v>
-                </c:pt>
-                <c:pt idx="4">
-                  <c:v>42.023472991939997</c:v>
-                </c:pt>
-                <c:pt idx="5">
-                  <c:v>32.6181842350693</c:v>
-                </c:pt>
-                <c:pt idx="6">
-                  <c:v>31.8278054581953</c:v>
-                </c:pt>
-                <c:pt idx="7">
-                  <c:v>35.206521571390802</c:v>
-                </c:pt>
-                <c:pt idx="8">
-                  <c:v>34.1685941906401</c:v>
-                </c:pt>
-                <c:pt idx="9">
-                  <c:v>29.608105107179899</c:v>
-                </c:pt>
-              </c:numCache>
-            </c:numRef>
-          </c:yVal>
-          <c:smooth val="1"/>
-          <c:extLst>
-            <c:ext xmlns:c16="http://schemas.microsoft.com/office/drawing/2014/chart" uri="{C3380CC4-5D6E-409C-BE32-E72D297353CC}">
-              <c16:uniqueId val="{00000001-9ACF-4391-813B-B7089DA1C558}"/>
-            </c:ext>
-          </c:extLst>
-        </c:ser>
-        <c:ser>
-          <c:idx val="2"/>
-          <c:order val="2"/>
-          <c:tx>
-            <c:v>7-NN</c:v>
-          </c:tx>
-          <c:spPr>
-            <a:ln w="44450" cap="rnd">
-              <a:solidFill>
-                <a:schemeClr val="accent2">
-                  <a:alpha val="40000"/>
-                </a:schemeClr>
-              </a:solidFill>
-              <a:prstDash val="sysDot"/>
-              <a:round/>
-            </a:ln>
-            <a:effectLst/>
-          </c:spPr>
-          <c:marker>
-            <c:symbol val="none"/>
-          </c:marker>
-          <c:xVal>
-            <c:numRef>
-              <c:f>Sheet1!$A$3:$J$3</c:f>
-              <c:numCache>
-                <c:formatCode>General</c:formatCode>
-                <c:ptCount val="10"/>
-                <c:pt idx="0">
-                  <c:v>0</c:v>
-                </c:pt>
-                <c:pt idx="1">
-                  <c:v>2</c:v>
-                </c:pt>
-                <c:pt idx="2">
-                  <c:v>4</c:v>
-                </c:pt>
-                <c:pt idx="3">
-                  <c:v>6</c:v>
-                </c:pt>
-                <c:pt idx="4">
-                  <c:v>8</c:v>
-                </c:pt>
-                <c:pt idx="5">
-                  <c:v>10</c:v>
-                </c:pt>
-                <c:pt idx="6">
-                  <c:v>12</c:v>
-                </c:pt>
-                <c:pt idx="7">
-                  <c:v>14</c:v>
-                </c:pt>
-                <c:pt idx="8">
-                  <c:v>16</c:v>
-                </c:pt>
-                <c:pt idx="9">
-                  <c:v>18</c:v>
-                </c:pt>
-              </c:numCache>
-            </c:numRef>
-          </c:xVal>
-          <c:yVal>
-            <c:numRef>
-              <c:f>Sheet1!$A$6:$J$6</c:f>
-              <c:numCache>
-                <c:formatCode>General</c:formatCode>
-                <c:ptCount val="10"/>
-                <c:pt idx="0">
-                  <c:v>95.720350083546194</c:v>
-                </c:pt>
-                <c:pt idx="1">
-                  <c:v>75.890768063592304</c:v>
-                </c:pt>
-                <c:pt idx="2">
-                  <c:v>49.944161597993201</c:v>
-                </c:pt>
-                <c:pt idx="3">
-                  <c:v>37.533332038665797</c:v>
-                </c:pt>
-                <c:pt idx="4">
-                  <c:v>38.746728184092397</c:v>
-                </c:pt>
-                <c:pt idx="5">
-                  <c:v>37.126867166917698</c:v>
-                </c:pt>
-                <c:pt idx="6">
-                  <c:v>42.8950525882044</c:v>
-                </c:pt>
-                <c:pt idx="7">
-                  <c:v>32.687256719635798</c:v>
-                </c:pt>
-                <c:pt idx="8">
-                  <c:v>30.0088846476567</c:v>
-                </c:pt>
-                <c:pt idx="9">
-                  <c:v>32.582419588105303</c:v>
-                </c:pt>
-              </c:numCache>
-            </c:numRef>
-          </c:yVal>
-          <c:smooth val="1"/>
-          <c:extLst>
-            <c:ext xmlns:c16="http://schemas.microsoft.com/office/drawing/2014/chart" uri="{C3380CC4-5D6E-409C-BE32-E72D297353CC}">
-              <c16:uniqueId val="{00000002-9ACF-4391-813B-B7089DA1C558}"/>
-            </c:ext>
-          </c:extLst>
-        </c:ser>
-        <c:ser>
-          <c:idx val="3"/>
-          <c:order val="3"/>
-          <c:tx>
-            <c:v>10-NN</c:v>
-          </c:tx>
-          <c:spPr>
-            <a:ln w="47625" cap="rnd">
-              <a:solidFill>
-                <a:srgbClr val="7030A0"/>
-              </a:solidFill>
-              <a:round/>
-            </a:ln>
-            <a:effectLst/>
-          </c:spPr>
-          <c:marker>
-            <c:symbol val="none"/>
-          </c:marker>
-          <c:xVal>
-            <c:numRef>
-              <c:f>Sheet1!$A$3:$J$3</c:f>
-              <c:numCache>
-                <c:formatCode>General</c:formatCode>
-                <c:ptCount val="10"/>
-                <c:pt idx="0">
-                  <c:v>0</c:v>
-                </c:pt>
-                <c:pt idx="1">
-                  <c:v>2</c:v>
-                </c:pt>
-                <c:pt idx="2">
-                  <c:v>4</c:v>
-                </c:pt>
-                <c:pt idx="3">
-                  <c:v>6</c:v>
-                </c:pt>
-                <c:pt idx="4">
-                  <c:v>8</c:v>
-                </c:pt>
-                <c:pt idx="5">
-                  <c:v>10</c:v>
-                </c:pt>
-                <c:pt idx="6">
-                  <c:v>12</c:v>
-                </c:pt>
-                <c:pt idx="7">
-                  <c:v>14</c:v>
-                </c:pt>
-                <c:pt idx="8">
-                  <c:v>16</c:v>
-                </c:pt>
-                <c:pt idx="9">
-                  <c:v>18</c:v>
-                </c:pt>
-              </c:numCache>
-            </c:numRef>
-          </c:xVal>
-          <c:yVal>
-            <c:numRef>
-              <c:f>Sheet1!$A$7:$J$7</c:f>
-              <c:numCache>
-                <c:formatCode>General</c:formatCode>
-                <c:ptCount val="10"/>
-                <c:pt idx="0">
-                  <c:v>96.422198914457795</c:v>
-                </c:pt>
-                <c:pt idx="1">
-                  <c:v>72.050090657783699</c:v>
-                </c:pt>
-                <c:pt idx="2">
-                  <c:v>49.466914626490599</c:v>
-                </c:pt>
-                <c:pt idx="3">
-                  <c:v>42.2939845537271</c:v>
-                </c:pt>
-                <c:pt idx="4">
-                  <c:v>34.0449753636994</c:v>
-                </c:pt>
-                <c:pt idx="5">
-                  <c:v>32.603598004520798</c:v>
-                </c:pt>
-                <c:pt idx="6">
-                  <c:v>32.933770135375198</c:v>
-                </c:pt>
-                <c:pt idx="7">
-                  <c:v>26.8568223411493</c:v>
-                </c:pt>
-                <c:pt idx="8">
-                  <c:v>31.7653103216837</c:v>
-                </c:pt>
-                <c:pt idx="9">
-                  <c:v>31.621385159110801</c:v>
-                </c:pt>
-              </c:numCache>
-            </c:numRef>
-          </c:yVal>
-          <c:smooth val="1"/>
-          <c:extLst>
-            <c:ext xmlns:c16="http://schemas.microsoft.com/office/drawing/2014/chart" uri="{C3380CC4-5D6E-409C-BE32-E72D297353CC}">
-              <c16:uniqueId val="{00000003-9ACF-4391-813B-B7089DA1C558}"/>
-            </c:ext>
-          </c:extLst>
-        </c:ser>
-        <c:dLbls>
-          <c:showLegendKey val="0"/>
-          <c:showVal val="0"/>
-          <c:showCatName val="0"/>
-          <c:showSerName val="0"/>
-          <c:showPercent val="0"/>
-          <c:showBubbleSize val="0"/>
-        </c:dLbls>
-        <c:axId val="-2029507072"/>
-        <c:axId val="-2012372832"/>
-      </c:scatterChart>
-      <c:valAx>
-        <c:axId val="-2029507072"/>
-        <c:scaling>
-          <c:orientation val="minMax"/>
-          <c:max val="18"/>
-        </c:scaling>
-        <c:delete val="0"/>
-        <c:axPos val="b"/>
-        <c:title>
-          <c:tx>
-            <c:rich>
-              <a:bodyPr rot="0" spcFirstLastPara="1" vertOverflow="ellipsis" vert="horz" wrap="square" anchor="ctr" anchorCtr="1"/>
-              <a:lstStyle/>
-              <a:p>
-                <a:pPr>
-                  <a:defRPr sz="1000" b="0" i="0" u="none" strike="noStrike" kern="1200" baseline="0">
-                    <a:solidFill>
-                      <a:schemeClr val="tx1">
-                        <a:lumMod val="65000"/>
-                        <a:lumOff val="35000"/>
-                      </a:schemeClr>
-                    </a:solidFill>
-                    <a:latin typeface="+mn-lt"/>
-                    <a:ea typeface="+mn-ea"/>
-                    <a:cs typeface="+mn-cs"/>
-                  </a:defRPr>
-                </a:pPr>
-                <a:r>
-                  <a:rPr lang="en-US"/>
-                  <a:t>Irrelevant</a:t>
-                </a:r>
-                <a:r>
-                  <a:rPr lang="en-US" baseline="0"/>
-                  <a:t> Attributes</a:t>
-                </a:r>
-                <a:endParaRPr lang="en-US"/>
-              </a:p>
-            </c:rich>
-          </c:tx>
-          <c:layout>
-            <c:manualLayout>
-              <c:xMode val="edge"/>
-              <c:yMode val="edge"/>
-              <c:x val="0.49478715722466698"/>
-              <c:y val="0.89251924139227101"/>
-            </c:manualLayout>
-          </c:layout>
-          <c:overlay val="0"/>
-          <c:spPr>
-            <a:noFill/>
-            <a:ln>
-              <a:noFill/>
-            </a:ln>
-            <a:effectLst/>
-          </c:spPr>
-          <c:txPr>
-            <a:bodyPr rot="0" spcFirstLastPara="1" vertOverflow="ellipsis" vert="horz" wrap="square" anchor="ctr" anchorCtr="1"/>
-            <a:lstStyle/>
-            <a:p>
-              <a:pPr>
-                <a:defRPr sz="1000" b="0" i="0" u="none" strike="noStrike" kern="1200" baseline="0">
-                  <a:solidFill>
-                    <a:schemeClr val="tx1">
-                      <a:lumMod val="65000"/>
-                      <a:lumOff val="35000"/>
-                    </a:schemeClr>
-                  </a:solidFill>
-                  <a:latin typeface="+mn-lt"/>
-                  <a:ea typeface="+mn-ea"/>
-                  <a:cs typeface="+mn-cs"/>
-                </a:defRPr>
-              </a:pPr>
-              <a:endParaRPr lang="en-US"/>
-            </a:p>
-          </c:txPr>
-        </c:title>
-        <c:numFmt formatCode="General" sourceLinked="1"/>
-        <c:majorTickMark val="none"/>
-        <c:minorTickMark val="none"/>
-        <c:tickLblPos val="nextTo"/>
-        <c:spPr>
-          <a:noFill/>
-          <a:ln w="9525" cap="flat" cmpd="sng" algn="ctr">
-            <a:solidFill>
-              <a:schemeClr val="tx1">
-                <a:lumMod val="15000"/>
-                <a:lumOff val="85000"/>
-              </a:schemeClr>
-            </a:solidFill>
-            <a:round/>
-          </a:ln>
-          <a:effectLst/>
-        </c:spPr>
-        <c:txPr>
-          <a:bodyPr rot="-60000000" spcFirstLastPara="1" vertOverflow="ellipsis" vert="horz" wrap="square" anchor="ctr" anchorCtr="1"/>
-          <a:lstStyle/>
-          <a:p>
-            <a:pPr>
-              <a:defRPr sz="900" b="0" i="0" u="none" strike="noStrike" kern="1200" baseline="0">
-                <a:solidFill>
-                  <a:schemeClr val="tx1">
-                    <a:lumMod val="65000"/>
-                    <a:lumOff val="35000"/>
-                  </a:schemeClr>
-                </a:solidFill>
-                <a:latin typeface="+mn-lt"/>
-                <a:ea typeface="+mn-ea"/>
-                <a:cs typeface="+mn-cs"/>
-              </a:defRPr>
-            </a:pPr>
-            <a:endParaRPr lang="en-US"/>
-          </a:p>
-        </c:txPr>
-        <c:crossAx val="-2012372832"/>
-        <c:crosses val="autoZero"/>
-        <c:crossBetween val="midCat"/>
-      </c:valAx>
-      <c:valAx>
-        <c:axId val="-2012372832"/>
-        <c:scaling>
-          <c:orientation val="minMax"/>
-          <c:max val="100"/>
-        </c:scaling>
-        <c:delete val="0"/>
-        <c:axPos val="l"/>
-        <c:majorGridlines>
-          <c:spPr>
-            <a:ln w="9525" cap="flat" cmpd="sng" algn="ctr">
-              <a:solidFill>
-                <a:schemeClr val="tx1">
-                  <a:lumMod val="15000"/>
-                  <a:lumOff val="85000"/>
-                </a:schemeClr>
-              </a:solidFill>
-              <a:round/>
-            </a:ln>
-            <a:effectLst/>
-          </c:spPr>
-        </c:majorGridlines>
-        <c:title>
-          <c:tx>
-            <c:rich>
-              <a:bodyPr rot="-5400000" spcFirstLastPara="1" vertOverflow="ellipsis" vert="horz" wrap="square" anchor="ctr" anchorCtr="1"/>
-              <a:lstStyle/>
-              <a:p>
-                <a:pPr>
-                  <a:defRPr sz="1000" b="0" i="0" u="none" strike="noStrike" kern="1200" baseline="0">
-                    <a:solidFill>
-                      <a:schemeClr val="tx1">
-                        <a:lumMod val="65000"/>
-                        <a:lumOff val="35000"/>
-                      </a:schemeClr>
-                    </a:solidFill>
-                    <a:latin typeface="+mn-lt"/>
-                    <a:ea typeface="+mn-ea"/>
-                    <a:cs typeface="+mn-cs"/>
-                  </a:defRPr>
-                </a:pPr>
-                <a:r>
-                  <a:rPr lang="en-US"/>
-                  <a:t>Accuracy</a:t>
-                </a:r>
-                <a:r>
-                  <a:rPr lang="en-US" baseline="0"/>
-                  <a:t> Rate</a:t>
-                </a:r>
-                <a:endParaRPr lang="en-US"/>
-              </a:p>
-            </c:rich>
-          </c:tx>
-          <c:overlay val="0"/>
-          <c:spPr>
-            <a:noFill/>
-            <a:ln>
-              <a:noFill/>
-            </a:ln>
-            <a:effectLst/>
-          </c:spPr>
-          <c:txPr>
-            <a:bodyPr rot="-5400000" spcFirstLastPara="1" vertOverflow="ellipsis" vert="horz" wrap="square" anchor="ctr" anchorCtr="1"/>
-            <a:lstStyle/>
-            <a:p>
-              <a:pPr>
-                <a:defRPr sz="1000" b="0" i="0" u="none" strike="noStrike" kern="1200" baseline="0">
-                  <a:solidFill>
-                    <a:schemeClr val="tx1">
-                      <a:lumMod val="65000"/>
-                      <a:lumOff val="35000"/>
-                    </a:schemeClr>
-                  </a:solidFill>
-                  <a:latin typeface="+mn-lt"/>
-                  <a:ea typeface="+mn-ea"/>
-                  <a:cs typeface="+mn-cs"/>
-                </a:defRPr>
-              </a:pPr>
-              <a:endParaRPr lang="en-US"/>
-            </a:p>
-          </c:txPr>
-        </c:title>
-        <c:numFmt formatCode="General" sourceLinked="1"/>
-        <c:majorTickMark val="none"/>
-        <c:minorTickMark val="none"/>
-        <c:tickLblPos val="nextTo"/>
-        <c:spPr>
-          <a:noFill/>
-          <a:ln>
-            <a:noFill/>
-          </a:ln>
-          <a:effectLst/>
-        </c:spPr>
-        <c:txPr>
-          <a:bodyPr rot="-60000000" spcFirstLastPara="1" vertOverflow="ellipsis" vert="horz" wrap="square" anchor="ctr" anchorCtr="1"/>
-          <a:lstStyle/>
-          <a:p>
-            <a:pPr>
-              <a:defRPr sz="900" b="0" i="0" u="none" strike="noStrike" kern="1200" baseline="0">
-                <a:solidFill>
-                  <a:schemeClr val="tx1">
-                    <a:lumMod val="65000"/>
-                    <a:lumOff val="35000"/>
-                  </a:schemeClr>
-                </a:solidFill>
-                <a:latin typeface="+mn-lt"/>
-                <a:ea typeface="+mn-ea"/>
-                <a:cs typeface="+mn-cs"/>
-              </a:defRPr>
-            </a:pPr>
-            <a:endParaRPr lang="en-US"/>
-          </a:p>
-        </c:txPr>
-        <c:crossAx val="-2029507072"/>
-        <c:crosses val="autoZero"/>
-        <c:crossBetween val="midCat"/>
-      </c:valAx>
-      <c:spPr>
-        <a:noFill/>
-        <a:ln>
-          <a:noFill/>
-        </a:ln>
-        <a:effectLst/>
-      </c:spPr>
-    </c:plotArea>
-    <c:legend>
-      <c:legendPos val="b"/>
-      <c:overlay val="0"/>
-      <c:spPr>
-        <a:noFill/>
-        <a:ln>
-          <a:noFill/>
-        </a:ln>
-        <a:effectLst/>
-      </c:spPr>
-      <c:txPr>
-        <a:bodyPr rot="0" spcFirstLastPara="1" vertOverflow="ellipsis" vert="horz" wrap="square" anchor="ctr" anchorCtr="1"/>
-        <a:lstStyle/>
-        <a:p>
-          <a:pPr>
-            <a:defRPr sz="900" b="0" i="0" u="none" strike="noStrike" kern="1200" baseline="0">
-              <a:solidFill>
-                <a:schemeClr val="tx1">
-                  <a:lumMod val="65000"/>
-                  <a:lumOff val="35000"/>
-                </a:schemeClr>
-              </a:solidFill>
-              <a:latin typeface="+mn-lt"/>
-              <a:ea typeface="+mn-ea"/>
-              <a:cs typeface="+mn-cs"/>
-            </a:defRPr>
-          </a:pPr>
-          <a:endParaRPr lang="en-US"/>
-        </a:p>
-      </c:txPr>
-    </c:legend>
-    <c:plotVisOnly val="1"/>
-    <c:dispBlanksAs val="gap"/>
-    <c:showDLblsOverMax val="0"/>
-  </c:chart>
-  <c:spPr>
-    <a:noFill/>
-    <a:ln>
-      <a:noFill/>
-    </a:ln>
-    <a:effectLst/>
-  </c:spPr>
-  <c:txPr>
-    <a:bodyPr/>
-    <a:lstStyle/>
-    <a:p>
-      <a:pPr>
-        <a:defRPr/>
-      </a:pPr>
-      <a:endParaRPr lang="en-US"/>
-    </a:p>
-  </c:txPr>
-  <c:externalData r:id="rId3">
-    <c:autoUpdate val="0"/>
-  </c:externalData>
-</c:chartSpace>
-</file>
-
-<file path=ppt/charts/chart3.xml><?xml version="1.0" encoding="utf-8"?>
-<c:chartSpace xmlns:c="http://schemas.openxmlformats.org/drawingml/2006/chart" xmlns:a="http://schemas.openxmlformats.org/drawingml/2006/main" xmlns:r="http://schemas.openxmlformats.org/officeDocument/2006/relationships" xmlns:c16r2="http://schemas.microsoft.com/office/drawing/2015/06/chart">
-  <c:date1904 val="0"/>
-  <c:lang val="en-US"/>
-  <c:roundedCorners val="0"/>
-  <mc:AlternateContent xmlns:mc="http://schemas.openxmlformats.org/markup-compatibility/2006">
-    <mc:Choice xmlns:c14="http://schemas.microsoft.com/office/drawing/2007/8/2/chart" Requires="c14">
-      <c14:style val="103"/>
-    </mc:Choice>
-    <mc:Fallback>
-      <c:style val="3"/>
-    </mc:Fallback>
-  </mc:AlternateContent>
-  <c:chart>
-    <c:title>
-      <c:tx>
-        <c:rich>
-          <a:bodyPr rot="0" spcFirstLastPara="1" vertOverflow="ellipsis" vert="horz" wrap="square" anchor="ctr" anchorCtr="1"/>
-          <a:lstStyle/>
-          <a:p>
-            <a:pPr>
-              <a:defRPr sz="1400" b="0" i="0" u="none" strike="noStrike" kern="1200" spc="0" baseline="0">
-                <a:solidFill>
-                  <a:schemeClr val="tx1">
-                    <a:lumMod val="65000"/>
-                    <a:lumOff val="35000"/>
-                  </a:schemeClr>
-                </a:solidFill>
-                <a:latin typeface="+mn-lt"/>
-                <a:ea typeface="+mn-ea"/>
-                <a:cs typeface="+mn-cs"/>
-              </a:defRPr>
-            </a:pPr>
-            <a:r>
-              <a:rPr lang="en-US" sz="2400" dirty="0"/>
-              <a:t>4-NN Classifier on the </a:t>
-            </a:r>
-            <a:r>
-              <a:rPr lang="en-US" sz="2400" b="0" i="0" u="none" strike="noStrike" baseline="0" dirty="0">
-                <a:effectLst/>
-              </a:rPr>
-              <a:t>🌸 Dataset </a:t>
-            </a:r>
-            <a:endParaRPr lang="en-US" sz="2400" dirty="0"/>
-          </a:p>
-        </c:rich>
-      </c:tx>
-      <c:overlay val="0"/>
-      <c:spPr>
-        <a:noFill/>
-        <a:ln>
-          <a:noFill/>
-        </a:ln>
-        <a:effectLst/>
-      </c:spPr>
-      <c:txPr>
-        <a:bodyPr rot="0" spcFirstLastPara="1" vertOverflow="ellipsis" vert="horz" wrap="square" anchor="ctr" anchorCtr="1"/>
-        <a:lstStyle/>
-        <a:p>
-          <a:pPr>
-            <a:defRPr sz="1400" b="0" i="0" u="none" strike="noStrike" kern="1200" spc="0" baseline="0">
-              <a:solidFill>
-                <a:schemeClr val="tx1">
-                  <a:lumMod val="65000"/>
-                  <a:lumOff val="35000"/>
-                </a:schemeClr>
-              </a:solidFill>
-              <a:latin typeface="+mn-lt"/>
-              <a:ea typeface="+mn-ea"/>
-              <a:cs typeface="+mn-cs"/>
-            </a:defRPr>
-          </a:pPr>
-          <a:endParaRPr lang="en-US"/>
-        </a:p>
-      </c:txPr>
-    </c:title>
-    <c:autoTitleDeleted val="0"/>
-    <c:plotArea>
-      <c:layout/>
-      <c:scatterChart>
-        <c:scatterStyle val="smoothMarker"/>
-        <c:varyColors val="0"/>
-        <c:ser>
-          <c:idx val="0"/>
-          <c:order val="0"/>
-          <c:tx>
-            <c:v>Ours</c:v>
-          </c:tx>
-          <c:spPr>
-            <a:ln w="28575" cap="rnd">
-              <a:solidFill>
-                <a:schemeClr val="accent1">
-                  <a:tint val="77000"/>
-                </a:schemeClr>
-              </a:solidFill>
-              <a:round/>
-            </a:ln>
-            <a:effectLst/>
-          </c:spPr>
-          <c:marker>
-            <c:symbol val="none"/>
-          </c:marker>
-          <c:xVal>
-            <c:numRef>
-              <c:f>Sheet1!$A$3:$J$3</c:f>
-              <c:numCache>
-                <c:formatCode>General</c:formatCode>
-                <c:ptCount val="10"/>
-                <c:pt idx="0">
-                  <c:v>0</c:v>
-                </c:pt>
-                <c:pt idx="1">
-                  <c:v>2</c:v>
-                </c:pt>
-                <c:pt idx="2">
-                  <c:v>4</c:v>
-                </c:pt>
-                <c:pt idx="3">
-                  <c:v>6</c:v>
-                </c:pt>
-                <c:pt idx="4">
-                  <c:v>8</c:v>
-                </c:pt>
-                <c:pt idx="5">
-                  <c:v>10</c:v>
-                </c:pt>
-                <c:pt idx="6">
-                  <c:v>12</c:v>
-                </c:pt>
-                <c:pt idx="7">
-                  <c:v>14</c:v>
-                </c:pt>
-                <c:pt idx="8">
-                  <c:v>16</c:v>
-                </c:pt>
-                <c:pt idx="9">
-                  <c:v>18</c:v>
-                </c:pt>
-              </c:numCache>
-            </c:numRef>
-          </c:xVal>
-          <c:yVal>
-            <c:numRef>
-              <c:f>Sheet1!$A$5:$J$5</c:f>
-              <c:numCache>
-                <c:formatCode>General</c:formatCode>
-                <c:ptCount val="10"/>
-                <c:pt idx="0">
-                  <c:v>95.932490502561805</c:v>
-                </c:pt>
-                <c:pt idx="1">
-                  <c:v>71.277563620416203</c:v>
-                </c:pt>
-                <c:pt idx="2">
-                  <c:v>52.428002159786701</c:v>
-                </c:pt>
-                <c:pt idx="3">
-                  <c:v>44.753923678335802</c:v>
-                </c:pt>
-                <c:pt idx="4">
-                  <c:v>42.023472991939997</c:v>
-                </c:pt>
-                <c:pt idx="5">
-                  <c:v>32.6181842350693</c:v>
-                </c:pt>
-                <c:pt idx="6">
-                  <c:v>31.8278054581953</c:v>
-                </c:pt>
-                <c:pt idx="7">
-                  <c:v>35.206521571390802</c:v>
-                </c:pt>
-                <c:pt idx="8">
-                  <c:v>34.1685941906401</c:v>
-                </c:pt>
-                <c:pt idx="9">
-                  <c:v>29.608105107179899</c:v>
-                </c:pt>
-              </c:numCache>
-            </c:numRef>
-          </c:yVal>
-          <c:smooth val="1"/>
-          <c:extLst>
-            <c:ext xmlns:c16="http://schemas.microsoft.com/office/drawing/2014/chart" uri="{C3380CC4-5D6E-409C-BE32-E72D297353CC}">
-              <c16:uniqueId val="{00000000-F7DE-43D8-849F-4D866D59A6ED}"/>
-            </c:ext>
-          </c:extLst>
-        </c:ser>
-        <c:ser>
-          <c:idx val="1"/>
-          <c:order val="1"/>
-          <c:tx>
-            <c:v>Scikit</c:v>
-          </c:tx>
-          <c:spPr>
-            <a:ln w="38100" cap="rnd">
-              <a:solidFill>
-                <a:schemeClr val="tx1"/>
-              </a:solidFill>
-              <a:round/>
-            </a:ln>
-            <a:effectLst/>
-          </c:spPr>
-          <c:marker>
-            <c:symbol val="none"/>
-          </c:marker>
-          <c:xVal>
-            <c:numRef>
-              <c:f>Sheet1!$A$9:$J$9</c:f>
-              <c:numCache>
-                <c:formatCode>General</c:formatCode>
-                <c:ptCount val="10"/>
-                <c:pt idx="0">
-                  <c:v>0</c:v>
-                </c:pt>
-                <c:pt idx="1">
-                  <c:v>2</c:v>
-                </c:pt>
-                <c:pt idx="2">
-                  <c:v>4</c:v>
-                </c:pt>
-                <c:pt idx="3">
-                  <c:v>6</c:v>
-                </c:pt>
-                <c:pt idx="4">
-                  <c:v>8</c:v>
-                </c:pt>
-                <c:pt idx="5">
-                  <c:v>10</c:v>
-                </c:pt>
-                <c:pt idx="6">
-                  <c:v>12</c:v>
-                </c:pt>
-                <c:pt idx="7">
-                  <c:v>14</c:v>
-                </c:pt>
-                <c:pt idx="8">
-                  <c:v>16</c:v>
-                </c:pt>
-                <c:pt idx="9">
-                  <c:v>18</c:v>
-                </c:pt>
-              </c:numCache>
-            </c:numRef>
-          </c:xVal>
-          <c:yVal>
-            <c:numRef>
-              <c:f>Sheet1!$A$11:$J$11</c:f>
-              <c:numCache>
-                <c:formatCode>General</c:formatCode>
-                <c:ptCount val="10"/>
-                <c:pt idx="0">
-                  <c:v>95.045101560000006</c:v>
-                </c:pt>
-                <c:pt idx="1">
-                  <c:v>69.566130380000004</c:v>
-                </c:pt>
-                <c:pt idx="2">
-                  <c:v>50.863828069999997</c:v>
-                </c:pt>
-                <c:pt idx="3">
-                  <c:v>44.389371240000003</c:v>
-                </c:pt>
-                <c:pt idx="4">
-                  <c:v>41.580493330000003</c:v>
-                </c:pt>
-                <c:pt idx="5">
-                  <c:v>35.12641473</c:v>
-                </c:pt>
-                <c:pt idx="6">
-                  <c:v>32.322934670000002</c:v>
-                </c:pt>
-                <c:pt idx="7">
-                  <c:v>34.395285909999998</c:v>
-                </c:pt>
-                <c:pt idx="8">
-                  <c:v>32.646208770000001</c:v>
-                </c:pt>
-                <c:pt idx="9">
-                  <c:v>29.357472609999999</c:v>
-                </c:pt>
-              </c:numCache>
-            </c:numRef>
-          </c:yVal>
-          <c:smooth val="1"/>
-          <c:extLst>
-            <c:ext xmlns:c16="http://schemas.microsoft.com/office/drawing/2014/chart" uri="{C3380CC4-5D6E-409C-BE32-E72D297353CC}">
-              <c16:uniqueId val="{00000001-F7DE-43D8-849F-4D866D59A6ED}"/>
-            </c:ext>
-          </c:extLst>
-        </c:ser>
-        <c:dLbls>
-          <c:showLegendKey val="0"/>
-          <c:showVal val="0"/>
-          <c:showCatName val="0"/>
-          <c:showSerName val="0"/>
-          <c:showPercent val="0"/>
-          <c:showBubbleSize val="0"/>
-        </c:dLbls>
-        <c:axId val="-2008959248"/>
-        <c:axId val="-2029762992"/>
-      </c:scatterChart>
-      <c:valAx>
-        <c:axId val="-2008959248"/>
-        <c:scaling>
-          <c:orientation val="minMax"/>
-          <c:max val="18"/>
-        </c:scaling>
-        <c:delete val="0"/>
-        <c:axPos val="b"/>
-        <c:title>
-          <c:tx>
-            <c:rich>
-              <a:bodyPr rot="0" spcFirstLastPara="1" vertOverflow="ellipsis" vert="horz" wrap="square" anchor="ctr" anchorCtr="1"/>
-              <a:lstStyle/>
-              <a:p>
-                <a:pPr>
-                  <a:defRPr sz="1000" b="0" i="0" u="none" strike="noStrike" kern="1200" baseline="0">
-                    <a:solidFill>
-                      <a:schemeClr val="tx1">
-                        <a:lumMod val="65000"/>
-                        <a:lumOff val="35000"/>
-                      </a:schemeClr>
-                    </a:solidFill>
-                    <a:latin typeface="+mn-lt"/>
-                    <a:ea typeface="+mn-ea"/>
-                    <a:cs typeface="+mn-cs"/>
-                  </a:defRPr>
-                </a:pPr>
-                <a:r>
-                  <a:rPr lang="en-US"/>
-                  <a:t>Irrelevant</a:t>
-                </a:r>
-                <a:r>
-                  <a:rPr lang="en-US" baseline="0"/>
-                  <a:t> Attributes</a:t>
-                </a:r>
-                <a:endParaRPr lang="en-US"/>
-              </a:p>
-            </c:rich>
-          </c:tx>
-          <c:overlay val="0"/>
-          <c:spPr>
-            <a:noFill/>
-            <a:ln>
-              <a:noFill/>
-            </a:ln>
-            <a:effectLst/>
-          </c:spPr>
-          <c:txPr>
-            <a:bodyPr rot="0" spcFirstLastPara="1" vertOverflow="ellipsis" vert="horz" wrap="square" anchor="ctr" anchorCtr="1"/>
-            <a:lstStyle/>
-            <a:p>
-              <a:pPr>
-                <a:defRPr sz="1000" b="0" i="0" u="none" strike="noStrike" kern="1200" baseline="0">
-                  <a:solidFill>
-                    <a:schemeClr val="tx1">
-                      <a:lumMod val="65000"/>
-                      <a:lumOff val="35000"/>
-                    </a:schemeClr>
-                  </a:solidFill>
-                  <a:latin typeface="+mn-lt"/>
-                  <a:ea typeface="+mn-ea"/>
-                  <a:cs typeface="+mn-cs"/>
-                </a:defRPr>
-              </a:pPr>
-              <a:endParaRPr lang="en-US"/>
-            </a:p>
-          </c:txPr>
-        </c:title>
-        <c:numFmt formatCode="General" sourceLinked="1"/>
-        <c:majorTickMark val="none"/>
-        <c:minorTickMark val="none"/>
-        <c:tickLblPos val="nextTo"/>
-        <c:spPr>
-          <a:noFill/>
-          <a:ln w="9525" cap="flat" cmpd="sng" algn="ctr">
-            <a:solidFill>
-              <a:schemeClr val="tx1">
-                <a:lumMod val="15000"/>
-                <a:lumOff val="85000"/>
-              </a:schemeClr>
-            </a:solidFill>
-            <a:round/>
-          </a:ln>
-          <a:effectLst/>
-        </c:spPr>
-        <c:txPr>
-          <a:bodyPr rot="-60000000" spcFirstLastPara="1" vertOverflow="ellipsis" vert="horz" wrap="square" anchor="ctr" anchorCtr="1"/>
-          <a:lstStyle/>
-          <a:p>
-            <a:pPr>
-              <a:defRPr sz="900" b="0" i="0" u="none" strike="noStrike" kern="1200" baseline="0">
-                <a:solidFill>
-                  <a:schemeClr val="tx1">
-                    <a:lumMod val="65000"/>
-                    <a:lumOff val="35000"/>
-                  </a:schemeClr>
-                </a:solidFill>
-                <a:latin typeface="+mn-lt"/>
-                <a:ea typeface="+mn-ea"/>
-                <a:cs typeface="+mn-cs"/>
-              </a:defRPr>
-            </a:pPr>
-            <a:endParaRPr lang="en-US"/>
-          </a:p>
-        </c:txPr>
-        <c:crossAx val="-2029762992"/>
-        <c:crosses val="autoZero"/>
-        <c:crossBetween val="midCat"/>
-      </c:valAx>
-      <c:valAx>
-        <c:axId val="-2029762992"/>
-        <c:scaling>
-          <c:orientation val="minMax"/>
-          <c:max val="100"/>
-        </c:scaling>
-        <c:delete val="0"/>
-        <c:axPos val="l"/>
-        <c:majorGridlines>
-          <c:spPr>
-            <a:ln w="9525" cap="flat" cmpd="sng" algn="ctr">
-              <a:solidFill>
-                <a:schemeClr val="tx1">
-                  <a:lumMod val="15000"/>
-                  <a:lumOff val="85000"/>
-                </a:schemeClr>
-              </a:solidFill>
-              <a:round/>
-            </a:ln>
-            <a:effectLst/>
-          </c:spPr>
-        </c:majorGridlines>
-        <c:title>
-          <c:tx>
-            <c:rich>
-              <a:bodyPr rot="-5400000" spcFirstLastPara="1" vertOverflow="ellipsis" vert="horz" wrap="square" anchor="ctr" anchorCtr="1"/>
-              <a:lstStyle/>
-              <a:p>
-                <a:pPr>
-                  <a:defRPr sz="1000" b="0" i="0" u="none" strike="noStrike" kern="1200" baseline="0">
-                    <a:solidFill>
-                      <a:schemeClr val="tx1">
-                        <a:lumMod val="65000"/>
-                        <a:lumOff val="35000"/>
-                      </a:schemeClr>
-                    </a:solidFill>
-                    <a:latin typeface="+mn-lt"/>
-                    <a:ea typeface="+mn-ea"/>
-                    <a:cs typeface="+mn-cs"/>
-                  </a:defRPr>
-                </a:pPr>
-                <a:r>
-                  <a:rPr lang="en-US"/>
-                  <a:t>Accuracy</a:t>
-                </a:r>
-                <a:r>
-                  <a:rPr lang="en-US" baseline="0"/>
-                  <a:t> Rate</a:t>
-                </a:r>
-                <a:endParaRPr lang="en-US"/>
-              </a:p>
-            </c:rich>
-          </c:tx>
-          <c:overlay val="0"/>
-          <c:spPr>
-            <a:noFill/>
-            <a:ln>
-              <a:noFill/>
-            </a:ln>
-            <a:effectLst/>
-          </c:spPr>
-          <c:txPr>
-            <a:bodyPr rot="-5400000" spcFirstLastPara="1" vertOverflow="ellipsis" vert="horz" wrap="square" anchor="ctr" anchorCtr="1"/>
-            <a:lstStyle/>
-            <a:p>
-              <a:pPr>
-                <a:defRPr sz="1000" b="0" i="0" u="none" strike="noStrike" kern="1200" baseline="0">
-                  <a:solidFill>
-                    <a:schemeClr val="tx1">
-                      <a:lumMod val="65000"/>
-                      <a:lumOff val="35000"/>
-                    </a:schemeClr>
-                  </a:solidFill>
-                  <a:latin typeface="+mn-lt"/>
-                  <a:ea typeface="+mn-ea"/>
-                  <a:cs typeface="+mn-cs"/>
-                </a:defRPr>
-              </a:pPr>
-              <a:endParaRPr lang="en-US"/>
-            </a:p>
-          </c:txPr>
-        </c:title>
-        <c:numFmt formatCode="General" sourceLinked="1"/>
-        <c:majorTickMark val="none"/>
-        <c:minorTickMark val="none"/>
-        <c:tickLblPos val="nextTo"/>
-        <c:spPr>
-          <a:noFill/>
-          <a:ln>
-            <a:noFill/>
-          </a:ln>
-          <a:effectLst/>
-        </c:spPr>
-        <c:txPr>
-          <a:bodyPr rot="-60000000" spcFirstLastPara="1" vertOverflow="ellipsis" vert="horz" wrap="square" anchor="ctr" anchorCtr="1"/>
-          <a:lstStyle/>
-          <a:p>
-            <a:pPr>
-              <a:defRPr sz="900" b="0" i="0" u="none" strike="noStrike" kern="1200" baseline="0">
-                <a:solidFill>
-                  <a:schemeClr val="tx1">
-                    <a:lumMod val="65000"/>
-                    <a:lumOff val="35000"/>
-                  </a:schemeClr>
-                </a:solidFill>
-                <a:latin typeface="+mn-lt"/>
-                <a:ea typeface="+mn-ea"/>
-                <a:cs typeface="+mn-cs"/>
-              </a:defRPr>
-            </a:pPr>
-            <a:endParaRPr lang="en-US"/>
-          </a:p>
-        </c:txPr>
-        <c:crossAx val="-2008959248"/>
-        <c:crosses val="autoZero"/>
-        <c:crossBetween val="midCat"/>
-      </c:valAx>
-      <c:spPr>
-        <a:noFill/>
-        <a:ln>
-          <a:noFill/>
-        </a:ln>
-        <a:effectLst/>
-      </c:spPr>
-    </c:plotArea>
-    <c:legend>
-      <c:legendPos val="b"/>
-      <c:layout>
-        <c:manualLayout>
-          <c:xMode val="edge"/>
-          <c:yMode val="edge"/>
-          <c:x val="0.44770617461203399"/>
-          <c:y val="0.94290682585172902"/>
-          <c:w val="0.13643518876185501"/>
-          <c:h val="4.2172931154742903E-2"/>
-        </c:manualLayout>
-      </c:layout>
-      <c:overlay val="0"/>
-      <c:spPr>
-        <a:noFill/>
-        <a:ln>
-          <a:noFill/>
-        </a:ln>
-        <a:effectLst/>
-      </c:spPr>
-      <c:txPr>
-        <a:bodyPr rot="0" spcFirstLastPara="1" vertOverflow="ellipsis" vert="horz" wrap="square" anchor="ctr" anchorCtr="1"/>
-        <a:lstStyle/>
-        <a:p>
-          <a:pPr>
-            <a:defRPr sz="1050" b="0" i="0" u="none" strike="noStrike" kern="1200" baseline="0">
-              <a:solidFill>
-                <a:schemeClr val="tx1">
-                  <a:lumMod val="65000"/>
-                  <a:lumOff val="35000"/>
-                </a:schemeClr>
-              </a:solidFill>
-              <a:latin typeface="+mn-lt"/>
-              <a:ea typeface="+mn-ea"/>
-              <a:cs typeface="+mn-cs"/>
-            </a:defRPr>
-          </a:pPr>
-          <a:endParaRPr lang="en-US"/>
-        </a:p>
-      </c:txPr>
-    </c:legend>
-    <c:plotVisOnly val="1"/>
-    <c:dispBlanksAs val="gap"/>
-    <c:showDLblsOverMax val="0"/>
-  </c:chart>
-  <c:spPr>
-    <a:noFill/>
-    <a:ln>
-      <a:noFill/>
-    </a:ln>
-    <a:effectLst/>
-  </c:spPr>
-  <c:txPr>
-    <a:bodyPr/>
-    <a:lstStyle/>
-    <a:p>
-      <a:pPr>
-        <a:defRPr/>
-      </a:pPr>
-      <a:endParaRPr lang="en-US"/>
-    </a:p>
-  </c:txPr>
-  <c:externalData r:id="rId3">
-    <c:autoUpdate val="0"/>
-  </c:externalData>
-</c:chartSpace>
-</file>
-
-<file path=ppt/charts/chart4.xml><?xml version="1.0" encoding="utf-8"?>
-<c:chartSpace xmlns:c="http://schemas.openxmlformats.org/drawingml/2006/chart" xmlns:a="http://schemas.openxmlformats.org/drawingml/2006/main" xmlns:r="http://schemas.openxmlformats.org/officeDocument/2006/relationships" xmlns:c16r2="http://schemas.microsoft.com/office/drawing/2015/06/chart">
+<c:chartSpace xmlns:c="http://schemas.openxmlformats.org/drawingml/2006/chart" xmlns:a="http://schemas.openxmlformats.org/drawingml/2006/main" xmlns:r="http://schemas.openxmlformats.org/officeDocument/2006/relationships">
   <c:date1904 val="0"/>
   <c:lang val="en-US"/>
   <c:roundedCorners val="0"/>
@@ -2239,2114 +171,6 @@
           <a:lstStyle/>
           <a:p>
             <a:pPr>
-              <a:defRPr sz="2000" b="0" i="0" u="none" strike="noStrike" kern="1200" spc="0" baseline="0">
-                <a:solidFill>
-                  <a:schemeClr val="tx1">
-                    <a:lumMod val="65000"/>
-                    <a:lumOff val="35000"/>
-                  </a:schemeClr>
-                </a:solidFill>
-                <a:latin typeface="+mn-lt"/>
-                <a:ea typeface="+mn-ea"/>
-                <a:cs typeface="+mn-cs"/>
-              </a:defRPr>
-            </a:pPr>
-            <a:r>
-              <a:rPr lang="en-US" sz="2000" dirty="0"/>
-              <a:t>Accuracy</a:t>
-            </a:r>
-            <a:r>
-              <a:rPr lang="en-US" sz="2000" baseline="0" dirty="0"/>
-              <a:t> of 1-NN vs 7-NN Using Our K-NN Classifier on the </a:t>
-            </a:r>
-            <a:r>
-              <a:rPr lang="en-US" sz="2000" b="0" i="0" u="none" strike="noStrike" baseline="0" dirty="0">
-                <a:effectLst/>
-              </a:rPr>
-              <a:t>🐰 </a:t>
-            </a:r>
-            <a:r>
-              <a:rPr lang="en-US" sz="2000" baseline="0" dirty="0"/>
-              <a:t>Dataset</a:t>
-            </a:r>
-            <a:endParaRPr lang="en-US" sz="2000" dirty="0"/>
-          </a:p>
-        </c:rich>
-      </c:tx>
-      <c:overlay val="0"/>
-      <c:spPr>
-        <a:noFill/>
-        <a:ln>
-          <a:noFill/>
-        </a:ln>
-        <a:effectLst/>
-      </c:spPr>
-      <c:txPr>
-        <a:bodyPr rot="0" spcFirstLastPara="1" vertOverflow="ellipsis" vert="horz" wrap="square" anchor="ctr" anchorCtr="1"/>
-        <a:lstStyle/>
-        <a:p>
-          <a:pPr>
-            <a:defRPr sz="2000" b="0" i="0" u="none" strike="noStrike" kern="1200" spc="0" baseline="0">
-              <a:solidFill>
-                <a:schemeClr val="tx1">
-                  <a:lumMod val="65000"/>
-                  <a:lumOff val="35000"/>
-                </a:schemeClr>
-              </a:solidFill>
-              <a:latin typeface="+mn-lt"/>
-              <a:ea typeface="+mn-ea"/>
-              <a:cs typeface="+mn-cs"/>
-            </a:defRPr>
-          </a:pPr>
-          <a:endParaRPr lang="en-US"/>
-        </a:p>
-      </c:txPr>
-    </c:title>
-    <c:autoTitleDeleted val="0"/>
-    <c:plotArea>
-      <c:layout>
-        <c:manualLayout>
-          <c:layoutTarget val="inner"/>
-          <c:xMode val="edge"/>
-          <c:yMode val="edge"/>
-          <c:x val="6.4099833138069398E-2"/>
-          <c:y val="8.9912028924758303E-2"/>
-          <c:w val="0.91214877464831601"/>
-          <c:h val="0.76159901171826105"/>
-        </c:manualLayout>
-      </c:layout>
-      <c:scatterChart>
-        <c:scatterStyle val="smoothMarker"/>
-        <c:varyColors val="0"/>
-        <c:ser>
-          <c:idx val="1"/>
-          <c:order val="0"/>
-          <c:tx>
-            <c:v>7-NN</c:v>
-          </c:tx>
-          <c:spPr>
-            <a:ln w="28575" cap="rnd">
-              <a:solidFill>
-                <a:schemeClr val="accent5"/>
-              </a:solidFill>
-              <a:round/>
-            </a:ln>
-            <a:effectLst/>
-          </c:spPr>
-          <c:marker>
-            <c:symbol val="none"/>
-          </c:marker>
-          <c:xVal>
-            <c:numRef>
-              <c:f>Sheet1!$A$3:$J$3</c:f>
-              <c:numCache>
-                <c:formatCode>General</c:formatCode>
-                <c:ptCount val="10"/>
-                <c:pt idx="0">
-                  <c:v>0</c:v>
-                </c:pt>
-                <c:pt idx="1">
-                  <c:v>2</c:v>
-                </c:pt>
-                <c:pt idx="2">
-                  <c:v>4</c:v>
-                </c:pt>
-                <c:pt idx="3">
-                  <c:v>6</c:v>
-                </c:pt>
-                <c:pt idx="4">
-                  <c:v>8</c:v>
-                </c:pt>
-                <c:pt idx="5">
-                  <c:v>10</c:v>
-                </c:pt>
-                <c:pt idx="6">
-                  <c:v>12</c:v>
-                </c:pt>
-                <c:pt idx="7">
-                  <c:v>14</c:v>
-                </c:pt>
-                <c:pt idx="8">
-                  <c:v>16</c:v>
-                </c:pt>
-                <c:pt idx="9">
-                  <c:v>18</c:v>
-                </c:pt>
-              </c:numCache>
-            </c:numRef>
-          </c:xVal>
-          <c:yVal>
-            <c:numRef>
-              <c:f>Sheet1!$M$6:$V$6</c:f>
-              <c:numCache>
-                <c:formatCode>General</c:formatCode>
-                <c:ptCount val="10"/>
-                <c:pt idx="0">
-                  <c:v>91.469560580000007</c:v>
-                </c:pt>
-                <c:pt idx="1">
-                  <c:v>80.47497869</c:v>
-                </c:pt>
-                <c:pt idx="2">
-                  <c:v>67.884875230000006</c:v>
-                </c:pt>
-                <c:pt idx="3">
-                  <c:v>49.267962789999999</c:v>
-                </c:pt>
-                <c:pt idx="4">
-                  <c:v>44.49094316</c:v>
-                </c:pt>
-                <c:pt idx="5">
-                  <c:v>40.805040320000003</c:v>
-                </c:pt>
-                <c:pt idx="6">
-                  <c:v>40.507020689999997</c:v>
-                </c:pt>
-                <c:pt idx="7">
-                  <c:v>30.023509019999999</c:v>
-                </c:pt>
-                <c:pt idx="8">
-                  <c:v>26.474522799999999</c:v>
-                </c:pt>
-                <c:pt idx="9">
-                  <c:v>26.049409969999999</c:v>
-                </c:pt>
-              </c:numCache>
-            </c:numRef>
-          </c:yVal>
-          <c:smooth val="1"/>
-          <c:extLst>
-            <c:ext xmlns:c16="http://schemas.microsoft.com/office/drawing/2014/chart" uri="{C3380CC4-5D6E-409C-BE32-E72D297353CC}">
-              <c16:uniqueId val="{00000000-3D66-494A-AB28-08BE40D19053}"/>
-            </c:ext>
-          </c:extLst>
-        </c:ser>
-        <c:ser>
-          <c:idx val="2"/>
-          <c:order val="1"/>
-          <c:tx>
-            <c:v>1-NN</c:v>
-          </c:tx>
-          <c:spPr>
-            <a:ln w="28575" cap="rnd">
-              <a:solidFill>
-                <a:schemeClr val="accent4"/>
-              </a:solidFill>
-              <a:round/>
-            </a:ln>
-            <a:effectLst/>
-          </c:spPr>
-          <c:marker>
-            <c:symbol val="none"/>
-          </c:marker>
-          <c:xVal>
-            <c:numRef>
-              <c:f>Sheet1!$A$3:$J$3</c:f>
-              <c:numCache>
-                <c:formatCode>General</c:formatCode>
-                <c:ptCount val="10"/>
-                <c:pt idx="0">
-                  <c:v>0</c:v>
-                </c:pt>
-                <c:pt idx="1">
-                  <c:v>2</c:v>
-                </c:pt>
-                <c:pt idx="2">
-                  <c:v>4</c:v>
-                </c:pt>
-                <c:pt idx="3">
-                  <c:v>6</c:v>
-                </c:pt>
-                <c:pt idx="4">
-                  <c:v>8</c:v>
-                </c:pt>
-                <c:pt idx="5">
-                  <c:v>10</c:v>
-                </c:pt>
-                <c:pt idx="6">
-                  <c:v>12</c:v>
-                </c:pt>
-                <c:pt idx="7">
-                  <c:v>14</c:v>
-                </c:pt>
-                <c:pt idx="8">
-                  <c:v>16</c:v>
-                </c:pt>
-                <c:pt idx="9">
-                  <c:v>18</c:v>
-                </c:pt>
-              </c:numCache>
-            </c:numRef>
-          </c:xVal>
-          <c:yVal>
-            <c:numRef>
-              <c:f>Sheet1!$M$4:$V$4</c:f>
-              <c:numCache>
-                <c:formatCode>General</c:formatCode>
-                <c:ptCount val="10"/>
-                <c:pt idx="0">
-                  <c:v>89.860501319999997</c:v>
-                </c:pt>
-                <c:pt idx="1">
-                  <c:v>82.655543199999997</c:v>
-                </c:pt>
-                <c:pt idx="2">
-                  <c:v>61.226753500000001</c:v>
-                </c:pt>
-                <c:pt idx="3">
-                  <c:v>49.40460358</c:v>
-                </c:pt>
-                <c:pt idx="4">
-                  <c:v>41.162783879999999</c:v>
-                </c:pt>
-                <c:pt idx="5">
-                  <c:v>33.868870680000001</c:v>
-                </c:pt>
-                <c:pt idx="6">
-                  <c:v>32.306303509999999</c:v>
-                </c:pt>
-                <c:pt idx="7">
-                  <c:v>28.331758700000002</c:v>
-                </c:pt>
-                <c:pt idx="8">
-                  <c:v>24.417023789999998</c:v>
-                </c:pt>
-                <c:pt idx="9">
-                  <c:v>27.10970571</c:v>
-                </c:pt>
-              </c:numCache>
-            </c:numRef>
-          </c:yVal>
-          <c:smooth val="1"/>
-          <c:extLst>
-            <c:ext xmlns:c16="http://schemas.microsoft.com/office/drawing/2014/chart" uri="{C3380CC4-5D6E-409C-BE32-E72D297353CC}">
-              <c16:uniqueId val="{00000001-3D66-494A-AB28-08BE40D19053}"/>
-            </c:ext>
-          </c:extLst>
-        </c:ser>
-        <c:dLbls>
-          <c:showLegendKey val="0"/>
-          <c:showVal val="0"/>
-          <c:showCatName val="0"/>
-          <c:showSerName val="0"/>
-          <c:showPercent val="0"/>
-          <c:showBubbleSize val="0"/>
-        </c:dLbls>
-        <c:axId val="-2027082368"/>
-        <c:axId val="-2028459056"/>
-      </c:scatterChart>
-      <c:valAx>
-        <c:axId val="-2027082368"/>
-        <c:scaling>
-          <c:orientation val="minMax"/>
-          <c:max val="18"/>
-        </c:scaling>
-        <c:delete val="0"/>
-        <c:axPos val="b"/>
-        <c:title>
-          <c:tx>
-            <c:rich>
-              <a:bodyPr rot="0" spcFirstLastPara="1" vertOverflow="ellipsis" vert="horz" wrap="square" anchor="ctr" anchorCtr="1"/>
-              <a:lstStyle/>
-              <a:p>
-                <a:pPr>
-                  <a:defRPr sz="1000" b="0" i="0" u="none" strike="noStrike" kern="1200" baseline="0">
-                    <a:solidFill>
-                      <a:schemeClr val="tx1">
-                        <a:lumMod val="65000"/>
-                        <a:lumOff val="35000"/>
-                      </a:schemeClr>
-                    </a:solidFill>
-                    <a:latin typeface="+mn-lt"/>
-                    <a:ea typeface="+mn-ea"/>
-                    <a:cs typeface="+mn-cs"/>
-                  </a:defRPr>
-                </a:pPr>
-                <a:r>
-                  <a:rPr lang="en-US"/>
-                  <a:t>Irrelevant</a:t>
-                </a:r>
-                <a:r>
-                  <a:rPr lang="en-US" baseline="0"/>
-                  <a:t> Attributes</a:t>
-                </a:r>
-                <a:endParaRPr lang="en-US"/>
-              </a:p>
-            </c:rich>
-          </c:tx>
-          <c:overlay val="0"/>
-          <c:spPr>
-            <a:noFill/>
-            <a:ln>
-              <a:noFill/>
-            </a:ln>
-            <a:effectLst/>
-          </c:spPr>
-          <c:txPr>
-            <a:bodyPr rot="0" spcFirstLastPara="1" vertOverflow="ellipsis" vert="horz" wrap="square" anchor="ctr" anchorCtr="1"/>
-            <a:lstStyle/>
-            <a:p>
-              <a:pPr>
-                <a:defRPr sz="1000" b="0" i="0" u="none" strike="noStrike" kern="1200" baseline="0">
-                  <a:solidFill>
-                    <a:schemeClr val="tx1">
-                      <a:lumMod val="65000"/>
-                      <a:lumOff val="35000"/>
-                    </a:schemeClr>
-                  </a:solidFill>
-                  <a:latin typeface="+mn-lt"/>
-                  <a:ea typeface="+mn-ea"/>
-                  <a:cs typeface="+mn-cs"/>
-                </a:defRPr>
-              </a:pPr>
-              <a:endParaRPr lang="en-US"/>
-            </a:p>
-          </c:txPr>
-        </c:title>
-        <c:numFmt formatCode="General" sourceLinked="1"/>
-        <c:majorTickMark val="none"/>
-        <c:minorTickMark val="none"/>
-        <c:tickLblPos val="nextTo"/>
-        <c:spPr>
-          <a:noFill/>
-          <a:ln w="9525" cap="flat" cmpd="sng" algn="ctr">
-            <a:solidFill>
-              <a:schemeClr val="tx1">
-                <a:lumMod val="15000"/>
-                <a:lumOff val="85000"/>
-              </a:schemeClr>
-            </a:solidFill>
-            <a:round/>
-          </a:ln>
-          <a:effectLst/>
-        </c:spPr>
-        <c:txPr>
-          <a:bodyPr rot="-60000000" spcFirstLastPara="1" vertOverflow="ellipsis" vert="horz" wrap="square" anchor="ctr" anchorCtr="1"/>
-          <a:lstStyle/>
-          <a:p>
-            <a:pPr>
-              <a:defRPr sz="900" b="0" i="0" u="none" strike="noStrike" kern="1200" baseline="0">
-                <a:solidFill>
-                  <a:schemeClr val="tx1">
-                    <a:lumMod val="65000"/>
-                    <a:lumOff val="35000"/>
-                  </a:schemeClr>
-                </a:solidFill>
-                <a:latin typeface="+mn-lt"/>
-                <a:ea typeface="+mn-ea"/>
-                <a:cs typeface="+mn-cs"/>
-              </a:defRPr>
-            </a:pPr>
-            <a:endParaRPr lang="en-US"/>
-          </a:p>
-        </c:txPr>
-        <c:crossAx val="-2028459056"/>
-        <c:crosses val="autoZero"/>
-        <c:crossBetween val="midCat"/>
-      </c:valAx>
-      <c:valAx>
-        <c:axId val="-2028459056"/>
-        <c:scaling>
-          <c:orientation val="minMax"/>
-          <c:max val="100"/>
-        </c:scaling>
-        <c:delete val="0"/>
-        <c:axPos val="l"/>
-        <c:majorGridlines>
-          <c:spPr>
-            <a:ln w="9525" cap="flat" cmpd="sng" algn="ctr">
-              <a:solidFill>
-                <a:schemeClr val="tx1">
-                  <a:lumMod val="15000"/>
-                  <a:lumOff val="85000"/>
-                </a:schemeClr>
-              </a:solidFill>
-              <a:round/>
-            </a:ln>
-            <a:effectLst/>
-          </c:spPr>
-        </c:majorGridlines>
-        <c:title>
-          <c:tx>
-            <c:rich>
-              <a:bodyPr rot="-5400000" spcFirstLastPara="1" vertOverflow="ellipsis" vert="horz" wrap="square" anchor="ctr" anchorCtr="1"/>
-              <a:lstStyle/>
-              <a:p>
-                <a:pPr>
-                  <a:defRPr sz="1000" b="0" i="0" u="none" strike="noStrike" kern="1200" baseline="0">
-                    <a:solidFill>
-                      <a:schemeClr val="tx1">
-                        <a:lumMod val="65000"/>
-                        <a:lumOff val="35000"/>
-                      </a:schemeClr>
-                    </a:solidFill>
-                    <a:latin typeface="+mn-lt"/>
-                    <a:ea typeface="+mn-ea"/>
-                    <a:cs typeface="+mn-cs"/>
-                  </a:defRPr>
-                </a:pPr>
-                <a:r>
-                  <a:rPr lang="en-US"/>
-                  <a:t>Accuracy</a:t>
-                </a:r>
-                <a:r>
-                  <a:rPr lang="en-US" baseline="0"/>
-                  <a:t> Rate</a:t>
-                </a:r>
-                <a:endParaRPr lang="en-US"/>
-              </a:p>
-            </c:rich>
-          </c:tx>
-          <c:overlay val="0"/>
-          <c:spPr>
-            <a:noFill/>
-            <a:ln>
-              <a:noFill/>
-            </a:ln>
-            <a:effectLst/>
-          </c:spPr>
-          <c:txPr>
-            <a:bodyPr rot="-5400000" spcFirstLastPara="1" vertOverflow="ellipsis" vert="horz" wrap="square" anchor="ctr" anchorCtr="1"/>
-            <a:lstStyle/>
-            <a:p>
-              <a:pPr>
-                <a:defRPr sz="1000" b="0" i="0" u="none" strike="noStrike" kern="1200" baseline="0">
-                  <a:solidFill>
-                    <a:schemeClr val="tx1">
-                      <a:lumMod val="65000"/>
-                      <a:lumOff val="35000"/>
-                    </a:schemeClr>
-                  </a:solidFill>
-                  <a:latin typeface="+mn-lt"/>
-                  <a:ea typeface="+mn-ea"/>
-                  <a:cs typeface="+mn-cs"/>
-                </a:defRPr>
-              </a:pPr>
-              <a:endParaRPr lang="en-US"/>
-            </a:p>
-          </c:txPr>
-        </c:title>
-        <c:numFmt formatCode="General" sourceLinked="1"/>
-        <c:majorTickMark val="none"/>
-        <c:minorTickMark val="none"/>
-        <c:tickLblPos val="nextTo"/>
-        <c:spPr>
-          <a:noFill/>
-          <a:ln>
-            <a:noFill/>
-          </a:ln>
-          <a:effectLst/>
-        </c:spPr>
-        <c:txPr>
-          <a:bodyPr rot="-60000000" spcFirstLastPara="1" vertOverflow="ellipsis" vert="horz" wrap="square" anchor="ctr" anchorCtr="1"/>
-          <a:lstStyle/>
-          <a:p>
-            <a:pPr>
-              <a:defRPr sz="900" b="0" i="0" u="none" strike="noStrike" kern="1200" baseline="0">
-                <a:solidFill>
-                  <a:schemeClr val="tx1">
-                    <a:lumMod val="65000"/>
-                    <a:lumOff val="35000"/>
-                  </a:schemeClr>
-                </a:solidFill>
-                <a:latin typeface="+mn-lt"/>
-                <a:ea typeface="+mn-ea"/>
-                <a:cs typeface="+mn-cs"/>
-              </a:defRPr>
-            </a:pPr>
-            <a:endParaRPr lang="en-US"/>
-          </a:p>
-        </c:txPr>
-        <c:crossAx val="-2027082368"/>
-        <c:crosses val="autoZero"/>
-        <c:crossBetween val="midCat"/>
-      </c:valAx>
-      <c:spPr>
-        <a:noFill/>
-        <a:ln>
-          <a:noFill/>
-        </a:ln>
-        <a:effectLst/>
-      </c:spPr>
-    </c:plotArea>
-    <c:legend>
-      <c:legendPos val="b"/>
-      <c:overlay val="0"/>
-      <c:spPr>
-        <a:noFill/>
-        <a:ln>
-          <a:noFill/>
-        </a:ln>
-        <a:effectLst/>
-      </c:spPr>
-      <c:txPr>
-        <a:bodyPr rot="0" spcFirstLastPara="1" vertOverflow="ellipsis" vert="horz" wrap="square" anchor="ctr" anchorCtr="1"/>
-        <a:lstStyle/>
-        <a:p>
-          <a:pPr>
-            <a:defRPr sz="900" b="0" i="0" u="none" strike="noStrike" kern="1200" baseline="0">
-              <a:solidFill>
-                <a:schemeClr val="tx1">
-                  <a:lumMod val="65000"/>
-                  <a:lumOff val="35000"/>
-                </a:schemeClr>
-              </a:solidFill>
-              <a:latin typeface="+mn-lt"/>
-              <a:ea typeface="+mn-ea"/>
-              <a:cs typeface="+mn-cs"/>
-            </a:defRPr>
-          </a:pPr>
-          <a:endParaRPr lang="en-US"/>
-        </a:p>
-      </c:txPr>
-    </c:legend>
-    <c:plotVisOnly val="1"/>
-    <c:dispBlanksAs val="gap"/>
-    <c:showDLblsOverMax val="0"/>
-  </c:chart>
-  <c:spPr>
-    <a:noFill/>
-    <a:ln>
-      <a:noFill/>
-    </a:ln>
-    <a:effectLst/>
-  </c:spPr>
-  <c:txPr>
-    <a:bodyPr/>
-    <a:lstStyle/>
-    <a:p>
-      <a:pPr>
-        <a:defRPr/>
-      </a:pPr>
-      <a:endParaRPr lang="en-US"/>
-    </a:p>
-  </c:txPr>
-  <c:externalData r:id="rId3">
-    <c:autoUpdate val="0"/>
-  </c:externalData>
-</c:chartSpace>
-</file>
-
-<file path=ppt/charts/chart5.xml><?xml version="1.0" encoding="utf-8"?>
-<c:chartSpace xmlns:c="http://schemas.openxmlformats.org/drawingml/2006/chart" xmlns:a="http://schemas.openxmlformats.org/drawingml/2006/main" xmlns:r="http://schemas.openxmlformats.org/officeDocument/2006/relationships" xmlns:c16r2="http://schemas.microsoft.com/office/drawing/2015/06/chart">
-  <c:date1904 val="0"/>
-  <c:lang val="en-US"/>
-  <c:roundedCorners val="0"/>
-  <mc:AlternateContent xmlns:mc="http://schemas.openxmlformats.org/markup-compatibility/2006">
-    <mc:Choice xmlns:c14="http://schemas.microsoft.com/office/drawing/2007/8/2/chart" Requires="c14">
-      <c14:style val="102"/>
-    </mc:Choice>
-    <mc:Fallback>
-      <c:style val="2"/>
-    </mc:Fallback>
-  </mc:AlternateContent>
-  <c:chart>
-    <c:title>
-      <c:tx>
-        <c:rich>
-          <a:bodyPr rot="0" spcFirstLastPara="1" vertOverflow="ellipsis" vert="horz" wrap="square" anchor="ctr" anchorCtr="1"/>
-          <a:lstStyle/>
-          <a:p>
-            <a:pPr marL="0" marR="0" indent="0" algn="ctr" defTabSz="914400" rtl="0" eaLnBrk="1" fontAlgn="auto" latinLnBrk="0" hangingPunct="1">
-              <a:lnSpc>
-                <a:spcPct val="100000"/>
-              </a:lnSpc>
-              <a:spcBef>
-                <a:spcPts val="0"/>
-              </a:spcBef>
-              <a:spcAft>
-                <a:spcPts val="0"/>
-              </a:spcAft>
-              <a:buClrTx/>
-              <a:buSzTx/>
-              <a:buFontTx/>
-              <a:buNone/>
-              <a:tabLst/>
-              <a:defRPr sz="1400" b="0" i="0" u="none" strike="noStrike" kern="1200" spc="0" baseline="0">
-                <a:solidFill>
-                  <a:prstClr val="black">
-                    <a:lumMod val="65000"/>
-                    <a:lumOff val="35000"/>
-                  </a:prstClr>
-                </a:solidFill>
-                <a:latin typeface="+mn-lt"/>
-                <a:ea typeface="+mn-ea"/>
-                <a:cs typeface="+mn-cs"/>
-              </a:defRPr>
-            </a:pPr>
-            <a:r>
-              <a:rPr lang="en-US" sz="2400" b="0" i="0" baseline="0" dirty="0">
-                <a:effectLst/>
-              </a:rPr>
-              <a:t>Accuracy of Our K-NN Classifier on the </a:t>
-            </a:r>
-            <a:r>
-              <a:rPr lang="en-US" sz="1800" b="0" i="0" u="none" strike="noStrike" baseline="0" dirty="0">
-                <a:effectLst/>
-              </a:rPr>
-              <a:t>🐰</a:t>
-            </a:r>
-            <a:r>
-              <a:rPr lang="en-US" sz="1800" b="0" i="0" u="none" strike="noStrike" baseline="0" dirty="0"/>
-              <a:t> </a:t>
-            </a:r>
-            <a:r>
-              <a:rPr lang="en-US" sz="2400" b="0" i="0" baseline="0" dirty="0">
-                <a:effectLst/>
-              </a:rPr>
-              <a:t>Dataset </a:t>
-            </a:r>
-            <a:r>
-              <a:rPr lang="en-US" sz="1800" b="0" i="0" baseline="0" dirty="0">
-                <a:effectLst/>
-              </a:rPr>
-              <a:t>(many </a:t>
-            </a:r>
-            <a:r>
-              <a:rPr lang="en-US" sz="1800" b="0" i="1" baseline="0" dirty="0">
-                <a:effectLst/>
-              </a:rPr>
-              <a:t>k</a:t>
-            </a:r>
-            <a:r>
-              <a:rPr lang="en-US" sz="1800" b="0" i="0" baseline="0" dirty="0">
-                <a:effectLst/>
-              </a:rPr>
-              <a:t>)</a:t>
-            </a:r>
-            <a:endParaRPr lang="en-US" dirty="0">
-              <a:effectLst/>
-            </a:endParaRPr>
-          </a:p>
-          <a:p>
-            <a:pPr marL="0" marR="0" indent="0" algn="ctr" defTabSz="914400" rtl="0" eaLnBrk="1" fontAlgn="auto" latinLnBrk="0" hangingPunct="1">
-              <a:lnSpc>
-                <a:spcPct val="100000"/>
-              </a:lnSpc>
-              <a:spcBef>
-                <a:spcPts val="0"/>
-              </a:spcBef>
-              <a:spcAft>
-                <a:spcPts val="0"/>
-              </a:spcAft>
-              <a:buClrTx/>
-              <a:buSzTx/>
-              <a:buFontTx/>
-              <a:buNone/>
-              <a:tabLst/>
-              <a:defRPr>
-                <a:solidFill>
-                  <a:prstClr val="black">
-                    <a:lumMod val="65000"/>
-                    <a:lumOff val="35000"/>
-                  </a:prstClr>
-                </a:solidFill>
-              </a:defRPr>
-            </a:pPr>
-            <a:endParaRPr lang="en-US" sz="1800" dirty="0">
-              <a:effectLst/>
-            </a:endParaRPr>
-          </a:p>
-        </c:rich>
-      </c:tx>
-      <c:overlay val="0"/>
-      <c:spPr>
-        <a:noFill/>
-        <a:ln>
-          <a:noFill/>
-        </a:ln>
-        <a:effectLst/>
-      </c:spPr>
-      <c:txPr>
-        <a:bodyPr rot="0" spcFirstLastPara="1" vertOverflow="ellipsis" vert="horz" wrap="square" anchor="ctr" anchorCtr="1"/>
-        <a:lstStyle/>
-        <a:p>
-          <a:pPr marL="0" marR="0" indent="0" algn="ctr" defTabSz="914400" rtl="0" eaLnBrk="1" fontAlgn="auto" latinLnBrk="0" hangingPunct="1">
-            <a:lnSpc>
-              <a:spcPct val="100000"/>
-            </a:lnSpc>
-            <a:spcBef>
-              <a:spcPts val="0"/>
-            </a:spcBef>
-            <a:spcAft>
-              <a:spcPts val="0"/>
-            </a:spcAft>
-            <a:buClrTx/>
-            <a:buSzTx/>
-            <a:buFontTx/>
-            <a:buNone/>
-            <a:tabLst/>
-            <a:defRPr sz="1400" b="0" i="0" u="none" strike="noStrike" kern="1200" spc="0" baseline="0">
-              <a:solidFill>
-                <a:prstClr val="black">
-                  <a:lumMod val="65000"/>
-                  <a:lumOff val="35000"/>
-                </a:prstClr>
-              </a:solidFill>
-              <a:latin typeface="+mn-lt"/>
-              <a:ea typeface="+mn-ea"/>
-              <a:cs typeface="+mn-cs"/>
-            </a:defRPr>
-          </a:pPr>
-          <a:endParaRPr lang="en-US"/>
-        </a:p>
-      </c:txPr>
-    </c:title>
-    <c:autoTitleDeleted val="0"/>
-    <c:plotArea>
-      <c:layout/>
-      <c:scatterChart>
-        <c:scatterStyle val="smoothMarker"/>
-        <c:varyColors val="0"/>
-        <c:ser>
-          <c:idx val="0"/>
-          <c:order val="0"/>
-          <c:tx>
-            <c:v>1-NN</c:v>
-          </c:tx>
-          <c:spPr>
-            <a:ln w="28575" cap="rnd">
-              <a:solidFill>
-                <a:schemeClr val="accent1"/>
-              </a:solidFill>
-              <a:round/>
-            </a:ln>
-            <a:effectLst/>
-          </c:spPr>
-          <c:marker>
-            <c:symbol val="none"/>
-          </c:marker>
-          <c:xVal>
-            <c:numRef>
-              <c:f>Sheet1!$A$3:$J$3</c:f>
-              <c:numCache>
-                <c:formatCode>General</c:formatCode>
-                <c:ptCount val="10"/>
-                <c:pt idx="0">
-                  <c:v>0</c:v>
-                </c:pt>
-                <c:pt idx="1">
-                  <c:v>2</c:v>
-                </c:pt>
-                <c:pt idx="2">
-                  <c:v>4</c:v>
-                </c:pt>
-                <c:pt idx="3">
-                  <c:v>6</c:v>
-                </c:pt>
-                <c:pt idx="4">
-                  <c:v>8</c:v>
-                </c:pt>
-                <c:pt idx="5">
-                  <c:v>10</c:v>
-                </c:pt>
-                <c:pt idx="6">
-                  <c:v>12</c:v>
-                </c:pt>
-                <c:pt idx="7">
-                  <c:v>14</c:v>
-                </c:pt>
-                <c:pt idx="8">
-                  <c:v>16</c:v>
-                </c:pt>
-                <c:pt idx="9">
-                  <c:v>18</c:v>
-                </c:pt>
-              </c:numCache>
-            </c:numRef>
-          </c:xVal>
-          <c:yVal>
-            <c:numRef>
-              <c:f>Sheet1!$M$4:$V$4</c:f>
-              <c:numCache>
-                <c:formatCode>General</c:formatCode>
-                <c:ptCount val="10"/>
-                <c:pt idx="0">
-                  <c:v>89.860501319999997</c:v>
-                </c:pt>
-                <c:pt idx="1">
-                  <c:v>82.655543199999997</c:v>
-                </c:pt>
-                <c:pt idx="2">
-                  <c:v>61.226753500000001</c:v>
-                </c:pt>
-                <c:pt idx="3">
-                  <c:v>49.40460358</c:v>
-                </c:pt>
-                <c:pt idx="4">
-                  <c:v>41.162783879999999</c:v>
-                </c:pt>
-                <c:pt idx="5">
-                  <c:v>33.868870680000001</c:v>
-                </c:pt>
-                <c:pt idx="6">
-                  <c:v>32.306303509999999</c:v>
-                </c:pt>
-                <c:pt idx="7">
-                  <c:v>28.331758700000002</c:v>
-                </c:pt>
-                <c:pt idx="8">
-                  <c:v>24.417023789999998</c:v>
-                </c:pt>
-                <c:pt idx="9">
-                  <c:v>27.10970571</c:v>
-                </c:pt>
-              </c:numCache>
-            </c:numRef>
-          </c:yVal>
-          <c:smooth val="1"/>
-          <c:extLst>
-            <c:ext xmlns:c16="http://schemas.microsoft.com/office/drawing/2014/chart" uri="{C3380CC4-5D6E-409C-BE32-E72D297353CC}">
-              <c16:uniqueId val="{00000000-5BD3-49F8-8FC0-641711866305}"/>
-            </c:ext>
-          </c:extLst>
-        </c:ser>
-        <c:ser>
-          <c:idx val="1"/>
-          <c:order val="1"/>
-          <c:tx>
-            <c:v>4-NN</c:v>
-          </c:tx>
-          <c:spPr>
-            <a:ln w="28575" cap="rnd">
-              <a:solidFill>
-                <a:schemeClr val="accent2"/>
-              </a:solidFill>
-              <a:round/>
-            </a:ln>
-            <a:effectLst/>
-          </c:spPr>
-          <c:marker>
-            <c:symbol val="none"/>
-          </c:marker>
-          <c:xVal>
-            <c:numRef>
-              <c:f>Sheet1!$A$3:$J$3</c:f>
-              <c:numCache>
-                <c:formatCode>General</c:formatCode>
-                <c:ptCount val="10"/>
-                <c:pt idx="0">
-                  <c:v>0</c:v>
-                </c:pt>
-                <c:pt idx="1">
-                  <c:v>2</c:v>
-                </c:pt>
-                <c:pt idx="2">
-                  <c:v>4</c:v>
-                </c:pt>
-                <c:pt idx="3">
-                  <c:v>6</c:v>
-                </c:pt>
-                <c:pt idx="4">
-                  <c:v>8</c:v>
-                </c:pt>
-                <c:pt idx="5">
-                  <c:v>10</c:v>
-                </c:pt>
-                <c:pt idx="6">
-                  <c:v>12</c:v>
-                </c:pt>
-                <c:pt idx="7">
-                  <c:v>14</c:v>
-                </c:pt>
-                <c:pt idx="8">
-                  <c:v>16</c:v>
-                </c:pt>
-                <c:pt idx="9">
-                  <c:v>18</c:v>
-                </c:pt>
-              </c:numCache>
-            </c:numRef>
-          </c:xVal>
-          <c:yVal>
-            <c:numRef>
-              <c:f>Sheet1!$M$5:$V$5</c:f>
-              <c:numCache>
-                <c:formatCode>General</c:formatCode>
-                <c:ptCount val="10"/>
-                <c:pt idx="0">
-                  <c:v>91.297891000000007</c:v>
-                </c:pt>
-                <c:pt idx="1">
-                  <c:v>80.178369459999999</c:v>
-                </c:pt>
-                <c:pt idx="2">
-                  <c:v>65.833162970000004</c:v>
-                </c:pt>
-                <c:pt idx="3">
-                  <c:v>56.797632569999998</c:v>
-                </c:pt>
-                <c:pt idx="4">
-                  <c:v>45.845515429999999</c:v>
-                </c:pt>
-                <c:pt idx="5">
-                  <c:v>37.163043889999997</c:v>
-                </c:pt>
-                <c:pt idx="6">
-                  <c:v>36.381683619999997</c:v>
-                </c:pt>
-                <c:pt idx="7">
-                  <c:v>33.134527660000003</c:v>
-                </c:pt>
-                <c:pt idx="8">
-                  <c:v>29.891807570000001</c:v>
-                </c:pt>
-                <c:pt idx="9">
-                  <c:v>26.11948469</c:v>
-                </c:pt>
-              </c:numCache>
-            </c:numRef>
-          </c:yVal>
-          <c:smooth val="1"/>
-          <c:extLst>
-            <c:ext xmlns:c16="http://schemas.microsoft.com/office/drawing/2014/chart" uri="{C3380CC4-5D6E-409C-BE32-E72D297353CC}">
-              <c16:uniqueId val="{00000001-5BD3-49F8-8FC0-641711866305}"/>
-            </c:ext>
-          </c:extLst>
-        </c:ser>
-        <c:ser>
-          <c:idx val="2"/>
-          <c:order val="2"/>
-          <c:tx>
-            <c:v>7-NN</c:v>
-          </c:tx>
-          <c:spPr>
-            <a:ln w="28575" cap="rnd">
-              <a:solidFill>
-                <a:schemeClr val="accent3"/>
-              </a:solidFill>
-              <a:round/>
-            </a:ln>
-            <a:effectLst/>
-          </c:spPr>
-          <c:marker>
-            <c:symbol val="none"/>
-          </c:marker>
-          <c:xVal>
-            <c:numRef>
-              <c:f>Sheet1!$A$3:$J$3</c:f>
-              <c:numCache>
-                <c:formatCode>General</c:formatCode>
-                <c:ptCount val="10"/>
-                <c:pt idx="0">
-                  <c:v>0</c:v>
-                </c:pt>
-                <c:pt idx="1">
-                  <c:v>2</c:v>
-                </c:pt>
-                <c:pt idx="2">
-                  <c:v>4</c:v>
-                </c:pt>
-                <c:pt idx="3">
-                  <c:v>6</c:v>
-                </c:pt>
-                <c:pt idx="4">
-                  <c:v>8</c:v>
-                </c:pt>
-                <c:pt idx="5">
-                  <c:v>10</c:v>
-                </c:pt>
-                <c:pt idx="6">
-                  <c:v>12</c:v>
-                </c:pt>
-                <c:pt idx="7">
-                  <c:v>14</c:v>
-                </c:pt>
-                <c:pt idx="8">
-                  <c:v>16</c:v>
-                </c:pt>
-                <c:pt idx="9">
-                  <c:v>18</c:v>
-                </c:pt>
-              </c:numCache>
-            </c:numRef>
-          </c:xVal>
-          <c:yVal>
-            <c:numRef>
-              <c:f>Sheet1!$M$6:$V$6</c:f>
-              <c:numCache>
-                <c:formatCode>General</c:formatCode>
-                <c:ptCount val="10"/>
-                <c:pt idx="0">
-                  <c:v>91.469560580000007</c:v>
-                </c:pt>
-                <c:pt idx="1">
-                  <c:v>80.47497869</c:v>
-                </c:pt>
-                <c:pt idx="2">
-                  <c:v>67.884875230000006</c:v>
-                </c:pt>
-                <c:pt idx="3">
-                  <c:v>49.267962789999999</c:v>
-                </c:pt>
-                <c:pt idx="4">
-                  <c:v>44.49094316</c:v>
-                </c:pt>
-                <c:pt idx="5">
-                  <c:v>40.805040320000003</c:v>
-                </c:pt>
-                <c:pt idx="6">
-                  <c:v>40.507020689999997</c:v>
-                </c:pt>
-                <c:pt idx="7">
-                  <c:v>30.023509019999999</c:v>
-                </c:pt>
-                <c:pt idx="8">
-                  <c:v>26.474522799999999</c:v>
-                </c:pt>
-                <c:pt idx="9">
-                  <c:v>26.049409969999999</c:v>
-                </c:pt>
-              </c:numCache>
-            </c:numRef>
-          </c:yVal>
-          <c:smooth val="1"/>
-          <c:extLst>
-            <c:ext xmlns:c16="http://schemas.microsoft.com/office/drawing/2014/chart" uri="{C3380CC4-5D6E-409C-BE32-E72D297353CC}">
-              <c16:uniqueId val="{00000002-5BD3-49F8-8FC0-641711866305}"/>
-            </c:ext>
-          </c:extLst>
-        </c:ser>
-        <c:ser>
-          <c:idx val="3"/>
-          <c:order val="3"/>
-          <c:tx>
-            <c:v>10-NN</c:v>
-          </c:tx>
-          <c:spPr>
-            <a:ln w="28575" cap="rnd">
-              <a:solidFill>
-                <a:schemeClr val="accent4"/>
-              </a:solidFill>
-              <a:round/>
-            </a:ln>
-            <a:effectLst/>
-          </c:spPr>
-          <c:marker>
-            <c:symbol val="none"/>
-          </c:marker>
-          <c:xVal>
-            <c:numRef>
-              <c:f>Sheet1!$A$3:$J$3</c:f>
-              <c:numCache>
-                <c:formatCode>General</c:formatCode>
-                <c:ptCount val="10"/>
-                <c:pt idx="0">
-                  <c:v>0</c:v>
-                </c:pt>
-                <c:pt idx="1">
-                  <c:v>2</c:v>
-                </c:pt>
-                <c:pt idx="2">
-                  <c:v>4</c:v>
-                </c:pt>
-                <c:pt idx="3">
-                  <c:v>6</c:v>
-                </c:pt>
-                <c:pt idx="4">
-                  <c:v>8</c:v>
-                </c:pt>
-                <c:pt idx="5">
-                  <c:v>10</c:v>
-                </c:pt>
-                <c:pt idx="6">
-                  <c:v>12</c:v>
-                </c:pt>
-                <c:pt idx="7">
-                  <c:v>14</c:v>
-                </c:pt>
-                <c:pt idx="8">
-                  <c:v>16</c:v>
-                </c:pt>
-                <c:pt idx="9">
-                  <c:v>18</c:v>
-                </c:pt>
-              </c:numCache>
-            </c:numRef>
-          </c:xVal>
-          <c:yVal>
-            <c:numRef>
-              <c:f>Sheet1!$M$7:$V$7</c:f>
-              <c:numCache>
-                <c:formatCode>General</c:formatCode>
-                <c:ptCount val="10"/>
-                <c:pt idx="0">
-                  <c:v>92.267081430000005</c:v>
-                </c:pt>
-                <c:pt idx="1">
-                  <c:v>78.493925110000006</c:v>
-                </c:pt>
-                <c:pt idx="2">
-                  <c:v>61.151521590000002</c:v>
-                </c:pt>
-                <c:pt idx="3">
-                  <c:v>53.399997650000003</c:v>
-                </c:pt>
-                <c:pt idx="4">
-                  <c:v>44.598546679999998</c:v>
-                </c:pt>
-                <c:pt idx="5">
-                  <c:v>40.269158240000003</c:v>
-                </c:pt>
-                <c:pt idx="6">
-                  <c:v>33.613865490000002</c:v>
-                </c:pt>
-                <c:pt idx="7">
-                  <c:v>29.000524599999999</c:v>
-                </c:pt>
-                <c:pt idx="8">
-                  <c:v>33.224392649999999</c:v>
-                </c:pt>
-                <c:pt idx="9">
-                  <c:v>21.85102646</c:v>
-                </c:pt>
-              </c:numCache>
-            </c:numRef>
-          </c:yVal>
-          <c:smooth val="1"/>
-          <c:extLst>
-            <c:ext xmlns:c16="http://schemas.microsoft.com/office/drawing/2014/chart" uri="{C3380CC4-5D6E-409C-BE32-E72D297353CC}">
-              <c16:uniqueId val="{00000003-5BD3-49F8-8FC0-641711866305}"/>
-            </c:ext>
-          </c:extLst>
-        </c:ser>
-        <c:dLbls>
-          <c:showLegendKey val="0"/>
-          <c:showVal val="0"/>
-          <c:showCatName val="0"/>
-          <c:showSerName val="0"/>
-          <c:showPercent val="0"/>
-          <c:showBubbleSize val="0"/>
-        </c:dLbls>
-        <c:axId val="-2027586576"/>
-        <c:axId val="-2027786048"/>
-      </c:scatterChart>
-      <c:valAx>
-        <c:axId val="-2027586576"/>
-        <c:scaling>
-          <c:orientation val="minMax"/>
-          <c:max val="18"/>
-        </c:scaling>
-        <c:delete val="0"/>
-        <c:axPos val="b"/>
-        <c:title>
-          <c:tx>
-            <c:rich>
-              <a:bodyPr rot="0" spcFirstLastPara="1" vertOverflow="ellipsis" vert="horz" wrap="square" anchor="ctr" anchorCtr="1"/>
-              <a:lstStyle/>
-              <a:p>
-                <a:pPr>
-                  <a:defRPr sz="1000" b="0" i="0" u="none" strike="noStrike" kern="1200" baseline="0">
-                    <a:solidFill>
-                      <a:schemeClr val="tx1">
-                        <a:lumMod val="65000"/>
-                        <a:lumOff val="35000"/>
-                      </a:schemeClr>
-                    </a:solidFill>
-                    <a:latin typeface="+mn-lt"/>
-                    <a:ea typeface="+mn-ea"/>
-                    <a:cs typeface="+mn-cs"/>
-                  </a:defRPr>
-                </a:pPr>
-                <a:r>
-                  <a:rPr lang="en-US"/>
-                  <a:t>Irrelevant</a:t>
-                </a:r>
-                <a:r>
-                  <a:rPr lang="en-US" baseline="0"/>
-                  <a:t> Attributes</a:t>
-                </a:r>
-                <a:endParaRPr lang="en-US"/>
-              </a:p>
-            </c:rich>
-          </c:tx>
-          <c:layout>
-            <c:manualLayout>
-              <c:xMode val="edge"/>
-              <c:yMode val="edge"/>
-              <c:x val="0.49601025381623898"/>
-              <c:y val="0.88946898994496004"/>
-            </c:manualLayout>
-          </c:layout>
-          <c:overlay val="0"/>
-          <c:spPr>
-            <a:noFill/>
-            <a:ln>
-              <a:noFill/>
-            </a:ln>
-            <a:effectLst/>
-          </c:spPr>
-          <c:txPr>
-            <a:bodyPr rot="0" spcFirstLastPara="1" vertOverflow="ellipsis" vert="horz" wrap="square" anchor="ctr" anchorCtr="1"/>
-            <a:lstStyle/>
-            <a:p>
-              <a:pPr>
-                <a:defRPr sz="1000" b="0" i="0" u="none" strike="noStrike" kern="1200" baseline="0">
-                  <a:solidFill>
-                    <a:schemeClr val="tx1">
-                      <a:lumMod val="65000"/>
-                      <a:lumOff val="35000"/>
-                    </a:schemeClr>
-                  </a:solidFill>
-                  <a:latin typeface="+mn-lt"/>
-                  <a:ea typeface="+mn-ea"/>
-                  <a:cs typeface="+mn-cs"/>
-                </a:defRPr>
-              </a:pPr>
-              <a:endParaRPr lang="en-US"/>
-            </a:p>
-          </c:txPr>
-        </c:title>
-        <c:numFmt formatCode="General" sourceLinked="1"/>
-        <c:majorTickMark val="none"/>
-        <c:minorTickMark val="none"/>
-        <c:tickLblPos val="nextTo"/>
-        <c:spPr>
-          <a:noFill/>
-          <a:ln w="9525" cap="flat" cmpd="sng" algn="ctr">
-            <a:solidFill>
-              <a:schemeClr val="tx1">
-                <a:lumMod val="15000"/>
-                <a:lumOff val="85000"/>
-              </a:schemeClr>
-            </a:solidFill>
-            <a:round/>
-          </a:ln>
-          <a:effectLst/>
-        </c:spPr>
-        <c:txPr>
-          <a:bodyPr rot="-60000000" spcFirstLastPara="1" vertOverflow="ellipsis" vert="horz" wrap="square" anchor="ctr" anchorCtr="1"/>
-          <a:lstStyle/>
-          <a:p>
-            <a:pPr>
-              <a:defRPr sz="900" b="0" i="0" u="none" strike="noStrike" kern="1200" baseline="0">
-                <a:solidFill>
-                  <a:schemeClr val="tx1">
-                    <a:lumMod val="65000"/>
-                    <a:lumOff val="35000"/>
-                  </a:schemeClr>
-                </a:solidFill>
-                <a:latin typeface="+mn-lt"/>
-                <a:ea typeface="+mn-ea"/>
-                <a:cs typeface="+mn-cs"/>
-              </a:defRPr>
-            </a:pPr>
-            <a:endParaRPr lang="en-US"/>
-          </a:p>
-        </c:txPr>
-        <c:crossAx val="-2027786048"/>
-        <c:crosses val="autoZero"/>
-        <c:crossBetween val="midCat"/>
-      </c:valAx>
-      <c:valAx>
-        <c:axId val="-2027786048"/>
-        <c:scaling>
-          <c:orientation val="minMax"/>
-          <c:max val="100"/>
-        </c:scaling>
-        <c:delete val="0"/>
-        <c:axPos val="l"/>
-        <c:majorGridlines>
-          <c:spPr>
-            <a:ln w="9525" cap="flat" cmpd="sng" algn="ctr">
-              <a:solidFill>
-                <a:schemeClr val="tx1">
-                  <a:lumMod val="15000"/>
-                  <a:lumOff val="85000"/>
-                </a:schemeClr>
-              </a:solidFill>
-              <a:round/>
-            </a:ln>
-            <a:effectLst/>
-          </c:spPr>
-        </c:majorGridlines>
-        <c:title>
-          <c:tx>
-            <c:rich>
-              <a:bodyPr rot="-5400000" spcFirstLastPara="1" vertOverflow="ellipsis" vert="horz" wrap="square" anchor="ctr" anchorCtr="1"/>
-              <a:lstStyle/>
-              <a:p>
-                <a:pPr>
-                  <a:defRPr sz="1000" b="0" i="0" u="none" strike="noStrike" kern="1200" baseline="0">
-                    <a:solidFill>
-                      <a:schemeClr val="tx1">
-                        <a:lumMod val="65000"/>
-                        <a:lumOff val="35000"/>
-                      </a:schemeClr>
-                    </a:solidFill>
-                    <a:latin typeface="+mn-lt"/>
-                    <a:ea typeface="+mn-ea"/>
-                    <a:cs typeface="+mn-cs"/>
-                  </a:defRPr>
-                </a:pPr>
-                <a:r>
-                  <a:rPr lang="en-US"/>
-                  <a:t>Accuracy</a:t>
-                </a:r>
-                <a:r>
-                  <a:rPr lang="en-US" baseline="0"/>
-                  <a:t> Rate</a:t>
-                </a:r>
-                <a:endParaRPr lang="en-US"/>
-              </a:p>
-            </c:rich>
-          </c:tx>
-          <c:overlay val="0"/>
-          <c:spPr>
-            <a:noFill/>
-            <a:ln>
-              <a:noFill/>
-            </a:ln>
-            <a:effectLst/>
-          </c:spPr>
-          <c:txPr>
-            <a:bodyPr rot="-5400000" spcFirstLastPara="1" vertOverflow="ellipsis" vert="horz" wrap="square" anchor="ctr" anchorCtr="1"/>
-            <a:lstStyle/>
-            <a:p>
-              <a:pPr>
-                <a:defRPr sz="1000" b="0" i="0" u="none" strike="noStrike" kern="1200" baseline="0">
-                  <a:solidFill>
-                    <a:schemeClr val="tx1">
-                      <a:lumMod val="65000"/>
-                      <a:lumOff val="35000"/>
-                    </a:schemeClr>
-                  </a:solidFill>
-                  <a:latin typeface="+mn-lt"/>
-                  <a:ea typeface="+mn-ea"/>
-                  <a:cs typeface="+mn-cs"/>
-                </a:defRPr>
-              </a:pPr>
-              <a:endParaRPr lang="en-US"/>
-            </a:p>
-          </c:txPr>
-        </c:title>
-        <c:numFmt formatCode="General" sourceLinked="1"/>
-        <c:majorTickMark val="none"/>
-        <c:minorTickMark val="none"/>
-        <c:tickLblPos val="nextTo"/>
-        <c:spPr>
-          <a:noFill/>
-          <a:ln>
-            <a:noFill/>
-          </a:ln>
-          <a:effectLst/>
-        </c:spPr>
-        <c:txPr>
-          <a:bodyPr rot="-60000000" spcFirstLastPara="1" vertOverflow="ellipsis" vert="horz" wrap="square" anchor="ctr" anchorCtr="1"/>
-          <a:lstStyle/>
-          <a:p>
-            <a:pPr>
-              <a:defRPr sz="900" b="0" i="0" u="none" strike="noStrike" kern="1200" baseline="0">
-                <a:solidFill>
-                  <a:schemeClr val="tx1">
-                    <a:lumMod val="65000"/>
-                    <a:lumOff val="35000"/>
-                  </a:schemeClr>
-                </a:solidFill>
-                <a:latin typeface="+mn-lt"/>
-                <a:ea typeface="+mn-ea"/>
-                <a:cs typeface="+mn-cs"/>
-              </a:defRPr>
-            </a:pPr>
-            <a:endParaRPr lang="en-US"/>
-          </a:p>
-        </c:txPr>
-        <c:crossAx val="-2027586576"/>
-        <c:crosses val="autoZero"/>
-        <c:crossBetween val="midCat"/>
-      </c:valAx>
-      <c:spPr>
-        <a:noFill/>
-        <a:ln>
-          <a:noFill/>
-        </a:ln>
-        <a:effectLst/>
-      </c:spPr>
-    </c:plotArea>
-    <c:legend>
-      <c:legendPos val="b"/>
-      <c:overlay val="0"/>
-      <c:spPr>
-        <a:noFill/>
-        <a:ln>
-          <a:noFill/>
-        </a:ln>
-        <a:effectLst/>
-      </c:spPr>
-      <c:txPr>
-        <a:bodyPr rot="0" spcFirstLastPara="1" vertOverflow="ellipsis" vert="horz" wrap="square" anchor="ctr" anchorCtr="1"/>
-        <a:lstStyle/>
-        <a:p>
-          <a:pPr>
-            <a:defRPr sz="900" b="0" i="0" u="none" strike="noStrike" kern="1200" baseline="0">
-              <a:solidFill>
-                <a:schemeClr val="tx1">
-                  <a:lumMod val="65000"/>
-                  <a:lumOff val="35000"/>
-                </a:schemeClr>
-              </a:solidFill>
-              <a:latin typeface="+mn-lt"/>
-              <a:ea typeface="+mn-ea"/>
-              <a:cs typeface="+mn-cs"/>
-            </a:defRPr>
-          </a:pPr>
-          <a:endParaRPr lang="en-US"/>
-        </a:p>
-      </c:txPr>
-    </c:legend>
-    <c:plotVisOnly val="1"/>
-    <c:dispBlanksAs val="gap"/>
-    <c:showDLblsOverMax val="0"/>
-  </c:chart>
-  <c:spPr>
-    <a:noFill/>
-    <a:ln>
-      <a:noFill/>
-    </a:ln>
-    <a:effectLst/>
-  </c:spPr>
-  <c:txPr>
-    <a:bodyPr/>
-    <a:lstStyle/>
-    <a:p>
-      <a:pPr>
-        <a:defRPr/>
-      </a:pPr>
-      <a:endParaRPr lang="en-US"/>
-    </a:p>
-  </c:txPr>
-  <c:externalData r:id="rId3">
-    <c:autoUpdate val="0"/>
-  </c:externalData>
-</c:chartSpace>
-</file>
-
-<file path=ppt/charts/chart6.xml><?xml version="1.0" encoding="utf-8"?>
-<c:chartSpace xmlns:c="http://schemas.openxmlformats.org/drawingml/2006/chart" xmlns:a="http://schemas.openxmlformats.org/drawingml/2006/main" xmlns:r="http://schemas.openxmlformats.org/officeDocument/2006/relationships" xmlns:c16r2="http://schemas.microsoft.com/office/drawing/2015/06/chart">
-  <c:date1904 val="0"/>
-  <c:lang val="en-US"/>
-  <c:roundedCorners val="0"/>
-  <mc:AlternateContent xmlns:mc="http://schemas.openxmlformats.org/markup-compatibility/2006">
-    <mc:Choice xmlns:c14="http://schemas.microsoft.com/office/drawing/2007/8/2/chart" Requires="c14">
-      <c14:style val="102"/>
-    </mc:Choice>
-    <mc:Fallback>
-      <c:style val="2"/>
-    </mc:Fallback>
-  </mc:AlternateContent>
-  <c:chart>
-    <c:title>
-      <c:tx>
-        <c:rich>
-          <a:bodyPr rot="0" spcFirstLastPara="1" vertOverflow="ellipsis" vert="horz" wrap="square" anchor="ctr" anchorCtr="1"/>
-          <a:lstStyle/>
-          <a:p>
-            <a:pPr>
-              <a:defRPr sz="2000" b="0" i="0" u="none" strike="noStrike" kern="1200" spc="0" baseline="0">
-                <a:solidFill>
-                  <a:schemeClr val="tx1">
-                    <a:lumMod val="65000"/>
-                    <a:lumOff val="35000"/>
-                  </a:schemeClr>
-                </a:solidFill>
-                <a:latin typeface="+mn-lt"/>
-                <a:ea typeface="+mn-ea"/>
-                <a:cs typeface="+mn-cs"/>
-              </a:defRPr>
-            </a:pPr>
-            <a:r>
-              <a:rPr lang="en-US" sz="2000" baseline="0"/>
-              <a:t> 🌸 vs. 🐰 on 1-NN</a:t>
-            </a:r>
-          </a:p>
-        </c:rich>
-      </c:tx>
-      <c:overlay val="0"/>
-      <c:spPr>
-        <a:noFill/>
-        <a:ln>
-          <a:noFill/>
-        </a:ln>
-        <a:effectLst/>
-      </c:spPr>
-      <c:txPr>
-        <a:bodyPr rot="0" spcFirstLastPara="1" vertOverflow="ellipsis" vert="horz" wrap="square" anchor="ctr" anchorCtr="1"/>
-        <a:lstStyle/>
-        <a:p>
-          <a:pPr>
-            <a:defRPr sz="2000" b="0" i="0" u="none" strike="noStrike" kern="1200" spc="0" baseline="0">
-              <a:solidFill>
-                <a:schemeClr val="tx1">
-                  <a:lumMod val="65000"/>
-                  <a:lumOff val="35000"/>
-                </a:schemeClr>
-              </a:solidFill>
-              <a:latin typeface="+mn-lt"/>
-              <a:ea typeface="+mn-ea"/>
-              <a:cs typeface="+mn-cs"/>
-            </a:defRPr>
-          </a:pPr>
-          <a:endParaRPr lang="en-US"/>
-        </a:p>
-      </c:txPr>
-    </c:title>
-    <c:autoTitleDeleted val="0"/>
-    <c:plotArea>
-      <c:layout/>
-      <c:scatterChart>
-        <c:scatterStyle val="smoothMarker"/>
-        <c:varyColors val="0"/>
-        <c:ser>
-          <c:idx val="0"/>
-          <c:order val="0"/>
-          <c:tx>
-            <c:v> 🌸</c:v>
-          </c:tx>
-          <c:spPr>
-            <a:ln w="28575" cap="rnd">
-              <a:solidFill>
-                <a:schemeClr val="accent1"/>
-              </a:solidFill>
-              <a:round/>
-            </a:ln>
-            <a:effectLst/>
-          </c:spPr>
-          <c:marker>
-            <c:symbol val="none"/>
-          </c:marker>
-          <c:xVal>
-            <c:numRef>
-              <c:f>Sheet1!$A$3:$J$3</c:f>
-              <c:numCache>
-                <c:formatCode>General</c:formatCode>
-                <c:ptCount val="10"/>
-                <c:pt idx="0">
-                  <c:v>0</c:v>
-                </c:pt>
-                <c:pt idx="1">
-                  <c:v>2</c:v>
-                </c:pt>
-                <c:pt idx="2">
-                  <c:v>4</c:v>
-                </c:pt>
-                <c:pt idx="3">
-                  <c:v>6</c:v>
-                </c:pt>
-                <c:pt idx="4">
-                  <c:v>8</c:v>
-                </c:pt>
-                <c:pt idx="5">
-                  <c:v>10</c:v>
-                </c:pt>
-                <c:pt idx="6">
-                  <c:v>12</c:v>
-                </c:pt>
-                <c:pt idx="7">
-                  <c:v>14</c:v>
-                </c:pt>
-                <c:pt idx="8">
-                  <c:v>16</c:v>
-                </c:pt>
-                <c:pt idx="9">
-                  <c:v>18</c:v>
-                </c:pt>
-              </c:numCache>
-            </c:numRef>
-          </c:xVal>
-          <c:yVal>
-            <c:numRef>
-              <c:f>Sheet1!$A$4:$J$4</c:f>
-              <c:numCache>
-                <c:formatCode>General</c:formatCode>
-                <c:ptCount val="10"/>
-                <c:pt idx="0">
-                  <c:v>95.564177952547396</c:v>
-                </c:pt>
-                <c:pt idx="1">
-                  <c:v>78.128024874436207</c:v>
-                </c:pt>
-                <c:pt idx="2">
-                  <c:v>55.641810442959198</c:v>
-                </c:pt>
-                <c:pt idx="3">
-                  <c:v>40.420796559868101</c:v>
-                </c:pt>
-                <c:pt idx="4">
-                  <c:v>40.783469567358601</c:v>
-                </c:pt>
-                <c:pt idx="5">
-                  <c:v>39.4703715841231</c:v>
-                </c:pt>
-                <c:pt idx="6">
-                  <c:v>28.989934019975099</c:v>
-                </c:pt>
-                <c:pt idx="7">
-                  <c:v>35.432998752631299</c:v>
-                </c:pt>
-                <c:pt idx="8">
-                  <c:v>29.830295305145999</c:v>
-                </c:pt>
-                <c:pt idx="9">
-                  <c:v>31.8963075445477</c:v>
-                </c:pt>
-              </c:numCache>
-            </c:numRef>
-          </c:yVal>
-          <c:smooth val="1"/>
-          <c:extLst>
-            <c:ext xmlns:c16="http://schemas.microsoft.com/office/drawing/2014/chart" uri="{C3380CC4-5D6E-409C-BE32-E72D297353CC}">
-              <c16:uniqueId val="{00000000-D65D-4EB8-ABEB-B0565DF84195}"/>
-            </c:ext>
-          </c:extLst>
-        </c:ser>
-        <c:ser>
-          <c:idx val="1"/>
-          <c:order val="1"/>
-          <c:tx>
-            <c:v> 🐰</c:v>
-          </c:tx>
-          <c:spPr>
-            <a:ln w="28575" cap="rnd">
-              <a:solidFill>
-                <a:schemeClr val="accent2"/>
-              </a:solidFill>
-              <a:round/>
-            </a:ln>
-            <a:effectLst/>
-          </c:spPr>
-          <c:marker>
-            <c:symbol val="none"/>
-          </c:marker>
-          <c:xVal>
-            <c:numRef>
-              <c:f>Sheet1!$A$3:$J$3</c:f>
-              <c:numCache>
-                <c:formatCode>General</c:formatCode>
-                <c:ptCount val="10"/>
-                <c:pt idx="0">
-                  <c:v>0</c:v>
-                </c:pt>
-                <c:pt idx="1">
-                  <c:v>2</c:v>
-                </c:pt>
-                <c:pt idx="2">
-                  <c:v>4</c:v>
-                </c:pt>
-                <c:pt idx="3">
-                  <c:v>6</c:v>
-                </c:pt>
-                <c:pt idx="4">
-                  <c:v>8</c:v>
-                </c:pt>
-                <c:pt idx="5">
-                  <c:v>10</c:v>
-                </c:pt>
-                <c:pt idx="6">
-                  <c:v>12</c:v>
-                </c:pt>
-                <c:pt idx="7">
-                  <c:v>14</c:v>
-                </c:pt>
-                <c:pt idx="8">
-                  <c:v>16</c:v>
-                </c:pt>
-                <c:pt idx="9">
-                  <c:v>18</c:v>
-                </c:pt>
-              </c:numCache>
-            </c:numRef>
-          </c:xVal>
-          <c:yVal>
-            <c:numRef>
-              <c:f>Sheet1!$M$4:$V$4</c:f>
-              <c:numCache>
-                <c:formatCode>General</c:formatCode>
-                <c:ptCount val="10"/>
-                <c:pt idx="0">
-                  <c:v>89.860501319999997</c:v>
-                </c:pt>
-                <c:pt idx="1">
-                  <c:v>82.655543199999997</c:v>
-                </c:pt>
-                <c:pt idx="2">
-                  <c:v>61.226753500000001</c:v>
-                </c:pt>
-                <c:pt idx="3">
-                  <c:v>49.40460358</c:v>
-                </c:pt>
-                <c:pt idx="4">
-                  <c:v>41.162783879999999</c:v>
-                </c:pt>
-                <c:pt idx="5">
-                  <c:v>33.868870680000001</c:v>
-                </c:pt>
-                <c:pt idx="6">
-                  <c:v>32.306303509999999</c:v>
-                </c:pt>
-                <c:pt idx="7">
-                  <c:v>28.331758700000002</c:v>
-                </c:pt>
-                <c:pt idx="8">
-                  <c:v>24.417023789999998</c:v>
-                </c:pt>
-                <c:pt idx="9">
-                  <c:v>27.10970571</c:v>
-                </c:pt>
-              </c:numCache>
-            </c:numRef>
-          </c:yVal>
-          <c:smooth val="1"/>
-          <c:extLst>
-            <c:ext xmlns:c16="http://schemas.microsoft.com/office/drawing/2014/chart" uri="{C3380CC4-5D6E-409C-BE32-E72D297353CC}">
-              <c16:uniqueId val="{00000001-D65D-4EB8-ABEB-B0565DF84195}"/>
-            </c:ext>
-          </c:extLst>
-        </c:ser>
-        <c:dLbls>
-          <c:showLegendKey val="0"/>
-          <c:showVal val="0"/>
-          <c:showCatName val="0"/>
-          <c:showSerName val="0"/>
-          <c:showPercent val="0"/>
-          <c:showBubbleSize val="0"/>
-        </c:dLbls>
-        <c:axId val="-2025825264"/>
-        <c:axId val="-2025821520"/>
-      </c:scatterChart>
-      <c:valAx>
-        <c:axId val="-2025825264"/>
-        <c:scaling>
-          <c:orientation val="minMax"/>
-          <c:max val="18"/>
-        </c:scaling>
-        <c:delete val="0"/>
-        <c:axPos val="b"/>
-        <c:title>
-          <c:tx>
-            <c:rich>
-              <a:bodyPr rot="0" spcFirstLastPara="1" vertOverflow="ellipsis" vert="horz" wrap="square" anchor="ctr" anchorCtr="1"/>
-              <a:lstStyle/>
-              <a:p>
-                <a:pPr>
-                  <a:defRPr sz="1000" b="0" i="0" u="none" strike="noStrike" kern="1200" baseline="0">
-                    <a:solidFill>
-                      <a:schemeClr val="tx1">
-                        <a:lumMod val="65000"/>
-                        <a:lumOff val="35000"/>
-                      </a:schemeClr>
-                    </a:solidFill>
-                    <a:latin typeface="+mn-lt"/>
-                    <a:ea typeface="+mn-ea"/>
-                    <a:cs typeface="+mn-cs"/>
-                  </a:defRPr>
-                </a:pPr>
-                <a:r>
-                  <a:rPr lang="en-US"/>
-                  <a:t>Irrelevant</a:t>
-                </a:r>
-                <a:r>
-                  <a:rPr lang="en-US" baseline="0"/>
-                  <a:t> Attributes</a:t>
-                </a:r>
-                <a:endParaRPr lang="en-US"/>
-              </a:p>
-            </c:rich>
-          </c:tx>
-          <c:layout>
-            <c:manualLayout>
-              <c:xMode val="edge"/>
-              <c:yMode val="edge"/>
-              <c:x val="0.458960349772218"/>
-              <c:y val="0.92427463944296595"/>
-            </c:manualLayout>
-          </c:layout>
-          <c:overlay val="0"/>
-          <c:spPr>
-            <a:noFill/>
-            <a:ln>
-              <a:noFill/>
-            </a:ln>
-            <a:effectLst/>
-          </c:spPr>
-          <c:txPr>
-            <a:bodyPr rot="0" spcFirstLastPara="1" vertOverflow="ellipsis" vert="horz" wrap="square" anchor="ctr" anchorCtr="1"/>
-            <a:lstStyle/>
-            <a:p>
-              <a:pPr>
-                <a:defRPr sz="1000" b="0" i="0" u="none" strike="noStrike" kern="1200" baseline="0">
-                  <a:solidFill>
-                    <a:schemeClr val="tx1">
-                      <a:lumMod val="65000"/>
-                      <a:lumOff val="35000"/>
-                    </a:schemeClr>
-                  </a:solidFill>
-                  <a:latin typeface="+mn-lt"/>
-                  <a:ea typeface="+mn-ea"/>
-                  <a:cs typeface="+mn-cs"/>
-                </a:defRPr>
-              </a:pPr>
-              <a:endParaRPr lang="en-US"/>
-            </a:p>
-          </c:txPr>
-        </c:title>
-        <c:numFmt formatCode="General" sourceLinked="1"/>
-        <c:majorTickMark val="none"/>
-        <c:minorTickMark val="none"/>
-        <c:tickLblPos val="nextTo"/>
-        <c:spPr>
-          <a:noFill/>
-          <a:ln w="9525" cap="flat" cmpd="sng" algn="ctr">
-            <a:solidFill>
-              <a:schemeClr val="tx1">
-                <a:lumMod val="15000"/>
-                <a:lumOff val="85000"/>
-              </a:schemeClr>
-            </a:solidFill>
-            <a:round/>
-          </a:ln>
-          <a:effectLst/>
-        </c:spPr>
-        <c:txPr>
-          <a:bodyPr rot="-60000000" spcFirstLastPara="1" vertOverflow="ellipsis" vert="horz" wrap="square" anchor="ctr" anchorCtr="1"/>
-          <a:lstStyle/>
-          <a:p>
-            <a:pPr>
-              <a:defRPr sz="900" b="0" i="0" u="none" strike="noStrike" kern="1200" baseline="0">
-                <a:solidFill>
-                  <a:schemeClr val="tx1">
-                    <a:lumMod val="65000"/>
-                    <a:lumOff val="35000"/>
-                  </a:schemeClr>
-                </a:solidFill>
-                <a:latin typeface="+mn-lt"/>
-                <a:ea typeface="+mn-ea"/>
-                <a:cs typeface="+mn-cs"/>
-              </a:defRPr>
-            </a:pPr>
-            <a:endParaRPr lang="en-US"/>
-          </a:p>
-        </c:txPr>
-        <c:crossAx val="-2025821520"/>
-        <c:crosses val="autoZero"/>
-        <c:crossBetween val="midCat"/>
-      </c:valAx>
-      <c:valAx>
-        <c:axId val="-2025821520"/>
-        <c:scaling>
-          <c:orientation val="minMax"/>
-          <c:max val="100"/>
-        </c:scaling>
-        <c:delete val="0"/>
-        <c:axPos val="l"/>
-        <c:majorGridlines>
-          <c:spPr>
-            <a:ln w="9525" cap="flat" cmpd="sng" algn="ctr">
-              <a:solidFill>
-                <a:schemeClr val="tx1">
-                  <a:lumMod val="15000"/>
-                  <a:lumOff val="85000"/>
-                </a:schemeClr>
-              </a:solidFill>
-              <a:round/>
-            </a:ln>
-            <a:effectLst/>
-          </c:spPr>
-        </c:majorGridlines>
-        <c:title>
-          <c:tx>
-            <c:rich>
-              <a:bodyPr rot="-5400000" spcFirstLastPara="1" vertOverflow="ellipsis" vert="horz" wrap="square" anchor="ctr" anchorCtr="1"/>
-              <a:lstStyle/>
-              <a:p>
-                <a:pPr>
-                  <a:defRPr sz="1000" b="0" i="0" u="none" strike="noStrike" kern="1200" baseline="0">
-                    <a:solidFill>
-                      <a:schemeClr val="tx1">
-                        <a:lumMod val="65000"/>
-                        <a:lumOff val="35000"/>
-                      </a:schemeClr>
-                    </a:solidFill>
-                    <a:latin typeface="+mn-lt"/>
-                    <a:ea typeface="+mn-ea"/>
-                    <a:cs typeface="+mn-cs"/>
-                  </a:defRPr>
-                </a:pPr>
-                <a:r>
-                  <a:rPr lang="en-US"/>
-                  <a:t>Accurac</a:t>
-                </a:r>
-                <a:r>
-                  <a:rPr lang="en-US" baseline="0"/>
-                  <a:t>y Rate</a:t>
-                </a:r>
-                <a:endParaRPr lang="en-US"/>
-              </a:p>
-            </c:rich>
-          </c:tx>
-          <c:overlay val="0"/>
-          <c:spPr>
-            <a:noFill/>
-            <a:ln>
-              <a:noFill/>
-            </a:ln>
-            <a:effectLst/>
-          </c:spPr>
-          <c:txPr>
-            <a:bodyPr rot="-5400000" spcFirstLastPara="1" vertOverflow="ellipsis" vert="horz" wrap="square" anchor="ctr" anchorCtr="1"/>
-            <a:lstStyle/>
-            <a:p>
-              <a:pPr>
-                <a:defRPr sz="1000" b="0" i="0" u="none" strike="noStrike" kern="1200" baseline="0">
-                  <a:solidFill>
-                    <a:schemeClr val="tx1">
-                      <a:lumMod val="65000"/>
-                      <a:lumOff val="35000"/>
-                    </a:schemeClr>
-                  </a:solidFill>
-                  <a:latin typeface="+mn-lt"/>
-                  <a:ea typeface="+mn-ea"/>
-                  <a:cs typeface="+mn-cs"/>
-                </a:defRPr>
-              </a:pPr>
-              <a:endParaRPr lang="en-US"/>
-            </a:p>
-          </c:txPr>
-        </c:title>
-        <c:numFmt formatCode="General" sourceLinked="1"/>
-        <c:majorTickMark val="none"/>
-        <c:minorTickMark val="none"/>
-        <c:tickLblPos val="nextTo"/>
-        <c:spPr>
-          <a:noFill/>
-          <a:ln>
-            <a:noFill/>
-          </a:ln>
-          <a:effectLst/>
-        </c:spPr>
-        <c:txPr>
-          <a:bodyPr rot="-60000000" spcFirstLastPara="1" vertOverflow="ellipsis" vert="horz" wrap="square" anchor="ctr" anchorCtr="1"/>
-          <a:lstStyle/>
-          <a:p>
-            <a:pPr>
-              <a:defRPr sz="900" b="0" i="0" u="none" strike="noStrike" kern="1200" baseline="0">
-                <a:solidFill>
-                  <a:schemeClr val="tx1">
-                    <a:lumMod val="65000"/>
-                    <a:lumOff val="35000"/>
-                  </a:schemeClr>
-                </a:solidFill>
-                <a:latin typeface="+mn-lt"/>
-                <a:ea typeface="+mn-ea"/>
-                <a:cs typeface="+mn-cs"/>
-              </a:defRPr>
-            </a:pPr>
-            <a:endParaRPr lang="en-US"/>
-          </a:p>
-        </c:txPr>
-        <c:crossAx val="-2025825264"/>
-        <c:crosses val="autoZero"/>
-        <c:crossBetween val="midCat"/>
-      </c:valAx>
-      <c:spPr>
-        <a:noFill/>
-        <a:ln>
-          <a:noFill/>
-        </a:ln>
-        <a:effectLst/>
-      </c:spPr>
-    </c:plotArea>
-    <c:legend>
-      <c:legendPos val="r"/>
-      <c:layout>
-        <c:manualLayout>
-          <c:xMode val="edge"/>
-          <c:yMode val="edge"/>
-          <c:x val="0.9047061608379614"/>
-          <c:y val="0.39300875620507902"/>
-          <c:w val="9.5293839162038568E-2"/>
-          <c:h val="0.18893072426140101"/>
-        </c:manualLayout>
-      </c:layout>
-      <c:overlay val="0"/>
-      <c:spPr>
-        <a:noFill/>
-        <a:ln>
-          <a:noFill/>
-        </a:ln>
-        <a:effectLst/>
-      </c:spPr>
-      <c:txPr>
-        <a:bodyPr rot="0" spcFirstLastPara="1" vertOverflow="ellipsis" vert="horz" wrap="square" anchor="ctr" anchorCtr="1"/>
-        <a:lstStyle/>
-        <a:p>
-          <a:pPr>
-            <a:defRPr sz="2000" b="0" i="0" u="none" strike="noStrike" kern="1200" baseline="0">
-              <a:ln>
-                <a:noFill/>
-              </a:ln>
-              <a:solidFill>
-                <a:schemeClr val="tx1">
-                  <a:lumMod val="65000"/>
-                  <a:lumOff val="35000"/>
-                </a:schemeClr>
-              </a:solidFill>
-              <a:latin typeface="+mn-lt"/>
-              <a:ea typeface="+mn-ea"/>
-              <a:cs typeface="+mn-cs"/>
-            </a:defRPr>
-          </a:pPr>
-          <a:endParaRPr lang="en-US"/>
-        </a:p>
-      </c:txPr>
-    </c:legend>
-    <c:plotVisOnly val="1"/>
-    <c:dispBlanksAs val="gap"/>
-    <c:showDLblsOverMax val="0"/>
-  </c:chart>
-  <c:spPr>
-    <a:noFill/>
-    <a:ln>
-      <a:noFill/>
-    </a:ln>
-    <a:effectLst/>
-  </c:spPr>
-  <c:txPr>
-    <a:bodyPr/>
-    <a:lstStyle/>
-    <a:p>
-      <a:pPr>
-        <a:defRPr/>
-      </a:pPr>
-      <a:endParaRPr lang="en-US"/>
-    </a:p>
-  </c:txPr>
-  <c:externalData r:id="rId3">
-    <c:autoUpdate val="0"/>
-  </c:externalData>
-</c:chartSpace>
-</file>
-
-<file path=ppt/charts/chart7.xml><?xml version="1.0" encoding="utf-8"?>
-<c:chartSpace xmlns:c="http://schemas.openxmlformats.org/drawingml/2006/chart" xmlns:a="http://schemas.openxmlformats.org/drawingml/2006/main" xmlns:r="http://schemas.openxmlformats.org/officeDocument/2006/relationships" xmlns:c16r2="http://schemas.microsoft.com/office/drawing/2015/06/chart">
-  <c:date1904 val="0"/>
-  <c:lang val="en-US"/>
-  <c:roundedCorners val="0"/>
-  <mc:AlternateContent xmlns:mc="http://schemas.openxmlformats.org/markup-compatibility/2006">
-    <mc:Choice xmlns:c14="http://schemas.microsoft.com/office/drawing/2007/8/2/chart" Requires="c14">
-      <c14:style val="102"/>
-    </mc:Choice>
-    <mc:Fallback>
-      <c:style val="2"/>
-    </mc:Fallback>
-  </mc:AlternateContent>
-  <c:chart>
-    <c:title>
-      <c:tx>
-        <c:rich>
-          <a:bodyPr rot="0" spcFirstLastPara="1" vertOverflow="ellipsis" vert="horz" wrap="square" anchor="ctr" anchorCtr="1"/>
-          <a:lstStyle/>
-          <a:p>
-            <a:pPr>
               <a:defRPr sz="1400" b="0" i="0" u="none" strike="noStrike" kern="1200" spc="0" baseline="0">
                 <a:solidFill>
                   <a:schemeClr val="tx1">
@@ -4373,6 +197,7 @@
           </a:p>
         </c:rich>
       </c:tx>
+      <c:layout/>
       <c:overlay val="0"/>
       <c:spPr>
         <a:noFill/>
@@ -4430,22 +255,22 @@
                 <c:formatCode>General</c:formatCode>
                 <c:ptCount val="6"/>
                 <c:pt idx="0">
-                  <c:v>2</c:v>
+                  <c:v>2.0</c:v>
                 </c:pt>
                 <c:pt idx="1">
-                  <c:v>4</c:v>
+                  <c:v>4.0</c:v>
                 </c:pt>
                 <c:pt idx="2">
-                  <c:v>6</c:v>
+                  <c:v>6.0</c:v>
                 </c:pt>
                 <c:pt idx="3">
-                  <c:v>8</c:v>
+                  <c:v>8.0</c:v>
                 </c:pt>
                 <c:pt idx="4">
-                  <c:v>10</c:v>
+                  <c:v>10.0</c:v>
                 </c:pt>
                 <c:pt idx="5">
-                  <c:v>12</c:v>
+                  <c:v>12.0</c:v>
                 </c:pt>
               </c:numCache>
             </c:numRef>
@@ -4457,28 +282,28 @@
                 <c:formatCode>General</c:formatCode>
                 <c:ptCount val="6"/>
                 <c:pt idx="0">
-                  <c:v>78.167438297246306</c:v>
+                  <c:v>78.16743829724629</c:v>
                 </c:pt>
                 <c:pt idx="1">
-                  <c:v>78.101908455161194</c:v>
+                  <c:v>78.10190845516118</c:v>
                 </c:pt>
                 <c:pt idx="2">
-                  <c:v>71.223060238746299</c:v>
+                  <c:v>71.2230602387463</c:v>
                 </c:pt>
                 <c:pt idx="3">
-                  <c:v>77.3872378120288</c:v>
+                  <c:v>77.38723781202877</c:v>
                 </c:pt>
                 <c:pt idx="4">
-                  <c:v>83.941246715456401</c:v>
+                  <c:v>83.9412467154564</c:v>
                 </c:pt>
                 <c:pt idx="5">
-                  <c:v>85.080659584638397</c:v>
+                  <c:v>85.0806595846384</c:v>
                 </c:pt>
               </c:numCache>
             </c:numRef>
           </c:val>
           <c:smooth val="0"/>
-          <c:extLst>
+          <c:extLst xmlns:c16r2="http://schemas.microsoft.com/office/drawing/2015/06/chart">
             <c:ext xmlns:c16="http://schemas.microsoft.com/office/drawing/2014/chart" uri="{C3380CC4-5D6E-409C-BE32-E72D297353CC}">
               <c16:uniqueId val="{00000000-61AA-4B72-ACB0-515BF1584546}"/>
             </c:ext>
@@ -4493,11 +318,11 @@
           <c:showBubbleSize val="0"/>
         </c:dLbls>
         <c:smooth val="0"/>
-        <c:axId val="-2025161056"/>
-        <c:axId val="-2023714512"/>
+        <c:axId val="-1959581024"/>
+        <c:axId val="-1959576992"/>
       </c:lineChart>
       <c:catAx>
-        <c:axId val="-2025161056"/>
+        <c:axId val="-1959581024"/>
         <c:scaling>
           <c:orientation val="minMax"/>
         </c:scaling>
@@ -4548,6 +373,7 @@
               </a:p>
             </c:rich>
           </c:tx>
+          <c:layout/>
           <c:overlay val="0"/>
           <c:spPr>
             <a:noFill/>
@@ -4614,7 +440,7 @@
             <a:endParaRPr lang="en-US"/>
           </a:p>
         </c:txPr>
-        <c:crossAx val="-2023714512"/>
+        <c:crossAx val="-1959576992"/>
         <c:crosses val="autoZero"/>
         <c:auto val="1"/>
         <c:lblAlgn val="ctr"/>
@@ -4622,7 +448,7 @@
         <c:noMultiLvlLbl val="0"/>
       </c:catAx>
       <c:valAx>
-        <c:axId val="-2023714512"/>
+        <c:axId val="-1959576992"/>
         <c:scaling>
           <c:orientation val="minMax"/>
         </c:scaling>
@@ -4668,6 +494,7 @@
               </a:p>
             </c:rich>
           </c:tx>
+          <c:layout/>
           <c:overlay val="0"/>
           <c:spPr>
             <a:noFill/>
@@ -4734,7 +561,7 @@
             <a:endParaRPr lang="en-US"/>
           </a:p>
         </c:txPr>
-        <c:crossAx val="-2025161056"/>
+        <c:crossAx val="-1959581024"/>
         <c:crosses val="autoZero"/>
         <c:crossBetween val="between"/>
       </c:valAx>
@@ -4774,141 +601,6 @@
 </file>
 
 <file path=ppt/charts/colors1.xml><?xml version="1.0" encoding="utf-8"?>
-<cs:colorStyle xmlns:cs="http://schemas.microsoft.com/office/drawing/2012/chartStyle" xmlns:a="http://schemas.openxmlformats.org/drawingml/2006/main" meth="withinLinear" id="14">
-  <a:schemeClr val="accent1"/>
-</cs:colorStyle>
-</file>
-
-<file path=ppt/charts/colors2.xml><?xml version="1.0" encoding="utf-8"?>
-<cs:colorStyle xmlns:cs="http://schemas.microsoft.com/office/drawing/2012/chartStyle" xmlns:a="http://schemas.openxmlformats.org/drawingml/2006/main" meth="withinLinearReversed" id="21">
-  <a:schemeClr val="accent1"/>
-</cs:colorStyle>
-</file>
-
-<file path=ppt/charts/colors3.xml><?xml version="1.0" encoding="utf-8"?>
-<cs:colorStyle xmlns:cs="http://schemas.microsoft.com/office/drawing/2012/chartStyle" xmlns:a="http://schemas.openxmlformats.org/drawingml/2006/main" meth="withinLinearReversed" id="21">
-  <a:schemeClr val="accent1"/>
-</cs:colorStyle>
-</file>
-
-<file path=ppt/charts/colors4.xml><?xml version="1.0" encoding="utf-8"?>
-<cs:colorStyle xmlns:cs="http://schemas.microsoft.com/office/drawing/2012/chartStyle" xmlns:a="http://schemas.openxmlformats.org/drawingml/2006/main" meth="cycle" id="13">
-  <a:schemeClr val="accent6"/>
-  <a:schemeClr val="accent5"/>
-  <a:schemeClr val="accent4"/>
-  <cs:variation/>
-  <cs:variation>
-    <a:lumMod val="60000"/>
-  </cs:variation>
-  <cs:variation>
-    <a:lumMod val="80000"/>
-    <a:lumOff val="20000"/>
-  </cs:variation>
-  <cs:variation>
-    <a:lumMod val="80000"/>
-  </cs:variation>
-  <cs:variation>
-    <a:lumMod val="60000"/>
-    <a:lumOff val="40000"/>
-  </cs:variation>
-  <cs:variation>
-    <a:lumMod val="50000"/>
-  </cs:variation>
-  <cs:variation>
-    <a:lumMod val="70000"/>
-    <a:lumOff val="30000"/>
-  </cs:variation>
-  <cs:variation>
-    <a:lumMod val="70000"/>
-  </cs:variation>
-  <cs:variation>
-    <a:lumMod val="50000"/>
-    <a:lumOff val="50000"/>
-  </cs:variation>
-</cs:colorStyle>
-</file>
-
-<file path=ppt/charts/colors5.xml><?xml version="1.0" encoding="utf-8"?>
-<cs:colorStyle xmlns:cs="http://schemas.microsoft.com/office/drawing/2012/chartStyle" xmlns:a="http://schemas.openxmlformats.org/drawingml/2006/main" meth="cycle" id="10">
-  <a:schemeClr val="accent1"/>
-  <a:schemeClr val="accent2"/>
-  <a:schemeClr val="accent3"/>
-  <a:schemeClr val="accent4"/>
-  <a:schemeClr val="accent5"/>
-  <a:schemeClr val="accent6"/>
-  <cs:variation/>
-  <cs:variation>
-    <a:lumMod val="60000"/>
-  </cs:variation>
-  <cs:variation>
-    <a:lumMod val="80000"/>
-    <a:lumOff val="20000"/>
-  </cs:variation>
-  <cs:variation>
-    <a:lumMod val="80000"/>
-  </cs:variation>
-  <cs:variation>
-    <a:lumMod val="60000"/>
-    <a:lumOff val="40000"/>
-  </cs:variation>
-  <cs:variation>
-    <a:lumMod val="50000"/>
-  </cs:variation>
-  <cs:variation>
-    <a:lumMod val="70000"/>
-    <a:lumOff val="30000"/>
-  </cs:variation>
-  <cs:variation>
-    <a:lumMod val="70000"/>
-  </cs:variation>
-  <cs:variation>
-    <a:lumMod val="50000"/>
-    <a:lumOff val="50000"/>
-  </cs:variation>
-</cs:colorStyle>
-</file>
-
-<file path=ppt/charts/colors6.xml><?xml version="1.0" encoding="utf-8"?>
-<cs:colorStyle xmlns:cs="http://schemas.microsoft.com/office/drawing/2012/chartStyle" xmlns:a="http://schemas.openxmlformats.org/drawingml/2006/main" meth="cycle" id="10">
-  <a:schemeClr val="accent1"/>
-  <a:schemeClr val="accent2"/>
-  <a:schemeClr val="accent3"/>
-  <a:schemeClr val="accent4"/>
-  <a:schemeClr val="accent5"/>
-  <a:schemeClr val="accent6"/>
-  <cs:variation/>
-  <cs:variation>
-    <a:lumMod val="60000"/>
-  </cs:variation>
-  <cs:variation>
-    <a:lumMod val="80000"/>
-    <a:lumOff val="20000"/>
-  </cs:variation>
-  <cs:variation>
-    <a:lumMod val="80000"/>
-  </cs:variation>
-  <cs:variation>
-    <a:lumMod val="60000"/>
-    <a:lumOff val="40000"/>
-  </cs:variation>
-  <cs:variation>
-    <a:lumMod val="50000"/>
-  </cs:variation>
-  <cs:variation>
-    <a:lumMod val="70000"/>
-    <a:lumOff val="30000"/>
-  </cs:variation>
-  <cs:variation>
-    <a:lumMod val="70000"/>
-  </cs:variation>
-  <cs:variation>
-    <a:lumMod val="50000"/>
-    <a:lumOff val="50000"/>
-  </cs:variation>
-</cs:colorStyle>
-</file>
-
-<file path=ppt/charts/colors7.xml><?xml version="1.0" encoding="utf-8"?>
 <cs:colorStyle xmlns:cs="http://schemas.microsoft.com/office/drawing/2012/chartStyle" xmlns:a="http://schemas.openxmlformats.org/drawingml/2006/main" meth="cycle" id="10">
   <a:schemeClr val="accent1"/>
   <a:schemeClr val="accent2"/>
@@ -4949,3102 +641,6 @@
 </file>
 
 <file path=ppt/charts/style1.xml><?xml version="1.0" encoding="utf-8"?>
-<cs:chartStyle xmlns:cs="http://schemas.microsoft.com/office/drawing/2012/chartStyle" xmlns:a="http://schemas.openxmlformats.org/drawingml/2006/main" id="227">
-  <cs:axisTitle>
-    <cs:lnRef idx="0"/>
-    <cs:fillRef idx="0"/>
-    <cs:effectRef idx="0"/>
-    <cs:fontRef idx="minor">
-      <a:schemeClr val="tx1">
-        <a:lumMod val="65000"/>
-        <a:lumOff val="35000"/>
-      </a:schemeClr>
-    </cs:fontRef>
-    <cs:defRPr sz="1000" kern="1200"/>
-  </cs:axisTitle>
-  <cs:categoryAxis>
-    <cs:lnRef idx="0"/>
-    <cs:fillRef idx="0"/>
-    <cs:effectRef idx="0"/>
-    <cs:fontRef idx="minor">
-      <a:schemeClr val="tx1">
-        <a:lumMod val="65000"/>
-        <a:lumOff val="35000"/>
-      </a:schemeClr>
-    </cs:fontRef>
-    <cs:spPr>
-      <a:ln w="9525" cap="flat" cmpd="sng" algn="ctr">
-        <a:solidFill>
-          <a:schemeClr val="tx1">
-            <a:lumMod val="15000"/>
-            <a:lumOff val="85000"/>
-          </a:schemeClr>
-        </a:solidFill>
-        <a:round/>
-      </a:ln>
-    </cs:spPr>
-    <cs:defRPr sz="900" kern="1200"/>
-  </cs:categoryAxis>
-  <cs:chartArea mods="allowNoFillOverride allowNoLineOverride">
-    <cs:lnRef idx="0"/>
-    <cs:fillRef idx="0"/>
-    <cs:effectRef idx="0"/>
-    <cs:fontRef idx="minor">
-      <a:schemeClr val="tx1"/>
-    </cs:fontRef>
-    <cs:spPr>
-      <a:solidFill>
-        <a:schemeClr val="bg1"/>
-      </a:solidFill>
-      <a:ln w="9525" cap="flat" cmpd="sng" algn="ctr">
-        <a:solidFill>
-          <a:schemeClr val="tx1">
-            <a:lumMod val="15000"/>
-            <a:lumOff val="85000"/>
-          </a:schemeClr>
-        </a:solidFill>
-        <a:round/>
-      </a:ln>
-    </cs:spPr>
-    <cs:defRPr sz="1000" kern="1200"/>
-  </cs:chartArea>
-  <cs:dataLabel>
-    <cs:lnRef idx="0"/>
-    <cs:fillRef idx="0"/>
-    <cs:effectRef idx="0"/>
-    <cs:fontRef idx="minor">
-      <a:schemeClr val="tx1">
-        <a:lumMod val="75000"/>
-        <a:lumOff val="25000"/>
-      </a:schemeClr>
-    </cs:fontRef>
-    <cs:defRPr sz="900" kern="1200"/>
-  </cs:dataLabel>
-  <cs:dataLabelCallout>
-    <cs:lnRef idx="0"/>
-    <cs:fillRef idx="0"/>
-    <cs:effectRef idx="0"/>
-    <cs:fontRef idx="minor">
-      <a:schemeClr val="dk1">
-        <a:lumMod val="65000"/>
-        <a:lumOff val="35000"/>
-      </a:schemeClr>
-    </cs:fontRef>
-    <cs:spPr>
-      <a:solidFill>
-        <a:schemeClr val="lt1"/>
-      </a:solidFill>
-      <a:ln>
-        <a:solidFill>
-          <a:schemeClr val="dk1">
-            <a:lumMod val="25000"/>
-            <a:lumOff val="75000"/>
-          </a:schemeClr>
-        </a:solidFill>
-      </a:ln>
-    </cs:spPr>
-    <cs:defRPr sz="900" kern="1200"/>
-    <cs:bodyPr rot="0" spcFirstLastPara="1" vertOverflow="clip" horzOverflow="clip" vert="horz" wrap="square" lIns="36576" tIns="18288" rIns="36576" bIns="18288" anchor="ctr" anchorCtr="1">
-      <a:spAutoFit/>
-    </cs:bodyPr>
-  </cs:dataLabelCallout>
-  <cs:dataPoint>
-    <cs:lnRef idx="0"/>
-    <cs:fillRef idx="1">
-      <cs:styleClr val="auto"/>
-    </cs:fillRef>
-    <cs:effectRef idx="0"/>
-    <cs:fontRef idx="minor">
-      <a:schemeClr val="tx1"/>
-    </cs:fontRef>
-    <cs:spPr>
-      <a:solidFill>
-        <a:schemeClr val="phClr"/>
-      </a:solidFill>
-    </cs:spPr>
-  </cs:dataPoint>
-  <cs:dataPoint3D>
-    <cs:lnRef idx="0"/>
-    <cs:fillRef idx="1">
-      <cs:styleClr val="auto"/>
-    </cs:fillRef>
-    <cs:effectRef idx="0"/>
-    <cs:fontRef idx="minor">
-      <a:schemeClr val="tx1"/>
-    </cs:fontRef>
-    <cs:spPr>
-      <a:solidFill>
-        <a:schemeClr val="phClr"/>
-      </a:solidFill>
-    </cs:spPr>
-  </cs:dataPoint3D>
-  <cs:dataPointLine>
-    <cs:lnRef idx="0">
-      <cs:styleClr val="auto"/>
-    </cs:lnRef>
-    <cs:fillRef idx="1"/>
-    <cs:effectRef idx="0"/>
-    <cs:fontRef idx="minor">
-      <a:schemeClr val="tx1"/>
-    </cs:fontRef>
-    <cs:spPr>
-      <a:ln w="28575" cap="rnd">
-        <a:solidFill>
-          <a:schemeClr val="phClr"/>
-        </a:solidFill>
-        <a:round/>
-      </a:ln>
-    </cs:spPr>
-  </cs:dataPointLine>
-  <cs:dataPointMarker>
-    <cs:lnRef idx="0">
-      <cs:styleClr val="auto"/>
-    </cs:lnRef>
-    <cs:fillRef idx="1">
-      <cs:styleClr val="auto"/>
-    </cs:fillRef>
-    <cs:effectRef idx="0"/>
-    <cs:fontRef idx="minor">
-      <a:schemeClr val="tx1"/>
-    </cs:fontRef>
-    <cs:spPr>
-      <a:solidFill>
-        <a:schemeClr val="phClr"/>
-      </a:solidFill>
-      <a:ln w="9525">
-        <a:solidFill>
-          <a:schemeClr val="phClr"/>
-        </a:solidFill>
-      </a:ln>
-    </cs:spPr>
-  </cs:dataPointMarker>
-  <cs:dataPointMarkerLayout symbol="circle" size="5"/>
-  <cs:dataPointWireframe>
-    <cs:lnRef idx="0">
-      <cs:styleClr val="auto"/>
-    </cs:lnRef>
-    <cs:fillRef idx="1"/>
-    <cs:effectRef idx="0"/>
-    <cs:fontRef idx="minor">
-      <a:schemeClr val="tx1"/>
-    </cs:fontRef>
-    <cs:spPr>
-      <a:ln w="9525" cap="rnd">
-        <a:solidFill>
-          <a:schemeClr val="phClr"/>
-        </a:solidFill>
-        <a:round/>
-      </a:ln>
-    </cs:spPr>
-  </cs:dataPointWireframe>
-  <cs:dataTable>
-    <cs:lnRef idx="0"/>
-    <cs:fillRef idx="0"/>
-    <cs:effectRef idx="0"/>
-    <cs:fontRef idx="minor">
-      <a:schemeClr val="tx1">
-        <a:lumMod val="65000"/>
-        <a:lumOff val="35000"/>
-      </a:schemeClr>
-    </cs:fontRef>
-    <cs:spPr>
-      <a:noFill/>
-      <a:ln w="9525" cap="flat" cmpd="sng" algn="ctr">
-        <a:solidFill>
-          <a:schemeClr val="tx1">
-            <a:lumMod val="15000"/>
-            <a:lumOff val="85000"/>
-          </a:schemeClr>
-        </a:solidFill>
-        <a:round/>
-      </a:ln>
-    </cs:spPr>
-    <cs:defRPr sz="900" kern="1200"/>
-  </cs:dataTable>
-  <cs:downBar>
-    <cs:lnRef idx="0"/>
-    <cs:fillRef idx="0"/>
-    <cs:effectRef idx="0"/>
-    <cs:fontRef idx="minor">
-      <a:schemeClr val="dk1"/>
-    </cs:fontRef>
-    <cs:spPr>
-      <a:solidFill>
-        <a:schemeClr val="dk1">
-          <a:lumMod val="65000"/>
-          <a:lumOff val="35000"/>
-        </a:schemeClr>
-      </a:solidFill>
-      <a:ln w="9525">
-        <a:solidFill>
-          <a:schemeClr val="tx1">
-            <a:lumMod val="65000"/>
-            <a:lumOff val="35000"/>
-          </a:schemeClr>
-        </a:solidFill>
-      </a:ln>
-    </cs:spPr>
-  </cs:downBar>
-  <cs:dropLine>
-    <cs:lnRef idx="0"/>
-    <cs:fillRef idx="0"/>
-    <cs:effectRef idx="0"/>
-    <cs:fontRef idx="minor">
-      <a:schemeClr val="tx1"/>
-    </cs:fontRef>
-    <cs:spPr>
-      <a:ln w="9525" cap="flat" cmpd="sng" algn="ctr">
-        <a:solidFill>
-          <a:schemeClr val="tx1">
-            <a:lumMod val="35000"/>
-            <a:lumOff val="65000"/>
-          </a:schemeClr>
-        </a:solidFill>
-        <a:round/>
-      </a:ln>
-    </cs:spPr>
-  </cs:dropLine>
-  <cs:errorBar>
-    <cs:lnRef idx="0"/>
-    <cs:fillRef idx="0"/>
-    <cs:effectRef idx="0"/>
-    <cs:fontRef idx="minor">
-      <a:schemeClr val="tx1"/>
-    </cs:fontRef>
-    <cs:spPr>
-      <a:ln w="9525" cap="flat" cmpd="sng" algn="ctr">
-        <a:solidFill>
-          <a:schemeClr val="tx1">
-            <a:lumMod val="65000"/>
-            <a:lumOff val="35000"/>
-          </a:schemeClr>
-        </a:solidFill>
-        <a:round/>
-      </a:ln>
-    </cs:spPr>
-  </cs:errorBar>
-  <cs:floor>
-    <cs:lnRef idx="0"/>
-    <cs:fillRef idx="0"/>
-    <cs:effectRef idx="0"/>
-    <cs:fontRef idx="minor">
-      <a:schemeClr val="tx1"/>
-    </cs:fontRef>
-    <cs:spPr>
-      <a:noFill/>
-      <a:ln>
-        <a:noFill/>
-      </a:ln>
-    </cs:spPr>
-  </cs:floor>
-  <cs:gridlineMajor>
-    <cs:lnRef idx="0"/>
-    <cs:fillRef idx="0"/>
-    <cs:effectRef idx="0"/>
-    <cs:fontRef idx="minor">
-      <a:schemeClr val="tx1"/>
-    </cs:fontRef>
-    <cs:spPr>
-      <a:ln w="9525" cap="flat" cmpd="sng" algn="ctr">
-        <a:solidFill>
-          <a:schemeClr val="tx1">
-            <a:lumMod val="15000"/>
-            <a:lumOff val="85000"/>
-          </a:schemeClr>
-        </a:solidFill>
-        <a:round/>
-      </a:ln>
-    </cs:spPr>
-  </cs:gridlineMajor>
-  <cs:gridlineMinor>
-    <cs:lnRef idx="0"/>
-    <cs:fillRef idx="0"/>
-    <cs:effectRef idx="0"/>
-    <cs:fontRef idx="minor">
-      <a:schemeClr val="tx1"/>
-    </cs:fontRef>
-    <cs:spPr>
-      <a:ln w="9525" cap="flat" cmpd="sng" algn="ctr">
-        <a:solidFill>
-          <a:schemeClr val="tx1">
-            <a:lumMod val="5000"/>
-            <a:lumOff val="95000"/>
-          </a:schemeClr>
-        </a:solidFill>
-        <a:round/>
-      </a:ln>
-    </cs:spPr>
-  </cs:gridlineMinor>
-  <cs:hiLoLine>
-    <cs:lnRef idx="0"/>
-    <cs:fillRef idx="0"/>
-    <cs:effectRef idx="0"/>
-    <cs:fontRef idx="minor">
-      <a:schemeClr val="tx1"/>
-    </cs:fontRef>
-    <cs:spPr>
-      <a:ln w="9525" cap="flat" cmpd="sng" algn="ctr">
-        <a:solidFill>
-          <a:schemeClr val="tx1">
-            <a:lumMod val="75000"/>
-            <a:lumOff val="25000"/>
-          </a:schemeClr>
-        </a:solidFill>
-        <a:round/>
-      </a:ln>
-    </cs:spPr>
-  </cs:hiLoLine>
-  <cs:leaderLine>
-    <cs:lnRef idx="0"/>
-    <cs:fillRef idx="0"/>
-    <cs:effectRef idx="0"/>
-    <cs:fontRef idx="minor">
-      <a:schemeClr val="tx1"/>
-    </cs:fontRef>
-    <cs:spPr>
-      <a:ln w="9525" cap="flat" cmpd="sng" algn="ctr">
-        <a:solidFill>
-          <a:schemeClr val="tx1">
-            <a:lumMod val="35000"/>
-            <a:lumOff val="65000"/>
-          </a:schemeClr>
-        </a:solidFill>
-        <a:round/>
-      </a:ln>
-    </cs:spPr>
-  </cs:leaderLine>
-  <cs:legend>
-    <cs:lnRef idx="0"/>
-    <cs:fillRef idx="0"/>
-    <cs:effectRef idx="0"/>
-    <cs:fontRef idx="minor">
-      <a:schemeClr val="tx1">
-        <a:lumMod val="65000"/>
-        <a:lumOff val="35000"/>
-      </a:schemeClr>
-    </cs:fontRef>
-    <cs:defRPr sz="900" kern="1200"/>
-  </cs:legend>
-  <cs:plotArea mods="allowNoFillOverride allowNoLineOverride">
-    <cs:lnRef idx="0"/>
-    <cs:fillRef idx="0"/>
-    <cs:effectRef idx="0"/>
-    <cs:fontRef idx="minor">
-      <a:schemeClr val="tx1"/>
-    </cs:fontRef>
-  </cs:plotArea>
-  <cs:plotArea3D mods="allowNoFillOverride allowNoLineOverride">
-    <cs:lnRef idx="0"/>
-    <cs:fillRef idx="0"/>
-    <cs:effectRef idx="0"/>
-    <cs:fontRef idx="minor">
-      <a:schemeClr val="tx1"/>
-    </cs:fontRef>
-  </cs:plotArea3D>
-  <cs:seriesAxis>
-    <cs:lnRef idx="0"/>
-    <cs:fillRef idx="0"/>
-    <cs:effectRef idx="0"/>
-    <cs:fontRef idx="minor">
-      <a:schemeClr val="tx1">
-        <a:lumMod val="65000"/>
-        <a:lumOff val="35000"/>
-      </a:schemeClr>
-    </cs:fontRef>
-    <cs:defRPr sz="900" kern="1200"/>
-  </cs:seriesAxis>
-  <cs:seriesLine>
-    <cs:lnRef idx="0"/>
-    <cs:fillRef idx="0"/>
-    <cs:effectRef idx="0"/>
-    <cs:fontRef idx="minor">
-      <a:schemeClr val="tx1"/>
-    </cs:fontRef>
-    <cs:spPr>
-      <a:ln w="9525" cap="flat" cmpd="sng" algn="ctr">
-        <a:solidFill>
-          <a:schemeClr val="tx1">
-            <a:lumMod val="35000"/>
-            <a:lumOff val="65000"/>
-          </a:schemeClr>
-        </a:solidFill>
-        <a:round/>
-      </a:ln>
-    </cs:spPr>
-  </cs:seriesLine>
-  <cs:title>
-    <cs:lnRef idx="0"/>
-    <cs:fillRef idx="0"/>
-    <cs:effectRef idx="0"/>
-    <cs:fontRef idx="minor">
-      <a:schemeClr val="tx1">
-        <a:lumMod val="65000"/>
-        <a:lumOff val="35000"/>
-      </a:schemeClr>
-    </cs:fontRef>
-    <cs:defRPr sz="1400" b="0" kern="1200" spc="0" baseline="0"/>
-  </cs:title>
-  <cs:trendline>
-    <cs:lnRef idx="0">
-      <cs:styleClr val="auto"/>
-    </cs:lnRef>
-    <cs:fillRef idx="0"/>
-    <cs:effectRef idx="0"/>
-    <cs:fontRef idx="minor">
-      <a:schemeClr val="tx1"/>
-    </cs:fontRef>
-    <cs:spPr>
-      <a:ln w="19050" cap="rnd">
-        <a:solidFill>
-          <a:schemeClr val="phClr"/>
-        </a:solidFill>
-        <a:prstDash val="sysDot"/>
-      </a:ln>
-    </cs:spPr>
-  </cs:trendline>
-  <cs:trendlineLabel>
-    <cs:lnRef idx="0"/>
-    <cs:fillRef idx="0"/>
-    <cs:effectRef idx="0"/>
-    <cs:fontRef idx="minor">
-      <a:schemeClr val="tx1">
-        <a:lumMod val="65000"/>
-        <a:lumOff val="35000"/>
-      </a:schemeClr>
-    </cs:fontRef>
-    <cs:defRPr sz="900" kern="1200"/>
-  </cs:trendlineLabel>
-  <cs:upBar>
-    <cs:lnRef idx="0"/>
-    <cs:fillRef idx="0"/>
-    <cs:effectRef idx="0"/>
-    <cs:fontRef idx="minor">
-      <a:schemeClr val="dk1"/>
-    </cs:fontRef>
-    <cs:spPr>
-      <a:solidFill>
-        <a:schemeClr val="lt1"/>
-      </a:solidFill>
-      <a:ln w="9525">
-        <a:solidFill>
-          <a:schemeClr val="tx1">
-            <a:lumMod val="15000"/>
-            <a:lumOff val="85000"/>
-          </a:schemeClr>
-        </a:solidFill>
-      </a:ln>
-    </cs:spPr>
-  </cs:upBar>
-  <cs:valueAxis>
-    <cs:lnRef idx="0"/>
-    <cs:fillRef idx="0"/>
-    <cs:effectRef idx="0"/>
-    <cs:fontRef idx="minor">
-      <a:schemeClr val="tx1">
-        <a:lumMod val="65000"/>
-        <a:lumOff val="35000"/>
-      </a:schemeClr>
-    </cs:fontRef>
-    <cs:defRPr sz="900" kern="1200"/>
-  </cs:valueAxis>
-  <cs:wall>
-    <cs:lnRef idx="0"/>
-    <cs:fillRef idx="0"/>
-    <cs:effectRef idx="0"/>
-    <cs:fontRef idx="minor">
-      <a:schemeClr val="tx1"/>
-    </cs:fontRef>
-    <cs:spPr>
-      <a:noFill/>
-      <a:ln>
-        <a:noFill/>
-      </a:ln>
-    </cs:spPr>
-  </cs:wall>
-</cs:chartStyle>
-</file>
-
-<file path=ppt/charts/style2.xml><?xml version="1.0" encoding="utf-8"?>
-<cs:chartStyle xmlns:cs="http://schemas.microsoft.com/office/drawing/2012/chartStyle" xmlns:a="http://schemas.openxmlformats.org/drawingml/2006/main" id="227">
-  <cs:axisTitle>
-    <cs:lnRef idx="0"/>
-    <cs:fillRef idx="0"/>
-    <cs:effectRef idx="0"/>
-    <cs:fontRef idx="minor">
-      <a:schemeClr val="tx1">
-        <a:lumMod val="65000"/>
-        <a:lumOff val="35000"/>
-      </a:schemeClr>
-    </cs:fontRef>
-    <cs:defRPr sz="1000" kern="1200"/>
-  </cs:axisTitle>
-  <cs:categoryAxis>
-    <cs:lnRef idx="0"/>
-    <cs:fillRef idx="0"/>
-    <cs:effectRef idx="0"/>
-    <cs:fontRef idx="minor">
-      <a:schemeClr val="tx1">
-        <a:lumMod val="65000"/>
-        <a:lumOff val="35000"/>
-      </a:schemeClr>
-    </cs:fontRef>
-    <cs:spPr>
-      <a:ln w="9525" cap="flat" cmpd="sng" algn="ctr">
-        <a:solidFill>
-          <a:schemeClr val="tx1">
-            <a:lumMod val="15000"/>
-            <a:lumOff val="85000"/>
-          </a:schemeClr>
-        </a:solidFill>
-        <a:round/>
-      </a:ln>
-    </cs:spPr>
-    <cs:defRPr sz="900" kern="1200"/>
-  </cs:categoryAxis>
-  <cs:chartArea mods="allowNoFillOverride allowNoLineOverride">
-    <cs:lnRef idx="0"/>
-    <cs:fillRef idx="0"/>
-    <cs:effectRef idx="0"/>
-    <cs:fontRef idx="minor">
-      <a:schemeClr val="tx1"/>
-    </cs:fontRef>
-    <cs:spPr>
-      <a:solidFill>
-        <a:schemeClr val="bg1"/>
-      </a:solidFill>
-      <a:ln w="9525" cap="flat" cmpd="sng" algn="ctr">
-        <a:solidFill>
-          <a:schemeClr val="tx1">
-            <a:lumMod val="15000"/>
-            <a:lumOff val="85000"/>
-          </a:schemeClr>
-        </a:solidFill>
-        <a:round/>
-      </a:ln>
-    </cs:spPr>
-    <cs:defRPr sz="1000" kern="1200"/>
-  </cs:chartArea>
-  <cs:dataLabel>
-    <cs:lnRef idx="0"/>
-    <cs:fillRef idx="0"/>
-    <cs:effectRef idx="0"/>
-    <cs:fontRef idx="minor">
-      <a:schemeClr val="tx1">
-        <a:lumMod val="75000"/>
-        <a:lumOff val="25000"/>
-      </a:schemeClr>
-    </cs:fontRef>
-    <cs:defRPr sz="900" kern="1200"/>
-  </cs:dataLabel>
-  <cs:dataLabelCallout>
-    <cs:lnRef idx="0"/>
-    <cs:fillRef idx="0"/>
-    <cs:effectRef idx="0"/>
-    <cs:fontRef idx="minor">
-      <a:schemeClr val="dk1">
-        <a:lumMod val="65000"/>
-        <a:lumOff val="35000"/>
-      </a:schemeClr>
-    </cs:fontRef>
-    <cs:spPr>
-      <a:solidFill>
-        <a:schemeClr val="lt1"/>
-      </a:solidFill>
-      <a:ln>
-        <a:solidFill>
-          <a:schemeClr val="dk1">
-            <a:lumMod val="25000"/>
-            <a:lumOff val="75000"/>
-          </a:schemeClr>
-        </a:solidFill>
-      </a:ln>
-    </cs:spPr>
-    <cs:defRPr sz="900" kern="1200"/>
-    <cs:bodyPr rot="0" spcFirstLastPara="1" vertOverflow="clip" horzOverflow="clip" vert="horz" wrap="square" lIns="36576" tIns="18288" rIns="36576" bIns="18288" anchor="ctr" anchorCtr="1">
-      <a:spAutoFit/>
-    </cs:bodyPr>
-  </cs:dataLabelCallout>
-  <cs:dataPoint>
-    <cs:lnRef idx="0"/>
-    <cs:fillRef idx="1">
-      <cs:styleClr val="auto"/>
-    </cs:fillRef>
-    <cs:effectRef idx="0"/>
-    <cs:fontRef idx="minor">
-      <a:schemeClr val="tx1"/>
-    </cs:fontRef>
-    <cs:spPr>
-      <a:solidFill>
-        <a:schemeClr val="phClr"/>
-      </a:solidFill>
-    </cs:spPr>
-  </cs:dataPoint>
-  <cs:dataPoint3D>
-    <cs:lnRef idx="0"/>
-    <cs:fillRef idx="1">
-      <cs:styleClr val="auto"/>
-    </cs:fillRef>
-    <cs:effectRef idx="0"/>
-    <cs:fontRef idx="minor">
-      <a:schemeClr val="tx1"/>
-    </cs:fontRef>
-    <cs:spPr>
-      <a:solidFill>
-        <a:schemeClr val="phClr"/>
-      </a:solidFill>
-    </cs:spPr>
-  </cs:dataPoint3D>
-  <cs:dataPointLine>
-    <cs:lnRef idx="0">
-      <cs:styleClr val="auto"/>
-    </cs:lnRef>
-    <cs:fillRef idx="1"/>
-    <cs:effectRef idx="0"/>
-    <cs:fontRef idx="minor">
-      <a:schemeClr val="tx1"/>
-    </cs:fontRef>
-    <cs:spPr>
-      <a:ln w="28575" cap="rnd">
-        <a:solidFill>
-          <a:schemeClr val="phClr"/>
-        </a:solidFill>
-        <a:round/>
-      </a:ln>
-    </cs:spPr>
-  </cs:dataPointLine>
-  <cs:dataPointMarker>
-    <cs:lnRef idx="0">
-      <cs:styleClr val="auto"/>
-    </cs:lnRef>
-    <cs:fillRef idx="1">
-      <cs:styleClr val="auto"/>
-    </cs:fillRef>
-    <cs:effectRef idx="0"/>
-    <cs:fontRef idx="minor">
-      <a:schemeClr val="tx1"/>
-    </cs:fontRef>
-    <cs:spPr>
-      <a:solidFill>
-        <a:schemeClr val="phClr"/>
-      </a:solidFill>
-      <a:ln w="9525">
-        <a:solidFill>
-          <a:schemeClr val="phClr"/>
-        </a:solidFill>
-      </a:ln>
-    </cs:spPr>
-  </cs:dataPointMarker>
-  <cs:dataPointMarkerLayout symbol="circle" size="5"/>
-  <cs:dataPointWireframe>
-    <cs:lnRef idx="0">
-      <cs:styleClr val="auto"/>
-    </cs:lnRef>
-    <cs:fillRef idx="1"/>
-    <cs:effectRef idx="0"/>
-    <cs:fontRef idx="minor">
-      <a:schemeClr val="tx1"/>
-    </cs:fontRef>
-    <cs:spPr>
-      <a:ln w="9525" cap="rnd">
-        <a:solidFill>
-          <a:schemeClr val="phClr"/>
-        </a:solidFill>
-        <a:round/>
-      </a:ln>
-    </cs:spPr>
-  </cs:dataPointWireframe>
-  <cs:dataTable>
-    <cs:lnRef idx="0"/>
-    <cs:fillRef idx="0"/>
-    <cs:effectRef idx="0"/>
-    <cs:fontRef idx="minor">
-      <a:schemeClr val="tx1">
-        <a:lumMod val="65000"/>
-        <a:lumOff val="35000"/>
-      </a:schemeClr>
-    </cs:fontRef>
-    <cs:spPr>
-      <a:noFill/>
-      <a:ln w="9525" cap="flat" cmpd="sng" algn="ctr">
-        <a:solidFill>
-          <a:schemeClr val="tx1">
-            <a:lumMod val="15000"/>
-            <a:lumOff val="85000"/>
-          </a:schemeClr>
-        </a:solidFill>
-        <a:round/>
-      </a:ln>
-    </cs:spPr>
-    <cs:defRPr sz="900" kern="1200"/>
-  </cs:dataTable>
-  <cs:downBar>
-    <cs:lnRef idx="0"/>
-    <cs:fillRef idx="0"/>
-    <cs:effectRef idx="0"/>
-    <cs:fontRef idx="minor">
-      <a:schemeClr val="dk1"/>
-    </cs:fontRef>
-    <cs:spPr>
-      <a:solidFill>
-        <a:schemeClr val="dk1">
-          <a:lumMod val="65000"/>
-          <a:lumOff val="35000"/>
-        </a:schemeClr>
-      </a:solidFill>
-      <a:ln w="9525">
-        <a:solidFill>
-          <a:schemeClr val="tx1">
-            <a:lumMod val="65000"/>
-            <a:lumOff val="35000"/>
-          </a:schemeClr>
-        </a:solidFill>
-      </a:ln>
-    </cs:spPr>
-  </cs:downBar>
-  <cs:dropLine>
-    <cs:lnRef idx="0"/>
-    <cs:fillRef idx="0"/>
-    <cs:effectRef idx="0"/>
-    <cs:fontRef idx="minor">
-      <a:schemeClr val="tx1"/>
-    </cs:fontRef>
-    <cs:spPr>
-      <a:ln w="9525" cap="flat" cmpd="sng" algn="ctr">
-        <a:solidFill>
-          <a:schemeClr val="tx1">
-            <a:lumMod val="35000"/>
-            <a:lumOff val="65000"/>
-          </a:schemeClr>
-        </a:solidFill>
-        <a:round/>
-      </a:ln>
-    </cs:spPr>
-  </cs:dropLine>
-  <cs:errorBar>
-    <cs:lnRef idx="0"/>
-    <cs:fillRef idx="0"/>
-    <cs:effectRef idx="0"/>
-    <cs:fontRef idx="minor">
-      <a:schemeClr val="tx1"/>
-    </cs:fontRef>
-    <cs:spPr>
-      <a:ln w="9525" cap="flat" cmpd="sng" algn="ctr">
-        <a:solidFill>
-          <a:schemeClr val="tx1">
-            <a:lumMod val="65000"/>
-            <a:lumOff val="35000"/>
-          </a:schemeClr>
-        </a:solidFill>
-        <a:round/>
-      </a:ln>
-    </cs:spPr>
-  </cs:errorBar>
-  <cs:floor>
-    <cs:lnRef idx="0"/>
-    <cs:fillRef idx="0"/>
-    <cs:effectRef idx="0"/>
-    <cs:fontRef idx="minor">
-      <a:schemeClr val="tx1"/>
-    </cs:fontRef>
-    <cs:spPr>
-      <a:noFill/>
-      <a:ln>
-        <a:noFill/>
-      </a:ln>
-    </cs:spPr>
-  </cs:floor>
-  <cs:gridlineMajor>
-    <cs:lnRef idx="0"/>
-    <cs:fillRef idx="0"/>
-    <cs:effectRef idx="0"/>
-    <cs:fontRef idx="minor">
-      <a:schemeClr val="tx1"/>
-    </cs:fontRef>
-    <cs:spPr>
-      <a:ln w="9525" cap="flat" cmpd="sng" algn="ctr">
-        <a:solidFill>
-          <a:schemeClr val="tx1">
-            <a:lumMod val="15000"/>
-            <a:lumOff val="85000"/>
-          </a:schemeClr>
-        </a:solidFill>
-        <a:round/>
-      </a:ln>
-    </cs:spPr>
-  </cs:gridlineMajor>
-  <cs:gridlineMinor>
-    <cs:lnRef idx="0"/>
-    <cs:fillRef idx="0"/>
-    <cs:effectRef idx="0"/>
-    <cs:fontRef idx="minor">
-      <a:schemeClr val="tx1"/>
-    </cs:fontRef>
-    <cs:spPr>
-      <a:ln w="9525" cap="flat" cmpd="sng" algn="ctr">
-        <a:solidFill>
-          <a:schemeClr val="tx1">
-            <a:lumMod val="5000"/>
-            <a:lumOff val="95000"/>
-          </a:schemeClr>
-        </a:solidFill>
-        <a:round/>
-      </a:ln>
-    </cs:spPr>
-  </cs:gridlineMinor>
-  <cs:hiLoLine>
-    <cs:lnRef idx="0"/>
-    <cs:fillRef idx="0"/>
-    <cs:effectRef idx="0"/>
-    <cs:fontRef idx="minor">
-      <a:schemeClr val="tx1"/>
-    </cs:fontRef>
-    <cs:spPr>
-      <a:ln w="9525" cap="flat" cmpd="sng" algn="ctr">
-        <a:solidFill>
-          <a:schemeClr val="tx1">
-            <a:lumMod val="75000"/>
-            <a:lumOff val="25000"/>
-          </a:schemeClr>
-        </a:solidFill>
-        <a:round/>
-      </a:ln>
-    </cs:spPr>
-  </cs:hiLoLine>
-  <cs:leaderLine>
-    <cs:lnRef idx="0"/>
-    <cs:fillRef idx="0"/>
-    <cs:effectRef idx="0"/>
-    <cs:fontRef idx="minor">
-      <a:schemeClr val="tx1"/>
-    </cs:fontRef>
-    <cs:spPr>
-      <a:ln w="9525" cap="flat" cmpd="sng" algn="ctr">
-        <a:solidFill>
-          <a:schemeClr val="tx1">
-            <a:lumMod val="35000"/>
-            <a:lumOff val="65000"/>
-          </a:schemeClr>
-        </a:solidFill>
-        <a:round/>
-      </a:ln>
-    </cs:spPr>
-  </cs:leaderLine>
-  <cs:legend>
-    <cs:lnRef idx="0"/>
-    <cs:fillRef idx="0"/>
-    <cs:effectRef idx="0"/>
-    <cs:fontRef idx="minor">
-      <a:schemeClr val="tx1">
-        <a:lumMod val="65000"/>
-        <a:lumOff val="35000"/>
-      </a:schemeClr>
-    </cs:fontRef>
-    <cs:defRPr sz="900" kern="1200"/>
-  </cs:legend>
-  <cs:plotArea mods="allowNoFillOverride allowNoLineOverride">
-    <cs:lnRef idx="0"/>
-    <cs:fillRef idx="0"/>
-    <cs:effectRef idx="0"/>
-    <cs:fontRef idx="minor">
-      <a:schemeClr val="tx1"/>
-    </cs:fontRef>
-  </cs:plotArea>
-  <cs:plotArea3D mods="allowNoFillOverride allowNoLineOverride">
-    <cs:lnRef idx="0"/>
-    <cs:fillRef idx="0"/>
-    <cs:effectRef idx="0"/>
-    <cs:fontRef idx="minor">
-      <a:schemeClr val="tx1"/>
-    </cs:fontRef>
-  </cs:plotArea3D>
-  <cs:seriesAxis>
-    <cs:lnRef idx="0"/>
-    <cs:fillRef idx="0"/>
-    <cs:effectRef idx="0"/>
-    <cs:fontRef idx="minor">
-      <a:schemeClr val="tx1">
-        <a:lumMod val="65000"/>
-        <a:lumOff val="35000"/>
-      </a:schemeClr>
-    </cs:fontRef>
-    <cs:defRPr sz="900" kern="1200"/>
-  </cs:seriesAxis>
-  <cs:seriesLine>
-    <cs:lnRef idx="0"/>
-    <cs:fillRef idx="0"/>
-    <cs:effectRef idx="0"/>
-    <cs:fontRef idx="minor">
-      <a:schemeClr val="tx1"/>
-    </cs:fontRef>
-    <cs:spPr>
-      <a:ln w="9525" cap="flat" cmpd="sng" algn="ctr">
-        <a:solidFill>
-          <a:schemeClr val="tx1">
-            <a:lumMod val="35000"/>
-            <a:lumOff val="65000"/>
-          </a:schemeClr>
-        </a:solidFill>
-        <a:round/>
-      </a:ln>
-    </cs:spPr>
-  </cs:seriesLine>
-  <cs:title>
-    <cs:lnRef idx="0"/>
-    <cs:fillRef idx="0"/>
-    <cs:effectRef idx="0"/>
-    <cs:fontRef idx="minor">
-      <a:schemeClr val="tx1">
-        <a:lumMod val="65000"/>
-        <a:lumOff val="35000"/>
-      </a:schemeClr>
-    </cs:fontRef>
-    <cs:defRPr sz="1400" b="0" kern="1200" spc="0" baseline="0"/>
-  </cs:title>
-  <cs:trendline>
-    <cs:lnRef idx="0">
-      <cs:styleClr val="auto"/>
-    </cs:lnRef>
-    <cs:fillRef idx="0"/>
-    <cs:effectRef idx="0"/>
-    <cs:fontRef idx="minor">
-      <a:schemeClr val="tx1"/>
-    </cs:fontRef>
-    <cs:spPr>
-      <a:ln w="19050" cap="rnd">
-        <a:solidFill>
-          <a:schemeClr val="phClr"/>
-        </a:solidFill>
-        <a:prstDash val="sysDot"/>
-      </a:ln>
-    </cs:spPr>
-  </cs:trendline>
-  <cs:trendlineLabel>
-    <cs:lnRef idx="0"/>
-    <cs:fillRef idx="0"/>
-    <cs:effectRef idx="0"/>
-    <cs:fontRef idx="minor">
-      <a:schemeClr val="tx1">
-        <a:lumMod val="65000"/>
-        <a:lumOff val="35000"/>
-      </a:schemeClr>
-    </cs:fontRef>
-    <cs:defRPr sz="900" kern="1200"/>
-  </cs:trendlineLabel>
-  <cs:upBar>
-    <cs:lnRef idx="0"/>
-    <cs:fillRef idx="0"/>
-    <cs:effectRef idx="0"/>
-    <cs:fontRef idx="minor">
-      <a:schemeClr val="dk1"/>
-    </cs:fontRef>
-    <cs:spPr>
-      <a:solidFill>
-        <a:schemeClr val="lt1"/>
-      </a:solidFill>
-      <a:ln w="9525">
-        <a:solidFill>
-          <a:schemeClr val="tx1">
-            <a:lumMod val="15000"/>
-            <a:lumOff val="85000"/>
-          </a:schemeClr>
-        </a:solidFill>
-      </a:ln>
-    </cs:spPr>
-  </cs:upBar>
-  <cs:valueAxis>
-    <cs:lnRef idx="0"/>
-    <cs:fillRef idx="0"/>
-    <cs:effectRef idx="0"/>
-    <cs:fontRef idx="minor">
-      <a:schemeClr val="tx1">
-        <a:lumMod val="65000"/>
-        <a:lumOff val="35000"/>
-      </a:schemeClr>
-    </cs:fontRef>
-    <cs:defRPr sz="900" kern="1200"/>
-  </cs:valueAxis>
-  <cs:wall>
-    <cs:lnRef idx="0"/>
-    <cs:fillRef idx="0"/>
-    <cs:effectRef idx="0"/>
-    <cs:fontRef idx="minor">
-      <a:schemeClr val="tx1"/>
-    </cs:fontRef>
-    <cs:spPr>
-      <a:noFill/>
-      <a:ln>
-        <a:noFill/>
-      </a:ln>
-    </cs:spPr>
-  </cs:wall>
-</cs:chartStyle>
-</file>
-
-<file path=ppt/charts/style3.xml><?xml version="1.0" encoding="utf-8"?>
-<cs:chartStyle xmlns:cs="http://schemas.microsoft.com/office/drawing/2012/chartStyle" xmlns:a="http://schemas.openxmlformats.org/drawingml/2006/main" id="227">
-  <cs:axisTitle>
-    <cs:lnRef idx="0"/>
-    <cs:fillRef idx="0"/>
-    <cs:effectRef idx="0"/>
-    <cs:fontRef idx="minor">
-      <a:schemeClr val="tx1">
-        <a:lumMod val="65000"/>
-        <a:lumOff val="35000"/>
-      </a:schemeClr>
-    </cs:fontRef>
-    <cs:defRPr sz="1000" kern="1200"/>
-  </cs:axisTitle>
-  <cs:categoryAxis>
-    <cs:lnRef idx="0"/>
-    <cs:fillRef idx="0"/>
-    <cs:effectRef idx="0"/>
-    <cs:fontRef idx="minor">
-      <a:schemeClr val="tx1">
-        <a:lumMod val="65000"/>
-        <a:lumOff val="35000"/>
-      </a:schemeClr>
-    </cs:fontRef>
-    <cs:spPr>
-      <a:ln w="9525" cap="flat" cmpd="sng" algn="ctr">
-        <a:solidFill>
-          <a:schemeClr val="tx1">
-            <a:lumMod val="15000"/>
-            <a:lumOff val="85000"/>
-          </a:schemeClr>
-        </a:solidFill>
-        <a:round/>
-      </a:ln>
-    </cs:spPr>
-    <cs:defRPr sz="900" kern="1200"/>
-  </cs:categoryAxis>
-  <cs:chartArea mods="allowNoFillOverride allowNoLineOverride">
-    <cs:lnRef idx="0"/>
-    <cs:fillRef idx="0"/>
-    <cs:effectRef idx="0"/>
-    <cs:fontRef idx="minor">
-      <a:schemeClr val="tx1"/>
-    </cs:fontRef>
-    <cs:spPr>
-      <a:solidFill>
-        <a:schemeClr val="bg1"/>
-      </a:solidFill>
-      <a:ln w="9525" cap="flat" cmpd="sng" algn="ctr">
-        <a:solidFill>
-          <a:schemeClr val="tx1">
-            <a:lumMod val="15000"/>
-            <a:lumOff val="85000"/>
-          </a:schemeClr>
-        </a:solidFill>
-        <a:round/>
-      </a:ln>
-    </cs:spPr>
-    <cs:defRPr sz="1000" kern="1200"/>
-  </cs:chartArea>
-  <cs:dataLabel>
-    <cs:lnRef idx="0"/>
-    <cs:fillRef idx="0"/>
-    <cs:effectRef idx="0"/>
-    <cs:fontRef idx="minor">
-      <a:schemeClr val="tx1">
-        <a:lumMod val="75000"/>
-        <a:lumOff val="25000"/>
-      </a:schemeClr>
-    </cs:fontRef>
-    <cs:defRPr sz="900" kern="1200"/>
-  </cs:dataLabel>
-  <cs:dataLabelCallout>
-    <cs:lnRef idx="0"/>
-    <cs:fillRef idx="0"/>
-    <cs:effectRef idx="0"/>
-    <cs:fontRef idx="minor">
-      <a:schemeClr val="dk1">
-        <a:lumMod val="65000"/>
-        <a:lumOff val="35000"/>
-      </a:schemeClr>
-    </cs:fontRef>
-    <cs:spPr>
-      <a:solidFill>
-        <a:schemeClr val="lt1"/>
-      </a:solidFill>
-      <a:ln>
-        <a:solidFill>
-          <a:schemeClr val="dk1">
-            <a:lumMod val="25000"/>
-            <a:lumOff val="75000"/>
-          </a:schemeClr>
-        </a:solidFill>
-      </a:ln>
-    </cs:spPr>
-    <cs:defRPr sz="900" kern="1200"/>
-    <cs:bodyPr rot="0" spcFirstLastPara="1" vertOverflow="clip" horzOverflow="clip" vert="horz" wrap="square" lIns="36576" tIns="18288" rIns="36576" bIns="18288" anchor="ctr" anchorCtr="1">
-      <a:spAutoFit/>
-    </cs:bodyPr>
-  </cs:dataLabelCallout>
-  <cs:dataPoint>
-    <cs:lnRef idx="0"/>
-    <cs:fillRef idx="1">
-      <cs:styleClr val="auto"/>
-    </cs:fillRef>
-    <cs:effectRef idx="0"/>
-    <cs:fontRef idx="minor">
-      <a:schemeClr val="tx1"/>
-    </cs:fontRef>
-    <cs:spPr>
-      <a:solidFill>
-        <a:schemeClr val="phClr"/>
-      </a:solidFill>
-    </cs:spPr>
-  </cs:dataPoint>
-  <cs:dataPoint3D>
-    <cs:lnRef idx="0"/>
-    <cs:fillRef idx="1">
-      <cs:styleClr val="auto"/>
-    </cs:fillRef>
-    <cs:effectRef idx="0"/>
-    <cs:fontRef idx="minor">
-      <a:schemeClr val="tx1"/>
-    </cs:fontRef>
-    <cs:spPr>
-      <a:solidFill>
-        <a:schemeClr val="phClr"/>
-      </a:solidFill>
-    </cs:spPr>
-  </cs:dataPoint3D>
-  <cs:dataPointLine>
-    <cs:lnRef idx="0">
-      <cs:styleClr val="auto"/>
-    </cs:lnRef>
-    <cs:fillRef idx="1"/>
-    <cs:effectRef idx="0"/>
-    <cs:fontRef idx="minor">
-      <a:schemeClr val="tx1"/>
-    </cs:fontRef>
-    <cs:spPr>
-      <a:ln w="28575" cap="rnd">
-        <a:solidFill>
-          <a:schemeClr val="phClr"/>
-        </a:solidFill>
-        <a:round/>
-      </a:ln>
-    </cs:spPr>
-  </cs:dataPointLine>
-  <cs:dataPointMarker>
-    <cs:lnRef idx="0">
-      <cs:styleClr val="auto"/>
-    </cs:lnRef>
-    <cs:fillRef idx="1">
-      <cs:styleClr val="auto"/>
-    </cs:fillRef>
-    <cs:effectRef idx="0"/>
-    <cs:fontRef idx="minor">
-      <a:schemeClr val="tx1"/>
-    </cs:fontRef>
-    <cs:spPr>
-      <a:solidFill>
-        <a:schemeClr val="phClr"/>
-      </a:solidFill>
-      <a:ln w="9525">
-        <a:solidFill>
-          <a:schemeClr val="phClr"/>
-        </a:solidFill>
-      </a:ln>
-    </cs:spPr>
-  </cs:dataPointMarker>
-  <cs:dataPointMarkerLayout symbol="circle" size="5"/>
-  <cs:dataPointWireframe>
-    <cs:lnRef idx="0">
-      <cs:styleClr val="auto"/>
-    </cs:lnRef>
-    <cs:fillRef idx="1"/>
-    <cs:effectRef idx="0"/>
-    <cs:fontRef idx="minor">
-      <a:schemeClr val="tx1"/>
-    </cs:fontRef>
-    <cs:spPr>
-      <a:ln w="9525" cap="rnd">
-        <a:solidFill>
-          <a:schemeClr val="phClr"/>
-        </a:solidFill>
-        <a:round/>
-      </a:ln>
-    </cs:spPr>
-  </cs:dataPointWireframe>
-  <cs:dataTable>
-    <cs:lnRef idx="0"/>
-    <cs:fillRef idx="0"/>
-    <cs:effectRef idx="0"/>
-    <cs:fontRef idx="minor">
-      <a:schemeClr val="tx1">
-        <a:lumMod val="65000"/>
-        <a:lumOff val="35000"/>
-      </a:schemeClr>
-    </cs:fontRef>
-    <cs:spPr>
-      <a:noFill/>
-      <a:ln w="9525" cap="flat" cmpd="sng" algn="ctr">
-        <a:solidFill>
-          <a:schemeClr val="tx1">
-            <a:lumMod val="15000"/>
-            <a:lumOff val="85000"/>
-          </a:schemeClr>
-        </a:solidFill>
-        <a:round/>
-      </a:ln>
-    </cs:spPr>
-    <cs:defRPr sz="900" kern="1200"/>
-  </cs:dataTable>
-  <cs:downBar>
-    <cs:lnRef idx="0"/>
-    <cs:fillRef idx="0"/>
-    <cs:effectRef idx="0"/>
-    <cs:fontRef idx="minor">
-      <a:schemeClr val="dk1"/>
-    </cs:fontRef>
-    <cs:spPr>
-      <a:solidFill>
-        <a:schemeClr val="dk1">
-          <a:lumMod val="65000"/>
-          <a:lumOff val="35000"/>
-        </a:schemeClr>
-      </a:solidFill>
-      <a:ln w="9525">
-        <a:solidFill>
-          <a:schemeClr val="tx1">
-            <a:lumMod val="65000"/>
-            <a:lumOff val="35000"/>
-          </a:schemeClr>
-        </a:solidFill>
-      </a:ln>
-    </cs:spPr>
-  </cs:downBar>
-  <cs:dropLine>
-    <cs:lnRef idx="0"/>
-    <cs:fillRef idx="0"/>
-    <cs:effectRef idx="0"/>
-    <cs:fontRef idx="minor">
-      <a:schemeClr val="tx1"/>
-    </cs:fontRef>
-    <cs:spPr>
-      <a:ln w="9525" cap="flat" cmpd="sng" algn="ctr">
-        <a:solidFill>
-          <a:schemeClr val="tx1">
-            <a:lumMod val="35000"/>
-            <a:lumOff val="65000"/>
-          </a:schemeClr>
-        </a:solidFill>
-        <a:round/>
-      </a:ln>
-    </cs:spPr>
-  </cs:dropLine>
-  <cs:errorBar>
-    <cs:lnRef idx="0"/>
-    <cs:fillRef idx="0"/>
-    <cs:effectRef idx="0"/>
-    <cs:fontRef idx="minor">
-      <a:schemeClr val="tx1"/>
-    </cs:fontRef>
-    <cs:spPr>
-      <a:ln w="9525" cap="flat" cmpd="sng" algn="ctr">
-        <a:solidFill>
-          <a:schemeClr val="tx1">
-            <a:lumMod val="65000"/>
-            <a:lumOff val="35000"/>
-          </a:schemeClr>
-        </a:solidFill>
-        <a:round/>
-      </a:ln>
-    </cs:spPr>
-  </cs:errorBar>
-  <cs:floor>
-    <cs:lnRef idx="0"/>
-    <cs:fillRef idx="0"/>
-    <cs:effectRef idx="0"/>
-    <cs:fontRef idx="minor">
-      <a:schemeClr val="tx1"/>
-    </cs:fontRef>
-    <cs:spPr>
-      <a:noFill/>
-      <a:ln>
-        <a:noFill/>
-      </a:ln>
-    </cs:spPr>
-  </cs:floor>
-  <cs:gridlineMajor>
-    <cs:lnRef idx="0"/>
-    <cs:fillRef idx="0"/>
-    <cs:effectRef idx="0"/>
-    <cs:fontRef idx="minor">
-      <a:schemeClr val="tx1"/>
-    </cs:fontRef>
-    <cs:spPr>
-      <a:ln w="9525" cap="flat" cmpd="sng" algn="ctr">
-        <a:solidFill>
-          <a:schemeClr val="tx1">
-            <a:lumMod val="15000"/>
-            <a:lumOff val="85000"/>
-          </a:schemeClr>
-        </a:solidFill>
-        <a:round/>
-      </a:ln>
-    </cs:spPr>
-  </cs:gridlineMajor>
-  <cs:gridlineMinor>
-    <cs:lnRef idx="0"/>
-    <cs:fillRef idx="0"/>
-    <cs:effectRef idx="0"/>
-    <cs:fontRef idx="minor">
-      <a:schemeClr val="tx1"/>
-    </cs:fontRef>
-    <cs:spPr>
-      <a:ln w="9525" cap="flat" cmpd="sng" algn="ctr">
-        <a:solidFill>
-          <a:schemeClr val="tx1">
-            <a:lumMod val="5000"/>
-            <a:lumOff val="95000"/>
-          </a:schemeClr>
-        </a:solidFill>
-        <a:round/>
-      </a:ln>
-    </cs:spPr>
-  </cs:gridlineMinor>
-  <cs:hiLoLine>
-    <cs:lnRef idx="0"/>
-    <cs:fillRef idx="0"/>
-    <cs:effectRef idx="0"/>
-    <cs:fontRef idx="minor">
-      <a:schemeClr val="tx1"/>
-    </cs:fontRef>
-    <cs:spPr>
-      <a:ln w="9525" cap="flat" cmpd="sng" algn="ctr">
-        <a:solidFill>
-          <a:schemeClr val="tx1">
-            <a:lumMod val="75000"/>
-            <a:lumOff val="25000"/>
-          </a:schemeClr>
-        </a:solidFill>
-        <a:round/>
-      </a:ln>
-    </cs:spPr>
-  </cs:hiLoLine>
-  <cs:leaderLine>
-    <cs:lnRef idx="0"/>
-    <cs:fillRef idx="0"/>
-    <cs:effectRef idx="0"/>
-    <cs:fontRef idx="minor">
-      <a:schemeClr val="tx1"/>
-    </cs:fontRef>
-    <cs:spPr>
-      <a:ln w="9525" cap="flat" cmpd="sng" algn="ctr">
-        <a:solidFill>
-          <a:schemeClr val="tx1">
-            <a:lumMod val="35000"/>
-            <a:lumOff val="65000"/>
-          </a:schemeClr>
-        </a:solidFill>
-        <a:round/>
-      </a:ln>
-    </cs:spPr>
-  </cs:leaderLine>
-  <cs:legend>
-    <cs:lnRef idx="0"/>
-    <cs:fillRef idx="0"/>
-    <cs:effectRef idx="0"/>
-    <cs:fontRef idx="minor">
-      <a:schemeClr val="tx1">
-        <a:lumMod val="65000"/>
-        <a:lumOff val="35000"/>
-      </a:schemeClr>
-    </cs:fontRef>
-    <cs:defRPr sz="900" kern="1200"/>
-  </cs:legend>
-  <cs:plotArea mods="allowNoFillOverride allowNoLineOverride">
-    <cs:lnRef idx="0"/>
-    <cs:fillRef idx="0"/>
-    <cs:effectRef idx="0"/>
-    <cs:fontRef idx="minor">
-      <a:schemeClr val="tx1"/>
-    </cs:fontRef>
-  </cs:plotArea>
-  <cs:plotArea3D mods="allowNoFillOverride allowNoLineOverride">
-    <cs:lnRef idx="0"/>
-    <cs:fillRef idx="0"/>
-    <cs:effectRef idx="0"/>
-    <cs:fontRef idx="minor">
-      <a:schemeClr val="tx1"/>
-    </cs:fontRef>
-  </cs:plotArea3D>
-  <cs:seriesAxis>
-    <cs:lnRef idx="0"/>
-    <cs:fillRef idx="0"/>
-    <cs:effectRef idx="0"/>
-    <cs:fontRef idx="minor">
-      <a:schemeClr val="tx1">
-        <a:lumMod val="65000"/>
-        <a:lumOff val="35000"/>
-      </a:schemeClr>
-    </cs:fontRef>
-    <cs:defRPr sz="900" kern="1200"/>
-  </cs:seriesAxis>
-  <cs:seriesLine>
-    <cs:lnRef idx="0"/>
-    <cs:fillRef idx="0"/>
-    <cs:effectRef idx="0"/>
-    <cs:fontRef idx="minor">
-      <a:schemeClr val="tx1"/>
-    </cs:fontRef>
-    <cs:spPr>
-      <a:ln w="9525" cap="flat" cmpd="sng" algn="ctr">
-        <a:solidFill>
-          <a:schemeClr val="tx1">
-            <a:lumMod val="35000"/>
-            <a:lumOff val="65000"/>
-          </a:schemeClr>
-        </a:solidFill>
-        <a:round/>
-      </a:ln>
-    </cs:spPr>
-  </cs:seriesLine>
-  <cs:title>
-    <cs:lnRef idx="0"/>
-    <cs:fillRef idx="0"/>
-    <cs:effectRef idx="0"/>
-    <cs:fontRef idx="minor">
-      <a:schemeClr val="tx1">
-        <a:lumMod val="65000"/>
-        <a:lumOff val="35000"/>
-      </a:schemeClr>
-    </cs:fontRef>
-    <cs:defRPr sz="1400" b="0" kern="1200" spc="0" baseline="0"/>
-  </cs:title>
-  <cs:trendline>
-    <cs:lnRef idx="0">
-      <cs:styleClr val="auto"/>
-    </cs:lnRef>
-    <cs:fillRef idx="0"/>
-    <cs:effectRef idx="0"/>
-    <cs:fontRef idx="minor">
-      <a:schemeClr val="tx1"/>
-    </cs:fontRef>
-    <cs:spPr>
-      <a:ln w="19050" cap="rnd">
-        <a:solidFill>
-          <a:schemeClr val="phClr"/>
-        </a:solidFill>
-        <a:prstDash val="sysDot"/>
-      </a:ln>
-    </cs:spPr>
-  </cs:trendline>
-  <cs:trendlineLabel>
-    <cs:lnRef idx="0"/>
-    <cs:fillRef idx="0"/>
-    <cs:effectRef idx="0"/>
-    <cs:fontRef idx="minor">
-      <a:schemeClr val="tx1">
-        <a:lumMod val="65000"/>
-        <a:lumOff val="35000"/>
-      </a:schemeClr>
-    </cs:fontRef>
-    <cs:defRPr sz="900" kern="1200"/>
-  </cs:trendlineLabel>
-  <cs:upBar>
-    <cs:lnRef idx="0"/>
-    <cs:fillRef idx="0"/>
-    <cs:effectRef idx="0"/>
-    <cs:fontRef idx="minor">
-      <a:schemeClr val="dk1"/>
-    </cs:fontRef>
-    <cs:spPr>
-      <a:solidFill>
-        <a:schemeClr val="lt1"/>
-      </a:solidFill>
-      <a:ln w="9525">
-        <a:solidFill>
-          <a:schemeClr val="tx1">
-            <a:lumMod val="15000"/>
-            <a:lumOff val="85000"/>
-          </a:schemeClr>
-        </a:solidFill>
-      </a:ln>
-    </cs:spPr>
-  </cs:upBar>
-  <cs:valueAxis>
-    <cs:lnRef idx="0"/>
-    <cs:fillRef idx="0"/>
-    <cs:effectRef idx="0"/>
-    <cs:fontRef idx="minor">
-      <a:schemeClr val="tx1">
-        <a:lumMod val="65000"/>
-        <a:lumOff val="35000"/>
-      </a:schemeClr>
-    </cs:fontRef>
-    <cs:defRPr sz="900" kern="1200"/>
-  </cs:valueAxis>
-  <cs:wall>
-    <cs:lnRef idx="0"/>
-    <cs:fillRef idx="0"/>
-    <cs:effectRef idx="0"/>
-    <cs:fontRef idx="minor">
-      <a:schemeClr val="tx1"/>
-    </cs:fontRef>
-    <cs:spPr>
-      <a:noFill/>
-      <a:ln>
-        <a:noFill/>
-      </a:ln>
-    </cs:spPr>
-  </cs:wall>
-</cs:chartStyle>
-</file>
-
-<file path=ppt/charts/style4.xml><?xml version="1.0" encoding="utf-8"?>
-<cs:chartStyle xmlns:cs="http://schemas.microsoft.com/office/drawing/2012/chartStyle" xmlns:a="http://schemas.openxmlformats.org/drawingml/2006/main" id="227">
-  <cs:axisTitle>
-    <cs:lnRef idx="0"/>
-    <cs:fillRef idx="0"/>
-    <cs:effectRef idx="0"/>
-    <cs:fontRef idx="minor">
-      <a:schemeClr val="tx1">
-        <a:lumMod val="65000"/>
-        <a:lumOff val="35000"/>
-      </a:schemeClr>
-    </cs:fontRef>
-    <cs:defRPr sz="1000" kern="1200"/>
-  </cs:axisTitle>
-  <cs:categoryAxis>
-    <cs:lnRef idx="0"/>
-    <cs:fillRef idx="0"/>
-    <cs:effectRef idx="0"/>
-    <cs:fontRef idx="minor">
-      <a:schemeClr val="tx1">
-        <a:lumMod val="65000"/>
-        <a:lumOff val="35000"/>
-      </a:schemeClr>
-    </cs:fontRef>
-    <cs:spPr>
-      <a:ln w="9525" cap="flat" cmpd="sng" algn="ctr">
-        <a:solidFill>
-          <a:schemeClr val="tx1">
-            <a:lumMod val="15000"/>
-            <a:lumOff val="85000"/>
-          </a:schemeClr>
-        </a:solidFill>
-        <a:round/>
-      </a:ln>
-    </cs:spPr>
-    <cs:defRPr sz="900" kern="1200"/>
-  </cs:categoryAxis>
-  <cs:chartArea mods="allowNoFillOverride allowNoLineOverride">
-    <cs:lnRef idx="0"/>
-    <cs:fillRef idx="0"/>
-    <cs:effectRef idx="0"/>
-    <cs:fontRef idx="minor">
-      <a:schemeClr val="tx1"/>
-    </cs:fontRef>
-    <cs:spPr>
-      <a:solidFill>
-        <a:schemeClr val="bg1"/>
-      </a:solidFill>
-      <a:ln w="9525" cap="flat" cmpd="sng" algn="ctr">
-        <a:solidFill>
-          <a:schemeClr val="tx1">
-            <a:lumMod val="15000"/>
-            <a:lumOff val="85000"/>
-          </a:schemeClr>
-        </a:solidFill>
-        <a:round/>
-      </a:ln>
-    </cs:spPr>
-    <cs:defRPr sz="1000" kern="1200"/>
-  </cs:chartArea>
-  <cs:dataLabel>
-    <cs:lnRef idx="0"/>
-    <cs:fillRef idx="0"/>
-    <cs:effectRef idx="0"/>
-    <cs:fontRef idx="minor">
-      <a:schemeClr val="tx1">
-        <a:lumMod val="75000"/>
-        <a:lumOff val="25000"/>
-      </a:schemeClr>
-    </cs:fontRef>
-    <cs:defRPr sz="900" kern="1200"/>
-  </cs:dataLabel>
-  <cs:dataLabelCallout>
-    <cs:lnRef idx="0"/>
-    <cs:fillRef idx="0"/>
-    <cs:effectRef idx="0"/>
-    <cs:fontRef idx="minor">
-      <a:schemeClr val="dk1">
-        <a:lumMod val="65000"/>
-        <a:lumOff val="35000"/>
-      </a:schemeClr>
-    </cs:fontRef>
-    <cs:spPr>
-      <a:solidFill>
-        <a:schemeClr val="lt1"/>
-      </a:solidFill>
-      <a:ln>
-        <a:solidFill>
-          <a:schemeClr val="dk1">
-            <a:lumMod val="25000"/>
-            <a:lumOff val="75000"/>
-          </a:schemeClr>
-        </a:solidFill>
-      </a:ln>
-    </cs:spPr>
-    <cs:defRPr sz="900" kern="1200"/>
-    <cs:bodyPr rot="0" spcFirstLastPara="1" vertOverflow="clip" horzOverflow="clip" vert="horz" wrap="square" lIns="36576" tIns="18288" rIns="36576" bIns="18288" anchor="ctr" anchorCtr="1">
-      <a:spAutoFit/>
-    </cs:bodyPr>
-  </cs:dataLabelCallout>
-  <cs:dataPoint>
-    <cs:lnRef idx="0"/>
-    <cs:fillRef idx="1">
-      <cs:styleClr val="auto"/>
-    </cs:fillRef>
-    <cs:effectRef idx="0"/>
-    <cs:fontRef idx="minor">
-      <a:schemeClr val="tx1"/>
-    </cs:fontRef>
-    <cs:spPr>
-      <a:solidFill>
-        <a:schemeClr val="phClr"/>
-      </a:solidFill>
-    </cs:spPr>
-  </cs:dataPoint>
-  <cs:dataPoint3D>
-    <cs:lnRef idx="0"/>
-    <cs:fillRef idx="1">
-      <cs:styleClr val="auto"/>
-    </cs:fillRef>
-    <cs:effectRef idx="0"/>
-    <cs:fontRef idx="minor">
-      <a:schemeClr val="tx1"/>
-    </cs:fontRef>
-    <cs:spPr>
-      <a:solidFill>
-        <a:schemeClr val="phClr"/>
-      </a:solidFill>
-    </cs:spPr>
-  </cs:dataPoint3D>
-  <cs:dataPointLine>
-    <cs:lnRef idx="0">
-      <cs:styleClr val="auto"/>
-    </cs:lnRef>
-    <cs:fillRef idx="1"/>
-    <cs:effectRef idx="0"/>
-    <cs:fontRef idx="minor">
-      <a:schemeClr val="tx1"/>
-    </cs:fontRef>
-    <cs:spPr>
-      <a:ln w="28575" cap="rnd">
-        <a:solidFill>
-          <a:schemeClr val="phClr"/>
-        </a:solidFill>
-        <a:round/>
-      </a:ln>
-    </cs:spPr>
-  </cs:dataPointLine>
-  <cs:dataPointMarker>
-    <cs:lnRef idx="0">
-      <cs:styleClr val="auto"/>
-    </cs:lnRef>
-    <cs:fillRef idx="1">
-      <cs:styleClr val="auto"/>
-    </cs:fillRef>
-    <cs:effectRef idx="0"/>
-    <cs:fontRef idx="minor">
-      <a:schemeClr val="tx1"/>
-    </cs:fontRef>
-    <cs:spPr>
-      <a:solidFill>
-        <a:schemeClr val="phClr"/>
-      </a:solidFill>
-      <a:ln w="9525">
-        <a:solidFill>
-          <a:schemeClr val="phClr"/>
-        </a:solidFill>
-      </a:ln>
-    </cs:spPr>
-  </cs:dataPointMarker>
-  <cs:dataPointMarkerLayout symbol="circle" size="5"/>
-  <cs:dataPointWireframe>
-    <cs:lnRef idx="0">
-      <cs:styleClr val="auto"/>
-    </cs:lnRef>
-    <cs:fillRef idx="1"/>
-    <cs:effectRef idx="0"/>
-    <cs:fontRef idx="minor">
-      <a:schemeClr val="tx1"/>
-    </cs:fontRef>
-    <cs:spPr>
-      <a:ln w="9525" cap="rnd">
-        <a:solidFill>
-          <a:schemeClr val="phClr"/>
-        </a:solidFill>
-        <a:round/>
-      </a:ln>
-    </cs:spPr>
-  </cs:dataPointWireframe>
-  <cs:dataTable>
-    <cs:lnRef idx="0"/>
-    <cs:fillRef idx="0"/>
-    <cs:effectRef idx="0"/>
-    <cs:fontRef idx="minor">
-      <a:schemeClr val="tx1">
-        <a:lumMod val="65000"/>
-        <a:lumOff val="35000"/>
-      </a:schemeClr>
-    </cs:fontRef>
-    <cs:spPr>
-      <a:noFill/>
-      <a:ln w="9525" cap="flat" cmpd="sng" algn="ctr">
-        <a:solidFill>
-          <a:schemeClr val="tx1">
-            <a:lumMod val="15000"/>
-            <a:lumOff val="85000"/>
-          </a:schemeClr>
-        </a:solidFill>
-        <a:round/>
-      </a:ln>
-    </cs:spPr>
-    <cs:defRPr sz="900" kern="1200"/>
-  </cs:dataTable>
-  <cs:downBar>
-    <cs:lnRef idx="0"/>
-    <cs:fillRef idx="0"/>
-    <cs:effectRef idx="0"/>
-    <cs:fontRef idx="minor">
-      <a:schemeClr val="dk1"/>
-    </cs:fontRef>
-    <cs:spPr>
-      <a:solidFill>
-        <a:schemeClr val="dk1">
-          <a:lumMod val="65000"/>
-          <a:lumOff val="35000"/>
-        </a:schemeClr>
-      </a:solidFill>
-      <a:ln w="9525">
-        <a:solidFill>
-          <a:schemeClr val="tx1">
-            <a:lumMod val="65000"/>
-            <a:lumOff val="35000"/>
-          </a:schemeClr>
-        </a:solidFill>
-      </a:ln>
-    </cs:spPr>
-  </cs:downBar>
-  <cs:dropLine>
-    <cs:lnRef idx="0"/>
-    <cs:fillRef idx="0"/>
-    <cs:effectRef idx="0"/>
-    <cs:fontRef idx="minor">
-      <a:schemeClr val="tx1"/>
-    </cs:fontRef>
-    <cs:spPr>
-      <a:ln w="9525" cap="flat" cmpd="sng" algn="ctr">
-        <a:solidFill>
-          <a:schemeClr val="tx1">
-            <a:lumMod val="35000"/>
-            <a:lumOff val="65000"/>
-          </a:schemeClr>
-        </a:solidFill>
-        <a:round/>
-      </a:ln>
-    </cs:spPr>
-  </cs:dropLine>
-  <cs:errorBar>
-    <cs:lnRef idx="0"/>
-    <cs:fillRef idx="0"/>
-    <cs:effectRef idx="0"/>
-    <cs:fontRef idx="minor">
-      <a:schemeClr val="tx1"/>
-    </cs:fontRef>
-    <cs:spPr>
-      <a:ln w="9525" cap="flat" cmpd="sng" algn="ctr">
-        <a:solidFill>
-          <a:schemeClr val="tx1">
-            <a:lumMod val="65000"/>
-            <a:lumOff val="35000"/>
-          </a:schemeClr>
-        </a:solidFill>
-        <a:round/>
-      </a:ln>
-    </cs:spPr>
-  </cs:errorBar>
-  <cs:floor>
-    <cs:lnRef idx="0"/>
-    <cs:fillRef idx="0"/>
-    <cs:effectRef idx="0"/>
-    <cs:fontRef idx="minor">
-      <a:schemeClr val="tx1"/>
-    </cs:fontRef>
-    <cs:spPr>
-      <a:noFill/>
-      <a:ln>
-        <a:noFill/>
-      </a:ln>
-    </cs:spPr>
-  </cs:floor>
-  <cs:gridlineMajor>
-    <cs:lnRef idx="0"/>
-    <cs:fillRef idx="0"/>
-    <cs:effectRef idx="0"/>
-    <cs:fontRef idx="minor">
-      <a:schemeClr val="tx1"/>
-    </cs:fontRef>
-    <cs:spPr>
-      <a:ln w="9525" cap="flat" cmpd="sng" algn="ctr">
-        <a:solidFill>
-          <a:schemeClr val="tx1">
-            <a:lumMod val="15000"/>
-            <a:lumOff val="85000"/>
-          </a:schemeClr>
-        </a:solidFill>
-        <a:round/>
-      </a:ln>
-    </cs:spPr>
-  </cs:gridlineMajor>
-  <cs:gridlineMinor>
-    <cs:lnRef idx="0"/>
-    <cs:fillRef idx="0"/>
-    <cs:effectRef idx="0"/>
-    <cs:fontRef idx="minor">
-      <a:schemeClr val="tx1"/>
-    </cs:fontRef>
-    <cs:spPr>
-      <a:ln w="9525" cap="flat" cmpd="sng" algn="ctr">
-        <a:solidFill>
-          <a:schemeClr val="tx1">
-            <a:lumMod val="5000"/>
-            <a:lumOff val="95000"/>
-          </a:schemeClr>
-        </a:solidFill>
-        <a:round/>
-      </a:ln>
-    </cs:spPr>
-  </cs:gridlineMinor>
-  <cs:hiLoLine>
-    <cs:lnRef idx="0"/>
-    <cs:fillRef idx="0"/>
-    <cs:effectRef idx="0"/>
-    <cs:fontRef idx="minor">
-      <a:schemeClr val="tx1"/>
-    </cs:fontRef>
-    <cs:spPr>
-      <a:ln w="9525" cap="flat" cmpd="sng" algn="ctr">
-        <a:solidFill>
-          <a:schemeClr val="tx1">
-            <a:lumMod val="75000"/>
-            <a:lumOff val="25000"/>
-          </a:schemeClr>
-        </a:solidFill>
-        <a:round/>
-      </a:ln>
-    </cs:spPr>
-  </cs:hiLoLine>
-  <cs:leaderLine>
-    <cs:lnRef idx="0"/>
-    <cs:fillRef idx="0"/>
-    <cs:effectRef idx="0"/>
-    <cs:fontRef idx="minor">
-      <a:schemeClr val="tx1"/>
-    </cs:fontRef>
-    <cs:spPr>
-      <a:ln w="9525" cap="flat" cmpd="sng" algn="ctr">
-        <a:solidFill>
-          <a:schemeClr val="tx1">
-            <a:lumMod val="35000"/>
-            <a:lumOff val="65000"/>
-          </a:schemeClr>
-        </a:solidFill>
-        <a:round/>
-      </a:ln>
-    </cs:spPr>
-  </cs:leaderLine>
-  <cs:legend>
-    <cs:lnRef idx="0"/>
-    <cs:fillRef idx="0"/>
-    <cs:effectRef idx="0"/>
-    <cs:fontRef idx="minor">
-      <a:schemeClr val="tx1">
-        <a:lumMod val="65000"/>
-        <a:lumOff val="35000"/>
-      </a:schemeClr>
-    </cs:fontRef>
-    <cs:defRPr sz="900" kern="1200"/>
-  </cs:legend>
-  <cs:plotArea mods="allowNoFillOverride allowNoLineOverride">
-    <cs:lnRef idx="0"/>
-    <cs:fillRef idx="0"/>
-    <cs:effectRef idx="0"/>
-    <cs:fontRef idx="minor">
-      <a:schemeClr val="tx1"/>
-    </cs:fontRef>
-  </cs:plotArea>
-  <cs:plotArea3D mods="allowNoFillOverride allowNoLineOverride">
-    <cs:lnRef idx="0"/>
-    <cs:fillRef idx="0"/>
-    <cs:effectRef idx="0"/>
-    <cs:fontRef idx="minor">
-      <a:schemeClr val="tx1"/>
-    </cs:fontRef>
-  </cs:plotArea3D>
-  <cs:seriesAxis>
-    <cs:lnRef idx="0"/>
-    <cs:fillRef idx="0"/>
-    <cs:effectRef idx="0"/>
-    <cs:fontRef idx="minor">
-      <a:schemeClr val="tx1">
-        <a:lumMod val="65000"/>
-        <a:lumOff val="35000"/>
-      </a:schemeClr>
-    </cs:fontRef>
-    <cs:defRPr sz="900" kern="1200"/>
-  </cs:seriesAxis>
-  <cs:seriesLine>
-    <cs:lnRef idx="0"/>
-    <cs:fillRef idx="0"/>
-    <cs:effectRef idx="0"/>
-    <cs:fontRef idx="minor">
-      <a:schemeClr val="tx1"/>
-    </cs:fontRef>
-    <cs:spPr>
-      <a:ln w="9525" cap="flat" cmpd="sng" algn="ctr">
-        <a:solidFill>
-          <a:schemeClr val="tx1">
-            <a:lumMod val="35000"/>
-            <a:lumOff val="65000"/>
-          </a:schemeClr>
-        </a:solidFill>
-        <a:round/>
-      </a:ln>
-    </cs:spPr>
-  </cs:seriesLine>
-  <cs:title>
-    <cs:lnRef idx="0"/>
-    <cs:fillRef idx="0"/>
-    <cs:effectRef idx="0"/>
-    <cs:fontRef idx="minor">
-      <a:schemeClr val="tx1">
-        <a:lumMod val="65000"/>
-        <a:lumOff val="35000"/>
-      </a:schemeClr>
-    </cs:fontRef>
-    <cs:defRPr sz="1400" b="0" kern="1200" spc="0" baseline="0"/>
-  </cs:title>
-  <cs:trendline>
-    <cs:lnRef idx="0">
-      <cs:styleClr val="auto"/>
-    </cs:lnRef>
-    <cs:fillRef idx="0"/>
-    <cs:effectRef idx="0"/>
-    <cs:fontRef idx="minor">
-      <a:schemeClr val="tx1"/>
-    </cs:fontRef>
-    <cs:spPr>
-      <a:ln w="19050" cap="rnd">
-        <a:solidFill>
-          <a:schemeClr val="phClr"/>
-        </a:solidFill>
-        <a:prstDash val="sysDot"/>
-      </a:ln>
-    </cs:spPr>
-  </cs:trendline>
-  <cs:trendlineLabel>
-    <cs:lnRef idx="0"/>
-    <cs:fillRef idx="0"/>
-    <cs:effectRef idx="0"/>
-    <cs:fontRef idx="minor">
-      <a:schemeClr val="tx1">
-        <a:lumMod val="65000"/>
-        <a:lumOff val="35000"/>
-      </a:schemeClr>
-    </cs:fontRef>
-    <cs:defRPr sz="900" kern="1200"/>
-  </cs:trendlineLabel>
-  <cs:upBar>
-    <cs:lnRef idx="0"/>
-    <cs:fillRef idx="0"/>
-    <cs:effectRef idx="0"/>
-    <cs:fontRef idx="minor">
-      <a:schemeClr val="dk1"/>
-    </cs:fontRef>
-    <cs:spPr>
-      <a:solidFill>
-        <a:schemeClr val="lt1"/>
-      </a:solidFill>
-      <a:ln w="9525">
-        <a:solidFill>
-          <a:schemeClr val="tx1">
-            <a:lumMod val="15000"/>
-            <a:lumOff val="85000"/>
-          </a:schemeClr>
-        </a:solidFill>
-      </a:ln>
-    </cs:spPr>
-  </cs:upBar>
-  <cs:valueAxis>
-    <cs:lnRef idx="0"/>
-    <cs:fillRef idx="0"/>
-    <cs:effectRef idx="0"/>
-    <cs:fontRef idx="minor">
-      <a:schemeClr val="tx1">
-        <a:lumMod val="65000"/>
-        <a:lumOff val="35000"/>
-      </a:schemeClr>
-    </cs:fontRef>
-    <cs:defRPr sz="900" kern="1200"/>
-  </cs:valueAxis>
-  <cs:wall>
-    <cs:lnRef idx="0"/>
-    <cs:fillRef idx="0"/>
-    <cs:effectRef idx="0"/>
-    <cs:fontRef idx="minor">
-      <a:schemeClr val="tx1"/>
-    </cs:fontRef>
-    <cs:spPr>
-      <a:noFill/>
-      <a:ln>
-        <a:noFill/>
-      </a:ln>
-    </cs:spPr>
-  </cs:wall>
-</cs:chartStyle>
-</file>
-
-<file path=ppt/charts/style5.xml><?xml version="1.0" encoding="utf-8"?>
-<cs:chartStyle xmlns:cs="http://schemas.microsoft.com/office/drawing/2012/chartStyle" xmlns:a="http://schemas.openxmlformats.org/drawingml/2006/main" id="227">
-  <cs:axisTitle>
-    <cs:lnRef idx="0"/>
-    <cs:fillRef idx="0"/>
-    <cs:effectRef idx="0"/>
-    <cs:fontRef idx="minor">
-      <a:schemeClr val="tx1">
-        <a:lumMod val="65000"/>
-        <a:lumOff val="35000"/>
-      </a:schemeClr>
-    </cs:fontRef>
-    <cs:defRPr sz="1000" kern="1200"/>
-  </cs:axisTitle>
-  <cs:categoryAxis>
-    <cs:lnRef idx="0"/>
-    <cs:fillRef idx="0"/>
-    <cs:effectRef idx="0"/>
-    <cs:fontRef idx="minor">
-      <a:schemeClr val="tx1">
-        <a:lumMod val="65000"/>
-        <a:lumOff val="35000"/>
-      </a:schemeClr>
-    </cs:fontRef>
-    <cs:spPr>
-      <a:ln w="9525" cap="flat" cmpd="sng" algn="ctr">
-        <a:solidFill>
-          <a:schemeClr val="tx1">
-            <a:lumMod val="15000"/>
-            <a:lumOff val="85000"/>
-          </a:schemeClr>
-        </a:solidFill>
-        <a:round/>
-      </a:ln>
-    </cs:spPr>
-    <cs:defRPr sz="900" kern="1200"/>
-  </cs:categoryAxis>
-  <cs:chartArea mods="allowNoFillOverride allowNoLineOverride">
-    <cs:lnRef idx="0"/>
-    <cs:fillRef idx="0"/>
-    <cs:effectRef idx="0"/>
-    <cs:fontRef idx="minor">
-      <a:schemeClr val="tx1"/>
-    </cs:fontRef>
-    <cs:spPr>
-      <a:solidFill>
-        <a:schemeClr val="bg1"/>
-      </a:solidFill>
-      <a:ln w="9525" cap="flat" cmpd="sng" algn="ctr">
-        <a:solidFill>
-          <a:schemeClr val="tx1">
-            <a:lumMod val="15000"/>
-            <a:lumOff val="85000"/>
-          </a:schemeClr>
-        </a:solidFill>
-        <a:round/>
-      </a:ln>
-    </cs:spPr>
-    <cs:defRPr sz="1000" kern="1200"/>
-  </cs:chartArea>
-  <cs:dataLabel>
-    <cs:lnRef idx="0"/>
-    <cs:fillRef idx="0"/>
-    <cs:effectRef idx="0"/>
-    <cs:fontRef idx="minor">
-      <a:schemeClr val="tx1">
-        <a:lumMod val="75000"/>
-        <a:lumOff val="25000"/>
-      </a:schemeClr>
-    </cs:fontRef>
-    <cs:defRPr sz="900" kern="1200"/>
-  </cs:dataLabel>
-  <cs:dataLabelCallout>
-    <cs:lnRef idx="0"/>
-    <cs:fillRef idx="0"/>
-    <cs:effectRef idx="0"/>
-    <cs:fontRef idx="minor">
-      <a:schemeClr val="dk1">
-        <a:lumMod val="65000"/>
-        <a:lumOff val="35000"/>
-      </a:schemeClr>
-    </cs:fontRef>
-    <cs:spPr>
-      <a:solidFill>
-        <a:schemeClr val="lt1"/>
-      </a:solidFill>
-      <a:ln>
-        <a:solidFill>
-          <a:schemeClr val="dk1">
-            <a:lumMod val="25000"/>
-            <a:lumOff val="75000"/>
-          </a:schemeClr>
-        </a:solidFill>
-      </a:ln>
-    </cs:spPr>
-    <cs:defRPr sz="900" kern="1200"/>
-    <cs:bodyPr rot="0" spcFirstLastPara="1" vertOverflow="clip" horzOverflow="clip" vert="horz" wrap="square" lIns="36576" tIns="18288" rIns="36576" bIns="18288" anchor="ctr" anchorCtr="1">
-      <a:spAutoFit/>
-    </cs:bodyPr>
-  </cs:dataLabelCallout>
-  <cs:dataPoint>
-    <cs:lnRef idx="0"/>
-    <cs:fillRef idx="1">
-      <cs:styleClr val="auto"/>
-    </cs:fillRef>
-    <cs:effectRef idx="0"/>
-    <cs:fontRef idx="minor">
-      <a:schemeClr val="tx1"/>
-    </cs:fontRef>
-    <cs:spPr>
-      <a:solidFill>
-        <a:schemeClr val="phClr"/>
-      </a:solidFill>
-    </cs:spPr>
-  </cs:dataPoint>
-  <cs:dataPoint3D>
-    <cs:lnRef idx="0"/>
-    <cs:fillRef idx="1">
-      <cs:styleClr val="auto"/>
-    </cs:fillRef>
-    <cs:effectRef idx="0"/>
-    <cs:fontRef idx="minor">
-      <a:schemeClr val="tx1"/>
-    </cs:fontRef>
-    <cs:spPr>
-      <a:solidFill>
-        <a:schemeClr val="phClr"/>
-      </a:solidFill>
-    </cs:spPr>
-  </cs:dataPoint3D>
-  <cs:dataPointLine>
-    <cs:lnRef idx="0">
-      <cs:styleClr val="auto"/>
-    </cs:lnRef>
-    <cs:fillRef idx="1"/>
-    <cs:effectRef idx="0"/>
-    <cs:fontRef idx="minor">
-      <a:schemeClr val="tx1"/>
-    </cs:fontRef>
-    <cs:spPr>
-      <a:ln w="28575" cap="rnd">
-        <a:solidFill>
-          <a:schemeClr val="phClr"/>
-        </a:solidFill>
-        <a:round/>
-      </a:ln>
-    </cs:spPr>
-  </cs:dataPointLine>
-  <cs:dataPointMarker>
-    <cs:lnRef idx="0">
-      <cs:styleClr val="auto"/>
-    </cs:lnRef>
-    <cs:fillRef idx="1">
-      <cs:styleClr val="auto"/>
-    </cs:fillRef>
-    <cs:effectRef idx="0"/>
-    <cs:fontRef idx="minor">
-      <a:schemeClr val="tx1"/>
-    </cs:fontRef>
-    <cs:spPr>
-      <a:solidFill>
-        <a:schemeClr val="phClr"/>
-      </a:solidFill>
-      <a:ln w="9525">
-        <a:solidFill>
-          <a:schemeClr val="phClr"/>
-        </a:solidFill>
-      </a:ln>
-    </cs:spPr>
-  </cs:dataPointMarker>
-  <cs:dataPointMarkerLayout symbol="circle" size="5"/>
-  <cs:dataPointWireframe>
-    <cs:lnRef idx="0">
-      <cs:styleClr val="auto"/>
-    </cs:lnRef>
-    <cs:fillRef idx="1"/>
-    <cs:effectRef idx="0"/>
-    <cs:fontRef idx="minor">
-      <a:schemeClr val="tx1"/>
-    </cs:fontRef>
-    <cs:spPr>
-      <a:ln w="9525" cap="rnd">
-        <a:solidFill>
-          <a:schemeClr val="phClr"/>
-        </a:solidFill>
-        <a:round/>
-      </a:ln>
-    </cs:spPr>
-  </cs:dataPointWireframe>
-  <cs:dataTable>
-    <cs:lnRef idx="0"/>
-    <cs:fillRef idx="0"/>
-    <cs:effectRef idx="0"/>
-    <cs:fontRef idx="minor">
-      <a:schemeClr val="tx1">
-        <a:lumMod val="65000"/>
-        <a:lumOff val="35000"/>
-      </a:schemeClr>
-    </cs:fontRef>
-    <cs:spPr>
-      <a:noFill/>
-      <a:ln w="9525" cap="flat" cmpd="sng" algn="ctr">
-        <a:solidFill>
-          <a:schemeClr val="tx1">
-            <a:lumMod val="15000"/>
-            <a:lumOff val="85000"/>
-          </a:schemeClr>
-        </a:solidFill>
-        <a:round/>
-      </a:ln>
-    </cs:spPr>
-    <cs:defRPr sz="900" kern="1200"/>
-  </cs:dataTable>
-  <cs:downBar>
-    <cs:lnRef idx="0"/>
-    <cs:fillRef idx="0"/>
-    <cs:effectRef idx="0"/>
-    <cs:fontRef idx="minor">
-      <a:schemeClr val="dk1"/>
-    </cs:fontRef>
-    <cs:spPr>
-      <a:solidFill>
-        <a:schemeClr val="dk1">
-          <a:lumMod val="65000"/>
-          <a:lumOff val="35000"/>
-        </a:schemeClr>
-      </a:solidFill>
-      <a:ln w="9525">
-        <a:solidFill>
-          <a:schemeClr val="tx1">
-            <a:lumMod val="65000"/>
-            <a:lumOff val="35000"/>
-          </a:schemeClr>
-        </a:solidFill>
-      </a:ln>
-    </cs:spPr>
-  </cs:downBar>
-  <cs:dropLine>
-    <cs:lnRef idx="0"/>
-    <cs:fillRef idx="0"/>
-    <cs:effectRef idx="0"/>
-    <cs:fontRef idx="minor">
-      <a:schemeClr val="tx1"/>
-    </cs:fontRef>
-    <cs:spPr>
-      <a:ln w="9525" cap="flat" cmpd="sng" algn="ctr">
-        <a:solidFill>
-          <a:schemeClr val="tx1">
-            <a:lumMod val="35000"/>
-            <a:lumOff val="65000"/>
-          </a:schemeClr>
-        </a:solidFill>
-        <a:round/>
-      </a:ln>
-    </cs:spPr>
-  </cs:dropLine>
-  <cs:errorBar>
-    <cs:lnRef idx="0"/>
-    <cs:fillRef idx="0"/>
-    <cs:effectRef idx="0"/>
-    <cs:fontRef idx="minor">
-      <a:schemeClr val="tx1"/>
-    </cs:fontRef>
-    <cs:spPr>
-      <a:ln w="9525" cap="flat" cmpd="sng" algn="ctr">
-        <a:solidFill>
-          <a:schemeClr val="tx1">
-            <a:lumMod val="65000"/>
-            <a:lumOff val="35000"/>
-          </a:schemeClr>
-        </a:solidFill>
-        <a:round/>
-      </a:ln>
-    </cs:spPr>
-  </cs:errorBar>
-  <cs:floor>
-    <cs:lnRef idx="0"/>
-    <cs:fillRef idx="0"/>
-    <cs:effectRef idx="0"/>
-    <cs:fontRef idx="minor">
-      <a:schemeClr val="tx1"/>
-    </cs:fontRef>
-    <cs:spPr>
-      <a:noFill/>
-      <a:ln>
-        <a:noFill/>
-      </a:ln>
-    </cs:spPr>
-  </cs:floor>
-  <cs:gridlineMajor>
-    <cs:lnRef idx="0"/>
-    <cs:fillRef idx="0"/>
-    <cs:effectRef idx="0"/>
-    <cs:fontRef idx="minor">
-      <a:schemeClr val="tx1"/>
-    </cs:fontRef>
-    <cs:spPr>
-      <a:ln w="9525" cap="flat" cmpd="sng" algn="ctr">
-        <a:solidFill>
-          <a:schemeClr val="tx1">
-            <a:lumMod val="15000"/>
-            <a:lumOff val="85000"/>
-          </a:schemeClr>
-        </a:solidFill>
-        <a:round/>
-      </a:ln>
-    </cs:spPr>
-  </cs:gridlineMajor>
-  <cs:gridlineMinor>
-    <cs:lnRef idx="0"/>
-    <cs:fillRef idx="0"/>
-    <cs:effectRef idx="0"/>
-    <cs:fontRef idx="minor">
-      <a:schemeClr val="tx1"/>
-    </cs:fontRef>
-    <cs:spPr>
-      <a:ln w="9525" cap="flat" cmpd="sng" algn="ctr">
-        <a:solidFill>
-          <a:schemeClr val="tx1">
-            <a:lumMod val="5000"/>
-            <a:lumOff val="95000"/>
-          </a:schemeClr>
-        </a:solidFill>
-        <a:round/>
-      </a:ln>
-    </cs:spPr>
-  </cs:gridlineMinor>
-  <cs:hiLoLine>
-    <cs:lnRef idx="0"/>
-    <cs:fillRef idx="0"/>
-    <cs:effectRef idx="0"/>
-    <cs:fontRef idx="minor">
-      <a:schemeClr val="tx1"/>
-    </cs:fontRef>
-    <cs:spPr>
-      <a:ln w="9525" cap="flat" cmpd="sng" algn="ctr">
-        <a:solidFill>
-          <a:schemeClr val="tx1">
-            <a:lumMod val="75000"/>
-            <a:lumOff val="25000"/>
-          </a:schemeClr>
-        </a:solidFill>
-        <a:round/>
-      </a:ln>
-    </cs:spPr>
-  </cs:hiLoLine>
-  <cs:leaderLine>
-    <cs:lnRef idx="0"/>
-    <cs:fillRef idx="0"/>
-    <cs:effectRef idx="0"/>
-    <cs:fontRef idx="minor">
-      <a:schemeClr val="tx1"/>
-    </cs:fontRef>
-    <cs:spPr>
-      <a:ln w="9525" cap="flat" cmpd="sng" algn="ctr">
-        <a:solidFill>
-          <a:schemeClr val="tx1">
-            <a:lumMod val="35000"/>
-            <a:lumOff val="65000"/>
-          </a:schemeClr>
-        </a:solidFill>
-        <a:round/>
-      </a:ln>
-    </cs:spPr>
-  </cs:leaderLine>
-  <cs:legend>
-    <cs:lnRef idx="0"/>
-    <cs:fillRef idx="0"/>
-    <cs:effectRef idx="0"/>
-    <cs:fontRef idx="minor">
-      <a:schemeClr val="tx1">
-        <a:lumMod val="65000"/>
-        <a:lumOff val="35000"/>
-      </a:schemeClr>
-    </cs:fontRef>
-    <cs:defRPr sz="900" kern="1200"/>
-  </cs:legend>
-  <cs:plotArea mods="allowNoFillOverride allowNoLineOverride">
-    <cs:lnRef idx="0"/>
-    <cs:fillRef idx="0"/>
-    <cs:effectRef idx="0"/>
-    <cs:fontRef idx="minor">
-      <a:schemeClr val="tx1"/>
-    </cs:fontRef>
-  </cs:plotArea>
-  <cs:plotArea3D mods="allowNoFillOverride allowNoLineOverride">
-    <cs:lnRef idx="0"/>
-    <cs:fillRef idx="0"/>
-    <cs:effectRef idx="0"/>
-    <cs:fontRef idx="minor">
-      <a:schemeClr val="tx1"/>
-    </cs:fontRef>
-  </cs:plotArea3D>
-  <cs:seriesAxis>
-    <cs:lnRef idx="0"/>
-    <cs:fillRef idx="0"/>
-    <cs:effectRef idx="0"/>
-    <cs:fontRef idx="minor">
-      <a:schemeClr val="tx1">
-        <a:lumMod val="65000"/>
-        <a:lumOff val="35000"/>
-      </a:schemeClr>
-    </cs:fontRef>
-    <cs:defRPr sz="900" kern="1200"/>
-  </cs:seriesAxis>
-  <cs:seriesLine>
-    <cs:lnRef idx="0"/>
-    <cs:fillRef idx="0"/>
-    <cs:effectRef idx="0"/>
-    <cs:fontRef idx="minor">
-      <a:schemeClr val="tx1"/>
-    </cs:fontRef>
-    <cs:spPr>
-      <a:ln w="9525" cap="flat" cmpd="sng" algn="ctr">
-        <a:solidFill>
-          <a:schemeClr val="tx1">
-            <a:lumMod val="35000"/>
-            <a:lumOff val="65000"/>
-          </a:schemeClr>
-        </a:solidFill>
-        <a:round/>
-      </a:ln>
-    </cs:spPr>
-  </cs:seriesLine>
-  <cs:title>
-    <cs:lnRef idx="0"/>
-    <cs:fillRef idx="0"/>
-    <cs:effectRef idx="0"/>
-    <cs:fontRef idx="minor">
-      <a:schemeClr val="tx1">
-        <a:lumMod val="65000"/>
-        <a:lumOff val="35000"/>
-      </a:schemeClr>
-    </cs:fontRef>
-    <cs:defRPr sz="1400" b="0" kern="1200" spc="0" baseline="0"/>
-  </cs:title>
-  <cs:trendline>
-    <cs:lnRef idx="0">
-      <cs:styleClr val="auto"/>
-    </cs:lnRef>
-    <cs:fillRef idx="0"/>
-    <cs:effectRef idx="0"/>
-    <cs:fontRef idx="minor">
-      <a:schemeClr val="tx1"/>
-    </cs:fontRef>
-    <cs:spPr>
-      <a:ln w="19050" cap="rnd">
-        <a:solidFill>
-          <a:schemeClr val="phClr"/>
-        </a:solidFill>
-        <a:prstDash val="sysDot"/>
-      </a:ln>
-    </cs:spPr>
-  </cs:trendline>
-  <cs:trendlineLabel>
-    <cs:lnRef idx="0"/>
-    <cs:fillRef idx="0"/>
-    <cs:effectRef idx="0"/>
-    <cs:fontRef idx="minor">
-      <a:schemeClr val="tx1">
-        <a:lumMod val="65000"/>
-        <a:lumOff val="35000"/>
-      </a:schemeClr>
-    </cs:fontRef>
-    <cs:defRPr sz="900" kern="1200"/>
-  </cs:trendlineLabel>
-  <cs:upBar>
-    <cs:lnRef idx="0"/>
-    <cs:fillRef idx="0"/>
-    <cs:effectRef idx="0"/>
-    <cs:fontRef idx="minor">
-      <a:schemeClr val="dk1"/>
-    </cs:fontRef>
-    <cs:spPr>
-      <a:solidFill>
-        <a:schemeClr val="lt1"/>
-      </a:solidFill>
-      <a:ln w="9525">
-        <a:solidFill>
-          <a:schemeClr val="tx1">
-            <a:lumMod val="15000"/>
-            <a:lumOff val="85000"/>
-          </a:schemeClr>
-        </a:solidFill>
-      </a:ln>
-    </cs:spPr>
-  </cs:upBar>
-  <cs:valueAxis>
-    <cs:lnRef idx="0"/>
-    <cs:fillRef idx="0"/>
-    <cs:effectRef idx="0"/>
-    <cs:fontRef idx="minor">
-      <a:schemeClr val="tx1">
-        <a:lumMod val="65000"/>
-        <a:lumOff val="35000"/>
-      </a:schemeClr>
-    </cs:fontRef>
-    <cs:defRPr sz="900" kern="1200"/>
-  </cs:valueAxis>
-  <cs:wall>
-    <cs:lnRef idx="0"/>
-    <cs:fillRef idx="0"/>
-    <cs:effectRef idx="0"/>
-    <cs:fontRef idx="minor">
-      <a:schemeClr val="tx1"/>
-    </cs:fontRef>
-    <cs:spPr>
-      <a:noFill/>
-      <a:ln>
-        <a:noFill/>
-      </a:ln>
-    </cs:spPr>
-  </cs:wall>
-</cs:chartStyle>
-</file>
-
-<file path=ppt/charts/style6.xml><?xml version="1.0" encoding="utf-8"?>
-<cs:chartStyle xmlns:cs="http://schemas.microsoft.com/office/drawing/2012/chartStyle" xmlns:a="http://schemas.openxmlformats.org/drawingml/2006/main" id="227">
-  <cs:axisTitle>
-    <cs:lnRef idx="0"/>
-    <cs:fillRef idx="0"/>
-    <cs:effectRef idx="0"/>
-    <cs:fontRef idx="minor">
-      <a:schemeClr val="tx1">
-        <a:lumMod val="65000"/>
-        <a:lumOff val="35000"/>
-      </a:schemeClr>
-    </cs:fontRef>
-    <cs:defRPr sz="1000" kern="1200"/>
-  </cs:axisTitle>
-  <cs:categoryAxis>
-    <cs:lnRef idx="0"/>
-    <cs:fillRef idx="0"/>
-    <cs:effectRef idx="0"/>
-    <cs:fontRef idx="minor">
-      <a:schemeClr val="tx1">
-        <a:lumMod val="65000"/>
-        <a:lumOff val="35000"/>
-      </a:schemeClr>
-    </cs:fontRef>
-    <cs:spPr>
-      <a:ln w="9525" cap="flat" cmpd="sng" algn="ctr">
-        <a:solidFill>
-          <a:schemeClr val="tx1">
-            <a:lumMod val="15000"/>
-            <a:lumOff val="85000"/>
-          </a:schemeClr>
-        </a:solidFill>
-        <a:round/>
-      </a:ln>
-    </cs:spPr>
-    <cs:defRPr sz="900" kern="1200"/>
-  </cs:categoryAxis>
-  <cs:chartArea mods="allowNoFillOverride allowNoLineOverride">
-    <cs:lnRef idx="0"/>
-    <cs:fillRef idx="0"/>
-    <cs:effectRef idx="0"/>
-    <cs:fontRef idx="minor">
-      <a:schemeClr val="tx1"/>
-    </cs:fontRef>
-    <cs:spPr>
-      <a:solidFill>
-        <a:schemeClr val="bg1"/>
-      </a:solidFill>
-      <a:ln w="9525" cap="flat" cmpd="sng" algn="ctr">
-        <a:solidFill>
-          <a:schemeClr val="tx1">
-            <a:lumMod val="15000"/>
-            <a:lumOff val="85000"/>
-          </a:schemeClr>
-        </a:solidFill>
-        <a:round/>
-      </a:ln>
-    </cs:spPr>
-    <cs:defRPr sz="1000" kern="1200"/>
-  </cs:chartArea>
-  <cs:dataLabel>
-    <cs:lnRef idx="0"/>
-    <cs:fillRef idx="0"/>
-    <cs:effectRef idx="0"/>
-    <cs:fontRef idx="minor">
-      <a:schemeClr val="tx1">
-        <a:lumMod val="75000"/>
-        <a:lumOff val="25000"/>
-      </a:schemeClr>
-    </cs:fontRef>
-    <cs:defRPr sz="900" kern="1200"/>
-  </cs:dataLabel>
-  <cs:dataLabelCallout>
-    <cs:lnRef idx="0"/>
-    <cs:fillRef idx="0"/>
-    <cs:effectRef idx="0"/>
-    <cs:fontRef idx="minor">
-      <a:schemeClr val="dk1">
-        <a:lumMod val="65000"/>
-        <a:lumOff val="35000"/>
-      </a:schemeClr>
-    </cs:fontRef>
-    <cs:spPr>
-      <a:solidFill>
-        <a:schemeClr val="lt1"/>
-      </a:solidFill>
-      <a:ln>
-        <a:solidFill>
-          <a:schemeClr val="dk1">
-            <a:lumMod val="25000"/>
-            <a:lumOff val="75000"/>
-          </a:schemeClr>
-        </a:solidFill>
-      </a:ln>
-    </cs:spPr>
-    <cs:defRPr sz="900" kern="1200"/>
-    <cs:bodyPr rot="0" spcFirstLastPara="1" vertOverflow="clip" horzOverflow="clip" vert="horz" wrap="square" lIns="36576" tIns="18288" rIns="36576" bIns="18288" anchor="ctr" anchorCtr="1">
-      <a:spAutoFit/>
-    </cs:bodyPr>
-  </cs:dataLabelCallout>
-  <cs:dataPoint>
-    <cs:lnRef idx="0"/>
-    <cs:fillRef idx="1">
-      <cs:styleClr val="auto"/>
-    </cs:fillRef>
-    <cs:effectRef idx="0"/>
-    <cs:fontRef idx="minor">
-      <a:schemeClr val="tx1"/>
-    </cs:fontRef>
-    <cs:spPr>
-      <a:solidFill>
-        <a:schemeClr val="phClr"/>
-      </a:solidFill>
-    </cs:spPr>
-  </cs:dataPoint>
-  <cs:dataPoint3D>
-    <cs:lnRef idx="0"/>
-    <cs:fillRef idx="1">
-      <cs:styleClr val="auto"/>
-    </cs:fillRef>
-    <cs:effectRef idx="0"/>
-    <cs:fontRef idx="minor">
-      <a:schemeClr val="tx1"/>
-    </cs:fontRef>
-    <cs:spPr>
-      <a:solidFill>
-        <a:schemeClr val="phClr"/>
-      </a:solidFill>
-    </cs:spPr>
-  </cs:dataPoint3D>
-  <cs:dataPointLine>
-    <cs:lnRef idx="0">
-      <cs:styleClr val="auto"/>
-    </cs:lnRef>
-    <cs:fillRef idx="1"/>
-    <cs:effectRef idx="0"/>
-    <cs:fontRef idx="minor">
-      <a:schemeClr val="tx1"/>
-    </cs:fontRef>
-    <cs:spPr>
-      <a:ln w="28575" cap="rnd">
-        <a:solidFill>
-          <a:schemeClr val="phClr"/>
-        </a:solidFill>
-        <a:round/>
-      </a:ln>
-    </cs:spPr>
-  </cs:dataPointLine>
-  <cs:dataPointMarker>
-    <cs:lnRef idx="0">
-      <cs:styleClr val="auto"/>
-    </cs:lnRef>
-    <cs:fillRef idx="1">
-      <cs:styleClr val="auto"/>
-    </cs:fillRef>
-    <cs:effectRef idx="0"/>
-    <cs:fontRef idx="minor">
-      <a:schemeClr val="tx1"/>
-    </cs:fontRef>
-    <cs:spPr>
-      <a:solidFill>
-        <a:schemeClr val="phClr"/>
-      </a:solidFill>
-      <a:ln w="9525">
-        <a:solidFill>
-          <a:schemeClr val="phClr"/>
-        </a:solidFill>
-      </a:ln>
-    </cs:spPr>
-  </cs:dataPointMarker>
-  <cs:dataPointMarkerLayout symbol="circle" size="5"/>
-  <cs:dataPointWireframe>
-    <cs:lnRef idx="0">
-      <cs:styleClr val="auto"/>
-    </cs:lnRef>
-    <cs:fillRef idx="1"/>
-    <cs:effectRef idx="0"/>
-    <cs:fontRef idx="minor">
-      <a:schemeClr val="tx1"/>
-    </cs:fontRef>
-    <cs:spPr>
-      <a:ln w="9525" cap="rnd">
-        <a:solidFill>
-          <a:schemeClr val="phClr"/>
-        </a:solidFill>
-        <a:round/>
-      </a:ln>
-    </cs:spPr>
-  </cs:dataPointWireframe>
-  <cs:dataTable>
-    <cs:lnRef idx="0"/>
-    <cs:fillRef idx="0"/>
-    <cs:effectRef idx="0"/>
-    <cs:fontRef idx="minor">
-      <a:schemeClr val="tx1">
-        <a:lumMod val="65000"/>
-        <a:lumOff val="35000"/>
-      </a:schemeClr>
-    </cs:fontRef>
-    <cs:spPr>
-      <a:noFill/>
-      <a:ln w="9525" cap="flat" cmpd="sng" algn="ctr">
-        <a:solidFill>
-          <a:schemeClr val="tx1">
-            <a:lumMod val="15000"/>
-            <a:lumOff val="85000"/>
-          </a:schemeClr>
-        </a:solidFill>
-        <a:round/>
-      </a:ln>
-    </cs:spPr>
-    <cs:defRPr sz="900" kern="1200"/>
-  </cs:dataTable>
-  <cs:downBar>
-    <cs:lnRef idx="0"/>
-    <cs:fillRef idx="0"/>
-    <cs:effectRef idx="0"/>
-    <cs:fontRef idx="minor">
-      <a:schemeClr val="dk1"/>
-    </cs:fontRef>
-    <cs:spPr>
-      <a:solidFill>
-        <a:schemeClr val="dk1">
-          <a:lumMod val="65000"/>
-          <a:lumOff val="35000"/>
-        </a:schemeClr>
-      </a:solidFill>
-      <a:ln w="9525">
-        <a:solidFill>
-          <a:schemeClr val="tx1">
-            <a:lumMod val="65000"/>
-            <a:lumOff val="35000"/>
-          </a:schemeClr>
-        </a:solidFill>
-      </a:ln>
-    </cs:spPr>
-  </cs:downBar>
-  <cs:dropLine>
-    <cs:lnRef idx="0"/>
-    <cs:fillRef idx="0"/>
-    <cs:effectRef idx="0"/>
-    <cs:fontRef idx="minor">
-      <a:schemeClr val="tx1"/>
-    </cs:fontRef>
-    <cs:spPr>
-      <a:ln w="9525" cap="flat" cmpd="sng" algn="ctr">
-        <a:solidFill>
-          <a:schemeClr val="tx1">
-            <a:lumMod val="35000"/>
-            <a:lumOff val="65000"/>
-          </a:schemeClr>
-        </a:solidFill>
-        <a:round/>
-      </a:ln>
-    </cs:spPr>
-  </cs:dropLine>
-  <cs:errorBar>
-    <cs:lnRef idx="0"/>
-    <cs:fillRef idx="0"/>
-    <cs:effectRef idx="0"/>
-    <cs:fontRef idx="minor">
-      <a:schemeClr val="tx1"/>
-    </cs:fontRef>
-    <cs:spPr>
-      <a:ln w="9525" cap="flat" cmpd="sng" algn="ctr">
-        <a:solidFill>
-          <a:schemeClr val="tx1">
-            <a:lumMod val="65000"/>
-            <a:lumOff val="35000"/>
-          </a:schemeClr>
-        </a:solidFill>
-        <a:round/>
-      </a:ln>
-    </cs:spPr>
-  </cs:errorBar>
-  <cs:floor>
-    <cs:lnRef idx="0"/>
-    <cs:fillRef idx="0"/>
-    <cs:effectRef idx="0"/>
-    <cs:fontRef idx="minor">
-      <a:schemeClr val="tx1"/>
-    </cs:fontRef>
-    <cs:spPr>
-      <a:noFill/>
-      <a:ln>
-        <a:noFill/>
-      </a:ln>
-    </cs:spPr>
-  </cs:floor>
-  <cs:gridlineMajor>
-    <cs:lnRef idx="0"/>
-    <cs:fillRef idx="0"/>
-    <cs:effectRef idx="0"/>
-    <cs:fontRef idx="minor">
-      <a:schemeClr val="tx1"/>
-    </cs:fontRef>
-    <cs:spPr>
-      <a:ln w="9525" cap="flat" cmpd="sng" algn="ctr">
-        <a:solidFill>
-          <a:schemeClr val="tx1">
-            <a:lumMod val="15000"/>
-            <a:lumOff val="85000"/>
-          </a:schemeClr>
-        </a:solidFill>
-        <a:round/>
-      </a:ln>
-    </cs:spPr>
-  </cs:gridlineMajor>
-  <cs:gridlineMinor>
-    <cs:lnRef idx="0"/>
-    <cs:fillRef idx="0"/>
-    <cs:effectRef idx="0"/>
-    <cs:fontRef idx="minor">
-      <a:schemeClr val="tx1"/>
-    </cs:fontRef>
-    <cs:spPr>
-      <a:ln w="9525" cap="flat" cmpd="sng" algn="ctr">
-        <a:solidFill>
-          <a:schemeClr val="tx1">
-            <a:lumMod val="5000"/>
-            <a:lumOff val="95000"/>
-          </a:schemeClr>
-        </a:solidFill>
-        <a:round/>
-      </a:ln>
-    </cs:spPr>
-  </cs:gridlineMinor>
-  <cs:hiLoLine>
-    <cs:lnRef idx="0"/>
-    <cs:fillRef idx="0"/>
-    <cs:effectRef idx="0"/>
-    <cs:fontRef idx="minor">
-      <a:schemeClr val="tx1"/>
-    </cs:fontRef>
-    <cs:spPr>
-      <a:ln w="9525" cap="flat" cmpd="sng" algn="ctr">
-        <a:solidFill>
-          <a:schemeClr val="tx1">
-            <a:lumMod val="75000"/>
-            <a:lumOff val="25000"/>
-          </a:schemeClr>
-        </a:solidFill>
-        <a:round/>
-      </a:ln>
-    </cs:spPr>
-  </cs:hiLoLine>
-  <cs:leaderLine>
-    <cs:lnRef idx="0"/>
-    <cs:fillRef idx="0"/>
-    <cs:effectRef idx="0"/>
-    <cs:fontRef idx="minor">
-      <a:schemeClr val="tx1"/>
-    </cs:fontRef>
-    <cs:spPr>
-      <a:ln w="9525" cap="flat" cmpd="sng" algn="ctr">
-        <a:solidFill>
-          <a:schemeClr val="tx1">
-            <a:lumMod val="35000"/>
-            <a:lumOff val="65000"/>
-          </a:schemeClr>
-        </a:solidFill>
-        <a:round/>
-      </a:ln>
-    </cs:spPr>
-  </cs:leaderLine>
-  <cs:legend>
-    <cs:lnRef idx="0"/>
-    <cs:fillRef idx="0"/>
-    <cs:effectRef idx="0"/>
-    <cs:fontRef idx="minor">
-      <a:schemeClr val="tx1">
-        <a:lumMod val="65000"/>
-        <a:lumOff val="35000"/>
-      </a:schemeClr>
-    </cs:fontRef>
-    <cs:defRPr sz="900" kern="1200"/>
-  </cs:legend>
-  <cs:plotArea mods="allowNoFillOverride allowNoLineOverride">
-    <cs:lnRef idx="0"/>
-    <cs:fillRef idx="0"/>
-    <cs:effectRef idx="0"/>
-    <cs:fontRef idx="minor">
-      <a:schemeClr val="tx1"/>
-    </cs:fontRef>
-  </cs:plotArea>
-  <cs:plotArea3D mods="allowNoFillOverride allowNoLineOverride">
-    <cs:lnRef idx="0"/>
-    <cs:fillRef idx="0"/>
-    <cs:effectRef idx="0"/>
-    <cs:fontRef idx="minor">
-      <a:schemeClr val="tx1"/>
-    </cs:fontRef>
-  </cs:plotArea3D>
-  <cs:seriesAxis>
-    <cs:lnRef idx="0"/>
-    <cs:fillRef idx="0"/>
-    <cs:effectRef idx="0"/>
-    <cs:fontRef idx="minor">
-      <a:schemeClr val="tx1">
-        <a:lumMod val="65000"/>
-        <a:lumOff val="35000"/>
-      </a:schemeClr>
-    </cs:fontRef>
-    <cs:defRPr sz="900" kern="1200"/>
-  </cs:seriesAxis>
-  <cs:seriesLine>
-    <cs:lnRef idx="0"/>
-    <cs:fillRef idx="0"/>
-    <cs:effectRef idx="0"/>
-    <cs:fontRef idx="minor">
-      <a:schemeClr val="tx1"/>
-    </cs:fontRef>
-    <cs:spPr>
-      <a:ln w="9525" cap="flat" cmpd="sng" algn="ctr">
-        <a:solidFill>
-          <a:schemeClr val="tx1">
-            <a:lumMod val="35000"/>
-            <a:lumOff val="65000"/>
-          </a:schemeClr>
-        </a:solidFill>
-        <a:round/>
-      </a:ln>
-    </cs:spPr>
-  </cs:seriesLine>
-  <cs:title>
-    <cs:lnRef idx="0"/>
-    <cs:fillRef idx="0"/>
-    <cs:effectRef idx="0"/>
-    <cs:fontRef idx="minor">
-      <a:schemeClr val="tx1">
-        <a:lumMod val="65000"/>
-        <a:lumOff val="35000"/>
-      </a:schemeClr>
-    </cs:fontRef>
-    <cs:defRPr sz="1400" b="0" kern="1200" spc="0" baseline="0"/>
-  </cs:title>
-  <cs:trendline>
-    <cs:lnRef idx="0">
-      <cs:styleClr val="auto"/>
-    </cs:lnRef>
-    <cs:fillRef idx="0"/>
-    <cs:effectRef idx="0"/>
-    <cs:fontRef idx="minor">
-      <a:schemeClr val="tx1"/>
-    </cs:fontRef>
-    <cs:spPr>
-      <a:ln w="19050" cap="rnd">
-        <a:solidFill>
-          <a:schemeClr val="phClr"/>
-        </a:solidFill>
-        <a:prstDash val="sysDot"/>
-      </a:ln>
-    </cs:spPr>
-  </cs:trendline>
-  <cs:trendlineLabel>
-    <cs:lnRef idx="0"/>
-    <cs:fillRef idx="0"/>
-    <cs:effectRef idx="0"/>
-    <cs:fontRef idx="minor">
-      <a:schemeClr val="tx1">
-        <a:lumMod val="65000"/>
-        <a:lumOff val="35000"/>
-      </a:schemeClr>
-    </cs:fontRef>
-    <cs:defRPr sz="900" kern="1200"/>
-  </cs:trendlineLabel>
-  <cs:upBar>
-    <cs:lnRef idx="0"/>
-    <cs:fillRef idx="0"/>
-    <cs:effectRef idx="0"/>
-    <cs:fontRef idx="minor">
-      <a:schemeClr val="dk1"/>
-    </cs:fontRef>
-    <cs:spPr>
-      <a:solidFill>
-        <a:schemeClr val="lt1"/>
-      </a:solidFill>
-      <a:ln w="9525">
-        <a:solidFill>
-          <a:schemeClr val="tx1">
-            <a:lumMod val="15000"/>
-            <a:lumOff val="85000"/>
-          </a:schemeClr>
-        </a:solidFill>
-      </a:ln>
-    </cs:spPr>
-  </cs:upBar>
-  <cs:valueAxis>
-    <cs:lnRef idx="0"/>
-    <cs:fillRef idx="0"/>
-    <cs:effectRef idx="0"/>
-    <cs:fontRef idx="minor">
-      <a:schemeClr val="tx1">
-        <a:lumMod val="65000"/>
-        <a:lumOff val="35000"/>
-      </a:schemeClr>
-    </cs:fontRef>
-    <cs:defRPr sz="900" kern="1200"/>
-  </cs:valueAxis>
-  <cs:wall>
-    <cs:lnRef idx="0"/>
-    <cs:fillRef idx="0"/>
-    <cs:effectRef idx="0"/>
-    <cs:fontRef idx="minor">
-      <a:schemeClr val="tx1"/>
-    </cs:fontRef>
-    <cs:spPr>
-      <a:noFill/>
-      <a:ln>
-        <a:noFill/>
-      </a:ln>
-    </cs:spPr>
-  </cs:wall>
-</cs:chartStyle>
-</file>
-
-<file path=ppt/charts/style7.xml><?xml version="1.0" encoding="utf-8"?>
 <cs:chartStyle xmlns:cs="http://schemas.microsoft.com/office/drawing/2012/chartStyle" xmlns:a="http://schemas.openxmlformats.org/drawingml/2006/main" id="240">
   <cs:axisTitle>
     <cs:lnRef idx="0"/>
@@ -8642,7 +1238,7 @@
           <a:p>
             <a:fld id="{EFFD68E4-2A8C-1A4C-9B75-46B16ED00C58}" type="datetimeFigureOut">
               <a:rPr lang="en-US" smtClean="0"/>
-              <a:t>10/17/2017</a:t>
+              <a:t>10/17/17</a:t>
             </a:fld>
             <a:endParaRPr lang="en-US"/>
           </a:p>
@@ -8974,7 +1570,7 @@
           <a:p>
             <a:fld id="{E7CF0A7C-AE6E-614B-B62E-5AD94D73F6A0}" type="slidenum">
               <a:rPr lang="en-US" smtClean="0"/>
-              <a:t>26</a:t>
+              <a:t>27</a:t>
             </a:fld>
             <a:endParaRPr lang="en-US"/>
           </a:p>
@@ -10205,7 +2801,7 @@
             <a:fld id="{87DE6118-2437-4B30-8E3C-4D2BE6020583}" type="datetimeFigureOut">
               <a:rPr lang="en-US" smtClean="0"/>
               <a:pPr/>
-              <a:t>10/17/2017</a:t>
+              <a:t>10/17/17</a:t>
             </a:fld>
             <a:endParaRPr lang="en-US" dirty="0"/>
           </a:p>
@@ -10444,7 +3040,7 @@
           <a:p>
             <a:fld id="{87DE6118-2437-4B30-8E3C-4D2BE6020583}" type="datetimeFigureOut">
               <a:rPr lang="en-US" smtClean="0"/>
-              <a:t>10/17/2017</a:t>
+              <a:t>10/17/17</a:t>
             </a:fld>
             <a:endParaRPr lang="en-US" dirty="0"/>
           </a:p>
@@ -10624,7 +3220,7 @@
           <a:p>
             <a:fld id="{87DE6118-2437-4B30-8E3C-4D2BE6020583}" type="datetimeFigureOut">
               <a:rPr lang="en-US" smtClean="0"/>
-              <a:t>10/17/2017</a:t>
+              <a:t>10/17/17</a:t>
             </a:fld>
             <a:endParaRPr lang="en-US" dirty="0"/>
           </a:p>
@@ -10794,7 +3390,7 @@
           <a:p>
             <a:fld id="{87DE6118-2437-4B30-8E3C-4D2BE6020583}" type="datetimeFigureOut">
               <a:rPr lang="en-US" smtClean="0"/>
-              <a:t>10/17/2017</a:t>
+              <a:t>10/17/17</a:t>
             </a:fld>
             <a:endParaRPr lang="en-US" dirty="0"/>
           </a:p>
@@ -11071,7 +3667,7 @@
             <a:fld id="{87DE6118-2437-4B30-8E3C-4D2BE6020583}" type="datetimeFigureOut">
               <a:rPr lang="en-US" smtClean="0"/>
               <a:pPr/>
-              <a:t>10/17/2017</a:t>
+              <a:t>10/17/17</a:t>
             </a:fld>
             <a:endParaRPr lang="en-US" dirty="0"/>
           </a:p>
@@ -12273,7 +4869,7 @@
           <a:p>
             <a:fld id="{87DE6118-2437-4B30-8E3C-4D2BE6020583}" type="datetimeFigureOut">
               <a:rPr lang="en-US" smtClean="0"/>
-              <a:t>10/17/2017</a:t>
+              <a:t>10/17/17</a:t>
             </a:fld>
             <a:endParaRPr lang="en-US" dirty="0"/>
           </a:p>
@@ -12663,7 +5259,7 @@
           <a:p>
             <a:fld id="{87DE6118-2437-4B30-8E3C-4D2BE6020583}" type="datetimeFigureOut">
               <a:rPr lang="en-US" smtClean="0"/>
-              <a:t>10/17/2017</a:t>
+              <a:t>10/17/17</a:t>
             </a:fld>
             <a:endParaRPr lang="en-US" dirty="0"/>
           </a:p>
@@ -12786,7 +5382,7 @@
           <a:p>
             <a:fld id="{87DE6118-2437-4B30-8E3C-4D2BE6020583}" type="datetimeFigureOut">
               <a:rPr lang="en-US" smtClean="0"/>
-              <a:t>10/17/2017</a:t>
+              <a:t>10/17/17</a:t>
             </a:fld>
             <a:endParaRPr lang="en-US" dirty="0"/>
           </a:p>
@@ -12881,7 +5477,7 @@
           <a:p>
             <a:fld id="{87DE6118-2437-4B30-8E3C-4D2BE6020583}" type="datetimeFigureOut">
               <a:rPr lang="en-US" smtClean="0"/>
-              <a:t>10/17/2017</a:t>
+              <a:t>10/17/17</a:t>
             </a:fld>
             <a:endParaRPr lang="en-US" dirty="0"/>
           </a:p>
@@ -13645,7 +6241,7 @@
             <a:fld id="{87DE6118-2437-4B30-8E3C-4D2BE6020583}" type="datetimeFigureOut">
               <a:rPr lang="en-US" smtClean="0"/>
               <a:pPr/>
-              <a:t>10/17/2017</a:t>
+              <a:t>10/17/17</a:t>
             </a:fld>
             <a:endParaRPr lang="en-US" dirty="0"/>
           </a:p>
@@ -14487,7 +7083,7 @@
             <a:fld id="{87DE6118-2437-4B30-8E3C-4D2BE6020583}" type="datetimeFigureOut">
               <a:rPr lang="en-US" smtClean="0"/>
               <a:pPr/>
-              <a:t>10/17/2017</a:t>
+              <a:t>10/17/17</a:t>
             </a:fld>
             <a:endParaRPr lang="en-US" dirty="0"/>
           </a:p>
@@ -14716,7 +7312,7 @@
             <a:fld id="{87DE6118-2437-4B30-8E3C-4D2BE6020583}" type="datetimeFigureOut">
               <a:rPr lang="en-US" smtClean="0"/>
               <a:pPr/>
-              <a:t>10/17/2017</a:t>
+              <a:t>10/17/17</a:t>
             </a:fld>
             <a:endParaRPr lang="en-US" dirty="0"/>
           </a:p>
@@ -16062,21 +8658,21 @@
                 <a:gridCol w="2227006">
                   <a:extLst>
                     <a:ext uri="{9D8B030D-6E8A-4147-A177-3AD203B41FA5}">
-                      <a16:colId xmlns:a16="http://schemas.microsoft.com/office/drawing/2014/main" val="20000"/>
+                      <a16:colId xmlns:a16="http://schemas.microsoft.com/office/drawing/2014/main" xmlns="" val="20000"/>
                     </a:ext>
                   </a:extLst>
                 </a:gridCol>
                 <a:gridCol w="2227006">
                   <a:extLst>
                     <a:ext uri="{9D8B030D-6E8A-4147-A177-3AD203B41FA5}">
-                      <a16:colId xmlns:a16="http://schemas.microsoft.com/office/drawing/2014/main" val="20001"/>
+                      <a16:colId xmlns:a16="http://schemas.microsoft.com/office/drawing/2014/main" xmlns="" val="20001"/>
                     </a:ext>
                   </a:extLst>
                 </a:gridCol>
                 <a:gridCol w="2227006">
                   <a:extLst>
                     <a:ext uri="{9D8B030D-6E8A-4147-A177-3AD203B41FA5}">
-                      <a16:colId xmlns:a16="http://schemas.microsoft.com/office/drawing/2014/main" val="20002"/>
+                      <a16:colId xmlns:a16="http://schemas.microsoft.com/office/drawing/2014/main" xmlns="" val="20002"/>
                     </a:ext>
                   </a:extLst>
                 </a:gridCol>
@@ -16162,7 +8758,7 @@
                 </a:tc>
                 <a:extLst>
                   <a:ext uri="{0D108BD9-81ED-4DB2-BD59-A6C34878D82A}">
-                    <a16:rowId xmlns:a16="http://schemas.microsoft.com/office/drawing/2014/main" val="10000"/>
+                    <a16:rowId xmlns:a16="http://schemas.microsoft.com/office/drawing/2014/main" xmlns="" val="10000"/>
                   </a:ext>
                 </a:extLst>
               </a:tr>
@@ -16238,7 +8834,7 @@
                 </a:tc>
                 <a:extLst>
                   <a:ext uri="{0D108BD9-81ED-4DB2-BD59-A6C34878D82A}">
-                    <a16:rowId xmlns:a16="http://schemas.microsoft.com/office/drawing/2014/main" val="10001"/>
+                    <a16:rowId xmlns:a16="http://schemas.microsoft.com/office/drawing/2014/main" xmlns="" val="10001"/>
                   </a:ext>
                 </a:extLst>
               </a:tr>
@@ -16314,7 +8910,7 @@
                 </a:tc>
                 <a:extLst>
                   <a:ext uri="{0D108BD9-81ED-4DB2-BD59-A6C34878D82A}">
-                    <a16:rowId xmlns:a16="http://schemas.microsoft.com/office/drawing/2014/main" val="10002"/>
+                    <a16:rowId xmlns:a16="http://schemas.microsoft.com/office/drawing/2014/main" xmlns="" val="10002"/>
                   </a:ext>
                 </a:extLst>
               </a:tr>
@@ -16390,7 +8986,7 @@
                 </a:tc>
                 <a:extLst>
                   <a:ext uri="{0D108BD9-81ED-4DB2-BD59-A6C34878D82A}">
-                    <a16:rowId xmlns:a16="http://schemas.microsoft.com/office/drawing/2014/main" val="10003"/>
+                    <a16:rowId xmlns:a16="http://schemas.microsoft.com/office/drawing/2014/main" xmlns="" val="10003"/>
                   </a:ext>
                 </a:extLst>
               </a:tr>
@@ -16466,7 +9062,7 @@
                 </a:tc>
                 <a:extLst>
                   <a:ext uri="{0D108BD9-81ED-4DB2-BD59-A6C34878D82A}">
-                    <a16:rowId xmlns:a16="http://schemas.microsoft.com/office/drawing/2014/main" val="10004"/>
+                    <a16:rowId xmlns:a16="http://schemas.microsoft.com/office/drawing/2014/main" xmlns="" val="10004"/>
                   </a:ext>
                 </a:extLst>
               </a:tr>
@@ -16542,7 +9138,7 @@
                 </a:tc>
                 <a:extLst>
                   <a:ext uri="{0D108BD9-81ED-4DB2-BD59-A6C34878D82A}">
-                    <a16:rowId xmlns:a16="http://schemas.microsoft.com/office/drawing/2014/main" val="10005"/>
+                    <a16:rowId xmlns:a16="http://schemas.microsoft.com/office/drawing/2014/main" xmlns="" val="10005"/>
                   </a:ext>
                 </a:extLst>
               </a:tr>
@@ -16618,7 +9214,7 @@
                 </a:tc>
                 <a:extLst>
                   <a:ext uri="{0D108BD9-81ED-4DB2-BD59-A6C34878D82A}">
-                    <a16:rowId xmlns:a16="http://schemas.microsoft.com/office/drawing/2014/main" val="10006"/>
+                    <a16:rowId xmlns:a16="http://schemas.microsoft.com/office/drawing/2014/main" xmlns="" val="10006"/>
                   </a:ext>
                 </a:extLst>
               </a:tr>
@@ -16694,7 +9290,7 @@
                 </a:tc>
                 <a:extLst>
                   <a:ext uri="{0D108BD9-81ED-4DB2-BD59-A6C34878D82A}">
-                    <a16:rowId xmlns:a16="http://schemas.microsoft.com/office/drawing/2014/main" val="10007"/>
+                    <a16:rowId xmlns:a16="http://schemas.microsoft.com/office/drawing/2014/main" xmlns="" val="10007"/>
                   </a:ext>
                 </a:extLst>
               </a:tr>
@@ -16770,7 +9366,7 @@
                 </a:tc>
                 <a:extLst>
                   <a:ext uri="{0D108BD9-81ED-4DB2-BD59-A6C34878D82A}">
-                    <a16:rowId xmlns:a16="http://schemas.microsoft.com/office/drawing/2014/main" val="10008"/>
+                    <a16:rowId xmlns:a16="http://schemas.microsoft.com/office/drawing/2014/main" xmlns="" val="10008"/>
                   </a:ext>
                 </a:extLst>
               </a:tr>
@@ -16846,7 +9442,7 @@
                 </a:tc>
                 <a:extLst>
                   <a:ext uri="{0D108BD9-81ED-4DB2-BD59-A6C34878D82A}">
-                    <a16:rowId xmlns:a16="http://schemas.microsoft.com/office/drawing/2014/main" val="10009"/>
+                    <a16:rowId xmlns:a16="http://schemas.microsoft.com/office/drawing/2014/main" xmlns="" val="10009"/>
                   </a:ext>
                 </a:extLst>
               </a:tr>
@@ -16922,7 +9518,7 @@
                 </a:tc>
                 <a:extLst>
                   <a:ext uri="{0D108BD9-81ED-4DB2-BD59-A6C34878D82A}">
-                    <a16:rowId xmlns:a16="http://schemas.microsoft.com/office/drawing/2014/main" val="10010"/>
+                    <a16:rowId xmlns:a16="http://schemas.microsoft.com/office/drawing/2014/main" xmlns="" val="10010"/>
                   </a:ext>
                 </a:extLst>
               </a:tr>
@@ -16990,7 +9586,7 @@
                 </a:tc>
                 <a:extLst>
                   <a:ext uri="{0D108BD9-81ED-4DB2-BD59-A6C34878D82A}">
-                    <a16:rowId xmlns:a16="http://schemas.microsoft.com/office/drawing/2014/main" val="10011"/>
+                    <a16:rowId xmlns:a16="http://schemas.microsoft.com/office/drawing/2014/main" xmlns="" val="10011"/>
                   </a:ext>
                 </a:extLst>
               </a:tr>
@@ -17312,31 +9908,35 @@
           <a:chExt cx="0" cy="0"/>
         </a:xfrm>
       </p:grpSpPr>
-      <p:graphicFrame>
-        <p:nvGraphicFramePr>
-          <p:cNvPr id="4" name="Content Placeholder 3"/>
-          <p:cNvGraphicFramePr>
-            <a:graphicFrameLocks noGrp="1"/>
-          </p:cNvGraphicFramePr>
+      <p:pic>
+        <p:nvPicPr>
+          <p:cNvPr id="3" name="Content Placeholder 2"/>
+          <p:cNvPicPr>
+            <a:picLocks noGrp="1" noChangeAspect="1"/>
+          </p:cNvPicPr>
           <p:nvPr>
             <p:ph idx="1"/>
-            <p:extLst>
-              <p:ext uri="{D42A27DB-BD31-4B8C-83A1-F6EECF244321}">
-                <p14:modId xmlns:p14="http://schemas.microsoft.com/office/powerpoint/2010/main" val="1328225029"/>
-              </p:ext>
-            </p:extLst>
           </p:nvPr>
-        </p:nvGraphicFramePr>
-        <p:xfrm>
-          <a:off x="1150374" y="530942"/>
-          <a:ext cx="10545097" cy="5778911"/>
-        </p:xfrm>
-        <a:graphic>
-          <a:graphicData uri="http://schemas.openxmlformats.org/drawingml/2006/chart">
-            <c:chart xmlns:c="http://schemas.openxmlformats.org/drawingml/2006/chart" xmlns:r="http://schemas.openxmlformats.org/officeDocument/2006/relationships" r:id="rId2"/>
-          </a:graphicData>
-        </a:graphic>
-      </p:graphicFrame>
+        </p:nvPicPr>
+        <p:blipFill>
+          <a:blip r:embed="rId2">
+            <a:extLst>
+              <a:ext uri="{28A0092B-C50C-407E-A947-70E740481C1C}">
+                <a14:useLocalDpi xmlns:a14="http://schemas.microsoft.com/office/drawing/2010/main" val="0"/>
+              </a:ext>
+            </a:extLst>
+          </a:blip>
+          <a:stretch>
+            <a:fillRect/>
+          </a:stretch>
+        </p:blipFill>
+        <p:spPr>
+          <a:xfrm>
+            <a:off x="1426958" y="1105787"/>
+            <a:ext cx="9942701" cy="5029495"/>
+          </a:xfrm>
+        </p:spPr>
+      </p:pic>
     </p:spTree>
     <p:extLst>
       <p:ext uri="{BB962C8B-B14F-4D97-AF65-F5344CB8AC3E}">
@@ -17367,31 +9967,35 @@
           <a:chExt cx="0" cy="0"/>
         </a:xfrm>
       </p:grpSpPr>
-      <p:graphicFrame>
-        <p:nvGraphicFramePr>
-          <p:cNvPr id="4" name="Content Placeholder 3"/>
-          <p:cNvGraphicFramePr>
-            <a:graphicFrameLocks noGrp="1"/>
-          </p:cNvGraphicFramePr>
+      <p:pic>
+        <p:nvPicPr>
+          <p:cNvPr id="3" name="Content Placeholder 2"/>
+          <p:cNvPicPr>
+            <a:picLocks noGrp="1" noChangeAspect="1"/>
+          </p:cNvPicPr>
           <p:nvPr>
             <p:ph idx="1"/>
-            <p:extLst>
-              <p:ext uri="{D42A27DB-BD31-4B8C-83A1-F6EECF244321}">
-                <p14:modId xmlns:p14="http://schemas.microsoft.com/office/powerpoint/2010/main" val="1484770900"/>
-              </p:ext>
-            </p:extLst>
           </p:nvPr>
-        </p:nvGraphicFramePr>
-        <p:xfrm>
-          <a:off x="1386347" y="781664"/>
-          <a:ext cx="10102645" cy="5619136"/>
-        </p:xfrm>
-        <a:graphic>
-          <a:graphicData uri="http://schemas.openxmlformats.org/drawingml/2006/chart">
-            <c:chart xmlns:c="http://schemas.openxmlformats.org/drawingml/2006/chart" xmlns:r="http://schemas.openxmlformats.org/officeDocument/2006/relationships" r:id="rId2"/>
-          </a:graphicData>
-        </a:graphic>
-      </p:graphicFrame>
+        </p:nvPicPr>
+        <p:blipFill>
+          <a:blip r:embed="rId2">
+            <a:extLst>
+              <a:ext uri="{28A0092B-C50C-407E-A947-70E740481C1C}">
+                <a14:useLocalDpi xmlns:a14="http://schemas.microsoft.com/office/drawing/2010/main" val="0"/>
+              </a:ext>
+            </a:extLst>
+          </a:blip>
+          <a:stretch>
+            <a:fillRect/>
+          </a:stretch>
+        </p:blipFill>
+        <p:spPr>
+          <a:xfrm>
+            <a:off x="1248717" y="1148317"/>
+            <a:ext cx="10283659" cy="4604193"/>
+          </a:xfrm>
+        </p:spPr>
+      </p:pic>
     </p:spTree>
     <p:extLst>
       <p:ext uri="{BB962C8B-B14F-4D97-AF65-F5344CB8AC3E}">
@@ -17422,31 +10026,35 @@
           <a:chExt cx="0" cy="0"/>
         </a:xfrm>
       </p:grpSpPr>
-      <p:graphicFrame>
-        <p:nvGraphicFramePr>
-          <p:cNvPr id="4" name="Content Placeholder 3"/>
-          <p:cNvGraphicFramePr>
-            <a:graphicFrameLocks noGrp="1"/>
-          </p:cNvGraphicFramePr>
+      <p:pic>
+        <p:nvPicPr>
+          <p:cNvPr id="3" name="Content Placeholder 2"/>
+          <p:cNvPicPr>
+            <a:picLocks noGrp="1" noChangeAspect="1"/>
+          </p:cNvPicPr>
           <p:nvPr>
             <p:ph idx="1"/>
-            <p:extLst>
-              <p:ext uri="{D42A27DB-BD31-4B8C-83A1-F6EECF244321}">
-                <p14:modId xmlns:p14="http://schemas.microsoft.com/office/powerpoint/2010/main" val="963618869"/>
-              </p:ext>
-            </p:extLst>
           </p:nvPr>
-        </p:nvGraphicFramePr>
-        <p:xfrm>
-          <a:off x="1312606" y="516194"/>
-          <a:ext cx="10368117" cy="5958348"/>
-        </p:xfrm>
-        <a:graphic>
-          <a:graphicData uri="http://schemas.openxmlformats.org/drawingml/2006/chart">
-            <c:chart xmlns:c="http://schemas.openxmlformats.org/drawingml/2006/chart" xmlns:r="http://schemas.openxmlformats.org/officeDocument/2006/relationships" r:id="rId2"/>
-          </a:graphicData>
-        </a:graphic>
-      </p:graphicFrame>
+        </p:nvPicPr>
+        <p:blipFill>
+          <a:blip r:embed="rId2">
+            <a:extLst>
+              <a:ext uri="{28A0092B-C50C-407E-A947-70E740481C1C}">
+                <a14:useLocalDpi xmlns:a14="http://schemas.microsoft.com/office/drawing/2010/main" val="0"/>
+              </a:ext>
+            </a:extLst>
+          </a:blip>
+          <a:stretch>
+            <a:fillRect/>
+          </a:stretch>
+        </p:blipFill>
+        <p:spPr>
+          <a:xfrm>
+            <a:off x="1275797" y="999460"/>
+            <a:ext cx="10416288" cy="4976038"/>
+          </a:xfrm>
+        </p:spPr>
+      </p:pic>
     </p:spTree>
     <p:extLst>
       <p:ext uri="{BB962C8B-B14F-4D97-AF65-F5344CB8AC3E}">
@@ -17506,7 +10114,7 @@
       </p:sp>
       <p:pic>
         <p:nvPicPr>
-          <p:cNvPr id="4" name="Content Placeholder 3"/>
+          <p:cNvPr id="5" name="Content Placeholder 4"/>
           <p:cNvPicPr>
             <a:picLocks noGrp="1" noChangeAspect="1"/>
           </p:cNvPicPr>
@@ -17528,8 +10136,8 @@
         </p:blipFill>
         <p:spPr>
           <a:xfrm>
-            <a:off x="3944408" y="2286000"/>
-            <a:ext cx="4792133" cy="3594100"/>
+            <a:off x="2998245" y="1487443"/>
+            <a:ext cx="6347909" cy="4760932"/>
           </a:xfrm>
         </p:spPr>
       </p:pic>
@@ -17592,7 +10200,7 @@
       </p:sp>
       <p:pic>
         <p:nvPicPr>
-          <p:cNvPr id="4" name="Content Placeholder 3"/>
+          <p:cNvPr id="5" name="Content Placeholder 4"/>
           <p:cNvPicPr>
             <a:picLocks noGrp="1" noChangeAspect="1"/>
           </p:cNvPicPr>
@@ -17614,8 +10222,8 @@
         </p:blipFill>
         <p:spPr>
           <a:xfrm>
-            <a:off x="3036733" y="1133782"/>
-            <a:ext cx="6772377" cy="5079282"/>
+            <a:off x="2727183" y="1133782"/>
+            <a:ext cx="6890033" cy="5167525"/>
           </a:xfrm>
         </p:spPr>
       </p:pic>
@@ -17678,7 +10286,7 @@
       </p:sp>
       <p:pic>
         <p:nvPicPr>
-          <p:cNvPr id="4" name="Content Placeholder 3"/>
+          <p:cNvPr id="5" name="Content Placeholder 4"/>
           <p:cNvPicPr>
             <a:picLocks noGrp="1" noChangeAspect="1"/>
           </p:cNvPicPr>
@@ -17700,8 +10308,8 @@
         </p:blipFill>
         <p:spPr>
           <a:xfrm>
-            <a:off x="3944408" y="2286000"/>
-            <a:ext cx="4792133" cy="3594100"/>
+            <a:off x="2611358" y="1251770"/>
+            <a:ext cx="7092187" cy="5319141"/>
           </a:xfrm>
         </p:spPr>
       </p:pic>
@@ -17735,30 +10343,36 @@
           <a:chExt cx="0" cy="0"/>
         </a:xfrm>
       </p:grpSpPr>
-      <p:graphicFrame>
-        <p:nvGraphicFramePr>
-          <p:cNvPr id="4" name="Chart 3"/>
-          <p:cNvGraphicFramePr>
-            <a:graphicFrameLocks/>
-          </p:cNvGraphicFramePr>
-          <p:nvPr>
-            <p:extLst>
-              <p:ext uri="{D42A27DB-BD31-4B8C-83A1-F6EECF244321}">
-                <p14:modId xmlns:p14="http://schemas.microsoft.com/office/powerpoint/2010/main" val="66169775"/>
-              </p:ext>
-            </p:extLst>
-          </p:nvPr>
-        </p:nvGraphicFramePr>
-        <p:xfrm>
-          <a:off x="1150374" y="825910"/>
-          <a:ext cx="10338620" cy="5678129"/>
-        </p:xfrm>
-        <a:graphic>
-          <a:graphicData uri="http://schemas.openxmlformats.org/drawingml/2006/chart">
-            <c:chart xmlns:c="http://schemas.openxmlformats.org/drawingml/2006/chart" xmlns:r="http://schemas.openxmlformats.org/officeDocument/2006/relationships" r:id="rId2"/>
-          </a:graphicData>
-        </a:graphic>
-      </p:graphicFrame>
+      <p:pic>
+        <p:nvPicPr>
+          <p:cNvPr id="2" name="Picture 1"/>
+          <p:cNvPicPr>
+            <a:picLocks noChangeAspect="1"/>
+          </p:cNvPicPr>
+          <p:nvPr/>
+        </p:nvPicPr>
+        <p:blipFill>
+          <a:blip r:embed="rId2">
+            <a:extLst>
+              <a:ext uri="{28A0092B-C50C-407E-A947-70E740481C1C}">
+                <a14:useLocalDpi xmlns:a14="http://schemas.microsoft.com/office/drawing/2010/main" val="0"/>
+              </a:ext>
+            </a:extLst>
+          </a:blip>
+          <a:stretch>
+            <a:fillRect/>
+          </a:stretch>
+        </p:blipFill>
+        <p:spPr>
+          <a:xfrm>
+            <a:off x="1363036" y="691411"/>
+            <a:ext cx="10233690" cy="5688123"/>
+          </a:xfrm>
+          <a:prstGeom prst="rect">
+            <a:avLst/>
+          </a:prstGeom>
+        </p:spPr>
+      </p:pic>
     </p:spTree>
     <p:extLst>
       <p:ext uri="{BB962C8B-B14F-4D97-AF65-F5344CB8AC3E}">
@@ -17946,31 +10560,35 @@
           <a:chExt cx="0" cy="0"/>
         </a:xfrm>
       </p:grpSpPr>
-      <p:graphicFrame>
-        <p:nvGraphicFramePr>
-          <p:cNvPr id="4" name="Content Placeholder 3"/>
-          <p:cNvGraphicFramePr>
-            <a:graphicFrameLocks noGrp="1"/>
-          </p:cNvGraphicFramePr>
+      <p:pic>
+        <p:nvPicPr>
+          <p:cNvPr id="3" name="Content Placeholder 2"/>
+          <p:cNvPicPr>
+            <a:picLocks noGrp="1" noChangeAspect="1"/>
+          </p:cNvPicPr>
           <p:nvPr>
             <p:ph idx="1"/>
-            <p:extLst>
-              <p:ext uri="{D42A27DB-BD31-4B8C-83A1-F6EECF244321}">
-                <p14:modId xmlns:p14="http://schemas.microsoft.com/office/powerpoint/2010/main" val="277728213"/>
-              </p:ext>
-            </p:extLst>
           </p:nvPr>
-        </p:nvGraphicFramePr>
-        <p:xfrm>
-          <a:off x="1312605" y="678425"/>
-          <a:ext cx="10382866" cy="5737123"/>
-        </p:xfrm>
-        <a:graphic>
-          <a:graphicData uri="http://schemas.openxmlformats.org/drawingml/2006/chart">
-            <c:chart xmlns:c="http://schemas.openxmlformats.org/drawingml/2006/chart" xmlns:r="http://schemas.openxmlformats.org/officeDocument/2006/relationships" r:id="rId2"/>
-          </a:graphicData>
-        </a:graphic>
-      </p:graphicFrame>
+        </p:nvPicPr>
+        <p:blipFill>
+          <a:blip r:embed="rId2">
+            <a:extLst>
+              <a:ext uri="{28A0092B-C50C-407E-A947-70E740481C1C}">
+                <a14:useLocalDpi xmlns:a14="http://schemas.microsoft.com/office/drawing/2010/main" val="0"/>
+              </a:ext>
+            </a:extLst>
+          </a:blip>
+          <a:stretch>
+            <a:fillRect/>
+          </a:stretch>
+        </p:blipFill>
+        <p:spPr>
+          <a:xfrm>
+            <a:off x="1249566" y="925032"/>
+            <a:ext cx="10416169" cy="5135526"/>
+          </a:xfrm>
+        </p:spPr>
+      </p:pic>
     </p:spTree>
     <p:extLst>
       <p:ext uri="{BB962C8B-B14F-4D97-AF65-F5344CB8AC3E}">
@@ -18030,7 +10648,7 @@
       </p:sp>
       <p:pic>
         <p:nvPicPr>
-          <p:cNvPr id="4" name="Content Placeholder 3"/>
+          <p:cNvPr id="5" name="Content Placeholder 4"/>
           <p:cNvPicPr>
             <a:picLocks noGrp="1" noChangeAspect="1"/>
           </p:cNvPicPr>
@@ -18052,8 +10670,8 @@
         </p:blipFill>
         <p:spPr>
           <a:xfrm>
-            <a:off x="3944408" y="2286000"/>
-            <a:ext cx="4792133" cy="3594100"/>
+            <a:off x="2711166" y="1435395"/>
+            <a:ext cx="6922066" cy="5191550"/>
           </a:xfrm>
         </p:spPr>
       </p:pic>
@@ -18116,7 +10734,7 @@
       </p:sp>
       <p:pic>
         <p:nvPicPr>
-          <p:cNvPr id="4" name="Content Placeholder 3"/>
+          <p:cNvPr id="5" name="Content Placeholder 4"/>
           <p:cNvPicPr>
             <a:picLocks noGrp="1" noChangeAspect="1"/>
           </p:cNvPicPr>
@@ -18138,8 +10756,8 @@
         </p:blipFill>
         <p:spPr>
           <a:xfrm>
-            <a:off x="3944408" y="2286000"/>
-            <a:ext cx="4792133" cy="3594100"/>
+            <a:off x="2658003" y="1133782"/>
+            <a:ext cx="7123949" cy="5342962"/>
           </a:xfrm>
         </p:spPr>
       </p:pic>
@@ -18173,31 +10791,121 @@
           <a:chExt cx="0" cy="0"/>
         </a:xfrm>
       </p:grpSpPr>
-      <p:graphicFrame>
-        <p:nvGraphicFramePr>
+      <p:sp>
+        <p:nvSpPr>
+          <p:cNvPr id="2" name="Title 1"/>
+          <p:cNvSpPr>
+            <a:spLocks noGrp="1"/>
+          </p:cNvSpPr>
+          <p:nvPr>
+            <p:ph type="title"/>
+          </p:nvPr>
+        </p:nvSpPr>
+        <p:spPr>
+          <a:xfrm>
+            <a:off x="1371600" y="390832"/>
+            <a:ext cx="9601200" cy="1485900"/>
+          </a:xfrm>
+        </p:spPr>
+        <p:txBody>
+          <a:bodyPr/>
+          <a:lstStyle/>
+          <a:p>
+            <a:r>
+              <a:rPr lang="en-US" dirty="0"/>
+              <a:t>🐰 Dataset</a:t>
+            </a:r>
+          </a:p>
+        </p:txBody>
+      </p:sp>
+      <p:pic>
+        <p:nvPicPr>
           <p:cNvPr id="4" name="Content Placeholder 3"/>
-          <p:cNvGraphicFramePr>
-            <a:graphicFrameLocks noGrp="1"/>
-          </p:cNvGraphicFramePr>
+          <p:cNvPicPr>
+            <a:picLocks noGrp="1" noChangeAspect="1"/>
+          </p:cNvPicPr>
           <p:nvPr>
             <p:ph idx="1"/>
-            <p:extLst>
-              <p:ext uri="{D42A27DB-BD31-4B8C-83A1-F6EECF244321}">
-                <p14:modId xmlns:p14="http://schemas.microsoft.com/office/powerpoint/2010/main" val="2185889064"/>
-              </p:ext>
-            </p:extLst>
           </p:nvPr>
-        </p:nvGraphicFramePr>
-        <p:xfrm>
-          <a:off x="1327355" y="914400"/>
-          <a:ext cx="9969910" cy="5412658"/>
-        </p:xfrm>
-        <a:graphic>
-          <a:graphicData uri="http://schemas.openxmlformats.org/drawingml/2006/chart">
-            <c:chart xmlns:c="http://schemas.openxmlformats.org/drawingml/2006/chart" xmlns:r="http://schemas.openxmlformats.org/officeDocument/2006/relationships" r:id="rId2"/>
-          </a:graphicData>
-        </a:graphic>
-      </p:graphicFrame>
+        </p:nvPicPr>
+        <p:blipFill>
+          <a:blip r:embed="rId2">
+            <a:extLst>
+              <a:ext uri="{28A0092B-C50C-407E-A947-70E740481C1C}">
+                <a14:useLocalDpi xmlns:a14="http://schemas.microsoft.com/office/drawing/2010/main" val="0"/>
+              </a:ext>
+            </a:extLst>
+          </a:blip>
+          <a:stretch>
+            <a:fillRect/>
+          </a:stretch>
+        </p:blipFill>
+        <p:spPr>
+          <a:xfrm>
+            <a:off x="2636874" y="1133782"/>
+            <a:ext cx="7251540" cy="5438655"/>
+          </a:xfrm>
+        </p:spPr>
+      </p:pic>
+    </p:spTree>
+    <p:extLst>
+      <p:ext uri="{BB962C8B-B14F-4D97-AF65-F5344CB8AC3E}">
+        <p14:creationId xmlns:p14="http://schemas.microsoft.com/office/powerpoint/2010/main" val="381934150"/>
+      </p:ext>
+    </p:extLst>
+  </p:cSld>
+  <p:clrMapOvr>
+    <a:masterClrMapping/>
+  </p:clrMapOvr>
+</p:sld>
+</file>
+
+<file path=ppt/slides/slide24.xml><?xml version="1.0" encoding="utf-8"?>
+<p:sld xmlns:a="http://schemas.openxmlformats.org/drawingml/2006/main" xmlns:r="http://schemas.openxmlformats.org/officeDocument/2006/relationships" xmlns:p="http://schemas.openxmlformats.org/presentationml/2006/main">
+  <p:cSld>
+    <p:spTree>
+      <p:nvGrpSpPr>
+        <p:cNvPr id="1" name=""/>
+        <p:cNvGrpSpPr/>
+        <p:nvPr/>
+      </p:nvGrpSpPr>
+      <p:grpSpPr>
+        <a:xfrm>
+          <a:off x="0" y="0"/>
+          <a:ext cx="0" cy="0"/>
+          <a:chOff x="0" y="0"/>
+          <a:chExt cx="0" cy="0"/>
+        </a:xfrm>
+      </p:grpSpPr>
+      <p:pic>
+        <p:nvPicPr>
+          <p:cNvPr id="3" name="Content Placeholder 2"/>
+          <p:cNvPicPr>
+            <a:picLocks noGrp="1" noChangeAspect="1"/>
+          </p:cNvPicPr>
+          <p:nvPr>
+            <p:ph idx="1"/>
+          </p:nvPr>
+        </p:nvPicPr>
+        <p:blipFill>
+          <a:blip r:embed="rId2">
+            <a:extLst>
+              <a:ext uri="{28A0092B-C50C-407E-A947-70E740481C1C}">
+                <a14:useLocalDpi xmlns:a14="http://schemas.microsoft.com/office/drawing/2010/main" val="0"/>
+              </a:ext>
+            </a:extLst>
+          </a:blip>
+          <a:stretch>
+            <a:fillRect/>
+          </a:stretch>
+        </p:blipFill>
+        <p:spPr>
+          <a:xfrm>
+            <a:off x="1337312" y="1212111"/>
+            <a:ext cx="10387022" cy="4763385"/>
+          </a:xfrm>
+        </p:spPr>
+      </p:pic>
     </p:spTree>
     <p:extLst>
       <p:ext uri="{BB962C8B-B14F-4D97-AF65-F5344CB8AC3E}">
@@ -18211,7 +10919,7 @@
 </p:sld>
 </file>
 
-<file path=ppt/slides/slide24.xml><?xml version="1.0" encoding="utf-8"?>
+<file path=ppt/slides/slide25.xml><?xml version="1.0" encoding="utf-8"?>
 <p:sld xmlns:a="http://schemas.openxmlformats.org/drawingml/2006/main" xmlns:r="http://schemas.openxmlformats.org/officeDocument/2006/relationships" xmlns:p="http://schemas.openxmlformats.org/presentationml/2006/main">
   <p:cSld>
     <p:spTree>
@@ -18282,7 +10990,7 @@
 </p:sld>
 </file>
 
-<file path=ppt/slides/slide25.xml><?xml version="1.0" encoding="utf-8"?>
+<file path=ppt/slides/slide26.xml><?xml version="1.0" encoding="utf-8"?>
 <p:sld xmlns:a="http://schemas.openxmlformats.org/drawingml/2006/main" xmlns:r="http://schemas.openxmlformats.org/officeDocument/2006/relationships" xmlns:p="http://schemas.openxmlformats.org/presentationml/2006/main">
   <p:cSld>
     <p:spTree>
@@ -18395,7 +11103,7 @@
 </p:sld>
 </file>
 
-<file path=ppt/slides/slide26.xml><?xml version="1.0" encoding="utf-8"?>
+<file path=ppt/slides/slide27.xml><?xml version="1.0" encoding="utf-8"?>
 <p:sld xmlns:a="http://schemas.openxmlformats.org/drawingml/2006/main" xmlns:r="http://schemas.openxmlformats.org/officeDocument/2006/relationships" xmlns:p="http://schemas.openxmlformats.org/presentationml/2006/main">
   <p:cSld>
     <p:spTree>
@@ -18479,7 +11187,7 @@
 </p:sld>
 </file>
 
-<file path=ppt/slides/slide27.xml><?xml version="1.0" encoding="utf-8"?>
+<file path=ppt/slides/slide28.xml><?xml version="1.0" encoding="utf-8"?>
 <p:sld xmlns:a="http://schemas.openxmlformats.org/drawingml/2006/main" xmlns:r="http://schemas.openxmlformats.org/officeDocument/2006/relationships" xmlns:p="http://schemas.openxmlformats.org/presentationml/2006/main">
   <p:cSld>
     <p:spTree>
@@ -18520,7 +11228,7 @@
       </p:sp>
       <p:pic>
         <p:nvPicPr>
-          <p:cNvPr id="4" name="Content Placeholder 3"/>
+          <p:cNvPr id="5" name="Content Placeholder 4"/>
           <p:cNvPicPr>
             <a:picLocks noGrp="1" noChangeAspect="1"/>
           </p:cNvPicPr>
@@ -18542,8 +11250,8 @@
         </p:blipFill>
         <p:spPr>
           <a:xfrm>
-            <a:off x="2767575" y="1428750"/>
-            <a:ext cx="6809249" cy="5106936"/>
+            <a:off x="3178864" y="1286539"/>
+            <a:ext cx="7007127" cy="5255346"/>
           </a:xfrm>
         </p:spPr>
       </p:pic>
@@ -18560,7 +11268,7 @@
 </p:sld>
 </file>
 
-<file path=ppt/slides/slide28.xml><?xml version="1.0" encoding="utf-8"?>
+<file path=ppt/slides/slide29.xml><?xml version="1.0" encoding="utf-8"?>
 <p:sld xmlns:a="http://schemas.openxmlformats.org/drawingml/2006/main" xmlns:r="http://schemas.openxmlformats.org/officeDocument/2006/relationships" xmlns:p="http://schemas.openxmlformats.org/presentationml/2006/main">
   <p:cSld>
     <p:spTree>
@@ -18601,7 +11309,7 @@
       </p:sp>
       <p:pic>
         <p:nvPicPr>
-          <p:cNvPr id="5" name="Content Placeholder 4"/>
+          <p:cNvPr id="3" name="Content Placeholder 2"/>
           <p:cNvPicPr>
             <a:picLocks noGrp="1" noChangeAspect="1"/>
           </p:cNvPicPr>
@@ -18623,8 +11331,8 @@
         </p:blipFill>
         <p:spPr>
           <a:xfrm>
-            <a:off x="2814074" y="1428750"/>
-            <a:ext cx="6716252" cy="5037189"/>
+            <a:off x="3221394" y="1307803"/>
+            <a:ext cx="7049657" cy="5287243"/>
           </a:xfrm>
         </p:spPr>
       </p:pic>
@@ -18632,87 +11340,6 @@
     <p:extLst>
       <p:ext uri="{BB962C8B-B14F-4D97-AF65-F5344CB8AC3E}">
         <p14:creationId xmlns:p14="http://schemas.microsoft.com/office/powerpoint/2010/main" val="1222105705"/>
-      </p:ext>
-    </p:extLst>
-  </p:cSld>
-  <p:clrMapOvr>
-    <a:masterClrMapping/>
-  </p:clrMapOvr>
-</p:sld>
-</file>
-
-<file path=ppt/slides/slide29.xml><?xml version="1.0" encoding="utf-8"?>
-<p:sld xmlns:a="http://schemas.openxmlformats.org/drawingml/2006/main" xmlns:r="http://schemas.openxmlformats.org/officeDocument/2006/relationships" xmlns:p="http://schemas.openxmlformats.org/presentationml/2006/main">
-  <p:cSld>
-    <p:spTree>
-      <p:nvGrpSpPr>
-        <p:cNvPr id="1" name=""/>
-        <p:cNvGrpSpPr/>
-        <p:nvPr/>
-      </p:nvGrpSpPr>
-      <p:grpSpPr>
-        <a:xfrm>
-          <a:off x="0" y="0"/>
-          <a:ext cx="0" cy="0"/>
-          <a:chOff x="0" y="0"/>
-          <a:chExt cx="0" cy="0"/>
-        </a:xfrm>
-      </p:grpSpPr>
-      <p:sp>
-        <p:nvSpPr>
-          <p:cNvPr id="2" name="Title 1"/>
-          <p:cNvSpPr>
-            <a:spLocks noGrp="1"/>
-          </p:cNvSpPr>
-          <p:nvPr>
-            <p:ph type="title"/>
-          </p:nvPr>
-        </p:nvSpPr>
-        <p:spPr/>
-        <p:txBody>
-          <a:bodyPr/>
-          <a:lstStyle/>
-          <a:p>
-            <a:r>
-              <a:rPr lang="en-US" dirty="0"/>
-              <a:t>🍷 Dataset (12 relevant)</a:t>
-            </a:r>
-          </a:p>
-        </p:txBody>
-      </p:sp>
-      <p:pic>
-        <p:nvPicPr>
-          <p:cNvPr id="4" name="Content Placeholder 3"/>
-          <p:cNvPicPr>
-            <a:picLocks noGrp="1" noChangeAspect="1"/>
-          </p:cNvPicPr>
-          <p:nvPr>
-            <p:ph idx="1"/>
-          </p:nvPr>
-        </p:nvPicPr>
-        <p:blipFill>
-          <a:blip r:embed="rId2">
-            <a:extLst>
-              <a:ext uri="{28A0092B-C50C-407E-A947-70E740481C1C}">
-                <a14:useLocalDpi xmlns:a14="http://schemas.microsoft.com/office/drawing/2010/main" val="0"/>
-              </a:ext>
-            </a:extLst>
-          </a:blip>
-          <a:stretch>
-            <a:fillRect/>
-          </a:stretch>
-        </p:blipFill>
-        <p:spPr>
-          <a:xfrm>
-            <a:off x="3944408" y="2286000"/>
-            <a:ext cx="4792133" cy="3594100"/>
-          </a:xfrm>
-        </p:spPr>
-      </p:pic>
-    </p:spTree>
-    <p:extLst>
-      <p:ext uri="{BB962C8B-B14F-4D97-AF65-F5344CB8AC3E}">
-        <p14:creationId xmlns:p14="http://schemas.microsoft.com/office/powerpoint/2010/main" val="598077290"/>
       </p:ext>
     </p:extLst>
   </p:cSld>
@@ -18928,6 +11555,87 @@
           <a:p>
             <a:r>
               <a:rPr lang="en-US" dirty="0"/>
+              <a:t>🍷 Dataset (12 relevant)</a:t>
+            </a:r>
+          </a:p>
+        </p:txBody>
+      </p:sp>
+      <p:pic>
+        <p:nvPicPr>
+          <p:cNvPr id="5" name="Content Placeholder 4"/>
+          <p:cNvPicPr>
+            <a:picLocks noGrp="1" noChangeAspect="1"/>
+          </p:cNvPicPr>
+          <p:nvPr>
+            <p:ph idx="1"/>
+          </p:nvPr>
+        </p:nvPicPr>
+        <p:blipFill>
+          <a:blip r:embed="rId2">
+            <a:extLst>
+              <a:ext uri="{28A0092B-C50C-407E-A947-70E740481C1C}">
+                <a14:useLocalDpi xmlns:a14="http://schemas.microsoft.com/office/drawing/2010/main" val="0"/>
+              </a:ext>
+            </a:extLst>
+          </a:blip>
+          <a:stretch>
+            <a:fillRect/>
+          </a:stretch>
+        </p:blipFill>
+        <p:spPr>
+          <a:xfrm>
+            <a:off x="2746102" y="1128451"/>
+            <a:ext cx="7189474" cy="5392106"/>
+          </a:xfrm>
+        </p:spPr>
+      </p:pic>
+    </p:spTree>
+    <p:extLst>
+      <p:ext uri="{BB962C8B-B14F-4D97-AF65-F5344CB8AC3E}">
+        <p14:creationId xmlns:p14="http://schemas.microsoft.com/office/powerpoint/2010/main" val="598077290"/>
+      </p:ext>
+    </p:extLst>
+  </p:cSld>
+  <p:clrMapOvr>
+    <a:masterClrMapping/>
+  </p:clrMapOvr>
+</p:sld>
+</file>
+
+<file path=ppt/slides/slide31.xml><?xml version="1.0" encoding="utf-8"?>
+<p:sld xmlns:a="http://schemas.openxmlformats.org/drawingml/2006/main" xmlns:r="http://schemas.openxmlformats.org/officeDocument/2006/relationships" xmlns:p="http://schemas.openxmlformats.org/presentationml/2006/main">
+  <p:cSld>
+    <p:spTree>
+      <p:nvGrpSpPr>
+        <p:cNvPr id="1" name=""/>
+        <p:cNvGrpSpPr/>
+        <p:nvPr/>
+      </p:nvGrpSpPr>
+      <p:grpSpPr>
+        <a:xfrm>
+          <a:off x="0" y="0"/>
+          <a:ext cx="0" cy="0"/>
+          <a:chOff x="0" y="0"/>
+          <a:chExt cx="0" cy="0"/>
+        </a:xfrm>
+      </p:grpSpPr>
+      <p:sp>
+        <p:nvSpPr>
+          <p:cNvPr id="2" name="Title 1"/>
+          <p:cNvSpPr>
+            <a:spLocks noGrp="1"/>
+          </p:cNvSpPr>
+          <p:nvPr>
+            <p:ph type="title"/>
+          </p:nvPr>
+        </p:nvSpPr>
+        <p:spPr/>
+        <p:txBody>
+          <a:bodyPr/>
+          <a:lstStyle/>
+          <a:p>
+            <a:r>
+              <a:rPr lang="en-US" dirty="0"/>
               <a:t>Conclusion </a:t>
             </a:r>
           </a:p>
@@ -19033,7 +11741,7 @@
 </p:sld>
 </file>
 
-<file path=ppt/slides/slide31.xml><?xml version="1.0" encoding="utf-8"?>
+<file path=ppt/slides/slide32.xml><?xml version="1.0" encoding="utf-8"?>
 <p:sld xmlns:a="http://schemas.openxmlformats.org/drawingml/2006/main" xmlns:r="http://schemas.openxmlformats.org/officeDocument/2006/relationships" xmlns:p="http://schemas.openxmlformats.org/presentationml/2006/main">
   <p:cSld>
     <p:spTree>

--- a/proj1/presentation/pres.pptx
+++ b/proj1/presentation/pres.pptx
@@ -5,7 +5,7 @@
     <p:sldMasterId id="2147483672" r:id="rId1"/>
   </p:sldMasterIdLst>
   <p:notesMasterIdLst>
-    <p:notesMasterId r:id="rId34"/>
+    <p:notesMasterId r:id="rId36"/>
   </p:notesMasterIdLst>
   <p:sldIdLst>
     <p:sldId id="256" r:id="rId2"/>
@@ -20,26 +20,28 @@
     <p:sldId id="266" r:id="rId11"/>
     <p:sldId id="267" r:id="rId12"/>
     <p:sldId id="264" r:id="rId13"/>
-    <p:sldId id="268" r:id="rId14"/>
-    <p:sldId id="271" r:id="rId15"/>
-    <p:sldId id="273" r:id="rId16"/>
-    <p:sldId id="274" r:id="rId17"/>
-    <p:sldId id="275" r:id="rId18"/>
-    <p:sldId id="276" r:id="rId19"/>
-    <p:sldId id="269" r:id="rId20"/>
-    <p:sldId id="270" r:id="rId21"/>
-    <p:sldId id="272" r:id="rId22"/>
-    <p:sldId id="277" r:id="rId23"/>
-    <p:sldId id="287" r:id="rId24"/>
-    <p:sldId id="285" r:id="rId25"/>
-    <p:sldId id="278" r:id="rId26"/>
-    <p:sldId id="283" r:id="rId27"/>
-    <p:sldId id="282" r:id="rId28"/>
-    <p:sldId id="279" r:id="rId29"/>
-    <p:sldId id="280" r:id="rId30"/>
-    <p:sldId id="281" r:id="rId31"/>
-    <p:sldId id="284" r:id="rId32"/>
-    <p:sldId id="286" r:id="rId33"/>
+    <p:sldId id="289" r:id="rId14"/>
+    <p:sldId id="268" r:id="rId15"/>
+    <p:sldId id="271" r:id="rId16"/>
+    <p:sldId id="273" r:id="rId17"/>
+    <p:sldId id="274" r:id="rId18"/>
+    <p:sldId id="275" r:id="rId19"/>
+    <p:sldId id="276" r:id="rId20"/>
+    <p:sldId id="288" r:id="rId21"/>
+    <p:sldId id="269" r:id="rId22"/>
+    <p:sldId id="270" r:id="rId23"/>
+    <p:sldId id="272" r:id="rId24"/>
+    <p:sldId id="277" r:id="rId25"/>
+    <p:sldId id="287" r:id="rId26"/>
+    <p:sldId id="285" r:id="rId27"/>
+    <p:sldId id="278" r:id="rId28"/>
+    <p:sldId id="283" r:id="rId29"/>
+    <p:sldId id="282" r:id="rId30"/>
+    <p:sldId id="279" r:id="rId31"/>
+    <p:sldId id="280" r:id="rId32"/>
+    <p:sldId id="281" r:id="rId33"/>
+    <p:sldId id="284" r:id="rId34"/>
+    <p:sldId id="286" r:id="rId35"/>
   </p:sldIdLst>
   <p:sldSz cx="12192000" cy="6858000"/>
   <p:notesSz cx="6858000" cy="9144000"/>
@@ -282,7 +284,7 @@
                 <c:formatCode>General</c:formatCode>
                 <c:ptCount val="6"/>
                 <c:pt idx="0">
-                  <c:v>78.16743829724629</c:v>
+                  <c:v>78.16743829724628</c:v>
                 </c:pt>
                 <c:pt idx="1">
                   <c:v>78.10190845516118</c:v>
@@ -291,7 +293,7 @@
                   <c:v>71.2230602387463</c:v>
                 </c:pt>
                 <c:pt idx="3">
-                  <c:v>77.38723781202877</c:v>
+                  <c:v>77.38723781202874</c:v>
                 </c:pt>
                 <c:pt idx="4">
                   <c:v>83.9412467154564</c:v>
@@ -318,11 +320,11 @@
           <c:showBubbleSize val="0"/>
         </c:dLbls>
         <c:smooth val="0"/>
-        <c:axId val="-1959581024"/>
-        <c:axId val="-1959576992"/>
+        <c:axId val="-2083727808"/>
+        <c:axId val="-2083772992"/>
       </c:lineChart>
       <c:catAx>
-        <c:axId val="-1959581024"/>
+        <c:axId val="-2083727808"/>
         <c:scaling>
           <c:orientation val="minMax"/>
         </c:scaling>
@@ -440,7 +442,7 @@
             <a:endParaRPr lang="en-US"/>
           </a:p>
         </c:txPr>
-        <c:crossAx val="-1959576992"/>
+        <c:crossAx val="-2083772992"/>
         <c:crosses val="autoZero"/>
         <c:auto val="1"/>
         <c:lblAlgn val="ctr"/>
@@ -448,7 +450,7 @@
         <c:noMultiLvlLbl val="0"/>
       </c:catAx>
       <c:valAx>
-        <c:axId val="-1959576992"/>
+        <c:axId val="-2083772992"/>
         <c:scaling>
           <c:orientation val="minMax"/>
         </c:scaling>
@@ -561,7 +563,7 @@
             <a:endParaRPr lang="en-US"/>
           </a:p>
         </c:txPr>
-        <c:crossAx val="-1959581024"/>
+        <c:crossAx val="-2083727808"/>
         <c:crosses val="autoZero"/>
         <c:crossBetween val="between"/>
       </c:valAx>
@@ -1570,7 +1572,7 @@
           <a:p>
             <a:fld id="{E7CF0A7C-AE6E-614B-B62E-5AD94D73F6A0}" type="slidenum">
               <a:rPr lang="en-US" smtClean="0"/>
-              <a:t>27</a:t>
+              <a:t>29</a:t>
             </a:fld>
             <a:endParaRPr lang="en-US"/>
           </a:p>
@@ -8412,12 +8414,27 @@
   <p:clrMapOvr>
     <a:masterClrMapping/>
   </p:clrMapOvr>
+  <p:timing>
+    <p:tnLst>
+      <p:par>
+        <p:cTn id="1" dur="indefinite" restart="never" nodeType="tmRoot"/>
+      </p:par>
+    </p:tnLst>
+  </p:timing>
 </p:sld>
 </file>
 
 <file path=ppt/slides/slide10.xml><?xml version="1.0" encoding="utf-8"?>
 <p:sld xmlns:a="http://schemas.openxmlformats.org/drawingml/2006/main" xmlns:r="http://schemas.openxmlformats.org/officeDocument/2006/relationships" xmlns:p="http://schemas.openxmlformats.org/presentationml/2006/main">
   <p:cSld>
+    <p:bg>
+      <p:bgPr>
+        <a:solidFill>
+          <a:schemeClr val="bg1"/>
+        </a:solidFill>
+        <a:effectLst/>
+      </p:bgPr>
+    </p:bg>
     <p:spTree>
       <p:nvGrpSpPr>
         <p:cNvPr id="1" name=""/>
@@ -8541,12 +8558,12 @@
           </a:p>
           <a:p>
             <a:r>
+              <a:rPr lang="en-US" sz="2800" dirty="0"/>
+              <a:t>Classes:</a:t>
+            </a:r>
+            <a:r>
               <a:rPr lang="en-US" sz="2800" b="1" dirty="0"/>
-              <a:t>Classes: </a:t>
-            </a:r>
-            <a:r>
-              <a:rPr lang="en-US" sz="2800" dirty="0"/>
-              <a:t>giraffe, elephant, tiger, rabbit, dog </a:t>
+              <a:t> giraffe, elephant, tiger, rabbit, dog </a:t>
             </a:r>
           </a:p>
           <a:p>
@@ -8577,6 +8594,14 @@
 <file path=ppt/slides/slide11.xml><?xml version="1.0" encoding="utf-8"?>
 <p:sld xmlns:a="http://schemas.openxmlformats.org/drawingml/2006/main" xmlns:r="http://schemas.openxmlformats.org/officeDocument/2006/relationships" xmlns:p="http://schemas.openxmlformats.org/presentationml/2006/main">
   <p:cSld>
+    <p:bg>
+      <p:bgPr>
+        <a:solidFill>
+          <a:schemeClr val="bg1"/>
+        </a:solidFill>
+        <a:effectLst/>
+      </p:bgPr>
+    </p:bg>
     <p:spTree>
       <p:nvGrpSpPr>
         <p:cNvPr id="1" name=""/>
@@ -8658,21 +8683,21 @@
                 <a:gridCol w="2227006">
                   <a:extLst>
                     <a:ext uri="{9D8B030D-6E8A-4147-A177-3AD203B41FA5}">
-                      <a16:colId xmlns:a16="http://schemas.microsoft.com/office/drawing/2014/main" xmlns="" val="20000"/>
+                      <a16:colId xmlns="" xmlns:a16="http://schemas.microsoft.com/office/drawing/2014/main" val="20000"/>
                     </a:ext>
                   </a:extLst>
                 </a:gridCol>
                 <a:gridCol w="2227006">
                   <a:extLst>
                     <a:ext uri="{9D8B030D-6E8A-4147-A177-3AD203B41FA5}">
-                      <a16:colId xmlns:a16="http://schemas.microsoft.com/office/drawing/2014/main" xmlns="" val="20001"/>
+                      <a16:colId xmlns="" xmlns:a16="http://schemas.microsoft.com/office/drawing/2014/main" val="20001"/>
                     </a:ext>
                   </a:extLst>
                 </a:gridCol>
                 <a:gridCol w="2227006">
                   <a:extLst>
                     <a:ext uri="{9D8B030D-6E8A-4147-A177-3AD203B41FA5}">
-                      <a16:colId xmlns:a16="http://schemas.microsoft.com/office/drawing/2014/main" xmlns="" val="20002"/>
+                      <a16:colId xmlns="" xmlns:a16="http://schemas.microsoft.com/office/drawing/2014/main" val="20002"/>
                     </a:ext>
                   </a:extLst>
                 </a:gridCol>
@@ -8758,7 +8783,7 @@
                 </a:tc>
                 <a:extLst>
                   <a:ext uri="{0D108BD9-81ED-4DB2-BD59-A6C34878D82A}">
-                    <a16:rowId xmlns:a16="http://schemas.microsoft.com/office/drawing/2014/main" xmlns="" val="10000"/>
+                    <a16:rowId xmlns="" xmlns:a16="http://schemas.microsoft.com/office/drawing/2014/main" val="10000"/>
                   </a:ext>
                 </a:extLst>
               </a:tr>
@@ -8834,7 +8859,7 @@
                 </a:tc>
                 <a:extLst>
                   <a:ext uri="{0D108BD9-81ED-4DB2-BD59-A6C34878D82A}">
-                    <a16:rowId xmlns:a16="http://schemas.microsoft.com/office/drawing/2014/main" xmlns="" val="10001"/>
+                    <a16:rowId xmlns="" xmlns:a16="http://schemas.microsoft.com/office/drawing/2014/main" val="10001"/>
                   </a:ext>
                 </a:extLst>
               </a:tr>
@@ -8910,7 +8935,7 @@
                 </a:tc>
                 <a:extLst>
                   <a:ext uri="{0D108BD9-81ED-4DB2-BD59-A6C34878D82A}">
-                    <a16:rowId xmlns:a16="http://schemas.microsoft.com/office/drawing/2014/main" xmlns="" val="10002"/>
+                    <a16:rowId xmlns="" xmlns:a16="http://schemas.microsoft.com/office/drawing/2014/main" val="10002"/>
                   </a:ext>
                 </a:extLst>
               </a:tr>
@@ -8986,7 +9011,7 @@
                 </a:tc>
                 <a:extLst>
                   <a:ext uri="{0D108BD9-81ED-4DB2-BD59-A6C34878D82A}">
-                    <a16:rowId xmlns:a16="http://schemas.microsoft.com/office/drawing/2014/main" xmlns="" val="10003"/>
+                    <a16:rowId xmlns="" xmlns:a16="http://schemas.microsoft.com/office/drawing/2014/main" val="10003"/>
                   </a:ext>
                 </a:extLst>
               </a:tr>
@@ -9062,7 +9087,7 @@
                 </a:tc>
                 <a:extLst>
                   <a:ext uri="{0D108BD9-81ED-4DB2-BD59-A6C34878D82A}">
-                    <a16:rowId xmlns:a16="http://schemas.microsoft.com/office/drawing/2014/main" xmlns="" val="10004"/>
+                    <a16:rowId xmlns="" xmlns:a16="http://schemas.microsoft.com/office/drawing/2014/main" val="10004"/>
                   </a:ext>
                 </a:extLst>
               </a:tr>
@@ -9138,7 +9163,7 @@
                 </a:tc>
                 <a:extLst>
                   <a:ext uri="{0D108BD9-81ED-4DB2-BD59-A6C34878D82A}">
-                    <a16:rowId xmlns:a16="http://schemas.microsoft.com/office/drawing/2014/main" xmlns="" val="10005"/>
+                    <a16:rowId xmlns="" xmlns:a16="http://schemas.microsoft.com/office/drawing/2014/main" val="10005"/>
                   </a:ext>
                 </a:extLst>
               </a:tr>
@@ -9214,7 +9239,7 @@
                 </a:tc>
                 <a:extLst>
                   <a:ext uri="{0D108BD9-81ED-4DB2-BD59-A6C34878D82A}">
-                    <a16:rowId xmlns:a16="http://schemas.microsoft.com/office/drawing/2014/main" xmlns="" val="10006"/>
+                    <a16:rowId xmlns="" xmlns:a16="http://schemas.microsoft.com/office/drawing/2014/main" val="10006"/>
                   </a:ext>
                 </a:extLst>
               </a:tr>
@@ -9290,7 +9315,7 @@
                 </a:tc>
                 <a:extLst>
                   <a:ext uri="{0D108BD9-81ED-4DB2-BD59-A6C34878D82A}">
-                    <a16:rowId xmlns:a16="http://schemas.microsoft.com/office/drawing/2014/main" xmlns="" val="10007"/>
+                    <a16:rowId xmlns="" xmlns:a16="http://schemas.microsoft.com/office/drawing/2014/main" val="10007"/>
                   </a:ext>
                 </a:extLst>
               </a:tr>
@@ -9366,7 +9391,7 @@
                 </a:tc>
                 <a:extLst>
                   <a:ext uri="{0D108BD9-81ED-4DB2-BD59-A6C34878D82A}">
-                    <a16:rowId xmlns:a16="http://schemas.microsoft.com/office/drawing/2014/main" xmlns="" val="10008"/>
+                    <a16:rowId xmlns="" xmlns:a16="http://schemas.microsoft.com/office/drawing/2014/main" val="10008"/>
                   </a:ext>
                 </a:extLst>
               </a:tr>
@@ -9442,7 +9467,7 @@
                 </a:tc>
                 <a:extLst>
                   <a:ext uri="{0D108BD9-81ED-4DB2-BD59-A6C34878D82A}">
-                    <a16:rowId xmlns:a16="http://schemas.microsoft.com/office/drawing/2014/main" xmlns="" val="10009"/>
+                    <a16:rowId xmlns="" xmlns:a16="http://schemas.microsoft.com/office/drawing/2014/main" val="10009"/>
                   </a:ext>
                 </a:extLst>
               </a:tr>
@@ -9518,7 +9543,7 @@
                 </a:tc>
                 <a:extLst>
                   <a:ext uri="{0D108BD9-81ED-4DB2-BD59-A6C34878D82A}">
-                    <a16:rowId xmlns:a16="http://schemas.microsoft.com/office/drawing/2014/main" xmlns="" val="10010"/>
+                    <a16:rowId xmlns="" xmlns:a16="http://schemas.microsoft.com/office/drawing/2014/main" val="10010"/>
                   </a:ext>
                 </a:extLst>
               </a:tr>
@@ -9586,7 +9611,7 @@
                 </a:tc>
                 <a:extLst>
                   <a:ext uri="{0D108BD9-81ED-4DB2-BD59-A6C34878D82A}">
-                    <a16:rowId xmlns:a16="http://schemas.microsoft.com/office/drawing/2014/main" xmlns="" val="10011"/>
+                    <a16:rowId xmlns="" xmlns:a16="http://schemas.microsoft.com/office/drawing/2014/main" val="10011"/>
                   </a:ext>
                 </a:extLst>
               </a:tr>
@@ -9835,6 +9860,14 @@
 <file path=ppt/slides/slide12.xml><?xml version="1.0" encoding="utf-8"?>
 <p:sld xmlns:a="http://schemas.openxmlformats.org/drawingml/2006/main" xmlns:r="http://schemas.openxmlformats.org/officeDocument/2006/relationships" xmlns:p="http://schemas.openxmlformats.org/presentationml/2006/main">
   <p:cSld>
+    <p:bg>
+      <p:bgPr>
+        <a:solidFill>
+          <a:schemeClr val="bg1"/>
+        </a:solidFill>
+        <a:effectLst/>
+      </p:bgPr>
+    </p:bg>
     <p:spTree>
       <p:nvGrpSpPr>
         <p:cNvPr id="1" name=""/>
@@ -9861,7 +9894,7 @@
         </p:nvSpPr>
         <p:spPr>
           <a:xfrm>
-            <a:off x="4586748" y="2912806"/>
+            <a:off x="4173793" y="2839064"/>
             <a:ext cx="9601200" cy="1485900"/>
           </a:xfrm>
         </p:spPr>
@@ -9888,12 +9921,101 @@
   <p:clrMapOvr>
     <a:masterClrMapping/>
   </p:clrMapOvr>
+  <p:timing>
+    <p:tnLst>
+      <p:par>
+        <p:cTn id="1" dur="indefinite" restart="never" nodeType="tmRoot"/>
+      </p:par>
+    </p:tnLst>
+  </p:timing>
 </p:sld>
 </file>
 
 <file path=ppt/slides/slide13.xml><?xml version="1.0" encoding="utf-8"?>
 <p:sld xmlns:a="http://schemas.openxmlformats.org/drawingml/2006/main" xmlns:r="http://schemas.openxmlformats.org/officeDocument/2006/relationships" xmlns:p="http://schemas.openxmlformats.org/presentationml/2006/main">
   <p:cSld>
+    <p:bg>
+      <p:bgPr>
+        <a:solidFill>
+          <a:schemeClr val="bg1"/>
+        </a:solidFill>
+        <a:effectLst/>
+      </p:bgPr>
+    </p:bg>
+    <p:spTree>
+      <p:nvGrpSpPr>
+        <p:cNvPr id="1" name=""/>
+        <p:cNvGrpSpPr/>
+        <p:nvPr/>
+      </p:nvGrpSpPr>
+      <p:grpSpPr>
+        <a:xfrm>
+          <a:off x="0" y="0"/>
+          <a:ext cx="0" cy="0"/>
+          <a:chOff x="0" y="0"/>
+          <a:chExt cx="0" cy="0"/>
+        </a:xfrm>
+      </p:grpSpPr>
+      <p:sp>
+        <p:nvSpPr>
+          <p:cNvPr id="2" name="Title 1"/>
+          <p:cNvSpPr>
+            <a:spLocks noGrp="1"/>
+          </p:cNvSpPr>
+          <p:nvPr>
+            <p:ph type="title"/>
+          </p:nvPr>
+        </p:nvSpPr>
+        <p:spPr>
+          <a:xfrm>
+            <a:off x="4348840" y="2919108"/>
+            <a:ext cx="10178322" cy="1492132"/>
+          </a:xfrm>
+        </p:spPr>
+        <p:txBody>
+          <a:bodyPr>
+            <a:normAutofit/>
+          </a:bodyPr>
+          <a:lstStyle/>
+          <a:p>
+            <a:r>
+              <a:rPr lang="en-US" sz="4800" dirty="0"/>
+              <a:t>🌸 Dataset</a:t>
+            </a:r>
+          </a:p>
+        </p:txBody>
+      </p:sp>
+    </p:spTree>
+    <p:extLst>
+      <p:ext uri="{BB962C8B-B14F-4D97-AF65-F5344CB8AC3E}">
+        <p14:creationId xmlns:p14="http://schemas.microsoft.com/office/powerpoint/2010/main" val="1041198990"/>
+      </p:ext>
+    </p:extLst>
+  </p:cSld>
+  <p:clrMapOvr>
+    <a:masterClrMapping/>
+  </p:clrMapOvr>
+  <p:timing>
+    <p:tnLst>
+      <p:par>
+        <p:cTn id="1" dur="indefinite" restart="never" nodeType="tmRoot"/>
+      </p:par>
+    </p:tnLst>
+  </p:timing>
+</p:sld>
+</file>
+
+<file path=ppt/slides/slide14.xml><?xml version="1.0" encoding="utf-8"?>
+<p:sld xmlns:a="http://schemas.openxmlformats.org/drawingml/2006/main" xmlns:r="http://schemas.openxmlformats.org/officeDocument/2006/relationships" xmlns:p="http://schemas.openxmlformats.org/presentationml/2006/main">
+  <p:cSld>
+    <p:bg>
+      <p:bgPr>
+        <a:solidFill>
+          <a:schemeClr val="bg1"/>
+        </a:solidFill>
+        <a:effectLst/>
+      </p:bgPr>
+    </p:bg>
     <p:spTree>
       <p:nvGrpSpPr>
         <p:cNvPr id="1" name=""/>
@@ -9947,12 +10069,27 @@
   <p:clrMapOvr>
     <a:masterClrMapping/>
   </p:clrMapOvr>
+  <p:timing>
+    <p:tnLst>
+      <p:par>
+        <p:cTn id="1" dur="indefinite" restart="never" nodeType="tmRoot"/>
+      </p:par>
+    </p:tnLst>
+  </p:timing>
 </p:sld>
 </file>
 
-<file path=ppt/slides/slide14.xml><?xml version="1.0" encoding="utf-8"?>
+<file path=ppt/slides/slide15.xml><?xml version="1.0" encoding="utf-8"?>
 <p:sld xmlns:a="http://schemas.openxmlformats.org/drawingml/2006/main" xmlns:r="http://schemas.openxmlformats.org/officeDocument/2006/relationships" xmlns:p="http://schemas.openxmlformats.org/presentationml/2006/main">
   <p:cSld>
+    <p:bg>
+      <p:bgPr>
+        <a:solidFill>
+          <a:schemeClr val="bg1"/>
+        </a:solidFill>
+        <a:effectLst/>
+      </p:bgPr>
+    </p:bg>
     <p:spTree>
       <p:nvGrpSpPr>
         <p:cNvPr id="1" name=""/>
@@ -10006,12 +10143,27 @@
   <p:clrMapOvr>
     <a:masterClrMapping/>
   </p:clrMapOvr>
+  <p:timing>
+    <p:tnLst>
+      <p:par>
+        <p:cTn id="1" dur="indefinite" restart="never" nodeType="tmRoot"/>
+      </p:par>
+    </p:tnLst>
+  </p:timing>
 </p:sld>
 </file>
 
-<file path=ppt/slides/slide15.xml><?xml version="1.0" encoding="utf-8"?>
+<file path=ppt/slides/slide16.xml><?xml version="1.0" encoding="utf-8"?>
 <p:sld xmlns:a="http://schemas.openxmlformats.org/drawingml/2006/main" xmlns:r="http://schemas.openxmlformats.org/officeDocument/2006/relationships" xmlns:p="http://schemas.openxmlformats.org/presentationml/2006/main">
   <p:cSld>
+    <p:bg>
+      <p:bgPr>
+        <a:solidFill>
+          <a:schemeClr val="bg1"/>
+        </a:solidFill>
+        <a:effectLst/>
+      </p:bgPr>
+    </p:bg>
     <p:spTree>
       <p:nvGrpSpPr>
         <p:cNvPr id="1" name=""/>
@@ -10065,12 +10217,27 @@
   <p:clrMapOvr>
     <a:masterClrMapping/>
   </p:clrMapOvr>
+  <p:timing>
+    <p:tnLst>
+      <p:par>
+        <p:cTn id="1" dur="indefinite" restart="never" nodeType="tmRoot"/>
+      </p:par>
+    </p:tnLst>
+  </p:timing>
 </p:sld>
 </file>
 
-<file path=ppt/slides/slide16.xml><?xml version="1.0" encoding="utf-8"?>
+<file path=ppt/slides/slide17.xml><?xml version="1.0" encoding="utf-8"?>
 <p:sld xmlns:a="http://schemas.openxmlformats.org/drawingml/2006/main" xmlns:r="http://schemas.openxmlformats.org/officeDocument/2006/relationships" xmlns:p="http://schemas.openxmlformats.org/presentationml/2006/main">
   <p:cSld>
+    <p:bg>
+      <p:bgPr>
+        <a:solidFill>
+          <a:schemeClr val="bg1"/>
+        </a:solidFill>
+        <a:effectLst/>
+      </p:bgPr>
+    </p:bg>
     <p:spTree>
       <p:nvGrpSpPr>
         <p:cNvPr id="1" name=""/>
@@ -10151,12 +10318,27 @@
   <p:clrMapOvr>
     <a:masterClrMapping/>
   </p:clrMapOvr>
+  <p:timing>
+    <p:tnLst>
+      <p:par>
+        <p:cTn id="1" dur="indefinite" restart="never" nodeType="tmRoot"/>
+      </p:par>
+    </p:tnLst>
+  </p:timing>
 </p:sld>
 </file>
 
-<file path=ppt/slides/slide17.xml><?xml version="1.0" encoding="utf-8"?>
+<file path=ppt/slides/slide18.xml><?xml version="1.0" encoding="utf-8"?>
 <p:sld xmlns:a="http://schemas.openxmlformats.org/drawingml/2006/main" xmlns:r="http://schemas.openxmlformats.org/officeDocument/2006/relationships" xmlns:p="http://schemas.openxmlformats.org/presentationml/2006/main">
   <p:cSld>
+    <p:bg>
+      <p:bgPr>
+        <a:solidFill>
+          <a:schemeClr val="bg1"/>
+        </a:solidFill>
+        <a:effectLst/>
+      </p:bgPr>
+    </p:bg>
     <p:spTree>
       <p:nvGrpSpPr>
         <p:cNvPr id="1" name=""/>
@@ -10237,12 +10419,27 @@
   <p:clrMapOvr>
     <a:masterClrMapping/>
   </p:clrMapOvr>
+  <p:timing>
+    <p:tnLst>
+      <p:par>
+        <p:cTn id="1" dur="indefinite" restart="never" nodeType="tmRoot"/>
+      </p:par>
+    </p:tnLst>
+  </p:timing>
 </p:sld>
 </file>
 
-<file path=ppt/slides/slide18.xml><?xml version="1.0" encoding="utf-8"?>
+<file path=ppt/slides/slide19.xml><?xml version="1.0" encoding="utf-8"?>
 <p:sld xmlns:a="http://schemas.openxmlformats.org/drawingml/2006/main" xmlns:r="http://schemas.openxmlformats.org/officeDocument/2006/relationships" xmlns:p="http://schemas.openxmlformats.org/presentationml/2006/main">
   <p:cSld>
+    <p:bg>
+      <p:bgPr>
+        <a:solidFill>
+          <a:schemeClr val="bg1"/>
+        </a:solidFill>
+        <a:effectLst/>
+      </p:bgPr>
+    </p:bg>
     <p:spTree>
       <p:nvGrpSpPr>
         <p:cNvPr id="1" name=""/>
@@ -10323,12 +10520,281 @@
   <p:clrMapOvr>
     <a:masterClrMapping/>
   </p:clrMapOvr>
+  <p:timing>
+    <p:tnLst>
+      <p:par>
+        <p:cTn id="1" dur="indefinite" restart="never" nodeType="tmRoot"/>
+      </p:par>
+    </p:tnLst>
+  </p:timing>
 </p:sld>
 </file>
 
-<file path=ppt/slides/slide19.xml><?xml version="1.0" encoding="utf-8"?>
+<file path=ppt/slides/slide2.xml><?xml version="1.0" encoding="utf-8"?>
 <p:sld xmlns:a="http://schemas.openxmlformats.org/drawingml/2006/main" xmlns:r="http://schemas.openxmlformats.org/officeDocument/2006/relationships" xmlns:p="http://schemas.openxmlformats.org/presentationml/2006/main">
   <p:cSld>
+    <p:bg>
+      <p:bgPr>
+        <a:solidFill>
+          <a:schemeClr val="bg1"/>
+        </a:solidFill>
+        <a:effectLst/>
+      </p:bgPr>
+    </p:bg>
+    <p:spTree>
+      <p:nvGrpSpPr>
+        <p:cNvPr id="1" name=""/>
+        <p:cNvGrpSpPr/>
+        <p:nvPr/>
+      </p:nvGrpSpPr>
+      <p:grpSpPr>
+        <a:xfrm>
+          <a:off x="0" y="0"/>
+          <a:ext cx="0" cy="0"/>
+          <a:chOff x="0" y="0"/>
+          <a:chExt cx="0" cy="0"/>
+        </a:xfrm>
+      </p:grpSpPr>
+      <p:sp>
+        <p:nvSpPr>
+          <p:cNvPr id="2" name="Title 1"/>
+          <p:cNvSpPr>
+            <a:spLocks noGrp="1"/>
+          </p:cNvSpPr>
+          <p:nvPr>
+            <p:ph type="title"/>
+          </p:nvPr>
+        </p:nvSpPr>
+        <p:spPr/>
+        <p:txBody>
+          <a:bodyPr/>
+          <a:lstStyle/>
+          <a:p>
+            <a:r>
+              <a:rPr lang="en-US" dirty="0"/>
+              <a:t>The theory goes</a:t>
+            </a:r>
+            <a:r>
+              <a:rPr lang="mr-IN" dirty="0"/>
+              <a:t>…</a:t>
+            </a:r>
+            <a:r>
+              <a:rPr lang="en-US" dirty="0"/>
+              <a:t> </a:t>
+            </a:r>
+          </a:p>
+        </p:txBody>
+      </p:sp>
+      <p:sp>
+        <p:nvSpPr>
+          <p:cNvPr id="3" name="Content Placeholder 2"/>
+          <p:cNvSpPr>
+            <a:spLocks noGrp="1"/>
+          </p:cNvSpPr>
+          <p:nvPr>
+            <p:ph idx="1"/>
+          </p:nvPr>
+        </p:nvSpPr>
+        <p:spPr>
+          <a:xfrm>
+            <a:off x="1533831" y="3556819"/>
+            <a:ext cx="10397613" cy="3581400"/>
+          </a:xfrm>
+        </p:spPr>
+        <p:txBody>
+          <a:bodyPr>
+            <a:normAutofit/>
+          </a:bodyPr>
+          <a:lstStyle/>
+          <a:p>
+            <a:r>
+              <a:rPr lang="en-US" sz="3200" dirty="0"/>
+              <a:t>“Objects are similar if the </a:t>
+            </a:r>
+            <a:r>
+              <a:rPr lang="en-US" sz="3200" b="1" dirty="0"/>
+              <a:t>geometric distance </a:t>
+            </a:r>
+            <a:r>
+              <a:rPr lang="en-US" sz="3200" dirty="0"/>
+              <a:t>between the vectors describing them is small.”  				    </a:t>
+            </a:r>
+            <a:r>
+              <a:rPr lang="mr-IN" sz="2400" dirty="0">
+                <a:solidFill>
+                  <a:schemeClr val="accent6">
+                    <a:lumMod val="75000"/>
+                  </a:schemeClr>
+                </a:solidFill>
+              </a:rPr>
+              <a:t>–</a:t>
+            </a:r>
+            <a:r>
+              <a:rPr lang="en-US" sz="2400" dirty="0">
+                <a:solidFill>
+                  <a:schemeClr val="accent6">
+                    <a:lumMod val="75000"/>
+                  </a:schemeClr>
+                </a:solidFill>
+              </a:rPr>
+              <a:t> Miroslav </a:t>
+            </a:r>
+            <a:r>
+              <a:rPr lang="en-US" sz="2400" dirty="0" err="1">
+                <a:solidFill>
+                  <a:schemeClr val="accent6">
+                    <a:lumMod val="75000"/>
+                  </a:schemeClr>
+                </a:solidFill>
+              </a:rPr>
+              <a:t>Kubat</a:t>
+            </a:r>
+            <a:r>
+              <a:rPr lang="en-US" sz="2400" dirty="0">
+                <a:solidFill>
+                  <a:schemeClr val="accent6">
+                    <a:lumMod val="75000"/>
+                  </a:schemeClr>
+                </a:solidFill>
+              </a:rPr>
+              <a:t> </a:t>
+            </a:r>
+            <a:r>
+              <a:rPr lang="en-US" sz="2400" i="1" dirty="0">
+                <a:solidFill>
+                  <a:schemeClr val="accent6">
+                    <a:lumMod val="75000"/>
+                  </a:schemeClr>
+                </a:solidFill>
+              </a:rPr>
+              <a:t>An Introduction to Machine Learning</a:t>
+            </a:r>
+            <a:r>
+              <a:rPr lang="en-US" sz="2400" dirty="0">
+                <a:solidFill>
+                  <a:schemeClr val="accent6">
+                    <a:lumMod val="75000"/>
+                  </a:schemeClr>
+                </a:solidFill>
+              </a:rPr>
+              <a:t> </a:t>
+            </a:r>
+          </a:p>
+        </p:txBody>
+      </p:sp>
+    </p:spTree>
+    <p:extLst>
+      <p:ext uri="{BB962C8B-B14F-4D97-AF65-F5344CB8AC3E}">
+        <p14:creationId xmlns:p14="http://schemas.microsoft.com/office/powerpoint/2010/main" val="1817672315"/>
+      </p:ext>
+    </p:extLst>
+  </p:cSld>
+  <p:clrMapOvr>
+    <a:masterClrMapping/>
+  </p:clrMapOvr>
+  <p:timing>
+    <p:tnLst>
+      <p:par>
+        <p:cTn id="1" dur="indefinite" restart="never" nodeType="tmRoot"/>
+      </p:par>
+    </p:tnLst>
+  </p:timing>
+</p:sld>
+</file>
+
+<file path=ppt/slides/slide20.xml><?xml version="1.0" encoding="utf-8"?>
+<p:sld xmlns:a="http://schemas.openxmlformats.org/drawingml/2006/main" xmlns:r="http://schemas.openxmlformats.org/officeDocument/2006/relationships" xmlns:p="http://schemas.openxmlformats.org/presentationml/2006/main">
+  <p:cSld>
+    <p:bg>
+      <p:bgPr>
+        <a:solidFill>
+          <a:schemeClr val="bg1"/>
+        </a:solidFill>
+        <a:effectLst/>
+      </p:bgPr>
+    </p:bg>
+    <p:spTree>
+      <p:nvGrpSpPr>
+        <p:cNvPr id="1" name=""/>
+        <p:cNvGrpSpPr/>
+        <p:nvPr/>
+      </p:nvGrpSpPr>
+      <p:grpSpPr>
+        <a:xfrm>
+          <a:off x="0" y="0"/>
+          <a:ext cx="0" cy="0"/>
+          <a:chOff x="0" y="0"/>
+          <a:chExt cx="0" cy="0"/>
+        </a:xfrm>
+      </p:grpSpPr>
+      <p:sp>
+        <p:nvSpPr>
+          <p:cNvPr id="2" name="Title 1"/>
+          <p:cNvSpPr>
+            <a:spLocks noGrp="1"/>
+          </p:cNvSpPr>
+          <p:nvPr>
+            <p:ph type="title"/>
+          </p:nvPr>
+        </p:nvSpPr>
+        <p:spPr>
+          <a:xfrm>
+            <a:off x="4230852" y="2860114"/>
+            <a:ext cx="10178322" cy="1492132"/>
+          </a:xfrm>
+        </p:spPr>
+        <p:txBody>
+          <a:bodyPr>
+            <a:normAutofit/>
+          </a:bodyPr>
+          <a:lstStyle/>
+          <a:p>
+            <a:r>
+              <a:rPr lang="en-US" sz="4800" dirty="0"/>
+              <a:t>🐰</a:t>
+            </a:r>
+            <a:r>
+              <a:rPr lang="en-US" sz="6600" dirty="0" smtClean="0"/>
+              <a:t> </a:t>
+            </a:r>
+            <a:r>
+              <a:rPr lang="en-US" sz="4800" dirty="0"/>
+              <a:t>Dataset</a:t>
+            </a:r>
+          </a:p>
+        </p:txBody>
+      </p:sp>
+    </p:spTree>
+    <p:extLst>
+      <p:ext uri="{BB962C8B-B14F-4D97-AF65-F5344CB8AC3E}">
+        <p14:creationId xmlns:p14="http://schemas.microsoft.com/office/powerpoint/2010/main" val="1814428858"/>
+      </p:ext>
+    </p:extLst>
+  </p:cSld>
+  <p:clrMapOvr>
+    <a:masterClrMapping/>
+  </p:clrMapOvr>
+  <p:timing>
+    <p:tnLst>
+      <p:par>
+        <p:cTn id="1" dur="indefinite" restart="never" nodeType="tmRoot"/>
+      </p:par>
+    </p:tnLst>
+  </p:timing>
+</p:sld>
+</file>
+
+<file path=ppt/slides/slide21.xml><?xml version="1.0" encoding="utf-8"?>
+<p:sld xmlns:a="http://schemas.openxmlformats.org/drawingml/2006/main" xmlns:r="http://schemas.openxmlformats.org/officeDocument/2006/relationships" xmlns:p="http://schemas.openxmlformats.org/presentationml/2006/main">
+  <p:cSld>
+    <p:bg>
+      <p:bgPr>
+        <a:solidFill>
+          <a:schemeClr val="bg1"/>
+        </a:solidFill>
+        <a:effectLst/>
+      </p:bgPr>
+    </p:bg>
     <p:spTree>
       <p:nvGrpSpPr>
         <p:cNvPr id="1" name=""/>
@@ -10383,169 +10849,27 @@
   <p:clrMapOvr>
     <a:masterClrMapping/>
   </p:clrMapOvr>
+  <p:timing>
+    <p:tnLst>
+      <p:par>
+        <p:cTn id="1" dur="indefinite" restart="never" nodeType="tmRoot"/>
+      </p:par>
+    </p:tnLst>
+  </p:timing>
 </p:sld>
 </file>
 
-<file path=ppt/slides/slide2.xml><?xml version="1.0" encoding="utf-8"?>
+<file path=ppt/slides/slide22.xml><?xml version="1.0" encoding="utf-8"?>
 <p:sld xmlns:a="http://schemas.openxmlformats.org/drawingml/2006/main" xmlns:r="http://schemas.openxmlformats.org/officeDocument/2006/relationships" xmlns:p="http://schemas.openxmlformats.org/presentationml/2006/main">
   <p:cSld>
-    <p:spTree>
-      <p:nvGrpSpPr>
-        <p:cNvPr id="1" name=""/>
-        <p:cNvGrpSpPr/>
-        <p:nvPr/>
-      </p:nvGrpSpPr>
-      <p:grpSpPr>
-        <a:xfrm>
-          <a:off x="0" y="0"/>
-          <a:ext cx="0" cy="0"/>
-          <a:chOff x="0" y="0"/>
-          <a:chExt cx="0" cy="0"/>
-        </a:xfrm>
-      </p:grpSpPr>
-      <p:sp>
-        <p:nvSpPr>
-          <p:cNvPr id="2" name="Title 1"/>
-          <p:cNvSpPr>
-            <a:spLocks noGrp="1"/>
-          </p:cNvSpPr>
-          <p:nvPr>
-            <p:ph type="title"/>
-          </p:nvPr>
-        </p:nvSpPr>
-        <p:spPr/>
-        <p:txBody>
-          <a:bodyPr/>
-          <a:lstStyle/>
-          <a:p>
-            <a:r>
-              <a:rPr lang="en-US" dirty="0"/>
-              <a:t>The theory goes</a:t>
-            </a:r>
-            <a:r>
-              <a:rPr lang="mr-IN" dirty="0"/>
-              <a:t>…</a:t>
-            </a:r>
-            <a:r>
-              <a:rPr lang="en-US" dirty="0"/>
-              <a:t> </a:t>
-            </a:r>
-          </a:p>
-        </p:txBody>
-      </p:sp>
-      <p:sp>
-        <p:nvSpPr>
-          <p:cNvPr id="3" name="Content Placeholder 2"/>
-          <p:cNvSpPr>
-            <a:spLocks noGrp="1"/>
-          </p:cNvSpPr>
-          <p:nvPr>
-            <p:ph idx="1"/>
-          </p:nvPr>
-        </p:nvSpPr>
-        <p:spPr>
-          <a:xfrm>
-            <a:off x="1533831" y="3556819"/>
-            <a:ext cx="10397613" cy="3581400"/>
-          </a:xfrm>
-        </p:spPr>
-        <p:txBody>
-          <a:bodyPr>
-            <a:normAutofit/>
-          </a:bodyPr>
-          <a:lstStyle/>
-          <a:p>
-            <a:r>
-              <a:rPr lang="en-US" sz="3200" dirty="0"/>
-              <a:t>“Objects are similar if the </a:t>
-            </a:r>
-            <a:r>
-              <a:rPr lang="en-US" sz="3200" b="1" dirty="0"/>
-              <a:t>geometric distance </a:t>
-            </a:r>
-            <a:r>
-              <a:rPr lang="en-US" sz="3200" dirty="0"/>
-              <a:t>between the vectors describing them is small.”  				    </a:t>
-            </a:r>
-            <a:r>
-              <a:rPr lang="mr-IN" sz="2400" dirty="0">
-                <a:solidFill>
-                  <a:schemeClr val="accent6">
-                    <a:lumMod val="75000"/>
-                  </a:schemeClr>
-                </a:solidFill>
-              </a:rPr>
-              <a:t>–</a:t>
-            </a:r>
-            <a:r>
-              <a:rPr lang="en-US" sz="2400" dirty="0">
-                <a:solidFill>
-                  <a:schemeClr val="accent6">
-                    <a:lumMod val="75000"/>
-                  </a:schemeClr>
-                </a:solidFill>
-              </a:rPr>
-              <a:t> Miroslav </a:t>
-            </a:r>
-            <a:r>
-              <a:rPr lang="en-US" sz="2400" dirty="0" err="1">
-                <a:solidFill>
-                  <a:schemeClr val="accent6">
-                    <a:lumMod val="75000"/>
-                  </a:schemeClr>
-                </a:solidFill>
-              </a:rPr>
-              <a:t>Kubat</a:t>
-            </a:r>
-            <a:r>
-              <a:rPr lang="en-US" sz="2400" dirty="0">
-                <a:solidFill>
-                  <a:schemeClr val="accent6">
-                    <a:lumMod val="75000"/>
-                  </a:schemeClr>
-                </a:solidFill>
-              </a:rPr>
-              <a:t> </a:t>
-            </a:r>
-            <a:r>
-              <a:rPr lang="en-US" sz="2400" i="1" dirty="0">
-                <a:solidFill>
-                  <a:schemeClr val="accent6">
-                    <a:lumMod val="75000"/>
-                  </a:schemeClr>
-                </a:solidFill>
-              </a:rPr>
-              <a:t>An Introduction to Machine Learning</a:t>
-            </a:r>
-            <a:r>
-              <a:rPr lang="en-US" sz="2400" dirty="0">
-                <a:solidFill>
-                  <a:schemeClr val="accent6">
-                    <a:lumMod val="75000"/>
-                  </a:schemeClr>
-                </a:solidFill>
-              </a:rPr>
-              <a:t> </a:t>
-            </a:r>
-          </a:p>
-        </p:txBody>
-      </p:sp>
-    </p:spTree>
-    <p:extLst>
-      <p:ext uri="{BB962C8B-B14F-4D97-AF65-F5344CB8AC3E}">
-        <p14:creationId xmlns:p14="http://schemas.microsoft.com/office/powerpoint/2010/main" val="1817672315"/>
-      </p:ext>
-    </p:extLst>
-  </p:cSld>
-  <p:clrMapOvr>
-    <a:masterClrMapping/>
-  </p:clrMapOvr>
-</p:sld>
-</file>
-
-<file path=ppt/slides/slide20.xml><?xml version="1.0" encoding="utf-8"?>
-<p:sld xmlns:a="http://schemas.openxmlformats.org/drawingml/2006/main" xmlns:r="http://schemas.openxmlformats.org/officeDocument/2006/relationships" xmlns:p="http://schemas.openxmlformats.org/presentationml/2006/main">
-  <p:cSld>
+    <p:bg>
+      <p:bgPr>
+        <a:solidFill>
+          <a:schemeClr val="bg1"/>
+        </a:solidFill>
+        <a:effectLst/>
+      </p:bgPr>
+    </p:bg>
     <p:spTree>
       <p:nvGrpSpPr>
         <p:cNvPr id="1" name=""/>
@@ -10602,9 +10926,17 @@
 </p:sld>
 </file>
 
-<file path=ppt/slides/slide21.xml><?xml version="1.0" encoding="utf-8"?>
+<file path=ppt/slides/slide23.xml><?xml version="1.0" encoding="utf-8"?>
 <p:sld xmlns:a="http://schemas.openxmlformats.org/drawingml/2006/main" xmlns:r="http://schemas.openxmlformats.org/officeDocument/2006/relationships" xmlns:p="http://schemas.openxmlformats.org/presentationml/2006/main">
   <p:cSld>
+    <p:bg>
+      <p:bgPr>
+        <a:solidFill>
+          <a:schemeClr val="bg1"/>
+        </a:solidFill>
+        <a:effectLst/>
+      </p:bgPr>
+    </p:bg>
     <p:spTree>
       <p:nvGrpSpPr>
         <p:cNvPr id="1" name=""/>
@@ -10688,9 +11020,17 @@
 </p:sld>
 </file>
 
-<file path=ppt/slides/slide22.xml><?xml version="1.0" encoding="utf-8"?>
+<file path=ppt/slides/slide24.xml><?xml version="1.0" encoding="utf-8"?>
 <p:sld xmlns:a="http://schemas.openxmlformats.org/drawingml/2006/main" xmlns:r="http://schemas.openxmlformats.org/officeDocument/2006/relationships" xmlns:p="http://schemas.openxmlformats.org/presentationml/2006/main">
   <p:cSld>
+    <p:bg>
+      <p:bgPr>
+        <a:solidFill>
+          <a:schemeClr val="bg1"/>
+        </a:solidFill>
+        <a:effectLst/>
+      </p:bgPr>
+    </p:bg>
     <p:spTree>
       <p:nvGrpSpPr>
         <p:cNvPr id="1" name=""/>
@@ -10774,9 +11114,17 @@
 </p:sld>
 </file>
 
-<file path=ppt/slides/slide23.xml><?xml version="1.0" encoding="utf-8"?>
+<file path=ppt/slides/slide25.xml><?xml version="1.0" encoding="utf-8"?>
 <p:sld xmlns:a="http://schemas.openxmlformats.org/drawingml/2006/main" xmlns:r="http://schemas.openxmlformats.org/officeDocument/2006/relationships" xmlns:p="http://schemas.openxmlformats.org/presentationml/2006/main">
   <p:cSld>
+    <p:bg>
+      <p:bgPr>
+        <a:solidFill>
+          <a:schemeClr val="bg1"/>
+        </a:solidFill>
+        <a:effectLst/>
+      </p:bgPr>
+    </p:bg>
     <p:spTree>
       <p:nvGrpSpPr>
         <p:cNvPr id="1" name=""/>
@@ -10860,9 +11208,17 @@
 </p:sld>
 </file>
 
-<file path=ppt/slides/slide24.xml><?xml version="1.0" encoding="utf-8"?>
+<file path=ppt/slides/slide26.xml><?xml version="1.0" encoding="utf-8"?>
 <p:sld xmlns:a="http://schemas.openxmlformats.org/drawingml/2006/main" xmlns:r="http://schemas.openxmlformats.org/officeDocument/2006/relationships" xmlns:p="http://schemas.openxmlformats.org/presentationml/2006/main">
   <p:cSld>
+    <p:bg>
+      <p:bgPr>
+        <a:solidFill>
+          <a:schemeClr val="bg1"/>
+        </a:solidFill>
+        <a:effectLst/>
+      </p:bgPr>
+    </p:bg>
     <p:spTree>
       <p:nvGrpSpPr>
         <p:cNvPr id="1" name=""/>
@@ -10919,9 +11275,17 @@
 </p:sld>
 </file>
 
-<file path=ppt/slides/slide25.xml><?xml version="1.0" encoding="utf-8"?>
+<file path=ppt/slides/slide27.xml><?xml version="1.0" encoding="utf-8"?>
 <p:sld xmlns:a="http://schemas.openxmlformats.org/drawingml/2006/main" xmlns:r="http://schemas.openxmlformats.org/officeDocument/2006/relationships" xmlns:p="http://schemas.openxmlformats.org/presentationml/2006/main">
   <p:cSld>
+    <p:bg>
+      <p:bgPr>
+        <a:solidFill>
+          <a:schemeClr val="bg1"/>
+        </a:solidFill>
+        <a:effectLst/>
+      </p:bgPr>
+    </p:bg>
     <p:spTree>
       <p:nvGrpSpPr>
         <p:cNvPr id="1" name=""/>
@@ -10948,7 +11312,7 @@
         </p:nvSpPr>
         <p:spPr>
           <a:xfrm>
-            <a:off x="1430593" y="1909916"/>
+            <a:off x="1607574" y="3650226"/>
             <a:ext cx="9601200" cy="1485900"/>
           </a:xfrm>
         </p:spPr>
@@ -10990,9 +11354,17 @@
 </p:sld>
 </file>
 
-<file path=ppt/slides/slide26.xml><?xml version="1.0" encoding="utf-8"?>
+<file path=ppt/slides/slide28.xml><?xml version="1.0" encoding="utf-8"?>
 <p:sld xmlns:a="http://schemas.openxmlformats.org/drawingml/2006/main" xmlns:r="http://schemas.openxmlformats.org/officeDocument/2006/relationships" xmlns:p="http://schemas.openxmlformats.org/presentationml/2006/main">
   <p:cSld>
+    <p:bg>
+      <p:bgPr>
+        <a:solidFill>
+          <a:schemeClr val="bg1"/>
+        </a:solidFill>
+        <a:effectLst/>
+      </p:bgPr>
+    </p:bg>
     <p:spTree>
       <p:nvGrpSpPr>
         <p:cNvPr id="1" name=""/>
@@ -11103,9 +11475,17 @@
 </p:sld>
 </file>
 
-<file path=ppt/slides/slide27.xml><?xml version="1.0" encoding="utf-8"?>
+<file path=ppt/slides/slide29.xml><?xml version="1.0" encoding="utf-8"?>
 <p:sld xmlns:a="http://schemas.openxmlformats.org/drawingml/2006/main" xmlns:r="http://schemas.openxmlformats.org/officeDocument/2006/relationships" xmlns:p="http://schemas.openxmlformats.org/presentationml/2006/main">
   <p:cSld>
+    <p:bg>
+      <p:bgPr>
+        <a:solidFill>
+          <a:schemeClr val="bg1"/>
+        </a:solidFill>
+        <a:effectLst/>
+      </p:bgPr>
+    </p:bg>
     <p:spTree>
       <p:nvGrpSpPr>
         <p:cNvPr id="1" name=""/>
@@ -11130,13 +11510,13 @@
             <p:ph idx="1"/>
             <p:extLst>
               <p:ext uri="{D42A27DB-BD31-4B8C-83A1-F6EECF244321}">
-                <p14:modId xmlns:p14="http://schemas.microsoft.com/office/powerpoint/2010/main" val="1969935258"/>
+                <p14:modId xmlns:p14="http://schemas.microsoft.com/office/powerpoint/2010/main" val="588086057"/>
               </p:ext>
             </p:extLst>
           </p:nvPr>
         </p:nvGraphicFramePr>
         <p:xfrm>
-          <a:off x="1445342" y="1460091"/>
+          <a:off x="1445342" y="1342105"/>
           <a:ext cx="9807677" cy="5043948"/>
         </p:xfrm>
         <a:graphic>
@@ -11153,8 +11533,8 @@
         </p:nvSpPr>
         <p:spPr>
           <a:xfrm>
-            <a:off x="1445342" y="427703"/>
-            <a:ext cx="9232491" cy="707886"/>
+            <a:off x="1445342" y="280219"/>
+            <a:ext cx="9232491" cy="877163"/>
           </a:xfrm>
           <a:prstGeom prst="rect">
             <a:avLst/>
@@ -11168,9 +11548,22 @@
           <a:lstStyle/>
           <a:p>
             <a:r>
-              <a:rPr lang="en-US" sz="4000" dirty="0"/>
-              <a:t>🍷 Dataset</a:t>
-            </a:r>
+              <a:rPr lang="en-US" sz="4400" spc="300" dirty="0"/>
+              <a:t>🍷</a:t>
+            </a:r>
+            <a:r>
+              <a:rPr lang="en-US" sz="4000" spc="300" dirty="0" smtClean="0"/>
+              <a:t> </a:t>
+            </a:r>
+            <a:r>
+              <a:rPr lang="en-US" sz="5100" spc="300" dirty="0" smtClean="0">
+                <a:latin typeface="+mj-lt"/>
+              </a:rPr>
+              <a:t>DATASET</a:t>
+            </a:r>
+            <a:endParaRPr lang="en-US" sz="5100" spc="300" dirty="0">
+              <a:latin typeface="+mj-lt"/>
+            </a:endParaRPr>
           </a:p>
         </p:txBody>
       </p:sp>
@@ -11187,9 +11580,204 @@
 </p:sld>
 </file>
 
-<file path=ppt/slides/slide28.xml><?xml version="1.0" encoding="utf-8"?>
+<file path=ppt/slides/slide3.xml><?xml version="1.0" encoding="utf-8"?>
 <p:sld xmlns:a="http://schemas.openxmlformats.org/drawingml/2006/main" xmlns:r="http://schemas.openxmlformats.org/officeDocument/2006/relationships" xmlns:p="http://schemas.openxmlformats.org/presentationml/2006/main">
   <p:cSld>
+    <p:bg>
+      <p:bgPr>
+        <a:solidFill>
+          <a:schemeClr val="bg1"/>
+        </a:solidFill>
+        <a:effectLst/>
+      </p:bgPr>
+    </p:bg>
+    <p:spTree>
+      <p:nvGrpSpPr>
+        <p:cNvPr id="1" name=""/>
+        <p:cNvGrpSpPr/>
+        <p:nvPr/>
+      </p:nvGrpSpPr>
+      <p:grpSpPr>
+        <a:xfrm>
+          <a:off x="0" y="0"/>
+          <a:ext cx="0" cy="0"/>
+          <a:chOff x="0" y="0"/>
+          <a:chExt cx="0" cy="0"/>
+        </a:xfrm>
+      </p:grpSpPr>
+      <p:sp>
+        <p:nvSpPr>
+          <p:cNvPr id="2" name="Title 1"/>
+          <p:cNvSpPr>
+            <a:spLocks noGrp="1"/>
+          </p:cNvSpPr>
+          <p:nvPr>
+            <p:ph type="title"/>
+          </p:nvPr>
+        </p:nvSpPr>
+        <p:spPr/>
+        <p:txBody>
+          <a:bodyPr/>
+          <a:lstStyle/>
+          <a:p>
+            <a:r>
+              <a:rPr lang="en-US" dirty="0"/>
+              <a:t>But</a:t>
+            </a:r>
+            <a:r>
+              <a:rPr lang="mr-IN" dirty="0"/>
+              <a:t>…</a:t>
+            </a:r>
+            <a:endParaRPr lang="en-US" dirty="0"/>
+          </a:p>
+        </p:txBody>
+      </p:sp>
+      <p:sp>
+        <p:nvSpPr>
+          <p:cNvPr id="3" name="Content Placeholder 2"/>
+          <p:cNvSpPr>
+            <a:spLocks noGrp="1"/>
+          </p:cNvSpPr>
+          <p:nvPr>
+            <p:ph idx="1"/>
+          </p:nvPr>
+        </p:nvSpPr>
+        <p:spPr>
+          <a:xfrm>
+            <a:off x="1371600" y="2802194"/>
+            <a:ext cx="10146890" cy="3581400"/>
+          </a:xfrm>
+        </p:spPr>
+        <p:txBody>
+          <a:bodyPr>
+            <a:normAutofit/>
+          </a:bodyPr>
+          <a:lstStyle/>
+          <a:p>
+            <a:endParaRPr lang="en-US" sz="2400" dirty="0"/>
+          </a:p>
+          <a:p>
+            <a:r>
+              <a:rPr lang="en-US" sz="3200" dirty="0"/>
+              <a:t>“If the vast majority of the attributes have nothing to do with the class</a:t>
+            </a:r>
+            <a:r>
+              <a:rPr lang="mr-IN" sz="3200" dirty="0"/>
+              <a:t>…</a:t>
+            </a:r>
+            <a:r>
+              <a:rPr lang="en-US" sz="3200" dirty="0"/>
+              <a:t>then the geometric distance will become almost </a:t>
+            </a:r>
+            <a:r>
+              <a:rPr lang="en-US" sz="3200" b="1" dirty="0"/>
+              <a:t>meaningless</a:t>
+            </a:r>
+            <a:r>
+              <a:rPr lang="en-US" sz="3200" dirty="0"/>
+              <a:t>.” </a:t>
+            </a:r>
+            <a:r>
+              <a:rPr lang="en-US" sz="2400" dirty="0"/>
+              <a:t>				                                                 </a:t>
+            </a:r>
+            <a:r>
+              <a:rPr lang="mr-IN" sz="2400" dirty="0">
+                <a:solidFill>
+                  <a:schemeClr val="accent6">
+                    <a:lumMod val="75000"/>
+                  </a:schemeClr>
+                </a:solidFill>
+              </a:rPr>
+              <a:t>–</a:t>
+            </a:r>
+            <a:r>
+              <a:rPr lang="en-US" sz="2400" dirty="0">
+                <a:solidFill>
+                  <a:schemeClr val="accent6">
+                    <a:lumMod val="75000"/>
+                  </a:schemeClr>
+                </a:solidFill>
+              </a:rPr>
+              <a:t> Miroslav </a:t>
+            </a:r>
+            <a:r>
+              <a:rPr lang="en-US" sz="2400" dirty="0" err="1">
+                <a:solidFill>
+                  <a:schemeClr val="accent6">
+                    <a:lumMod val="75000"/>
+                  </a:schemeClr>
+                </a:solidFill>
+              </a:rPr>
+              <a:t>Kubat</a:t>
+            </a:r>
+            <a:r>
+              <a:rPr lang="en-US" sz="2400" dirty="0">
+                <a:solidFill>
+                  <a:schemeClr val="accent6">
+                    <a:lumMod val="75000"/>
+                  </a:schemeClr>
+                </a:solidFill>
+              </a:rPr>
+              <a:t> </a:t>
+            </a:r>
+            <a:r>
+              <a:rPr lang="en-US" sz="2400" i="1" dirty="0">
+                <a:solidFill>
+                  <a:schemeClr val="accent6">
+                    <a:lumMod val="75000"/>
+                  </a:schemeClr>
+                </a:solidFill>
+              </a:rPr>
+              <a:t>An Introduction to Machine Learning</a:t>
+            </a:r>
+            <a:r>
+              <a:rPr lang="en-US" sz="2400" dirty="0">
+                <a:solidFill>
+                  <a:schemeClr val="accent6">
+                    <a:lumMod val="75000"/>
+                  </a:schemeClr>
+                </a:solidFill>
+              </a:rPr>
+              <a:t> </a:t>
+            </a:r>
+          </a:p>
+          <a:p>
+            <a:endParaRPr lang="en-US" sz="2400" dirty="0"/>
+          </a:p>
+        </p:txBody>
+      </p:sp>
+    </p:spTree>
+    <p:extLst>
+      <p:ext uri="{BB962C8B-B14F-4D97-AF65-F5344CB8AC3E}">
+        <p14:creationId xmlns:p14="http://schemas.microsoft.com/office/powerpoint/2010/main" val="468511475"/>
+      </p:ext>
+    </p:extLst>
+  </p:cSld>
+  <p:clrMapOvr>
+    <a:masterClrMapping/>
+  </p:clrMapOvr>
+  <p:timing>
+    <p:tnLst>
+      <p:par>
+        <p:cTn id="1" dur="indefinite" restart="never" nodeType="tmRoot"/>
+      </p:par>
+    </p:tnLst>
+  </p:timing>
+</p:sld>
+</file>
+
+<file path=ppt/slides/slide30.xml><?xml version="1.0" encoding="utf-8"?>
+<p:sld xmlns:a="http://schemas.openxmlformats.org/drawingml/2006/main" xmlns:r="http://schemas.openxmlformats.org/officeDocument/2006/relationships" xmlns:p="http://schemas.openxmlformats.org/presentationml/2006/main">
+  <p:cSld>
+    <p:bg>
+      <p:bgPr>
+        <a:solidFill>
+          <a:schemeClr val="bg1"/>
+        </a:solidFill>
+        <a:effectLst/>
+      </p:bgPr>
+    </p:bg>
     <p:spTree>
       <p:nvGrpSpPr>
         <p:cNvPr id="1" name=""/>
@@ -11268,9 +11856,17 @@
 </p:sld>
 </file>
 
-<file path=ppt/slides/slide29.xml><?xml version="1.0" encoding="utf-8"?>
+<file path=ppt/slides/slide31.xml><?xml version="1.0" encoding="utf-8"?>
 <p:sld xmlns:a="http://schemas.openxmlformats.org/drawingml/2006/main" xmlns:r="http://schemas.openxmlformats.org/officeDocument/2006/relationships" xmlns:p="http://schemas.openxmlformats.org/presentationml/2006/main">
   <p:cSld>
+    <p:bg>
+      <p:bgPr>
+        <a:solidFill>
+          <a:schemeClr val="bg1"/>
+        </a:solidFill>
+        <a:effectLst/>
+      </p:bgPr>
+    </p:bg>
     <p:spTree>
       <p:nvGrpSpPr>
         <p:cNvPr id="1" name=""/>
@@ -11349,181 +11945,17 @@
 </p:sld>
 </file>
 
-<file path=ppt/slides/slide3.xml><?xml version="1.0" encoding="utf-8"?>
+<file path=ppt/slides/slide32.xml><?xml version="1.0" encoding="utf-8"?>
 <p:sld xmlns:a="http://schemas.openxmlformats.org/drawingml/2006/main" xmlns:r="http://schemas.openxmlformats.org/officeDocument/2006/relationships" xmlns:p="http://schemas.openxmlformats.org/presentationml/2006/main">
   <p:cSld>
-    <p:spTree>
-      <p:nvGrpSpPr>
-        <p:cNvPr id="1" name=""/>
-        <p:cNvGrpSpPr/>
-        <p:nvPr/>
-      </p:nvGrpSpPr>
-      <p:grpSpPr>
-        <a:xfrm>
-          <a:off x="0" y="0"/>
-          <a:ext cx="0" cy="0"/>
-          <a:chOff x="0" y="0"/>
-          <a:chExt cx="0" cy="0"/>
-        </a:xfrm>
-      </p:grpSpPr>
-      <p:sp>
-        <p:nvSpPr>
-          <p:cNvPr id="2" name="Title 1"/>
-          <p:cNvSpPr>
-            <a:spLocks noGrp="1"/>
-          </p:cNvSpPr>
-          <p:nvPr>
-            <p:ph type="title"/>
-          </p:nvPr>
-        </p:nvSpPr>
-        <p:spPr/>
-        <p:txBody>
-          <a:bodyPr/>
-          <a:lstStyle/>
-          <a:p>
-            <a:r>
-              <a:rPr lang="en-US" dirty="0"/>
-              <a:t>But</a:t>
-            </a:r>
-            <a:r>
-              <a:rPr lang="mr-IN" dirty="0"/>
-              <a:t>…</a:t>
-            </a:r>
-            <a:endParaRPr lang="en-US" dirty="0"/>
-          </a:p>
-        </p:txBody>
-      </p:sp>
-      <p:sp>
-        <p:nvSpPr>
-          <p:cNvPr id="3" name="Content Placeholder 2"/>
-          <p:cNvSpPr>
-            <a:spLocks noGrp="1"/>
-          </p:cNvSpPr>
-          <p:nvPr>
-            <p:ph idx="1"/>
-          </p:nvPr>
-        </p:nvSpPr>
-        <p:spPr>
-          <a:xfrm>
-            <a:off x="1371600" y="2802194"/>
-            <a:ext cx="10146890" cy="3581400"/>
-          </a:xfrm>
-        </p:spPr>
-        <p:txBody>
-          <a:bodyPr>
-            <a:normAutofit/>
-          </a:bodyPr>
-          <a:lstStyle/>
-          <a:p>
-            <a:endParaRPr lang="en-US" sz="2400" dirty="0"/>
-          </a:p>
-          <a:p>
-            <a:r>
-              <a:rPr lang="en-US" sz="3200" dirty="0"/>
-              <a:t>“If the vast majority of the attributes have nothing to do with the class</a:t>
-            </a:r>
-            <a:r>
-              <a:rPr lang="mr-IN" sz="3200" dirty="0"/>
-              <a:t>…</a:t>
-            </a:r>
-            <a:r>
-              <a:rPr lang="en-US" sz="3200" dirty="0"/>
-              <a:t>then the geometric distance will become almost </a:t>
-            </a:r>
-            <a:r>
-              <a:rPr lang="en-US" sz="3200" b="1" dirty="0"/>
-              <a:t>meaningless</a:t>
-            </a:r>
-            <a:r>
-              <a:rPr lang="en-US" sz="3200" dirty="0"/>
-              <a:t>.” </a:t>
-            </a:r>
-            <a:r>
-              <a:rPr lang="en-US" sz="2400" dirty="0"/>
-              <a:t>				                                                 </a:t>
-            </a:r>
-            <a:r>
-              <a:rPr lang="mr-IN" sz="2400" dirty="0">
-                <a:solidFill>
-                  <a:schemeClr val="accent6">
-                    <a:lumMod val="75000"/>
-                  </a:schemeClr>
-                </a:solidFill>
-              </a:rPr>
-              <a:t>–</a:t>
-            </a:r>
-            <a:r>
-              <a:rPr lang="en-US" sz="2400" dirty="0">
-                <a:solidFill>
-                  <a:schemeClr val="accent6">
-                    <a:lumMod val="75000"/>
-                  </a:schemeClr>
-                </a:solidFill>
-              </a:rPr>
-              <a:t> Miroslav </a:t>
-            </a:r>
-            <a:r>
-              <a:rPr lang="en-US" sz="2400" dirty="0" err="1">
-                <a:solidFill>
-                  <a:schemeClr val="accent6">
-                    <a:lumMod val="75000"/>
-                  </a:schemeClr>
-                </a:solidFill>
-              </a:rPr>
-              <a:t>Kubat</a:t>
-            </a:r>
-            <a:r>
-              <a:rPr lang="en-US" sz="2400" dirty="0">
-                <a:solidFill>
-                  <a:schemeClr val="accent6">
-                    <a:lumMod val="75000"/>
-                  </a:schemeClr>
-                </a:solidFill>
-              </a:rPr>
-              <a:t> </a:t>
-            </a:r>
-            <a:r>
-              <a:rPr lang="en-US" sz="2400" i="1" dirty="0">
-                <a:solidFill>
-                  <a:schemeClr val="accent6">
-                    <a:lumMod val="75000"/>
-                  </a:schemeClr>
-                </a:solidFill>
-              </a:rPr>
-              <a:t>An Introduction to Machine Learning</a:t>
-            </a:r>
-            <a:r>
-              <a:rPr lang="en-US" sz="2400" dirty="0">
-                <a:solidFill>
-                  <a:schemeClr val="accent6">
-                    <a:lumMod val="75000"/>
-                  </a:schemeClr>
-                </a:solidFill>
-              </a:rPr>
-              <a:t> </a:t>
-            </a:r>
-          </a:p>
-          <a:p>
-            <a:endParaRPr lang="en-US" sz="2400" dirty="0"/>
-          </a:p>
-        </p:txBody>
-      </p:sp>
-    </p:spTree>
-    <p:extLst>
-      <p:ext uri="{BB962C8B-B14F-4D97-AF65-F5344CB8AC3E}">
-        <p14:creationId xmlns:p14="http://schemas.microsoft.com/office/powerpoint/2010/main" val="468511475"/>
-      </p:ext>
-    </p:extLst>
-  </p:cSld>
-  <p:clrMapOvr>
-    <a:masterClrMapping/>
-  </p:clrMapOvr>
-</p:sld>
-</file>
-
-<file path=ppt/slides/slide30.xml><?xml version="1.0" encoding="utf-8"?>
-<p:sld xmlns:a="http://schemas.openxmlformats.org/drawingml/2006/main" xmlns:r="http://schemas.openxmlformats.org/officeDocument/2006/relationships" xmlns:p="http://schemas.openxmlformats.org/presentationml/2006/main">
-  <p:cSld>
+    <p:bg>
+      <p:bgPr>
+        <a:solidFill>
+          <a:schemeClr val="bg1"/>
+        </a:solidFill>
+        <a:effectLst/>
+      </p:bgPr>
+    </p:bg>
     <p:spTree>
       <p:nvGrpSpPr>
         <p:cNvPr id="1" name=""/>
@@ -11602,9 +12034,17 @@
 </p:sld>
 </file>
 
-<file path=ppt/slides/slide31.xml><?xml version="1.0" encoding="utf-8"?>
+<file path=ppt/slides/slide33.xml><?xml version="1.0" encoding="utf-8"?>
 <p:sld xmlns:a="http://schemas.openxmlformats.org/drawingml/2006/main" xmlns:r="http://schemas.openxmlformats.org/officeDocument/2006/relationships" xmlns:p="http://schemas.openxmlformats.org/presentationml/2006/main">
   <p:cSld>
+    <p:bg>
+      <p:bgPr>
+        <a:solidFill>
+          <a:schemeClr val="bg1"/>
+        </a:solidFill>
+        <a:effectLst/>
+      </p:bgPr>
+    </p:bg>
     <p:spTree>
       <p:nvGrpSpPr>
         <p:cNvPr id="1" name=""/>
@@ -11651,7 +12091,12 @@
             <p:ph idx="1"/>
           </p:nvPr>
         </p:nvSpPr>
-        <p:spPr/>
+        <p:spPr>
+          <a:xfrm>
+            <a:off x="1251678" y="2109021"/>
+            <a:ext cx="10178322" cy="3593591"/>
+          </a:xfrm>
+        </p:spPr>
         <p:txBody>
           <a:bodyPr>
             <a:normAutofit/>
@@ -11704,8 +12149,9 @@
             <a:endParaRPr lang="en-US" sz="2400" dirty="0"/>
           </a:p>
           <a:p>
-            <a:r>
-              <a:rPr lang="en-US" sz="2400" dirty="0"/>
+            <a:pPr lvl="1"/>
+            <a:r>
+              <a:rPr lang="en-US" sz="2200" dirty="0"/>
               <a:t>Breaking ties </a:t>
             </a:r>
           </a:p>
@@ -11722,8 +12168,21 @@
               <a:rPr lang="en-US" sz="2400" dirty="0"/>
               <a:t> performance. </a:t>
             </a:r>
-          </a:p>
-          <a:p>
+            <a:endParaRPr lang="en-US" sz="2400" dirty="0" smtClean="0"/>
+          </a:p>
+          <a:p>
+            <a:r>
+              <a:rPr lang="en-US" sz="2400" b="1" dirty="0"/>
+              <a:t>D</a:t>
+            </a:r>
+            <a:r>
+              <a:rPr lang="en-US" sz="2400" b="1" dirty="0" smtClean="0"/>
+              <a:t>iscrete</a:t>
+            </a:r>
+            <a:r>
+              <a:rPr lang="en-US" sz="2400" dirty="0" smtClean="0"/>
+              <a:t> domains?</a:t>
+            </a:r>
             <a:endParaRPr lang="en-US" sz="2400" dirty="0"/>
           </a:p>
         </p:txBody>
@@ -11741,9 +12200,17 @@
 </p:sld>
 </file>
 
-<file path=ppt/slides/slide32.xml><?xml version="1.0" encoding="utf-8"?>
+<file path=ppt/slides/slide34.xml><?xml version="1.0" encoding="utf-8"?>
 <p:sld xmlns:a="http://schemas.openxmlformats.org/drawingml/2006/main" xmlns:r="http://schemas.openxmlformats.org/officeDocument/2006/relationships" xmlns:p="http://schemas.openxmlformats.org/presentationml/2006/main">
   <p:cSld>
+    <p:bg>
+      <p:bgPr>
+        <a:solidFill>
+          <a:schemeClr val="bg1"/>
+        </a:solidFill>
+        <a:effectLst/>
+      </p:bgPr>
+    </p:bg>
     <p:spTree>
       <p:nvGrpSpPr>
         <p:cNvPr id="1" name=""/>
@@ -11801,6 +12268,14 @@
 <file path=ppt/slides/slide4.xml><?xml version="1.0" encoding="utf-8"?>
 <p:sld xmlns:a="http://schemas.openxmlformats.org/drawingml/2006/main" xmlns:r="http://schemas.openxmlformats.org/officeDocument/2006/relationships" xmlns:p="http://schemas.openxmlformats.org/presentationml/2006/main">
   <p:cSld>
+    <p:bg>
+      <p:bgPr>
+        <a:solidFill>
+          <a:schemeClr val="bg1"/>
+        </a:solidFill>
+        <a:effectLst/>
+      </p:bgPr>
+    </p:bg>
     <p:spTree>
       <p:nvGrpSpPr>
         <p:cNvPr id="1" name=""/>
@@ -11900,12 +12375,27 @@
   <p:clrMapOvr>
     <a:masterClrMapping/>
   </p:clrMapOvr>
+  <p:timing>
+    <p:tnLst>
+      <p:par>
+        <p:cTn id="1" dur="indefinite" restart="never" nodeType="tmRoot"/>
+      </p:par>
+    </p:tnLst>
+  </p:timing>
 </p:sld>
 </file>
 
 <file path=ppt/slides/slide5.xml><?xml version="1.0" encoding="utf-8"?>
 <p:sld xmlns:a="http://schemas.openxmlformats.org/drawingml/2006/main" xmlns:r="http://schemas.openxmlformats.org/officeDocument/2006/relationships" xmlns:p="http://schemas.openxmlformats.org/presentationml/2006/main">
   <p:cSld>
+    <p:bg>
+      <p:bgPr>
+        <a:solidFill>
+          <a:schemeClr val="bg1"/>
+        </a:solidFill>
+        <a:effectLst/>
+      </p:bgPr>
+    </p:bg>
     <p:spTree>
       <p:nvGrpSpPr>
         <p:cNvPr id="1" name=""/>
@@ -11932,7 +12422,7 @@
         </p:nvSpPr>
         <p:spPr>
           <a:xfrm>
-            <a:off x="1873046" y="2750576"/>
+            <a:off x="1519085" y="3930447"/>
             <a:ext cx="9601200" cy="1485900"/>
           </a:xfrm>
         </p:spPr>
@@ -11960,12 +12450,27 @@
   <p:clrMapOvr>
     <a:masterClrMapping/>
   </p:clrMapOvr>
+  <p:timing>
+    <p:tnLst>
+      <p:par>
+        <p:cTn id="1" dur="indefinite" restart="never" nodeType="tmRoot"/>
+      </p:par>
+    </p:tnLst>
+  </p:timing>
 </p:sld>
 </file>
 
 <file path=ppt/slides/slide6.xml><?xml version="1.0" encoding="utf-8"?>
 <p:sld xmlns:a="http://schemas.openxmlformats.org/drawingml/2006/main" xmlns:r="http://schemas.openxmlformats.org/officeDocument/2006/relationships" xmlns:p="http://schemas.openxmlformats.org/presentationml/2006/main">
   <p:cSld>
+    <p:bg>
+      <p:bgPr>
+        <a:solidFill>
+          <a:schemeClr val="bg1"/>
+        </a:solidFill>
+        <a:effectLst/>
+      </p:bgPr>
+    </p:bg>
     <p:spTree>
       <p:nvGrpSpPr>
         <p:cNvPr id="1" name=""/>
@@ -12063,16 +12568,27 @@
               <a:rPr lang="en-US" sz="2800" dirty="0">
                 <a:sym typeface="Wingdings"/>
               </a:rPr>
-              <a:t>Training set may not be representative			            </a:t>
+              <a:t>Training set may not be representative			           </a:t>
+            </a:r>
+            <a:r>
+              <a:rPr lang="en-US" sz="2800" dirty="0" smtClean="0">
+                <a:sym typeface="Wingdings"/>
+              </a:rPr>
+              <a:t> </a:t>
             </a:r>
             <a:r>
               <a:rPr lang="en-US" sz="2800" b="1" dirty="0"/>
-              <a:t>Random subsampling</a:t>
-            </a:r>
-          </a:p>
-          <a:p>
-            <a:r>
-              <a:rPr lang="en-US" sz="2800" b="1" dirty="0"/>
+              <a:t>Random </a:t>
+            </a:r>
+            <a:r>
+              <a:rPr lang="en-US" sz="2800" b="1" dirty="0" smtClean="0"/>
+              <a:t>subsampling</a:t>
+            </a:r>
+            <a:endParaRPr lang="en-US" sz="2800" b="1" dirty="0"/>
+          </a:p>
+          <a:p>
+            <a:r>
+              <a:rPr lang="en-US" sz="2800" b="1" dirty="0" smtClean="0"/>
               <a:t> </a:t>
             </a:r>
             <a:r>
@@ -12144,12 +12660,27 @@
   <p:clrMapOvr>
     <a:masterClrMapping/>
   </p:clrMapOvr>
+  <p:timing>
+    <p:tnLst>
+      <p:par>
+        <p:cTn id="1" dur="indefinite" restart="never" nodeType="tmRoot"/>
+      </p:par>
+    </p:tnLst>
+  </p:timing>
 </p:sld>
 </file>
 
 <file path=ppt/slides/slide7.xml><?xml version="1.0" encoding="utf-8"?>
 <p:sld xmlns:a="http://schemas.openxmlformats.org/drawingml/2006/main" xmlns:r="http://schemas.openxmlformats.org/officeDocument/2006/relationships" xmlns:p="http://schemas.openxmlformats.org/presentationml/2006/main">
   <p:cSld>
+    <p:bg>
+      <p:bgPr>
+        <a:solidFill>
+          <a:schemeClr val="bg1"/>
+        </a:solidFill>
+        <a:effectLst/>
+      </p:bgPr>
+    </p:bg>
     <p:spTree>
       <p:nvGrpSpPr>
         <p:cNvPr id="1" name=""/>
@@ -12224,11 +12755,27 @@
               <a:rPr lang="en-US" sz="2800" b="1" dirty="0"/>
               <a:t>realistic domains </a:t>
             </a:r>
+            <a:endParaRPr lang="en-US" sz="2800" b="1" dirty="0" smtClean="0"/>
           </a:p>
           <a:p>
             <a:r>
               <a:rPr lang="en-US" sz="2800" dirty="0"/>
-              <a:t>How to? </a:t>
+              <a:t>V</a:t>
+            </a:r>
+            <a:r>
+              <a:rPr lang="en-US" sz="2800" dirty="0" smtClean="0"/>
+              <a:t>alues should not dominate the dataset.</a:t>
+            </a:r>
+            <a:endParaRPr lang="en-US" sz="2600" dirty="0" smtClean="0"/>
+          </a:p>
+          <a:p>
+            <a:r>
+              <a:rPr lang="en-US" sz="2800" dirty="0" smtClean="0"/>
+              <a:t>How </a:t>
+            </a:r>
+            <a:r>
+              <a:rPr lang="en-US" sz="2800" dirty="0"/>
+              <a:t>to? </a:t>
             </a:r>
             <a:r>
               <a:rPr lang="en-US" sz="2800" b="1" dirty="0"/>
@@ -12293,8 +12840,8 @@
         </p:blipFill>
         <p:spPr>
           <a:xfrm>
-            <a:off x="3075040" y="3973461"/>
-            <a:ext cx="6518786" cy="2612165"/>
+            <a:off x="3775587" y="4626450"/>
+            <a:ext cx="4962832" cy="1988673"/>
           </a:xfrm>
           <a:prstGeom prst="rect">
             <a:avLst/>
@@ -12311,12 +12858,27 @@
   <p:clrMapOvr>
     <a:masterClrMapping/>
   </p:clrMapOvr>
+  <p:timing>
+    <p:tnLst>
+      <p:par>
+        <p:cTn id="1" dur="indefinite" restart="never" nodeType="tmRoot"/>
+      </p:par>
+    </p:tnLst>
+  </p:timing>
 </p:sld>
 </file>
 
 <file path=ppt/slides/slide8.xml><?xml version="1.0" encoding="utf-8"?>
 <p:sld xmlns:a="http://schemas.openxmlformats.org/drawingml/2006/main" xmlns:r="http://schemas.openxmlformats.org/officeDocument/2006/relationships" xmlns:p="http://schemas.openxmlformats.org/presentationml/2006/main">
   <p:cSld>
+    <p:bg>
+      <p:bgPr>
+        <a:solidFill>
+          <a:schemeClr val="bg1"/>
+        </a:solidFill>
+        <a:effectLst/>
+      </p:bgPr>
+    </p:bg>
     <p:spTree>
       <p:nvGrpSpPr>
         <p:cNvPr id="1" name=""/>
@@ -12347,9 +12909,14 @@
           <a:lstStyle/>
           <a:p>
             <a:r>
-              <a:rPr lang="en-US" dirty="0"/>
-              <a:t>Setting up... </a:t>
-            </a:r>
+              <a:rPr lang="en-US" dirty="0" smtClean="0"/>
+              <a:t>Setting up</a:t>
+            </a:r>
+            <a:r>
+              <a:rPr lang="mr-IN" dirty="0" smtClean="0"/>
+              <a:t>…</a:t>
+            </a:r>
+            <a:endParaRPr lang="en-US" dirty="0"/>
           </a:p>
         </p:txBody>
       </p:sp>
@@ -12402,16 +12969,21 @@
           <a:p>
             <a:r>
               <a:rPr lang="en-US" sz="2800" dirty="0"/>
-              <a:t>Now, the data</a:t>
-            </a:r>
-            <a:r>
-              <a:rPr lang="mr-IN" sz="2800" dirty="0"/>
+              <a:t>Now, the </a:t>
+            </a:r>
+            <a:r>
+              <a:rPr lang="en-US" sz="2800" dirty="0" smtClean="0"/>
+              <a:t>datasets</a:t>
+            </a:r>
+            <a:r>
+              <a:rPr lang="mr-IN" sz="2800" dirty="0" smtClean="0"/>
               <a:t>…</a:t>
             </a:r>
             <a:r>
-              <a:rPr lang="en-US" sz="2800" dirty="0"/>
+              <a:rPr lang="en-US" sz="2800" dirty="0" smtClean="0"/>
               <a:t>  </a:t>
             </a:r>
+            <a:endParaRPr lang="en-US" sz="2800" dirty="0"/>
           </a:p>
           <a:p>
             <a:endParaRPr lang="en-US" sz="2800" dirty="0"/>
@@ -12437,6 +13009,14 @@
 <file path=ppt/slides/slide9.xml><?xml version="1.0" encoding="utf-8"?>
 <p:sld xmlns:a="http://schemas.openxmlformats.org/drawingml/2006/main" xmlns:r="http://schemas.openxmlformats.org/officeDocument/2006/relationships" xmlns:p="http://schemas.openxmlformats.org/presentationml/2006/main">
   <p:cSld>
+    <p:bg>
+      <p:bgPr>
+        <a:solidFill>
+          <a:schemeClr val="bg1"/>
+        </a:solidFill>
+        <a:effectLst/>
+      </p:bgPr>
+    </p:bg>
     <p:spTree>
       <p:nvGrpSpPr>
         <p:cNvPr id="1" name=""/>

--- a/proj1/presentation/pres.pptx
+++ b/proj1/presentation/pres.pptx
@@ -293,7 +293,7 @@
                   <c:v>71.2230602387463</c:v>
                 </c:pt>
                 <c:pt idx="3">
-                  <c:v>77.38723781202874</c:v>
+                  <c:v>77.38723781202872</c:v>
                 </c:pt>
                 <c:pt idx="4">
                   <c:v>83.9412467154564</c:v>
@@ -320,11 +320,11 @@
           <c:showBubbleSize val="0"/>
         </c:dLbls>
         <c:smooth val="0"/>
-        <c:axId val="-2083727808"/>
-        <c:axId val="-2083772992"/>
+        <c:axId val="-2009565952"/>
+        <c:axId val="-2083862608"/>
       </c:lineChart>
       <c:catAx>
-        <c:axId val="-2083727808"/>
+        <c:axId val="-2009565952"/>
         <c:scaling>
           <c:orientation val="minMax"/>
         </c:scaling>
@@ -442,7 +442,7 @@
             <a:endParaRPr lang="en-US"/>
           </a:p>
         </c:txPr>
-        <c:crossAx val="-2083772992"/>
+        <c:crossAx val="-2083862608"/>
         <c:crosses val="autoZero"/>
         <c:auto val="1"/>
         <c:lblAlgn val="ctr"/>
@@ -450,7 +450,7 @@
         <c:noMultiLvlLbl val="0"/>
       </c:catAx>
       <c:valAx>
-        <c:axId val="-2083772992"/>
+        <c:axId val="-2083862608"/>
         <c:scaling>
           <c:orientation val="minMax"/>
         </c:scaling>
@@ -563,7 +563,7 @@
             <a:endParaRPr lang="en-US"/>
           </a:p>
         </c:txPr>
-        <c:crossAx val="-2083727808"/>
+        <c:crossAx val="-2009565952"/>
         <c:crosses val="autoZero"/>
         <c:crossBetween val="between"/>
       </c:valAx>
@@ -1240,7 +1240,7 @@
           <a:p>
             <a:fld id="{EFFD68E4-2A8C-1A4C-9B75-46B16ED00C58}" type="datetimeFigureOut">
               <a:rPr lang="en-US" smtClean="0"/>
-              <a:t>10/17/17</a:t>
+              <a:t>10/18/17</a:t>
             </a:fld>
             <a:endParaRPr lang="en-US"/>
           </a:p>
@@ -2803,7 +2803,7 @@
             <a:fld id="{87DE6118-2437-4B30-8E3C-4D2BE6020583}" type="datetimeFigureOut">
               <a:rPr lang="en-US" smtClean="0"/>
               <a:pPr/>
-              <a:t>10/17/17</a:t>
+              <a:t>10/18/17</a:t>
             </a:fld>
             <a:endParaRPr lang="en-US" dirty="0"/>
           </a:p>
@@ -3042,7 +3042,7 @@
           <a:p>
             <a:fld id="{87DE6118-2437-4B30-8E3C-4D2BE6020583}" type="datetimeFigureOut">
               <a:rPr lang="en-US" smtClean="0"/>
-              <a:t>10/17/17</a:t>
+              <a:t>10/18/17</a:t>
             </a:fld>
             <a:endParaRPr lang="en-US" dirty="0"/>
           </a:p>
@@ -3222,7 +3222,7 @@
           <a:p>
             <a:fld id="{87DE6118-2437-4B30-8E3C-4D2BE6020583}" type="datetimeFigureOut">
               <a:rPr lang="en-US" smtClean="0"/>
-              <a:t>10/17/17</a:t>
+              <a:t>10/18/17</a:t>
             </a:fld>
             <a:endParaRPr lang="en-US" dirty="0"/>
           </a:p>
@@ -3392,7 +3392,7 @@
           <a:p>
             <a:fld id="{87DE6118-2437-4B30-8E3C-4D2BE6020583}" type="datetimeFigureOut">
               <a:rPr lang="en-US" smtClean="0"/>
-              <a:t>10/17/17</a:t>
+              <a:t>10/18/17</a:t>
             </a:fld>
             <a:endParaRPr lang="en-US" dirty="0"/>
           </a:p>
@@ -3669,7 +3669,7 @@
             <a:fld id="{87DE6118-2437-4B30-8E3C-4D2BE6020583}" type="datetimeFigureOut">
               <a:rPr lang="en-US" smtClean="0"/>
               <a:pPr/>
-              <a:t>10/17/17</a:t>
+              <a:t>10/18/17</a:t>
             </a:fld>
             <a:endParaRPr lang="en-US" dirty="0"/>
           </a:p>
@@ -4871,7 +4871,7 @@
           <a:p>
             <a:fld id="{87DE6118-2437-4B30-8E3C-4D2BE6020583}" type="datetimeFigureOut">
               <a:rPr lang="en-US" smtClean="0"/>
-              <a:t>10/17/17</a:t>
+              <a:t>10/18/17</a:t>
             </a:fld>
             <a:endParaRPr lang="en-US" dirty="0"/>
           </a:p>
@@ -5261,7 +5261,7 @@
           <a:p>
             <a:fld id="{87DE6118-2437-4B30-8E3C-4D2BE6020583}" type="datetimeFigureOut">
               <a:rPr lang="en-US" smtClean="0"/>
-              <a:t>10/17/17</a:t>
+              <a:t>10/18/17</a:t>
             </a:fld>
             <a:endParaRPr lang="en-US" dirty="0"/>
           </a:p>
@@ -5384,7 +5384,7 @@
           <a:p>
             <a:fld id="{87DE6118-2437-4B30-8E3C-4D2BE6020583}" type="datetimeFigureOut">
               <a:rPr lang="en-US" smtClean="0"/>
-              <a:t>10/17/17</a:t>
+              <a:t>10/18/17</a:t>
             </a:fld>
             <a:endParaRPr lang="en-US" dirty="0"/>
           </a:p>
@@ -5479,7 +5479,7 @@
           <a:p>
             <a:fld id="{87DE6118-2437-4B30-8E3C-4D2BE6020583}" type="datetimeFigureOut">
               <a:rPr lang="en-US" smtClean="0"/>
-              <a:t>10/17/17</a:t>
+              <a:t>10/18/17</a:t>
             </a:fld>
             <a:endParaRPr lang="en-US" dirty="0"/>
           </a:p>
@@ -6243,7 +6243,7 @@
             <a:fld id="{87DE6118-2437-4B30-8E3C-4D2BE6020583}" type="datetimeFigureOut">
               <a:rPr lang="en-US" smtClean="0"/>
               <a:pPr/>
-              <a:t>10/17/17</a:t>
+              <a:t>10/18/17</a:t>
             </a:fld>
             <a:endParaRPr lang="en-US" dirty="0"/>
           </a:p>
@@ -7085,7 +7085,7 @@
             <a:fld id="{87DE6118-2437-4B30-8E3C-4D2BE6020583}" type="datetimeFigureOut">
               <a:rPr lang="en-US" smtClean="0"/>
               <a:pPr/>
-              <a:t>10/17/17</a:t>
+              <a:t>10/18/17</a:t>
             </a:fld>
             <a:endParaRPr lang="en-US" dirty="0"/>
           </a:p>
@@ -7314,7 +7314,7 @@
             <a:fld id="{87DE6118-2437-4B30-8E3C-4D2BE6020583}" type="datetimeFigureOut">
               <a:rPr lang="en-US" smtClean="0"/>
               <a:pPr/>
-              <a:t>10/17/17</a:t>
+              <a:t>10/18/17</a:t>
             </a:fld>
             <a:endParaRPr lang="en-US" dirty="0"/>
           </a:p>
@@ -8683,21 +8683,21 @@
                 <a:gridCol w="2227006">
                   <a:extLst>
                     <a:ext uri="{9D8B030D-6E8A-4147-A177-3AD203B41FA5}">
-                      <a16:colId xmlns="" xmlns:a16="http://schemas.microsoft.com/office/drawing/2014/main" val="20000"/>
+                      <a16:colId xmlns:a16="http://schemas.microsoft.com/office/drawing/2014/main" xmlns="" val="20000"/>
                     </a:ext>
                   </a:extLst>
                 </a:gridCol>
                 <a:gridCol w="2227006">
                   <a:extLst>
                     <a:ext uri="{9D8B030D-6E8A-4147-A177-3AD203B41FA5}">
-                      <a16:colId xmlns="" xmlns:a16="http://schemas.microsoft.com/office/drawing/2014/main" val="20001"/>
+                      <a16:colId xmlns:a16="http://schemas.microsoft.com/office/drawing/2014/main" xmlns="" val="20001"/>
                     </a:ext>
                   </a:extLst>
                 </a:gridCol>
                 <a:gridCol w="2227006">
                   <a:extLst>
                     <a:ext uri="{9D8B030D-6E8A-4147-A177-3AD203B41FA5}">
-                      <a16:colId xmlns="" xmlns:a16="http://schemas.microsoft.com/office/drawing/2014/main" val="20002"/>
+                      <a16:colId xmlns:a16="http://schemas.microsoft.com/office/drawing/2014/main" xmlns="" val="20002"/>
                     </a:ext>
                   </a:extLst>
                 </a:gridCol>
@@ -8783,7 +8783,7 @@
                 </a:tc>
                 <a:extLst>
                   <a:ext uri="{0D108BD9-81ED-4DB2-BD59-A6C34878D82A}">
-                    <a16:rowId xmlns="" xmlns:a16="http://schemas.microsoft.com/office/drawing/2014/main" val="10000"/>
+                    <a16:rowId xmlns:a16="http://schemas.microsoft.com/office/drawing/2014/main" xmlns="" val="10000"/>
                   </a:ext>
                 </a:extLst>
               </a:tr>
@@ -8859,7 +8859,7 @@
                 </a:tc>
                 <a:extLst>
                   <a:ext uri="{0D108BD9-81ED-4DB2-BD59-A6C34878D82A}">
-                    <a16:rowId xmlns="" xmlns:a16="http://schemas.microsoft.com/office/drawing/2014/main" val="10001"/>
+                    <a16:rowId xmlns:a16="http://schemas.microsoft.com/office/drawing/2014/main" xmlns="" val="10001"/>
                   </a:ext>
                 </a:extLst>
               </a:tr>
@@ -8935,7 +8935,7 @@
                 </a:tc>
                 <a:extLst>
                   <a:ext uri="{0D108BD9-81ED-4DB2-BD59-A6C34878D82A}">
-                    <a16:rowId xmlns="" xmlns:a16="http://schemas.microsoft.com/office/drawing/2014/main" val="10002"/>
+                    <a16:rowId xmlns:a16="http://schemas.microsoft.com/office/drawing/2014/main" xmlns="" val="10002"/>
                   </a:ext>
                 </a:extLst>
               </a:tr>
@@ -9011,7 +9011,7 @@
                 </a:tc>
                 <a:extLst>
                   <a:ext uri="{0D108BD9-81ED-4DB2-BD59-A6C34878D82A}">
-                    <a16:rowId xmlns="" xmlns:a16="http://schemas.microsoft.com/office/drawing/2014/main" val="10003"/>
+                    <a16:rowId xmlns:a16="http://schemas.microsoft.com/office/drawing/2014/main" xmlns="" val="10003"/>
                   </a:ext>
                 </a:extLst>
               </a:tr>
@@ -9087,7 +9087,7 @@
                 </a:tc>
                 <a:extLst>
                   <a:ext uri="{0D108BD9-81ED-4DB2-BD59-A6C34878D82A}">
-                    <a16:rowId xmlns="" xmlns:a16="http://schemas.microsoft.com/office/drawing/2014/main" val="10004"/>
+                    <a16:rowId xmlns:a16="http://schemas.microsoft.com/office/drawing/2014/main" xmlns="" val="10004"/>
                   </a:ext>
                 </a:extLst>
               </a:tr>
@@ -9163,7 +9163,7 @@
                 </a:tc>
                 <a:extLst>
                   <a:ext uri="{0D108BD9-81ED-4DB2-BD59-A6C34878D82A}">
-                    <a16:rowId xmlns="" xmlns:a16="http://schemas.microsoft.com/office/drawing/2014/main" val="10005"/>
+                    <a16:rowId xmlns:a16="http://schemas.microsoft.com/office/drawing/2014/main" xmlns="" val="10005"/>
                   </a:ext>
                 </a:extLst>
               </a:tr>
@@ -9239,7 +9239,7 @@
                 </a:tc>
                 <a:extLst>
                   <a:ext uri="{0D108BD9-81ED-4DB2-BD59-A6C34878D82A}">
-                    <a16:rowId xmlns="" xmlns:a16="http://schemas.microsoft.com/office/drawing/2014/main" val="10006"/>
+                    <a16:rowId xmlns:a16="http://schemas.microsoft.com/office/drawing/2014/main" xmlns="" val="10006"/>
                   </a:ext>
                 </a:extLst>
               </a:tr>
@@ -9315,7 +9315,7 @@
                 </a:tc>
                 <a:extLst>
                   <a:ext uri="{0D108BD9-81ED-4DB2-BD59-A6C34878D82A}">
-                    <a16:rowId xmlns="" xmlns:a16="http://schemas.microsoft.com/office/drawing/2014/main" val="10007"/>
+                    <a16:rowId xmlns:a16="http://schemas.microsoft.com/office/drawing/2014/main" xmlns="" val="10007"/>
                   </a:ext>
                 </a:extLst>
               </a:tr>
@@ -9391,7 +9391,7 @@
                 </a:tc>
                 <a:extLst>
                   <a:ext uri="{0D108BD9-81ED-4DB2-BD59-A6C34878D82A}">
-                    <a16:rowId xmlns="" xmlns:a16="http://schemas.microsoft.com/office/drawing/2014/main" val="10008"/>
+                    <a16:rowId xmlns:a16="http://schemas.microsoft.com/office/drawing/2014/main" xmlns="" val="10008"/>
                   </a:ext>
                 </a:extLst>
               </a:tr>
@@ -9467,7 +9467,7 @@
                 </a:tc>
                 <a:extLst>
                   <a:ext uri="{0D108BD9-81ED-4DB2-BD59-A6C34878D82A}">
-                    <a16:rowId xmlns="" xmlns:a16="http://schemas.microsoft.com/office/drawing/2014/main" val="10009"/>
+                    <a16:rowId xmlns:a16="http://schemas.microsoft.com/office/drawing/2014/main" xmlns="" val="10009"/>
                   </a:ext>
                 </a:extLst>
               </a:tr>
@@ -9543,7 +9543,7 @@
                 </a:tc>
                 <a:extLst>
                   <a:ext uri="{0D108BD9-81ED-4DB2-BD59-A6C34878D82A}">
-                    <a16:rowId xmlns="" xmlns:a16="http://schemas.microsoft.com/office/drawing/2014/main" val="10010"/>
+                    <a16:rowId xmlns:a16="http://schemas.microsoft.com/office/drawing/2014/main" xmlns="" val="10010"/>
                   </a:ext>
                 </a:extLst>
               </a:tr>
@@ -9611,7 +9611,7 @@
                 </a:tc>
                 <a:extLst>
                   <a:ext uri="{0D108BD9-81ED-4DB2-BD59-A6C34878D82A}">
-                    <a16:rowId xmlns="" xmlns:a16="http://schemas.microsoft.com/office/drawing/2014/main" val="10011"/>
+                    <a16:rowId xmlns:a16="http://schemas.microsoft.com/office/drawing/2014/main" xmlns="" val="10011"/>
                   </a:ext>
                 </a:extLst>
               </a:tr>
@@ -11391,12 +11391,41 @@
         </p:nvSpPr>
         <p:spPr/>
         <p:txBody>
-          <a:bodyPr/>
+          <a:bodyPr>
+            <a:normAutofit fontScale="90000"/>
+          </a:bodyPr>
           <a:lstStyle/>
           <a:p>
             <a:r>
               <a:rPr lang="en-US" dirty="0"/>
-              <a:t>🍷 Dataset</a:t>
+              <a:t>🍷 </a:t>
+            </a:r>
+            <a:r>
+              <a:rPr lang="en-US" dirty="0" smtClean="0"/>
+              <a:t>Dataset</a:t>
+            </a:r>
+            <a:r>
+              <a:rPr lang="en-US" sz="5400" dirty="0">
+                <a:solidFill>
+                  <a:schemeClr val="bg1">
+                    <a:lumMod val="50000"/>
+                  </a:schemeClr>
+                </a:solidFill>
+              </a:rPr>
+              <a:t> </a:t>
+            </a:r>
+            <a:r>
+              <a:rPr lang="en-US" sz="3100" dirty="0" smtClean="0">
+                <a:solidFill>
+                  <a:srgbClr val="7030A0"/>
+                </a:solidFill>
+                <a:latin typeface="+mn-lt"/>
+              </a:rPr>
+              <a:t>(Modified!) </a:t>
+            </a:r>
+            <a:r>
+              <a:rPr lang="en-US" dirty="0"/>
+              <a:t/>
             </a:r>
             <a:br>
               <a:rPr lang="en-US" dirty="0"/>
@@ -11432,8 +11461,44 @@
             </a:r>
             <a:r>
               <a:rPr lang="en-US" sz="2800" dirty="0"/>
-              <a:t> attributes</a:t>
-            </a:r>
+              <a:t> </a:t>
+            </a:r>
+            <a:r>
+              <a:rPr lang="en-US" sz="2800" dirty="0" smtClean="0"/>
+              <a:t>attributes</a:t>
+            </a:r>
+          </a:p>
+          <a:p>
+            <a:pPr lvl="1"/>
+            <a:r>
+              <a:rPr lang="en-US" sz="2600" dirty="0"/>
+              <a:t>R</a:t>
+            </a:r>
+            <a:r>
+              <a:rPr lang="en-US" sz="2600" dirty="0" smtClean="0"/>
+              <a:t>emoved: (5) </a:t>
+            </a:r>
+            <a:r>
+              <a:rPr lang="en-US" sz="2600" b="1" dirty="0"/>
+              <a:t>m</a:t>
+            </a:r>
+            <a:r>
+              <a:rPr lang="en-US" sz="2600" b="1" dirty="0" smtClean="0"/>
+              <a:t>agnesium</a:t>
+            </a:r>
+            <a:r>
+              <a:rPr lang="en-US" sz="2600" dirty="0" smtClean="0"/>
+              <a:t> and (6) </a:t>
+            </a:r>
+            <a:r>
+              <a:rPr lang="en-US" sz="2600" b="1" dirty="0" smtClean="0"/>
+              <a:t>total </a:t>
+            </a:r>
+            <a:r>
+              <a:rPr lang="en-US" sz="2600" b="1" dirty="0"/>
+              <a:t>phenols</a:t>
+            </a:r>
+            <a:endParaRPr lang="en-US" sz="2600" b="1" dirty="0"/>
           </a:p>
           <a:p>
             <a:r>
@@ -11446,8 +11511,13 @@
             </a:r>
             <a:r>
               <a:rPr lang="en-US" sz="2800" dirty="0"/>
-              <a:t> represented  </a:t>
-            </a:r>
+              <a:t> </a:t>
+            </a:r>
+            <a:r>
+              <a:rPr lang="en-US" sz="2800" dirty="0" smtClean="0"/>
+              <a:t>represented </a:t>
+            </a:r>
+            <a:endParaRPr lang="en-US" sz="2800" dirty="0"/>
           </a:p>
           <a:p>
             <a:r>

--- a/proj1/presentation/pres.pptx
+++ b/proj1/presentation/pres.pptx
@@ -186,14 +186,12 @@
               </a:defRPr>
             </a:pPr>
             <a:r>
-              <a:rPr lang="en-US" sz="1400" b="1" i="0" u="none" strike="noStrike" baseline="0">
-                <a:effectLst/>
-              </a:rPr>
-              <a:t>Average Accuracy on Changing Number of Relevant Attributes (3-NN)</a:t>
-            </a:r>
-            <a:r>
-              <a:rPr lang="en-US" sz="1400" b="0" i="0" u="none" strike="noStrike" baseline="0"/>
-              <a:t> </a:t>
+              <a:rPr lang="en-US"/>
+              <a:t>Average Accuracy on Changing Number of Relevant</a:t>
+            </a:r>
+            <a:r>
+              <a:rPr lang="en-US" baseline="0"/>
+              <a:t> Attributes (3-NN)</a:t>
             </a:r>
             <a:endParaRPr lang="en-US"/>
           </a:p>
@@ -232,14 +230,14 @@
     <c:autoTitleDeleted val="0"/>
     <c:plotArea>
       <c:layout/>
-      <c:lineChart>
-        <c:grouping val="standard"/>
+      <c:scatterChart>
+        <c:scatterStyle val="lineMarker"/>
         <c:varyColors val="0"/>
         <c:ser>
           <c:idx val="0"/>
           <c:order val="0"/>
           <c:spPr>
-            <a:ln w="19050" cap="rnd">
+            <a:ln w="57150" cap="rnd">
               <a:solidFill>
                 <a:schemeClr val="accent1"/>
               </a:solidFill>
@@ -248,14 +246,26 @@
             <a:effectLst/>
           </c:spPr>
           <c:marker>
-            <c:symbol val="none"/>
+            <c:symbol val="circle"/>
+            <c:size val="5"/>
+            <c:spPr>
+              <a:solidFill>
+                <a:schemeClr val="accent1"/>
+              </a:solidFill>
+              <a:ln w="57150">
+                <a:solidFill>
+                  <a:schemeClr val="accent1"/>
+                </a:solidFill>
+              </a:ln>
+              <a:effectLst/>
+            </c:spPr>
           </c:marker>
-          <c:cat>
+          <c:xVal>
             <c:numRef>
-              <c:f>Sheet1!$Y$5:$Y$10</c:f>
+              <c:f>Sheet1!$Y$5:$Y$9</c:f>
               <c:numCache>
                 <c:formatCode>General</c:formatCode>
-                <c:ptCount val="6"/>
+                <c:ptCount val="5"/>
                 <c:pt idx="0">
                   <c:v>2.0</c:v>
                 </c:pt>
@@ -271,45 +281,34 @@
                 <c:pt idx="4">
                   <c:v>10.0</c:v>
                 </c:pt>
-                <c:pt idx="5">
-                  <c:v>12.0</c:v>
+              </c:numCache>
+            </c:numRef>
+          </c:xVal>
+          <c:yVal>
+            <c:numRef>
+              <c:f>Sheet1!$Z$5:$Z$9</c:f>
+              <c:numCache>
+                <c:formatCode>General</c:formatCode>
+                <c:ptCount val="5"/>
+                <c:pt idx="0">
+                  <c:v>78.16743829724631</c:v>
+                </c:pt>
+                <c:pt idx="1">
+                  <c:v>78.10190845516119</c:v>
+                </c:pt>
+                <c:pt idx="2">
+                  <c:v>87.68789142999999</c:v>
+                </c:pt>
+                <c:pt idx="3">
+                  <c:v>92.9490961</c:v>
+                </c:pt>
+                <c:pt idx="4">
+                  <c:v>93.85806732</c:v>
                 </c:pt>
               </c:numCache>
             </c:numRef>
-          </c:cat>
-          <c:val>
-            <c:numRef>
-              <c:f>Sheet1!$Z$5:$Z$10</c:f>
-              <c:numCache>
-                <c:formatCode>General</c:formatCode>
-                <c:ptCount val="6"/>
-                <c:pt idx="0">
-                  <c:v>78.16743829724628</c:v>
-                </c:pt>
-                <c:pt idx="1">
-                  <c:v>78.10190845516118</c:v>
-                </c:pt>
-                <c:pt idx="2">
-                  <c:v>71.2230602387463</c:v>
-                </c:pt>
-                <c:pt idx="3">
-                  <c:v>77.38723781202872</c:v>
-                </c:pt>
-                <c:pt idx="4">
-                  <c:v>83.9412467154564</c:v>
-                </c:pt>
-                <c:pt idx="5">
-                  <c:v>85.0806595846384</c:v>
-                </c:pt>
-              </c:numCache>
-            </c:numRef>
-          </c:val>
+          </c:yVal>
           <c:smooth val="0"/>
-          <c:extLst xmlns:c16r2="http://schemas.microsoft.com/office/drawing/2015/06/chart">
-            <c:ext xmlns:c16="http://schemas.microsoft.com/office/drawing/2014/chart" uri="{C3380CC4-5D6E-409C-BE32-E72D297353CC}">
-              <c16:uniqueId val="{00000000-61AA-4B72-ACB0-515BF1584546}"/>
-            </c:ext>
-          </c:extLst>
         </c:ser>
         <c:dLbls>
           <c:showLegendKey val="0"/>
@@ -319,12 +318,11 @@
           <c:showPercent val="0"/>
           <c:showBubbleSize val="0"/>
         </c:dLbls>
-        <c:smooth val="0"/>
-        <c:axId val="-2009565952"/>
-        <c:axId val="-2083862608"/>
-      </c:lineChart>
-      <c:catAx>
-        <c:axId val="-2009565952"/>
+        <c:axId val="-2039654736"/>
+        <c:axId val="-2039521744"/>
+      </c:scatterChart>
+      <c:valAx>
+        <c:axId val="-2039654736"/>
         <c:scaling>
           <c:orientation val="minMax"/>
         </c:scaling>
@@ -344,68 +342,6 @@
             <a:effectLst/>
           </c:spPr>
         </c:majorGridlines>
-        <c:title>
-          <c:tx>
-            <c:rich>
-              <a:bodyPr rot="0" spcFirstLastPara="1" vertOverflow="ellipsis" vert="horz" wrap="square" anchor="ctr" anchorCtr="1"/>
-              <a:lstStyle/>
-              <a:p>
-                <a:pPr>
-                  <a:defRPr sz="1000" b="0" i="0" u="none" strike="noStrike" kern="1200" baseline="0">
-                    <a:solidFill>
-                      <a:schemeClr val="tx1">
-                        <a:lumMod val="65000"/>
-                        <a:lumOff val="35000"/>
-                      </a:schemeClr>
-                    </a:solidFill>
-                    <a:latin typeface="+mn-lt"/>
-                    <a:ea typeface="+mn-ea"/>
-                    <a:cs typeface="+mn-cs"/>
-                  </a:defRPr>
-                </a:pPr>
-                <a:r>
-                  <a:rPr lang="en-US"/>
-                  <a:t>Number of Relevant</a:t>
-                </a:r>
-                <a:r>
-                  <a:rPr lang="en-US" baseline="0"/>
-                  <a:t> Attributes</a:t>
-                </a:r>
-                <a:endParaRPr lang="en-US"/>
-              </a:p>
-            </c:rich>
-          </c:tx>
-          <c:layout/>
-          <c:overlay val="0"/>
-          <c:spPr>
-            <a:noFill/>
-            <a:ln>
-              <a:noFill/>
-            </a:ln>
-            <a:effectLst/>
-          </c:spPr>
-          <c:txPr>
-            <a:bodyPr rot="0" spcFirstLastPara="1" vertOverflow="ellipsis" vert="horz" wrap="square" anchor="ctr" anchorCtr="1"/>
-            <a:lstStyle/>
-            <a:p>
-              <a:pPr>
-                <a:defRPr sz="1000" b="0" i="0" u="none" strike="noStrike" kern="1200" baseline="0">
-                  <a:solidFill>
-                    <a:schemeClr val="tx1">
-                      <a:lumMod val="65000"/>
-                      <a:lumOff val="35000"/>
-                    </a:schemeClr>
-                  </a:solidFill>
-                  <a:latin typeface="+mn-lt"/>
-                  <a:ea typeface="+mn-ea"/>
-                  <a:cs typeface="+mn-cs"/>
-                </a:defRPr>
-              </a:pPr>
-              <a:endParaRPr lang="en-US"/>
-            </a:p>
-          </c:txPr>
-        </c:title>
-        <c:numFmt formatCode="General" sourceLinked="1"/>
         <c:majorTickMark val="none"/>
         <c:minorTickMark val="none"/>
         <c:tickLblPos val="nextTo"/>
@@ -442,15 +378,12 @@
             <a:endParaRPr lang="en-US"/>
           </a:p>
         </c:txPr>
-        <c:crossAx val="-2083862608"/>
+        <c:crossAx val="-2039521744"/>
         <c:crosses val="autoZero"/>
-        <c:auto val="1"/>
-        <c:lblAlgn val="ctr"/>
-        <c:lblOffset val="100"/>
-        <c:noMultiLvlLbl val="0"/>
-      </c:catAx>
+        <c:crossBetween val="midCat"/>
+      </c:valAx>
       <c:valAx>
-        <c:axId val="-2083862608"/>
+        <c:axId val="-2039521744"/>
         <c:scaling>
           <c:orientation val="minMax"/>
         </c:scaling>
@@ -470,62 +403,6 @@
             <a:effectLst/>
           </c:spPr>
         </c:majorGridlines>
-        <c:title>
-          <c:tx>
-            <c:rich>
-              <a:bodyPr rot="-5400000" spcFirstLastPara="1" vertOverflow="ellipsis" vert="horz" wrap="square" anchor="ctr" anchorCtr="1"/>
-              <a:lstStyle/>
-              <a:p>
-                <a:pPr>
-                  <a:defRPr sz="1000" b="0" i="0" u="none" strike="noStrike" kern="1200" baseline="0">
-                    <a:solidFill>
-                      <a:schemeClr val="tx1">
-                        <a:lumMod val="65000"/>
-                        <a:lumOff val="35000"/>
-                      </a:schemeClr>
-                    </a:solidFill>
-                    <a:latin typeface="+mn-lt"/>
-                    <a:ea typeface="+mn-ea"/>
-                    <a:cs typeface="+mn-cs"/>
-                  </a:defRPr>
-                </a:pPr>
-                <a:r>
-                  <a:rPr lang="en-US"/>
-                  <a:t>Accuracy Rate</a:t>
-                </a:r>
-              </a:p>
-            </c:rich>
-          </c:tx>
-          <c:layout/>
-          <c:overlay val="0"/>
-          <c:spPr>
-            <a:noFill/>
-            <a:ln>
-              <a:noFill/>
-            </a:ln>
-            <a:effectLst/>
-          </c:spPr>
-          <c:txPr>
-            <a:bodyPr rot="-5400000" spcFirstLastPara="1" vertOverflow="ellipsis" vert="horz" wrap="square" anchor="ctr" anchorCtr="1"/>
-            <a:lstStyle/>
-            <a:p>
-              <a:pPr>
-                <a:defRPr sz="1000" b="0" i="0" u="none" strike="noStrike" kern="1200" baseline="0">
-                  <a:solidFill>
-                    <a:schemeClr val="tx1">
-                      <a:lumMod val="65000"/>
-                      <a:lumOff val="35000"/>
-                    </a:schemeClr>
-                  </a:solidFill>
-                  <a:latin typeface="+mn-lt"/>
-                  <a:ea typeface="+mn-ea"/>
-                  <a:cs typeface="+mn-cs"/>
-                </a:defRPr>
-              </a:pPr>
-              <a:endParaRPr lang="en-US"/>
-            </a:p>
-          </c:txPr>
-        </c:title>
         <c:numFmt formatCode="General" sourceLinked="0"/>
         <c:majorTickMark val="none"/>
         <c:minorTickMark val="none"/>
@@ -563,9 +440,9 @@
             <a:endParaRPr lang="en-US"/>
           </a:p>
         </c:txPr>
-        <c:crossAx val="-2009565952"/>
+        <c:crossAx val="-2039654736"/>
         <c:crosses val="autoZero"/>
-        <c:crossBetween val="between"/>
+        <c:crossBetween val="midCat"/>
       </c:valAx>
       <c:spPr>
         <a:noFill/>
@@ -1591,6 +1468,90 @@
 </p:notes>
 </file>
 
+<file path=ppt/notesSlides/notesSlide2.xml><?xml version="1.0" encoding="utf-8"?>
+<p:notes xmlns:a="http://schemas.openxmlformats.org/drawingml/2006/main" xmlns:r="http://schemas.openxmlformats.org/officeDocument/2006/relationships" xmlns:p="http://schemas.openxmlformats.org/presentationml/2006/main">
+  <p:cSld>
+    <p:spTree>
+      <p:nvGrpSpPr>
+        <p:cNvPr id="1" name=""/>
+        <p:cNvGrpSpPr/>
+        <p:nvPr/>
+      </p:nvGrpSpPr>
+      <p:grpSpPr>
+        <a:xfrm>
+          <a:off x="0" y="0"/>
+          <a:ext cx="0" cy="0"/>
+          <a:chOff x="0" y="0"/>
+          <a:chExt cx="0" cy="0"/>
+        </a:xfrm>
+      </p:grpSpPr>
+      <p:sp>
+        <p:nvSpPr>
+          <p:cNvPr id="2" name="Slide Image Placeholder 1"/>
+          <p:cNvSpPr>
+            <a:spLocks noGrp="1" noRot="1" noChangeAspect="1"/>
+          </p:cNvSpPr>
+          <p:nvPr>
+            <p:ph type="sldImg"/>
+          </p:nvPr>
+        </p:nvSpPr>
+        <p:spPr/>
+      </p:sp>
+      <p:sp>
+        <p:nvSpPr>
+          <p:cNvPr id="3" name="Notes Placeholder 2"/>
+          <p:cNvSpPr>
+            <a:spLocks noGrp="1"/>
+          </p:cNvSpPr>
+          <p:nvPr>
+            <p:ph type="body" idx="1"/>
+          </p:nvPr>
+        </p:nvSpPr>
+        <p:spPr/>
+        <p:txBody>
+          <a:bodyPr/>
+          <a:lstStyle/>
+          <a:p>
+            <a:endParaRPr lang="en-US" dirty="0"/>
+          </a:p>
+        </p:txBody>
+      </p:sp>
+      <p:sp>
+        <p:nvSpPr>
+          <p:cNvPr id="4" name="Slide Number Placeholder 3"/>
+          <p:cNvSpPr>
+            <a:spLocks noGrp="1"/>
+          </p:cNvSpPr>
+          <p:nvPr>
+            <p:ph type="sldNum" sz="quarter" idx="10"/>
+          </p:nvPr>
+        </p:nvSpPr>
+        <p:spPr/>
+        <p:txBody>
+          <a:bodyPr/>
+          <a:lstStyle/>
+          <a:p>
+            <a:fld id="{E7CF0A7C-AE6E-614B-B62E-5AD94D73F6A0}" type="slidenum">
+              <a:rPr lang="en-US" smtClean="0"/>
+              <a:t>33</a:t>
+            </a:fld>
+            <a:endParaRPr lang="en-US"/>
+          </a:p>
+        </p:txBody>
+      </p:sp>
+    </p:spTree>
+    <p:extLst>
+      <p:ext uri="{BB962C8B-B14F-4D97-AF65-F5344CB8AC3E}">
+        <p14:creationId xmlns:p14="http://schemas.microsoft.com/office/powerpoint/2010/main" val="1385101283"/>
+      </p:ext>
+    </p:extLst>
+  </p:cSld>
+  <p:clrMapOvr>
+    <a:masterClrMapping/>
+  </p:clrMapOvr>
+</p:notes>
+</file>
+
 <file path=ppt/slideLayouts/slideLayout1.xml><?xml version="1.0" encoding="utf-8"?>
 <p:sldLayout xmlns:a="http://schemas.openxmlformats.org/drawingml/2006/main" xmlns:r="http://schemas.openxmlformats.org/officeDocument/2006/relationships" xmlns:p="http://schemas.openxmlformats.org/presentationml/2006/main" showMasterSp="0" type="title" preserve="1">
   <p:cSld name="Title Slide">
@@ -8683,21 +8644,21 @@
                 <a:gridCol w="2227006">
                   <a:extLst>
                     <a:ext uri="{9D8B030D-6E8A-4147-A177-3AD203B41FA5}">
-                      <a16:colId xmlns:a16="http://schemas.microsoft.com/office/drawing/2014/main" xmlns="" val="20000"/>
+                      <a16:colId xmlns="" xmlns:a16="http://schemas.microsoft.com/office/drawing/2014/main" val="20000"/>
                     </a:ext>
                   </a:extLst>
                 </a:gridCol>
                 <a:gridCol w="2227006">
                   <a:extLst>
                     <a:ext uri="{9D8B030D-6E8A-4147-A177-3AD203B41FA5}">
-                      <a16:colId xmlns:a16="http://schemas.microsoft.com/office/drawing/2014/main" xmlns="" val="20001"/>
+                      <a16:colId xmlns="" xmlns:a16="http://schemas.microsoft.com/office/drawing/2014/main" val="20001"/>
                     </a:ext>
                   </a:extLst>
                 </a:gridCol>
                 <a:gridCol w="2227006">
                   <a:extLst>
                     <a:ext uri="{9D8B030D-6E8A-4147-A177-3AD203B41FA5}">
-                      <a16:colId xmlns:a16="http://schemas.microsoft.com/office/drawing/2014/main" xmlns="" val="20002"/>
+                      <a16:colId xmlns="" xmlns:a16="http://schemas.microsoft.com/office/drawing/2014/main" val="20002"/>
                     </a:ext>
                   </a:extLst>
                 </a:gridCol>
@@ -8783,7 +8744,7 @@
                 </a:tc>
                 <a:extLst>
                   <a:ext uri="{0D108BD9-81ED-4DB2-BD59-A6C34878D82A}">
-                    <a16:rowId xmlns:a16="http://schemas.microsoft.com/office/drawing/2014/main" xmlns="" val="10000"/>
+                    <a16:rowId xmlns="" xmlns:a16="http://schemas.microsoft.com/office/drawing/2014/main" val="10000"/>
                   </a:ext>
                 </a:extLst>
               </a:tr>
@@ -8859,7 +8820,7 @@
                 </a:tc>
                 <a:extLst>
                   <a:ext uri="{0D108BD9-81ED-4DB2-BD59-A6C34878D82A}">
-                    <a16:rowId xmlns:a16="http://schemas.microsoft.com/office/drawing/2014/main" xmlns="" val="10001"/>
+                    <a16:rowId xmlns="" xmlns:a16="http://schemas.microsoft.com/office/drawing/2014/main" val="10001"/>
                   </a:ext>
                 </a:extLst>
               </a:tr>
@@ -8935,7 +8896,7 @@
                 </a:tc>
                 <a:extLst>
                   <a:ext uri="{0D108BD9-81ED-4DB2-BD59-A6C34878D82A}">
-                    <a16:rowId xmlns:a16="http://schemas.microsoft.com/office/drawing/2014/main" xmlns="" val="10002"/>
+                    <a16:rowId xmlns="" xmlns:a16="http://schemas.microsoft.com/office/drawing/2014/main" val="10002"/>
                   </a:ext>
                 </a:extLst>
               </a:tr>
@@ -9011,7 +8972,7 @@
                 </a:tc>
                 <a:extLst>
                   <a:ext uri="{0D108BD9-81ED-4DB2-BD59-A6C34878D82A}">
-                    <a16:rowId xmlns:a16="http://schemas.microsoft.com/office/drawing/2014/main" xmlns="" val="10003"/>
+                    <a16:rowId xmlns="" xmlns:a16="http://schemas.microsoft.com/office/drawing/2014/main" val="10003"/>
                   </a:ext>
                 </a:extLst>
               </a:tr>
@@ -9087,7 +9048,7 @@
                 </a:tc>
                 <a:extLst>
                   <a:ext uri="{0D108BD9-81ED-4DB2-BD59-A6C34878D82A}">
-                    <a16:rowId xmlns:a16="http://schemas.microsoft.com/office/drawing/2014/main" xmlns="" val="10004"/>
+                    <a16:rowId xmlns="" xmlns:a16="http://schemas.microsoft.com/office/drawing/2014/main" val="10004"/>
                   </a:ext>
                 </a:extLst>
               </a:tr>
@@ -9163,7 +9124,7 @@
                 </a:tc>
                 <a:extLst>
                   <a:ext uri="{0D108BD9-81ED-4DB2-BD59-A6C34878D82A}">
-                    <a16:rowId xmlns:a16="http://schemas.microsoft.com/office/drawing/2014/main" xmlns="" val="10005"/>
+                    <a16:rowId xmlns="" xmlns:a16="http://schemas.microsoft.com/office/drawing/2014/main" val="10005"/>
                   </a:ext>
                 </a:extLst>
               </a:tr>
@@ -9239,7 +9200,7 @@
                 </a:tc>
                 <a:extLst>
                   <a:ext uri="{0D108BD9-81ED-4DB2-BD59-A6C34878D82A}">
-                    <a16:rowId xmlns:a16="http://schemas.microsoft.com/office/drawing/2014/main" xmlns="" val="10006"/>
+                    <a16:rowId xmlns="" xmlns:a16="http://schemas.microsoft.com/office/drawing/2014/main" val="10006"/>
                   </a:ext>
                 </a:extLst>
               </a:tr>
@@ -9315,7 +9276,7 @@
                 </a:tc>
                 <a:extLst>
                   <a:ext uri="{0D108BD9-81ED-4DB2-BD59-A6C34878D82A}">
-                    <a16:rowId xmlns:a16="http://schemas.microsoft.com/office/drawing/2014/main" xmlns="" val="10007"/>
+                    <a16:rowId xmlns="" xmlns:a16="http://schemas.microsoft.com/office/drawing/2014/main" val="10007"/>
                   </a:ext>
                 </a:extLst>
               </a:tr>
@@ -9391,7 +9352,7 @@
                 </a:tc>
                 <a:extLst>
                   <a:ext uri="{0D108BD9-81ED-4DB2-BD59-A6C34878D82A}">
-                    <a16:rowId xmlns:a16="http://schemas.microsoft.com/office/drawing/2014/main" xmlns="" val="10008"/>
+                    <a16:rowId xmlns="" xmlns:a16="http://schemas.microsoft.com/office/drawing/2014/main" val="10008"/>
                   </a:ext>
                 </a:extLst>
               </a:tr>
@@ -9467,7 +9428,7 @@
                 </a:tc>
                 <a:extLst>
                   <a:ext uri="{0D108BD9-81ED-4DB2-BD59-A6C34878D82A}">
-                    <a16:rowId xmlns:a16="http://schemas.microsoft.com/office/drawing/2014/main" xmlns="" val="10009"/>
+                    <a16:rowId xmlns="" xmlns:a16="http://schemas.microsoft.com/office/drawing/2014/main" val="10009"/>
                   </a:ext>
                 </a:extLst>
               </a:tr>
@@ -9543,7 +9504,7 @@
                 </a:tc>
                 <a:extLst>
                   <a:ext uri="{0D108BD9-81ED-4DB2-BD59-A6C34878D82A}">
-                    <a16:rowId xmlns:a16="http://schemas.microsoft.com/office/drawing/2014/main" xmlns="" val="10010"/>
+                    <a16:rowId xmlns="" xmlns:a16="http://schemas.microsoft.com/office/drawing/2014/main" val="10010"/>
                   </a:ext>
                 </a:extLst>
               </a:tr>
@@ -9611,7 +9572,7 @@
                 </a:tc>
                 <a:extLst>
                   <a:ext uri="{0D108BD9-81ED-4DB2-BD59-A6C34878D82A}">
-                    <a16:rowId xmlns:a16="http://schemas.microsoft.com/office/drawing/2014/main" xmlns="" val="10011"/>
+                    <a16:rowId xmlns="" xmlns:a16="http://schemas.microsoft.com/office/drawing/2014/main" val="10011"/>
                   </a:ext>
                 </a:extLst>
               </a:tr>
@@ -9894,7 +9855,7 @@
         </p:nvSpPr>
         <p:spPr>
           <a:xfrm>
-            <a:off x="4173793" y="2839064"/>
+            <a:off x="3790335" y="2868561"/>
             <a:ext cx="9601200" cy="1485900"/>
           </a:xfrm>
         </p:spPr>
@@ -9906,8 +9867,21 @@
           <a:p>
             <a:r>
               <a:rPr lang="en-US" sz="4800" dirty="0"/>
-              <a:t>The results!</a:t>
-            </a:r>
+              <a:t>The </a:t>
+            </a:r>
+            <a:r>
+              <a:rPr lang="en-US" sz="4800" dirty="0" smtClean="0"/>
+              <a:t>results</a:t>
+            </a:r>
+            <a:r>
+              <a:rPr lang="en-US" sz="4800" dirty="0"/>
+              <a:t>!</a:t>
+            </a:r>
+            <a:r>
+              <a:rPr lang="en-US" sz="4800" dirty="0" smtClean="0"/>
+              <a:t> 🎉</a:t>
+            </a:r>
+            <a:endParaRPr lang="en-US" sz="4800" dirty="0"/>
           </a:p>
         </p:txBody>
       </p:sp>
@@ -11331,12 +11305,30 @@
               <a:t>how does the addition of </a:t>
             </a:r>
             <a:r>
-              <a:rPr lang="en-US" b="1" dirty="0"/>
+              <a:rPr lang="en-US" b="1" dirty="0">
+                <a:solidFill>
+                  <a:schemeClr val="tx2">
+                    <a:lumMod val="50000"/>
+                    <a:lumOff val="50000"/>
+                  </a:schemeClr>
+                </a:solidFill>
+              </a:rPr>
               <a:t>relevant</a:t>
             </a:r>
             <a:r>
+              <a:rPr lang="en-US" dirty="0">
+                <a:solidFill>
+                  <a:schemeClr val="tx2">
+                    <a:lumMod val="50000"/>
+                    <a:lumOff val="50000"/>
+                  </a:schemeClr>
+                </a:solidFill>
+              </a:rPr>
+              <a:t> </a:t>
+            </a:r>
+            <a:r>
               <a:rPr lang="en-US" dirty="0"/>
-              <a:t> attributes affect classification?</a:t>
+              <a:t>attributes affect classification?</a:t>
             </a:r>
           </a:p>
         </p:txBody>
@@ -11421,7 +11413,16 @@
                 </a:solidFill>
                 <a:latin typeface="+mn-lt"/>
               </a:rPr>
-              <a:t>(Modified!) </a:t>
+              <a:t>(</a:t>
+            </a:r>
+            <a:r>
+              <a:rPr lang="en-US" sz="3100" dirty="0" smtClean="0">
+                <a:solidFill>
+                  <a:srgbClr val="7030A0"/>
+                </a:solidFill>
+                <a:latin typeface="+mn-lt"/>
+              </a:rPr>
+              <a:t>Modified) </a:t>
             </a:r>
             <a:r>
               <a:rPr lang="en-US" dirty="0"/>
@@ -11498,7 +11499,6 @@
               <a:rPr lang="en-US" sz="2600" b="1" dirty="0"/>
               <a:t>phenols</a:t>
             </a:r>
-            <a:endParaRPr lang="en-US" sz="2600" b="1" dirty="0"/>
           </a:p>
           <a:p>
             <a:r>
@@ -11570,31 +11570,6 @@
           <a:chExt cx="0" cy="0"/>
         </a:xfrm>
       </p:grpSpPr>
-      <p:graphicFrame>
-        <p:nvGraphicFramePr>
-          <p:cNvPr id="4" name="Content Placeholder 3"/>
-          <p:cNvGraphicFramePr>
-            <a:graphicFrameLocks noGrp="1"/>
-          </p:cNvGraphicFramePr>
-          <p:nvPr>
-            <p:ph idx="1"/>
-            <p:extLst>
-              <p:ext uri="{D42A27DB-BD31-4B8C-83A1-F6EECF244321}">
-                <p14:modId xmlns:p14="http://schemas.microsoft.com/office/powerpoint/2010/main" val="588086057"/>
-              </p:ext>
-            </p:extLst>
-          </p:nvPr>
-        </p:nvGraphicFramePr>
-        <p:xfrm>
-          <a:off x="1445342" y="1342105"/>
-          <a:ext cx="9807677" cy="5043948"/>
-        </p:xfrm>
-        <a:graphic>
-          <a:graphicData uri="http://schemas.openxmlformats.org/drawingml/2006/chart">
-            <c:chart xmlns:c="http://schemas.openxmlformats.org/drawingml/2006/chart" xmlns:r="http://schemas.openxmlformats.org/officeDocument/2006/relationships" r:id="rId3"/>
-          </a:graphicData>
-        </a:graphic>
-      </p:graphicFrame>
       <p:sp>
         <p:nvSpPr>
           <p:cNvPr id="5" name="TextBox 4"/>
@@ -11637,6 +11612,31 @@
           </a:p>
         </p:txBody>
       </p:sp>
+      <p:graphicFrame>
+        <p:nvGraphicFramePr>
+          <p:cNvPr id="7" name="Content Placeholder 6"/>
+          <p:cNvGraphicFramePr>
+            <a:graphicFrameLocks noGrp="1"/>
+          </p:cNvGraphicFramePr>
+          <p:nvPr>
+            <p:ph idx="1"/>
+            <p:extLst>
+              <p:ext uri="{D42A27DB-BD31-4B8C-83A1-F6EECF244321}">
+                <p14:modId xmlns:p14="http://schemas.microsoft.com/office/powerpoint/2010/main" val="1270805037"/>
+              </p:ext>
+            </p:extLst>
+          </p:nvPr>
+        </p:nvGraphicFramePr>
+        <p:xfrm>
+          <a:off x="1342102" y="1445341"/>
+          <a:ext cx="10146892" cy="4984955"/>
+        </p:xfrm>
+        <a:graphic>
+          <a:graphicData uri="http://schemas.openxmlformats.org/drawingml/2006/chart">
+            <c:chart xmlns:c="http://schemas.openxmlformats.org/drawingml/2006/chart" xmlns:r="http://schemas.openxmlformats.org/officeDocument/2006/relationships" r:id="rId3"/>
+          </a:graphicData>
+        </a:graphic>
+      </p:graphicFrame>
     </p:spTree>
     <p:extLst>
       <p:ext uri="{BB962C8B-B14F-4D97-AF65-F5344CB8AC3E}">
@@ -11886,13 +11886,11 @@
       </p:sp>
       <p:pic>
         <p:nvPicPr>
-          <p:cNvPr id="5" name="Content Placeholder 4"/>
+          <p:cNvPr id="3" name="Picture 2"/>
           <p:cNvPicPr>
-            <a:picLocks noGrp="1" noChangeAspect="1"/>
+            <a:picLocks noChangeAspect="1"/>
           </p:cNvPicPr>
-          <p:nvPr>
-            <p:ph idx="1"/>
-          </p:nvPr>
+          <p:nvPr/>
         </p:nvPicPr>
         <p:blipFill>
           <a:blip r:embed="rId2">
@@ -11908,9 +11906,12 @@
         </p:blipFill>
         <p:spPr>
           <a:xfrm>
-            <a:off x="3178864" y="1286539"/>
-            <a:ext cx="7007127" cy="5255346"/>
+            <a:off x="3059151" y="1507765"/>
+            <a:ext cx="6563376" cy="4922532"/>
           </a:xfrm>
+          <a:prstGeom prst="rect">
+            <a:avLst/>
+          </a:prstGeom>
         </p:spPr>
       </p:pic>
     </p:spTree>
@@ -11975,13 +11976,11 @@
       </p:sp>
       <p:pic>
         <p:nvPicPr>
-          <p:cNvPr id="3" name="Content Placeholder 2"/>
+          <p:cNvPr id="2" name="Picture 1"/>
           <p:cNvPicPr>
-            <a:picLocks noGrp="1" noChangeAspect="1"/>
+            <a:picLocks noChangeAspect="1"/>
           </p:cNvPicPr>
-          <p:nvPr>
-            <p:ph idx="1"/>
-          </p:nvPr>
+          <p:nvPr/>
         </p:nvPicPr>
         <p:blipFill>
           <a:blip r:embed="rId2">
@@ -11997,9 +11996,12 @@
         </p:blipFill>
         <p:spPr>
           <a:xfrm>
-            <a:off x="3221394" y="1307803"/>
-            <a:ext cx="7049657" cy="5287243"/>
+            <a:off x="3048330" y="1364635"/>
+            <a:ext cx="6585017" cy="4938763"/>
           </a:xfrm>
+          <a:prstGeom prst="rect">
+            <a:avLst/>
+          </a:prstGeom>
         </p:spPr>
       </p:pic>
     </p:spTree>
@@ -12057,20 +12059,26 @@
           <a:p>
             <a:r>
               <a:rPr lang="en-US" dirty="0"/>
-              <a:t>🍷 Dataset (12 relevant)</a:t>
+              <a:t>🍷 Dataset (</a:t>
+            </a:r>
+            <a:r>
+              <a:rPr lang="en-US" dirty="0" smtClean="0"/>
+              <a:t>10 </a:t>
+            </a:r>
+            <a:r>
+              <a:rPr lang="en-US" dirty="0"/>
+              <a:t>relevant)</a:t>
             </a:r>
           </a:p>
         </p:txBody>
       </p:sp>
       <p:pic>
         <p:nvPicPr>
-          <p:cNvPr id="5" name="Content Placeholder 4"/>
+          <p:cNvPr id="3" name="Picture 2"/>
           <p:cNvPicPr>
-            <a:picLocks noGrp="1" noChangeAspect="1"/>
+            <a:picLocks noChangeAspect="1"/>
           </p:cNvPicPr>
-          <p:nvPr>
-            <p:ph idx="1"/>
-          </p:nvPr>
+          <p:nvPr/>
         </p:nvPicPr>
         <p:blipFill>
           <a:blip r:embed="rId2">
@@ -12086,9 +12094,12 @@
         </p:blipFill>
         <p:spPr>
           <a:xfrm>
-            <a:off x="2746102" y="1128451"/>
-            <a:ext cx="7189474" cy="5392106"/>
+            <a:off x="2960823" y="1349886"/>
+            <a:ext cx="6760031" cy="5070023"/>
           </a:xfrm>
+          <a:prstGeom prst="rect">
+            <a:avLst/>
+          </a:prstGeom>
         </p:spPr>
       </p:pic>
     </p:spTree>
@@ -12196,16 +12207,13 @@
             </a:r>
             <a:r>
               <a:rPr lang="en-US" sz="2400" dirty="0"/>
-              <a:t> domain showed </a:t>
-            </a:r>
-            <a:r>
-              <a:rPr lang="en-US" sz="2400" b="1" dirty="0"/>
-              <a:t>dramatic</a:t>
-            </a:r>
-            <a:r>
-              <a:rPr lang="en-US" sz="2400" dirty="0"/>
-              <a:t> decline.</a:t>
-            </a:r>
+              <a:t> domain showed dramatic decline</a:t>
+            </a:r>
+            <a:r>
+              <a:rPr lang="en-US" sz="2400" dirty="0" smtClean="0"/>
+              <a:t>. </a:t>
+            </a:r>
+            <a:endParaRPr lang="en-US" sz="2400" dirty="0"/>
           </a:p>
           <a:p>
             <a:r>
@@ -12221,22 +12229,27 @@
           <a:p>
             <a:pPr lvl="1"/>
             <a:r>
-              <a:rPr lang="en-US" sz="2200" dirty="0"/>
-              <a:t>Breaking ties </a:t>
-            </a:r>
+              <a:rPr lang="en-US" sz="2200" dirty="0" smtClean="0"/>
+              <a:t>Breaking ties? </a:t>
+            </a:r>
+            <a:endParaRPr lang="en-US" sz="2200" dirty="0"/>
           </a:p>
           <a:p>
             <a:r>
               <a:rPr lang="en-US" sz="2400" dirty="0"/>
-              <a:t>Adding relevant attributes generally </a:t>
-            </a:r>
-            <a:r>
-              <a:rPr lang="en-US" sz="2400" b="1" dirty="0"/>
-              <a:t>enhances</a:t>
+              <a:t>Adding relevant attributes </a:t>
+            </a:r>
+            <a:r>
+              <a:rPr lang="en-US" sz="2400" b="1" dirty="0" smtClean="0"/>
+              <a:t>enhance</a:t>
+            </a:r>
+            <a:r>
+              <a:rPr lang="en-US" sz="2400" dirty="0" smtClean="0"/>
+              <a:t> </a:t>
             </a:r>
             <a:r>
               <a:rPr lang="en-US" sz="2400" dirty="0"/>
-              <a:t> performance. </a:t>
+              <a:t>performance. </a:t>
             </a:r>
             <a:endParaRPr lang="en-US" sz="2400" dirty="0" smtClean="0"/>
           </a:p>
@@ -12638,23 +12651,29 @@
               <a:rPr lang="en-US" sz="2800" dirty="0">
                 <a:sym typeface="Wingdings"/>
               </a:rPr>
-              <a:t>Training set may not be representative			           </a:t>
+              <a:t>Training set may not be </a:t>
             </a:r>
             <a:r>
               <a:rPr lang="en-US" sz="2800" dirty="0" smtClean="0">
                 <a:sym typeface="Wingdings"/>
               </a:rPr>
-              <a:t> </a:t>
-            </a:r>
-            <a:r>
-              <a:rPr lang="en-US" sz="2800" b="1" dirty="0"/>
+              <a:t>representative</a:t>
+            </a:r>
+            <a:endParaRPr lang="en-US" sz="2800" dirty="0">
+              <a:sym typeface="Wingdings"/>
+            </a:endParaRPr>
+          </a:p>
+          <a:p>
+            <a:pPr lvl="1"/>
+            <a:r>
+              <a:rPr lang="en-US" sz="2600" b="1" dirty="0" smtClean="0"/>
               <a:t>Random </a:t>
             </a:r>
             <a:r>
-              <a:rPr lang="en-US" sz="2800" b="1" dirty="0" smtClean="0"/>
+              <a:rPr lang="en-US" sz="2600" b="1" dirty="0" smtClean="0"/>
               <a:t>subsampling</a:t>
             </a:r>
-            <a:endParaRPr lang="en-US" sz="2800" b="1" dirty="0"/>
+            <a:endParaRPr lang="en-US" sz="2600" b="1" dirty="0"/>
           </a:p>
           <a:p>
             <a:r>
@@ -12834,7 +12853,19 @@
             </a:r>
             <a:r>
               <a:rPr lang="en-US" sz="2800" dirty="0" smtClean="0"/>
-              <a:t>alues should not dominate the dataset.</a:t>
+              <a:t>alues should not </a:t>
+            </a:r>
+            <a:r>
+              <a:rPr lang="en-US" sz="2800" b="1" dirty="0" smtClean="0"/>
+              <a:t>dominate</a:t>
+            </a:r>
+            <a:r>
+              <a:rPr lang="en-US" sz="2800" dirty="0" smtClean="0"/>
+              <a:t> the </a:t>
+            </a:r>
+            <a:r>
+              <a:rPr lang="en-US" sz="2800" dirty="0" smtClean="0"/>
+              <a:t>dataset</a:t>
             </a:r>
             <a:endParaRPr lang="en-US" sz="2600" dirty="0" smtClean="0"/>
           </a:p>
@@ -13019,7 +13050,15 @@
           <a:p>
             <a:r>
               <a:rPr lang="en-US" sz="2800" dirty="0"/>
-              <a:t>Add in groups of two until 10 groups are reached</a:t>
+              <a:t>Add in groups of </a:t>
+            </a:r>
+            <a:r>
+              <a:rPr lang="en-US" sz="2800" b="1" dirty="0"/>
+              <a:t>two</a:t>
+            </a:r>
+            <a:r>
+              <a:rPr lang="en-US" sz="2800" dirty="0"/>
+              <a:t> until 10 groups are reached</a:t>
             </a:r>
           </a:p>
           <a:p>
@@ -13033,29 +13072,12 @@
             </a:r>
             <a:r>
               <a:rPr lang="en-US" sz="2800" dirty="0"/>
-              <a:t>, 9-NN.</a:t>
-            </a:r>
-          </a:p>
-          <a:p>
-            <a:r>
-              <a:rPr lang="en-US" sz="2800" dirty="0"/>
-              <a:t>Now, the </a:t>
+              <a:t>, 9-NN</a:t>
             </a:r>
             <a:r>
               <a:rPr lang="en-US" sz="2800" dirty="0" smtClean="0"/>
-              <a:t>datasets</a:t>
-            </a:r>
-            <a:r>
-              <a:rPr lang="mr-IN" sz="2800" dirty="0" smtClean="0"/>
-              <a:t>…</a:t>
-            </a:r>
-            <a:r>
-              <a:rPr lang="en-US" sz="2800" dirty="0" smtClean="0"/>
-              <a:t>  </a:t>
-            </a:r>
-            <a:endParaRPr lang="en-US" sz="2800" dirty="0"/>
-          </a:p>
-          <a:p>
+              <a:t>.</a:t>
+            </a:r>
             <a:endParaRPr lang="en-US" sz="2800" dirty="0"/>
           </a:p>
           <a:p>
